--- a/slides/python_biopython_NCBI.pptx
+++ b/slides/python_biopython_NCBI.pptx
@@ -5,10 +5,10 @@
     <p:sldMasterId id="2147483648" r:id="rId1"/>
   </p:sldMasterIdLst>
   <p:notesMasterIdLst>
-    <p:notesMasterId r:id="rId21"/>
+    <p:notesMasterId r:id="rId22"/>
   </p:notesMasterIdLst>
   <p:handoutMasterIdLst>
-    <p:handoutMasterId r:id="rId22"/>
+    <p:handoutMasterId r:id="rId23"/>
   </p:handoutMasterIdLst>
   <p:sldIdLst>
     <p:sldId id="257" r:id="rId2"/>
@@ -21,15 +21,16 @@
     <p:sldId id="268" r:id="rId9"/>
     <p:sldId id="262" r:id="rId10"/>
     <p:sldId id="263" r:id="rId11"/>
-    <p:sldId id="269" r:id="rId12"/>
-    <p:sldId id="264" r:id="rId13"/>
-    <p:sldId id="270" r:id="rId14"/>
-    <p:sldId id="272" r:id="rId15"/>
-    <p:sldId id="273" r:id="rId16"/>
-    <p:sldId id="274" r:id="rId17"/>
-    <p:sldId id="265" r:id="rId18"/>
-    <p:sldId id="266" r:id="rId19"/>
-    <p:sldId id="267" r:id="rId20"/>
+    <p:sldId id="264" r:id="rId12"/>
+    <p:sldId id="270" r:id="rId13"/>
+    <p:sldId id="272" r:id="rId14"/>
+    <p:sldId id="273" r:id="rId15"/>
+    <p:sldId id="274" r:id="rId16"/>
+    <p:sldId id="275" r:id="rId17"/>
+    <p:sldId id="276" r:id="rId18"/>
+    <p:sldId id="265" r:id="rId19"/>
+    <p:sldId id="266" r:id="rId20"/>
+    <p:sldId id="267" r:id="rId21"/>
   </p:sldIdLst>
   <p:sldSz cx="9144000" cy="6858000" type="screen4x3"/>
   <p:notesSz cx="6858000" cy="9144000"/>
@@ -166,7 +167,6 @@
         <p14:section name="ESummary: Retrieving summaries from primary IDs" id="{D382A79F-E5B2-C642-A014-A7C85C3D774F}">
           <p14:sldIdLst>
             <p14:sldId id="263"/>
-            <p14:sldId id="269"/>
           </p14:sldIdLst>
         </p14:section>
         <p14:section name="EFetch: Downloading full records from Entrez" id="{5BAED512-980A-9F42-B6DB-A36BCB0C91E4}">
@@ -179,7 +179,10 @@
           </p14:sldIdLst>
         </p14:section>
         <p14:section name="ELink: Searching for related items in NCBI Entrez" id="{65D86FD4-600F-3E4A-931F-87AF1F33DB42}">
-          <p14:sldIdLst/>
+          <p14:sldIdLst>
+            <p14:sldId id="275"/>
+            <p14:sldId id="276"/>
+          </p14:sldIdLst>
         </p14:section>
         <p14:section name="EGQuery: Global Query - counts for search terms" id="{73678C64-97CF-0C4C-A57A-8E363BBB1F5A}">
           <p14:sldIdLst>
@@ -1358,7 +1361,7 @@
           <a:p>
             <a:fld id="{1C0E2CBA-6097-B848-A7DA-4D7BD6EB303B}" type="slidenum">
               <a:rPr lang="fr-FR" smtClean="0"/>
-              <a:t>13</a:t>
+              <a:t>12</a:t>
             </a:fld>
             <a:endParaRPr lang="fr-FR"/>
           </a:p>
@@ -1989,7 +1992,7 @@
           <a:p>
             <a:fld id="{1C0E2CBA-6097-B848-A7DA-4D7BD6EB303B}" type="slidenum">
               <a:rPr lang="fr-FR" smtClean="0"/>
-              <a:t>15</a:t>
+              <a:t>14</a:t>
             </a:fld>
             <a:endParaRPr lang="fr-FR"/>
           </a:p>
@@ -2073,7 +2076,7 @@
           <a:p>
             <a:fld id="{1C0E2CBA-6097-B848-A7DA-4D7BD6EB303B}" type="slidenum">
               <a:rPr lang="fr-FR" smtClean="0"/>
-              <a:t>16</a:t>
+              <a:t>15</a:t>
             </a:fld>
             <a:endParaRPr lang="fr-FR"/>
           </a:p>
@@ -2083,6 +2086,919 @@
     <p:extLst>
       <p:ext uri="{BB962C8B-B14F-4D97-AF65-F5344CB8AC3E}">
         <p14:creationId xmlns:p14="http://schemas.microsoft.com/office/powerpoint/2010/main" val="3373232299"/>
+      </p:ext>
+    </p:extLst>
+  </p:cSld>
+  <p:clrMapOvr>
+    <a:masterClrMapping/>
+  </p:clrMapOvr>
+</p:notes>
+</file>
+
+<file path=ppt/notesSlides/notesSlide8.xml><?xml version="1.0" encoding="utf-8"?>
+<p:notes xmlns:a="http://schemas.openxmlformats.org/drawingml/2006/main" xmlns:r="http://schemas.openxmlformats.org/officeDocument/2006/relationships" xmlns:p="http://schemas.openxmlformats.org/presentationml/2006/main">
+  <p:cSld>
+    <p:spTree>
+      <p:nvGrpSpPr>
+        <p:cNvPr id="1" name=""/>
+        <p:cNvGrpSpPr/>
+        <p:nvPr/>
+      </p:nvGrpSpPr>
+      <p:grpSpPr>
+        <a:xfrm>
+          <a:off x="0" y="0"/>
+          <a:ext cx="0" cy="0"/>
+          <a:chOff x="0" y="0"/>
+          <a:chExt cx="0" cy="0"/>
+        </a:xfrm>
+      </p:grpSpPr>
+      <p:sp>
+        <p:nvSpPr>
+          <p:cNvPr id="2" name="Espace réservé de l'image des diapositives 1"/>
+          <p:cNvSpPr>
+            <a:spLocks noGrp="1" noRot="1" noChangeAspect="1"/>
+          </p:cNvSpPr>
+          <p:nvPr>
+            <p:ph type="sldImg"/>
+          </p:nvPr>
+        </p:nvSpPr>
+        <p:spPr/>
+      </p:sp>
+      <p:sp>
+        <p:nvSpPr>
+          <p:cNvPr id="3" name="Espace réservé des commentaires 2"/>
+          <p:cNvSpPr>
+            <a:spLocks noGrp="1"/>
+          </p:cNvSpPr>
+          <p:nvPr>
+            <p:ph type="body" idx="1"/>
+          </p:nvPr>
+        </p:nvSpPr>
+        <p:spPr/>
+        <p:txBody>
+          <a:bodyPr/>
+          <a:lstStyle/>
+          <a:p>
+            <a:r>
+              <a:rPr lang="en-US" sz="1200" kern="1200" dirty="0" smtClean="0">
+                <a:solidFill>
+                  <a:schemeClr val="tx1"/>
+                </a:solidFill>
+                <a:effectLst/>
+                <a:latin typeface="+mn-lt"/>
+                <a:ea typeface="+mn-ea"/>
+                <a:cs typeface="+mn-cs"/>
+              </a:rPr>
+              <a:t>The actual search results are stored as under the</a:t>
+            </a:r>
+            <a:r>
+              <a:rPr lang="en-US" sz="1200" kern="1200" baseline="0" dirty="0" smtClean="0">
+                <a:solidFill>
+                  <a:schemeClr val="tx1"/>
+                </a:solidFill>
+                <a:effectLst/>
+                <a:latin typeface="+mn-lt"/>
+                <a:ea typeface="+mn-ea"/>
+                <a:cs typeface="+mn-cs"/>
+              </a:rPr>
+              <a:t> </a:t>
+            </a:r>
+            <a:r>
+              <a:rPr lang="en-US" sz="1200" kern="1200" dirty="0" smtClean="0">
+                <a:solidFill>
+                  <a:schemeClr val="tx1"/>
+                </a:solidFill>
+                <a:effectLst/>
+                <a:latin typeface="+mn-lt"/>
+                <a:ea typeface="+mn-ea"/>
+                <a:cs typeface="+mn-cs"/>
+              </a:rPr>
+              <a:t>"Link” key. </a:t>
+            </a:r>
+          </a:p>
+          <a:p>
+            <a:r>
+              <a:rPr lang="en-US" sz="1200" kern="1200" dirty="0" smtClean="0">
+                <a:solidFill>
+                  <a:schemeClr val="tx1"/>
+                </a:solidFill>
+                <a:effectLst/>
+                <a:latin typeface="+mn-lt"/>
+                <a:ea typeface="+mn-ea"/>
+                <a:cs typeface="+mn-cs"/>
+              </a:rPr>
+              <a:t>In total, 110 items were found under</a:t>
+            </a:r>
+            <a:r>
+              <a:rPr lang="en-US" sz="1200" kern="1200" baseline="0" dirty="0" smtClean="0">
+                <a:solidFill>
+                  <a:schemeClr val="tx1"/>
+                </a:solidFill>
+                <a:effectLst/>
+                <a:latin typeface="+mn-lt"/>
+                <a:ea typeface="+mn-ea"/>
+                <a:cs typeface="+mn-cs"/>
+              </a:rPr>
+              <a:t> </a:t>
+            </a:r>
+            <a:r>
+              <a:rPr lang="en-US" sz="1200" kern="1200" dirty="0" smtClean="0">
+                <a:solidFill>
+                  <a:schemeClr val="tx1"/>
+                </a:solidFill>
+                <a:effectLst/>
+                <a:latin typeface="+mn-lt"/>
+                <a:ea typeface="+mn-ea"/>
+                <a:cs typeface="+mn-cs"/>
+              </a:rPr>
+              <a:t>standard search. </a:t>
+            </a:r>
+          </a:p>
+          <a:p>
+            <a:r>
+              <a:rPr lang="en-US" sz="1200" kern="1200" dirty="0" smtClean="0">
+                <a:solidFill>
+                  <a:schemeClr val="tx1"/>
+                </a:solidFill>
+                <a:effectLst/>
+                <a:latin typeface="+mn-lt"/>
+                <a:ea typeface="+mn-ea"/>
+                <a:cs typeface="+mn-cs"/>
+              </a:rPr>
+              <a:t>Let's now at the first search result:</a:t>
+            </a:r>
+          </a:p>
+          <a:p>
+            <a:r>
+              <a:rPr lang="en-US" sz="1200" kern="1200" dirty="0" smtClean="0">
+                <a:solidFill>
+                  <a:schemeClr val="tx1"/>
+                </a:solidFill>
+                <a:effectLst/>
+                <a:latin typeface="+mn-lt"/>
+                <a:ea typeface="+mn-ea"/>
+                <a:cs typeface="+mn-cs"/>
+              </a:rPr>
+              <a:t>&gt;&gt;&gt; record[0]["</a:t>
+            </a:r>
+            <a:r>
+              <a:rPr lang="en-US" sz="1200" kern="1200" dirty="0" err="1" smtClean="0">
+                <a:solidFill>
+                  <a:schemeClr val="tx1"/>
+                </a:solidFill>
+                <a:effectLst/>
+                <a:latin typeface="+mn-lt"/>
+                <a:ea typeface="+mn-ea"/>
+                <a:cs typeface="+mn-cs"/>
+              </a:rPr>
+              <a:t>LinkSetDb</a:t>
+            </a:r>
+            <a:r>
+              <a:rPr lang="en-US" sz="1200" kern="1200" dirty="0" smtClean="0">
+                <a:solidFill>
+                  <a:schemeClr val="tx1"/>
+                </a:solidFill>
+                <a:effectLst/>
+                <a:latin typeface="+mn-lt"/>
+                <a:ea typeface="+mn-ea"/>
+                <a:cs typeface="+mn-cs"/>
+              </a:rPr>
+              <a:t>"][0]["Link"][0]</a:t>
+            </a:r>
+          </a:p>
+          <a:p>
+            <a:r>
+              <a:rPr lang="en-US" sz="1200" kern="1200" dirty="0" smtClean="0">
+                <a:solidFill>
+                  <a:schemeClr val="tx1"/>
+                </a:solidFill>
+                <a:effectLst/>
+                <a:latin typeface="+mn-lt"/>
+                <a:ea typeface="+mn-ea"/>
+                <a:cs typeface="+mn-cs"/>
+              </a:rPr>
+              <a:t>{</a:t>
+            </a:r>
+            <a:r>
+              <a:rPr lang="en-US" sz="1200" kern="1200" dirty="0" err="1" smtClean="0">
+                <a:solidFill>
+                  <a:schemeClr val="tx1"/>
+                </a:solidFill>
+                <a:effectLst/>
+                <a:latin typeface="+mn-lt"/>
+                <a:ea typeface="+mn-ea"/>
+                <a:cs typeface="+mn-cs"/>
+              </a:rPr>
+              <a:t>u'Id</a:t>
+            </a:r>
+            <a:r>
+              <a:rPr lang="en-US" sz="1200" kern="1200" dirty="0" smtClean="0">
+                <a:solidFill>
+                  <a:schemeClr val="tx1"/>
+                </a:solidFill>
+                <a:effectLst/>
+                <a:latin typeface="+mn-lt"/>
+                <a:ea typeface="+mn-ea"/>
+                <a:cs typeface="+mn-cs"/>
+              </a:rPr>
+              <a:t>': '19304878'}</a:t>
+            </a:r>
+          </a:p>
+          <a:p>
+            <a:r>
+              <a:rPr lang="en-US" sz="1200" kern="1200" dirty="0" smtClean="0">
+                <a:solidFill>
+                  <a:schemeClr val="tx1"/>
+                </a:solidFill>
+                <a:effectLst/>
+                <a:latin typeface="+mn-lt"/>
+                <a:ea typeface="+mn-ea"/>
+                <a:cs typeface="+mn-cs"/>
+              </a:rPr>
+              <a:t>This is the article we searched for, which doesn't help us much, so let's look at the second search result:</a:t>
+            </a:r>
+          </a:p>
+          <a:p>
+            <a:r>
+              <a:rPr lang="en-US" sz="1200" kern="1200" dirty="0" smtClean="0">
+                <a:solidFill>
+                  <a:schemeClr val="tx1"/>
+                </a:solidFill>
+                <a:effectLst/>
+                <a:latin typeface="+mn-lt"/>
+                <a:ea typeface="+mn-ea"/>
+                <a:cs typeface="+mn-cs"/>
+              </a:rPr>
+              <a:t>&gt;&gt;&gt; record[0]["</a:t>
+            </a:r>
+            <a:r>
+              <a:rPr lang="en-US" sz="1200" kern="1200" dirty="0" err="1" smtClean="0">
+                <a:solidFill>
+                  <a:schemeClr val="tx1"/>
+                </a:solidFill>
+                <a:effectLst/>
+                <a:latin typeface="+mn-lt"/>
+                <a:ea typeface="+mn-ea"/>
+                <a:cs typeface="+mn-cs"/>
+              </a:rPr>
+              <a:t>LinkSetDb</a:t>
+            </a:r>
+            <a:r>
+              <a:rPr lang="en-US" sz="1200" kern="1200" dirty="0" smtClean="0">
+                <a:solidFill>
+                  <a:schemeClr val="tx1"/>
+                </a:solidFill>
+                <a:effectLst/>
+                <a:latin typeface="+mn-lt"/>
+                <a:ea typeface="+mn-ea"/>
+                <a:cs typeface="+mn-cs"/>
+              </a:rPr>
+              <a:t>"][0]["Link"][1]</a:t>
+            </a:r>
+          </a:p>
+          <a:p>
+            <a:r>
+              <a:rPr lang="en-US" sz="1200" kern="1200" dirty="0" smtClean="0">
+                <a:solidFill>
+                  <a:schemeClr val="tx1"/>
+                </a:solidFill>
+                <a:effectLst/>
+                <a:latin typeface="+mn-lt"/>
+                <a:ea typeface="+mn-ea"/>
+                <a:cs typeface="+mn-cs"/>
+              </a:rPr>
+              <a:t>{</a:t>
+            </a:r>
+            <a:r>
+              <a:rPr lang="en-US" sz="1200" kern="1200" dirty="0" err="1" smtClean="0">
+                <a:solidFill>
+                  <a:schemeClr val="tx1"/>
+                </a:solidFill>
+                <a:effectLst/>
+                <a:latin typeface="+mn-lt"/>
+                <a:ea typeface="+mn-ea"/>
+                <a:cs typeface="+mn-cs"/>
+              </a:rPr>
+              <a:t>u'Id</a:t>
+            </a:r>
+            <a:r>
+              <a:rPr lang="en-US" sz="1200" kern="1200" dirty="0" smtClean="0">
+                <a:solidFill>
+                  <a:schemeClr val="tx1"/>
+                </a:solidFill>
+                <a:effectLst/>
+                <a:latin typeface="+mn-lt"/>
+                <a:ea typeface="+mn-ea"/>
+                <a:cs typeface="+mn-cs"/>
+              </a:rPr>
+              <a:t>': '14630660'}</a:t>
+            </a:r>
+          </a:p>
+          <a:p>
+            <a:r>
+              <a:rPr lang="en-US" sz="1200" kern="1200" dirty="0" smtClean="0">
+                <a:solidFill>
+                  <a:schemeClr val="tx1"/>
+                </a:solidFill>
+                <a:effectLst/>
+                <a:latin typeface="+mn-lt"/>
+                <a:ea typeface="+mn-ea"/>
+                <a:cs typeface="+mn-cs"/>
+              </a:rPr>
+              <a:t>This paper, with PubMed ID 14630660, is about the Biopython PDB parser.</a:t>
+            </a:r>
+          </a:p>
+          <a:p>
+            <a:r>
+              <a:rPr lang="en-US" sz="1200" kern="1200" dirty="0" smtClean="0">
+                <a:solidFill>
+                  <a:schemeClr val="tx1"/>
+                </a:solidFill>
+                <a:effectLst/>
+                <a:latin typeface="+mn-lt"/>
+                <a:ea typeface="+mn-ea"/>
+                <a:cs typeface="+mn-cs"/>
+              </a:rPr>
+              <a:t>We can use a loop to print out all PubMed IDs:</a:t>
+            </a:r>
+          </a:p>
+          <a:p>
+            <a:r>
+              <a:rPr lang="en-US" sz="1200" kern="1200" dirty="0" smtClean="0">
+                <a:solidFill>
+                  <a:schemeClr val="tx1"/>
+                </a:solidFill>
+                <a:effectLst/>
+                <a:latin typeface="+mn-lt"/>
+                <a:ea typeface="+mn-ea"/>
+                <a:cs typeface="+mn-cs"/>
+              </a:rPr>
+              <a:t>&gt;&gt;&gt; for link in record[0]["</a:t>
+            </a:r>
+            <a:r>
+              <a:rPr lang="en-US" sz="1200" kern="1200" dirty="0" err="1" smtClean="0">
+                <a:solidFill>
+                  <a:schemeClr val="tx1"/>
+                </a:solidFill>
+                <a:effectLst/>
+                <a:latin typeface="+mn-lt"/>
+                <a:ea typeface="+mn-ea"/>
+                <a:cs typeface="+mn-cs"/>
+              </a:rPr>
+              <a:t>LinkSetDb</a:t>
+            </a:r>
+            <a:r>
+              <a:rPr lang="en-US" sz="1200" kern="1200" dirty="0" smtClean="0">
+                <a:solidFill>
+                  <a:schemeClr val="tx1"/>
+                </a:solidFill>
+                <a:effectLst/>
+                <a:latin typeface="+mn-lt"/>
+                <a:ea typeface="+mn-ea"/>
+                <a:cs typeface="+mn-cs"/>
+              </a:rPr>
+              <a:t>"][0]["Link"]:</a:t>
+            </a:r>
+          </a:p>
+          <a:p>
+            <a:r>
+              <a:rPr lang="en-US" sz="1200" kern="1200" dirty="0" smtClean="0">
+                <a:solidFill>
+                  <a:schemeClr val="tx1"/>
+                </a:solidFill>
+                <a:effectLst/>
+                <a:latin typeface="+mn-lt"/>
+                <a:ea typeface="+mn-ea"/>
+                <a:cs typeface="+mn-cs"/>
+              </a:rPr>
+              <a:t>... print(link["Id"])</a:t>
+            </a:r>
+          </a:p>
+          <a:p>
+            <a:r>
+              <a:rPr lang="en-US" sz="1200" kern="1200" dirty="0" smtClean="0">
+                <a:solidFill>
+                  <a:schemeClr val="tx1"/>
+                </a:solidFill>
+                <a:effectLst/>
+                <a:latin typeface="+mn-lt"/>
+                <a:ea typeface="+mn-ea"/>
+                <a:cs typeface="+mn-cs"/>
+              </a:rPr>
+              <a:t>19304878</a:t>
+            </a:r>
+          </a:p>
+          <a:p>
+            <a:r>
+              <a:rPr lang="en-US" sz="1200" kern="1200" dirty="0" smtClean="0">
+                <a:solidFill>
+                  <a:schemeClr val="tx1"/>
+                </a:solidFill>
+                <a:effectLst/>
+                <a:latin typeface="+mn-lt"/>
+                <a:ea typeface="+mn-ea"/>
+                <a:cs typeface="+mn-cs"/>
+              </a:rPr>
+              <a:t>14630660</a:t>
+            </a:r>
+          </a:p>
+          <a:p>
+            <a:r>
+              <a:rPr lang="en-US" sz="1200" kern="1200" dirty="0" smtClean="0">
+                <a:solidFill>
+                  <a:schemeClr val="tx1"/>
+                </a:solidFill>
+                <a:effectLst/>
+                <a:latin typeface="+mn-lt"/>
+                <a:ea typeface="+mn-ea"/>
+                <a:cs typeface="+mn-cs"/>
+              </a:rPr>
+              <a:t>18689808</a:t>
+            </a:r>
+          </a:p>
+          <a:p>
+            <a:r>
+              <a:rPr lang="en-US" sz="1200" kern="1200" dirty="0" smtClean="0">
+                <a:solidFill>
+                  <a:schemeClr val="tx1"/>
+                </a:solidFill>
+                <a:effectLst/>
+                <a:latin typeface="+mn-lt"/>
+                <a:ea typeface="+mn-ea"/>
+                <a:cs typeface="+mn-cs"/>
+              </a:rPr>
+              <a:t>17121776</a:t>
+            </a:r>
+          </a:p>
+          <a:p>
+            <a:r>
+              <a:rPr lang="en-US" sz="1200" kern="1200" dirty="0" smtClean="0">
+                <a:solidFill>
+                  <a:schemeClr val="tx1"/>
+                </a:solidFill>
+                <a:effectLst/>
+                <a:latin typeface="+mn-lt"/>
+                <a:ea typeface="+mn-ea"/>
+                <a:cs typeface="+mn-cs"/>
+              </a:rPr>
+              <a:t>16377612</a:t>
+            </a:r>
+          </a:p>
+          <a:p>
+            <a:r>
+              <a:rPr lang="en-US" sz="1200" kern="1200" dirty="0" smtClean="0">
+                <a:solidFill>
+                  <a:schemeClr val="tx1"/>
+                </a:solidFill>
+                <a:effectLst/>
+                <a:latin typeface="+mn-lt"/>
+                <a:ea typeface="+mn-ea"/>
+                <a:cs typeface="+mn-cs"/>
+              </a:rPr>
+              <a:t>12368254</a:t>
+            </a:r>
+          </a:p>
+          <a:p>
+            <a:endParaRPr lang="fr-FR" dirty="0"/>
+          </a:p>
+        </p:txBody>
+      </p:sp>
+      <p:sp>
+        <p:nvSpPr>
+          <p:cNvPr id="4" name="Espace réservé du numéro de diapositive 3"/>
+          <p:cNvSpPr>
+            <a:spLocks noGrp="1"/>
+          </p:cNvSpPr>
+          <p:nvPr>
+            <p:ph type="sldNum" sz="quarter" idx="10"/>
+          </p:nvPr>
+        </p:nvSpPr>
+        <p:spPr/>
+        <p:txBody>
+          <a:bodyPr/>
+          <a:lstStyle/>
+          <a:p>
+            <a:fld id="{1C0E2CBA-6097-B848-A7DA-4D7BD6EB303B}" type="slidenum">
+              <a:rPr lang="fr-FR" smtClean="0"/>
+              <a:t>17</a:t>
+            </a:fld>
+            <a:endParaRPr lang="fr-FR"/>
+          </a:p>
+        </p:txBody>
+      </p:sp>
+    </p:spTree>
+    <p:extLst>
+      <p:ext uri="{BB962C8B-B14F-4D97-AF65-F5344CB8AC3E}">
+        <p14:creationId xmlns:p14="http://schemas.microsoft.com/office/powerpoint/2010/main" val="1110899593"/>
+      </p:ext>
+    </p:extLst>
+  </p:cSld>
+  <p:clrMapOvr>
+    <a:masterClrMapping/>
+  </p:clrMapOvr>
+</p:notes>
+</file>
+
+<file path=ppt/notesSlides/notesSlide9.xml><?xml version="1.0" encoding="utf-8"?>
+<p:notes xmlns:a="http://schemas.openxmlformats.org/drawingml/2006/main" xmlns:r="http://schemas.openxmlformats.org/officeDocument/2006/relationships" xmlns:p="http://schemas.openxmlformats.org/presentationml/2006/main">
+  <p:cSld>
+    <p:spTree>
+      <p:nvGrpSpPr>
+        <p:cNvPr id="1" name=""/>
+        <p:cNvGrpSpPr/>
+        <p:nvPr/>
+      </p:nvGrpSpPr>
+      <p:grpSpPr>
+        <a:xfrm>
+          <a:off x="0" y="0"/>
+          <a:ext cx="0" cy="0"/>
+          <a:chOff x="0" y="0"/>
+          <a:chExt cx="0" cy="0"/>
+        </a:xfrm>
+      </p:grpSpPr>
+      <p:sp>
+        <p:nvSpPr>
+          <p:cNvPr id="2" name="Espace réservé de l'image des diapositives 1"/>
+          <p:cNvSpPr>
+            <a:spLocks noGrp="1" noRot="1" noChangeAspect="1"/>
+          </p:cNvSpPr>
+          <p:nvPr>
+            <p:ph type="sldImg"/>
+          </p:nvPr>
+        </p:nvSpPr>
+        <p:spPr/>
+      </p:sp>
+      <p:sp>
+        <p:nvSpPr>
+          <p:cNvPr id="3" name="Espace réservé des commentaires 2"/>
+          <p:cNvSpPr>
+            <a:spLocks noGrp="1"/>
+          </p:cNvSpPr>
+          <p:nvPr>
+            <p:ph type="body" idx="1"/>
+          </p:nvPr>
+        </p:nvSpPr>
+        <p:spPr/>
+        <p:txBody>
+          <a:bodyPr/>
+          <a:lstStyle/>
+          <a:p>
+            <a:r>
+              <a:rPr lang="en-US" sz="1200" kern="1200" dirty="0" smtClean="0">
+                <a:solidFill>
+                  <a:schemeClr val="tx1"/>
+                </a:solidFill>
+                <a:effectLst/>
+                <a:latin typeface="+mn-lt"/>
+                <a:ea typeface="+mn-ea"/>
+                <a:cs typeface="+mn-cs"/>
+              </a:rPr>
+              <a:t>&gt;&gt;&gt; from Bio import </a:t>
+            </a:r>
+            <a:r>
+              <a:rPr lang="en-US" sz="1200" kern="1200" dirty="0" err="1" smtClean="0">
+                <a:solidFill>
+                  <a:schemeClr val="tx1"/>
+                </a:solidFill>
+                <a:effectLst/>
+                <a:latin typeface="+mn-lt"/>
+                <a:ea typeface="+mn-ea"/>
+                <a:cs typeface="+mn-cs"/>
+              </a:rPr>
+              <a:t>Entrez</a:t>
+            </a:r>
+            <a:endParaRPr lang="en-US" sz="1200" kern="1200" dirty="0" smtClean="0">
+              <a:solidFill>
+                <a:schemeClr val="tx1"/>
+              </a:solidFill>
+              <a:effectLst/>
+              <a:latin typeface="+mn-lt"/>
+              <a:ea typeface="+mn-ea"/>
+              <a:cs typeface="+mn-cs"/>
+            </a:endParaRPr>
+          </a:p>
+          <a:p>
+            <a:r>
+              <a:rPr lang="en-US" sz="1200" kern="1200" dirty="0" smtClean="0">
+                <a:solidFill>
+                  <a:schemeClr val="tx1"/>
+                </a:solidFill>
+                <a:effectLst/>
+                <a:latin typeface="+mn-lt"/>
+                <a:ea typeface="+mn-ea"/>
+                <a:cs typeface="+mn-cs"/>
+              </a:rPr>
+              <a:t>&gt;&gt;&gt; </a:t>
+            </a:r>
+            <a:r>
+              <a:rPr lang="en-US" sz="1200" kern="1200" dirty="0" err="1" smtClean="0">
+                <a:solidFill>
+                  <a:schemeClr val="tx1"/>
+                </a:solidFill>
+                <a:effectLst/>
+                <a:latin typeface="+mn-lt"/>
+                <a:ea typeface="+mn-ea"/>
+                <a:cs typeface="+mn-cs"/>
+              </a:rPr>
+              <a:t>Entrez.email</a:t>
+            </a:r>
+            <a:r>
+              <a:rPr lang="en-US" sz="1200" kern="1200" dirty="0" smtClean="0">
+                <a:solidFill>
+                  <a:schemeClr val="tx1"/>
+                </a:solidFill>
+                <a:effectLst/>
+                <a:latin typeface="+mn-lt"/>
+                <a:ea typeface="+mn-ea"/>
+                <a:cs typeface="+mn-cs"/>
+              </a:rPr>
+              <a:t> = "</a:t>
+            </a:r>
+            <a:r>
+              <a:rPr lang="en-US" sz="1200" kern="1200" dirty="0" err="1" smtClean="0">
+                <a:solidFill>
+                  <a:schemeClr val="tx1"/>
+                </a:solidFill>
+                <a:effectLst/>
+                <a:latin typeface="+mn-lt"/>
+                <a:ea typeface="+mn-ea"/>
+                <a:cs typeface="+mn-cs"/>
+              </a:rPr>
+              <a:t>A.N.Other@example.com</a:t>
+            </a:r>
+            <a:r>
+              <a:rPr lang="en-US" sz="1200" kern="1200" dirty="0" smtClean="0">
+                <a:solidFill>
+                  <a:schemeClr val="tx1"/>
+                </a:solidFill>
+                <a:effectLst/>
+                <a:latin typeface="+mn-lt"/>
+                <a:ea typeface="+mn-ea"/>
+                <a:cs typeface="+mn-cs"/>
+              </a:rPr>
+              <a:t>" # Always tell NCBI who you are</a:t>
+            </a:r>
+          </a:p>
+          <a:p>
+            <a:r>
+              <a:rPr lang="en-US" sz="1200" kern="1200" dirty="0" smtClean="0">
+                <a:solidFill>
+                  <a:schemeClr val="tx1"/>
+                </a:solidFill>
+                <a:effectLst/>
+                <a:latin typeface="+mn-lt"/>
+                <a:ea typeface="+mn-ea"/>
+                <a:cs typeface="+mn-cs"/>
+              </a:rPr>
+              <a:t>&gt;&gt;&gt; handle = </a:t>
+            </a:r>
+            <a:r>
+              <a:rPr lang="en-US" sz="1200" kern="1200" dirty="0" err="1" smtClean="0">
+                <a:solidFill>
+                  <a:schemeClr val="tx1"/>
+                </a:solidFill>
+                <a:effectLst/>
+                <a:latin typeface="+mn-lt"/>
+                <a:ea typeface="+mn-ea"/>
+                <a:cs typeface="+mn-cs"/>
+              </a:rPr>
+              <a:t>Entrez.espell</a:t>
+            </a:r>
+            <a:r>
+              <a:rPr lang="en-US" sz="1200" kern="1200" dirty="0" smtClean="0">
+                <a:solidFill>
+                  <a:schemeClr val="tx1"/>
+                </a:solidFill>
+                <a:effectLst/>
+                <a:latin typeface="+mn-lt"/>
+                <a:ea typeface="+mn-ea"/>
+                <a:cs typeface="+mn-cs"/>
+              </a:rPr>
+              <a:t>(term="</a:t>
+            </a:r>
+            <a:r>
+              <a:rPr lang="en-US" sz="1200" kern="1200" dirty="0" err="1" smtClean="0">
+                <a:solidFill>
+                  <a:schemeClr val="tx1"/>
+                </a:solidFill>
+                <a:effectLst/>
+                <a:latin typeface="+mn-lt"/>
+                <a:ea typeface="+mn-ea"/>
+                <a:cs typeface="+mn-cs"/>
+              </a:rPr>
+              <a:t>biopythooon</a:t>
+            </a:r>
+            <a:r>
+              <a:rPr lang="en-US" sz="1200" kern="1200" dirty="0" smtClean="0">
+                <a:solidFill>
+                  <a:schemeClr val="tx1"/>
+                </a:solidFill>
+                <a:effectLst/>
+                <a:latin typeface="+mn-lt"/>
+                <a:ea typeface="+mn-ea"/>
+                <a:cs typeface="+mn-cs"/>
+              </a:rPr>
+              <a:t>")</a:t>
+            </a:r>
+          </a:p>
+          <a:p>
+            <a:r>
+              <a:rPr lang="en-US" sz="1200" kern="1200" dirty="0" smtClean="0">
+                <a:solidFill>
+                  <a:schemeClr val="tx1"/>
+                </a:solidFill>
+                <a:effectLst/>
+                <a:latin typeface="+mn-lt"/>
+                <a:ea typeface="+mn-ea"/>
+                <a:cs typeface="+mn-cs"/>
+              </a:rPr>
+              <a:t>&gt;&gt;&gt; record = </a:t>
+            </a:r>
+            <a:r>
+              <a:rPr lang="en-US" sz="1200" kern="1200" dirty="0" err="1" smtClean="0">
+                <a:solidFill>
+                  <a:schemeClr val="tx1"/>
+                </a:solidFill>
+                <a:effectLst/>
+                <a:latin typeface="+mn-lt"/>
+                <a:ea typeface="+mn-ea"/>
+                <a:cs typeface="+mn-cs"/>
+              </a:rPr>
+              <a:t>Entrez.read</a:t>
+            </a:r>
+            <a:r>
+              <a:rPr lang="en-US" sz="1200" kern="1200" dirty="0" smtClean="0">
+                <a:solidFill>
+                  <a:schemeClr val="tx1"/>
+                </a:solidFill>
+                <a:effectLst/>
+                <a:latin typeface="+mn-lt"/>
+                <a:ea typeface="+mn-ea"/>
+                <a:cs typeface="+mn-cs"/>
+              </a:rPr>
+              <a:t>(handle)</a:t>
+            </a:r>
+          </a:p>
+          <a:p>
+            <a:r>
+              <a:rPr lang="en-US" sz="1200" kern="1200" dirty="0" smtClean="0">
+                <a:solidFill>
+                  <a:schemeClr val="tx1"/>
+                </a:solidFill>
+                <a:effectLst/>
+                <a:latin typeface="+mn-lt"/>
+                <a:ea typeface="+mn-ea"/>
+                <a:cs typeface="+mn-cs"/>
+              </a:rPr>
+              <a:t>&gt;&gt;&gt; record["Query"]</a:t>
+            </a:r>
+          </a:p>
+          <a:p>
+            <a:r>
+              <a:rPr lang="en-US" sz="1200" kern="1200" dirty="0" smtClean="0">
+                <a:solidFill>
+                  <a:schemeClr val="tx1"/>
+                </a:solidFill>
+                <a:effectLst/>
+                <a:latin typeface="+mn-lt"/>
+                <a:ea typeface="+mn-ea"/>
+                <a:cs typeface="+mn-cs"/>
+              </a:rPr>
+              <a:t>'</a:t>
+            </a:r>
+            <a:r>
+              <a:rPr lang="en-US" sz="1200" kern="1200" dirty="0" err="1" smtClean="0">
+                <a:solidFill>
+                  <a:schemeClr val="tx1"/>
+                </a:solidFill>
+                <a:effectLst/>
+                <a:latin typeface="+mn-lt"/>
+                <a:ea typeface="+mn-ea"/>
+                <a:cs typeface="+mn-cs"/>
+              </a:rPr>
+              <a:t>biopythooon</a:t>
+            </a:r>
+            <a:r>
+              <a:rPr lang="en-US" sz="1200" kern="1200" dirty="0" smtClean="0">
+                <a:solidFill>
+                  <a:schemeClr val="tx1"/>
+                </a:solidFill>
+                <a:effectLst/>
+                <a:latin typeface="+mn-lt"/>
+                <a:ea typeface="+mn-ea"/>
+                <a:cs typeface="+mn-cs"/>
+              </a:rPr>
+              <a:t>'</a:t>
+            </a:r>
+          </a:p>
+          <a:p>
+            <a:r>
+              <a:rPr lang="en-US" sz="1200" kern="1200" dirty="0" smtClean="0">
+                <a:solidFill>
+                  <a:schemeClr val="tx1"/>
+                </a:solidFill>
+                <a:effectLst/>
+                <a:latin typeface="+mn-lt"/>
+                <a:ea typeface="+mn-ea"/>
+                <a:cs typeface="+mn-cs"/>
+              </a:rPr>
+              <a:t>&gt;&gt;&gt; record["</a:t>
+            </a:r>
+            <a:r>
+              <a:rPr lang="en-US" sz="1200" kern="1200" dirty="0" err="1" smtClean="0">
+                <a:solidFill>
+                  <a:schemeClr val="tx1"/>
+                </a:solidFill>
+                <a:effectLst/>
+                <a:latin typeface="+mn-lt"/>
+                <a:ea typeface="+mn-ea"/>
+                <a:cs typeface="+mn-cs"/>
+              </a:rPr>
+              <a:t>CorrectedQuery</a:t>
+            </a:r>
+            <a:r>
+              <a:rPr lang="en-US" sz="1200" kern="1200" dirty="0" smtClean="0">
+                <a:solidFill>
+                  <a:schemeClr val="tx1"/>
+                </a:solidFill>
+                <a:effectLst/>
+                <a:latin typeface="+mn-lt"/>
+                <a:ea typeface="+mn-ea"/>
+                <a:cs typeface="+mn-cs"/>
+              </a:rPr>
+              <a:t>"]</a:t>
+            </a:r>
+          </a:p>
+          <a:p>
+            <a:r>
+              <a:rPr lang="en-US" sz="1200" kern="1200" dirty="0" smtClean="0">
+                <a:solidFill>
+                  <a:schemeClr val="tx1"/>
+                </a:solidFill>
+                <a:effectLst/>
+                <a:latin typeface="+mn-lt"/>
+                <a:ea typeface="+mn-ea"/>
+                <a:cs typeface="+mn-cs"/>
+              </a:rPr>
+              <a:t>'</a:t>
+            </a:r>
+            <a:r>
+              <a:rPr lang="en-US" sz="1200" kern="1200" dirty="0" err="1" smtClean="0">
+                <a:solidFill>
+                  <a:schemeClr val="tx1"/>
+                </a:solidFill>
+                <a:effectLst/>
+                <a:latin typeface="+mn-lt"/>
+                <a:ea typeface="+mn-ea"/>
+                <a:cs typeface="+mn-cs"/>
+              </a:rPr>
+              <a:t>biopython</a:t>
+            </a:r>
+            <a:r>
+              <a:rPr lang="en-US" sz="1200" kern="1200" dirty="0" smtClean="0">
+                <a:solidFill>
+                  <a:schemeClr val="tx1"/>
+                </a:solidFill>
+                <a:effectLst/>
+                <a:latin typeface="+mn-lt"/>
+                <a:ea typeface="+mn-ea"/>
+                <a:cs typeface="+mn-cs"/>
+              </a:rPr>
+              <a:t>'</a:t>
+            </a:r>
+          </a:p>
+          <a:p>
+            <a:endParaRPr lang="fr-FR" dirty="0"/>
+          </a:p>
+        </p:txBody>
+      </p:sp>
+      <p:sp>
+        <p:nvSpPr>
+          <p:cNvPr id="4" name="Espace réservé du numéro de diapositive 3"/>
+          <p:cNvSpPr>
+            <a:spLocks noGrp="1"/>
+          </p:cNvSpPr>
+          <p:nvPr>
+            <p:ph type="sldNum" sz="quarter" idx="10"/>
+          </p:nvPr>
+        </p:nvSpPr>
+        <p:spPr/>
+        <p:txBody>
+          <a:bodyPr/>
+          <a:lstStyle/>
+          <a:p>
+            <a:fld id="{1C0E2CBA-6097-B848-A7DA-4D7BD6EB303B}" type="slidenum">
+              <a:rPr lang="fr-FR" smtClean="0"/>
+              <a:t>19</a:t>
+            </a:fld>
+            <a:endParaRPr lang="fr-FR"/>
+          </a:p>
+        </p:txBody>
+      </p:sp>
+    </p:spTree>
+    <p:extLst>
+      <p:ext uri="{BB962C8B-B14F-4D97-AF65-F5344CB8AC3E}">
+        <p14:creationId xmlns:p14="http://schemas.microsoft.com/office/powerpoint/2010/main" val="2129347412"/>
       </p:ext>
     </p:extLst>
   </p:cSld>
@@ -6911,7 +7827,19 @@
           <a:bodyPr/>
           <a:lstStyle/>
           <a:p>
-            <a:endParaRPr lang="fr-FR"/>
+            <a:r>
+              <a:rPr lang="en-US" dirty="0" err="1"/>
+              <a:t>EFetch</a:t>
+            </a:r>
+            <a:r>
+              <a:rPr lang="en-US" dirty="0"/>
+              <a:t>: Downloading full records from </a:t>
+            </a:r>
+            <a:r>
+              <a:rPr lang="en-US" dirty="0" err="1"/>
+              <a:t>Entrez</a:t>
+            </a:r>
+            <a:endParaRPr lang="fr-FR" dirty="0"/>
           </a:p>
         </p:txBody>
       </p:sp>
@@ -6925,12 +7853,105 @@
             <p:ph idx="1"/>
           </p:nvPr>
         </p:nvSpPr>
-        <p:spPr/>
+        <p:spPr>
+          <a:xfrm>
+            <a:off x="279400" y="981728"/>
+            <a:ext cx="8644466" cy="1031911"/>
+          </a:xfrm>
+        </p:spPr>
         <p:txBody>
           <a:bodyPr/>
           <a:lstStyle/>
           <a:p>
-            <a:endParaRPr lang="fr-FR"/>
+            <a:r>
+              <a:rPr lang="en-US" dirty="0" smtClean="0"/>
+              <a:t>Use </a:t>
+            </a:r>
+            <a:r>
+              <a:rPr lang="en-US" dirty="0"/>
+              <a:t>when you want to retrieve a full record from </a:t>
+            </a:r>
+            <a:r>
+              <a:rPr lang="en-US" dirty="0" err="1"/>
+              <a:t>Entrez</a:t>
+            </a:r>
+            <a:r>
+              <a:rPr lang="en-US" dirty="0" smtClean="0"/>
+              <a:t>.</a:t>
+            </a:r>
+          </a:p>
+          <a:p>
+            <a:r>
+              <a:rPr lang="en-US" dirty="0"/>
+              <a:t>For most of their databases, the NCBI support several </a:t>
+            </a:r>
+            <a:r>
+              <a:rPr lang="en-US" dirty="0" smtClean="0"/>
+              <a:t>different </a:t>
+            </a:r>
+            <a:r>
+              <a:rPr lang="en-US" dirty="0"/>
+              <a:t>formats </a:t>
+            </a:r>
+            <a:endParaRPr lang="en-US" dirty="0" smtClean="0"/>
+          </a:p>
+          <a:p>
+            <a:r>
+              <a:rPr lang="en-US" dirty="0" smtClean="0"/>
+              <a:t>Requires </a:t>
+            </a:r>
+            <a:r>
+              <a:rPr lang="en-US" dirty="0"/>
+              <a:t>specifying </a:t>
+            </a:r>
+            <a:r>
+              <a:rPr lang="en-US" dirty="0" smtClean="0"/>
+              <a:t>the </a:t>
+            </a:r>
+            <a:r>
+              <a:rPr lang="en-US" dirty="0" err="1" smtClean="0"/>
+              <a:t>rettype</a:t>
+            </a:r>
+            <a:r>
+              <a:rPr lang="en-US" dirty="0"/>
+              <a:t> </a:t>
+            </a:r>
+            <a:r>
+              <a:rPr lang="en-US" dirty="0" smtClean="0"/>
+              <a:t>and</a:t>
+            </a:r>
+            <a:r>
+              <a:rPr lang="en-US" dirty="0"/>
+              <a:t>/</a:t>
+            </a:r>
+            <a:r>
+              <a:rPr lang="en-US" dirty="0" smtClean="0"/>
+              <a:t>or </a:t>
+            </a:r>
+            <a:r>
+              <a:rPr lang="en-US" dirty="0" err="1" smtClean="0"/>
+              <a:t>retmode</a:t>
+            </a:r>
+            <a:r>
+              <a:rPr lang="en-US" dirty="0"/>
+              <a:t> </a:t>
+            </a:r>
+            <a:r>
+              <a:rPr lang="en-US" dirty="0" smtClean="0"/>
+              <a:t>optional</a:t>
+            </a:r>
+            <a:r>
+              <a:rPr lang="en-US" dirty="0"/>
+              <a:t> </a:t>
+            </a:r>
+            <a:r>
+              <a:rPr lang="en-US" dirty="0" smtClean="0"/>
+              <a:t>arguments</a:t>
+            </a:r>
+            <a:endParaRPr lang="en-US" dirty="0"/>
+          </a:p>
+          <a:p>
+            <a:endParaRPr lang="fr-FR" dirty="0"/>
           </a:p>
         </p:txBody>
       </p:sp>
@@ -7004,10 +8025,582 @@
           </a:p>
         </p:txBody>
       </p:sp>
+      <p:sp>
+        <p:nvSpPr>
+          <p:cNvPr id="7" name="ZoneTexte 6"/>
+          <p:cNvSpPr txBox="1"/>
+          <p:nvPr/>
+        </p:nvSpPr>
+        <p:spPr>
+          <a:xfrm>
+            <a:off x="279400" y="2131261"/>
+            <a:ext cx="8644466" cy="4154983"/>
+          </a:xfrm>
+          <a:prstGeom prst="rect">
+            <a:avLst/>
+          </a:prstGeom>
+          <a:solidFill>
+            <a:schemeClr val="accent2">
+              <a:lumMod val="60000"/>
+              <a:lumOff val="40000"/>
+            </a:schemeClr>
+          </a:solidFill>
+          <a:ln>
+            <a:noFill/>
+          </a:ln>
+        </p:spPr>
+        <p:txBody>
+          <a:bodyPr wrap="square" rtlCol="0">
+            <a:spAutoFit/>
+          </a:bodyPr>
+          <a:lstStyle>
+            <a:defPPr>
+              <a:defRPr lang="fr-FR"/>
+            </a:defPPr>
+            <a:lvl1pPr>
+              <a:defRPr sz="1400"/>
+            </a:lvl1pPr>
+          </a:lstStyle>
+          <a:p>
+            <a:r>
+              <a:rPr lang="en-US" sz="1200" dirty="0"/>
+              <a:t>&gt;&gt;&gt; from Bio import </a:t>
+            </a:r>
+            <a:r>
+              <a:rPr lang="en-US" sz="1200" dirty="0" err="1"/>
+              <a:t>Entrez</a:t>
+            </a:r>
+            <a:endParaRPr lang="en-US" sz="1200" dirty="0"/>
+          </a:p>
+          <a:p>
+            <a:r>
+              <a:rPr lang="en-US" sz="1200" dirty="0"/>
+              <a:t>&gt;&gt;&gt; </a:t>
+            </a:r>
+            <a:r>
+              <a:rPr lang="en-US" sz="1200" dirty="0" err="1"/>
+              <a:t>Entrez.email</a:t>
+            </a:r>
+            <a:r>
+              <a:rPr lang="en-US" sz="1200" dirty="0"/>
+              <a:t> = "</a:t>
+            </a:r>
+            <a:r>
+              <a:rPr lang="en-US" sz="1200" dirty="0" err="1"/>
+              <a:t>A.N.Other@example.com</a:t>
+            </a:r>
+            <a:r>
+              <a:rPr lang="en-US" sz="1200" dirty="0"/>
+              <a:t>" # Always tell NCBI who you are</a:t>
+            </a:r>
+          </a:p>
+          <a:p>
+            <a:r>
+              <a:rPr lang="en-US" sz="1200" dirty="0"/>
+              <a:t>&gt;&gt;&gt; handle = </a:t>
+            </a:r>
+            <a:r>
+              <a:rPr lang="en-US" sz="1200" dirty="0" err="1"/>
+              <a:t>Entrez.efetch</a:t>
+            </a:r>
+            <a:r>
+              <a:rPr lang="en-US" sz="1200" dirty="0"/>
+              <a:t>(</a:t>
+            </a:r>
+            <a:r>
+              <a:rPr lang="en-US" sz="1200" dirty="0" err="1"/>
+              <a:t>db</a:t>
+            </a:r>
+            <a:r>
+              <a:rPr lang="en-US" sz="1200" dirty="0"/>
+              <a:t>="nucleotide", id="186972394", </a:t>
+            </a:r>
+            <a:r>
+              <a:rPr lang="en-US" sz="1200" dirty="0" err="1"/>
+              <a:t>rettype</a:t>
+            </a:r>
+            <a:r>
+              <a:rPr lang="en-US" sz="1200" dirty="0"/>
+              <a:t>="</a:t>
+            </a:r>
+            <a:r>
+              <a:rPr lang="en-US" sz="1200" dirty="0" err="1"/>
+              <a:t>gb</a:t>
+            </a:r>
+            <a:r>
+              <a:rPr lang="en-US" sz="1200" dirty="0"/>
+              <a:t>", </a:t>
+            </a:r>
+            <a:r>
+              <a:rPr lang="en-US" sz="1200" dirty="0" err="1"/>
+              <a:t>retmode</a:t>
+            </a:r>
+            <a:r>
+              <a:rPr lang="en-US" sz="1200" dirty="0"/>
+              <a:t>="text")</a:t>
+            </a:r>
+          </a:p>
+          <a:p>
+            <a:r>
+              <a:rPr lang="en-US" sz="1200" dirty="0"/>
+              <a:t>&gt;&gt;&gt; print(</a:t>
+            </a:r>
+            <a:r>
+              <a:rPr lang="en-US" sz="1200" dirty="0" err="1"/>
+              <a:t>handle.read</a:t>
+            </a:r>
+            <a:r>
+              <a:rPr lang="en-US" sz="1200" dirty="0"/>
+              <a:t>())</a:t>
+            </a:r>
+          </a:p>
+          <a:p>
+            <a:r>
+              <a:rPr lang="pt-BR" sz="1200" dirty="0"/>
+              <a:t>LOCUS EU490707 1302 </a:t>
+            </a:r>
+            <a:r>
+              <a:rPr lang="pt-BR" sz="1200" dirty="0" err="1"/>
+              <a:t>bp</a:t>
+            </a:r>
+            <a:r>
+              <a:rPr lang="pt-BR" sz="1200" dirty="0"/>
+              <a:t> DNA linear PLN 05-MAY-2008</a:t>
+            </a:r>
+          </a:p>
+          <a:p>
+            <a:r>
+              <a:rPr lang="pt-BR" sz="1200" dirty="0"/>
+              <a:t>DEFINITION </a:t>
+            </a:r>
+            <a:r>
+              <a:rPr lang="pt-BR" sz="1200" dirty="0" err="1"/>
+              <a:t>Selenipedium</a:t>
+            </a:r>
+            <a:r>
+              <a:rPr lang="pt-BR" sz="1200" dirty="0"/>
+              <a:t> </a:t>
+            </a:r>
+            <a:r>
+              <a:rPr lang="pt-BR" sz="1200" dirty="0" err="1"/>
+              <a:t>aequinoctiale</a:t>
+            </a:r>
+            <a:r>
+              <a:rPr lang="pt-BR" sz="1200" dirty="0"/>
+              <a:t> </a:t>
+            </a:r>
+            <a:r>
+              <a:rPr lang="pt-BR" sz="1200" dirty="0" err="1"/>
+              <a:t>maturase</a:t>
+            </a:r>
+            <a:r>
+              <a:rPr lang="pt-BR" sz="1200" dirty="0"/>
+              <a:t> </a:t>
+            </a:r>
+            <a:r>
+              <a:rPr lang="pt-BR" sz="1200" dirty="0" err="1"/>
+              <a:t>K</a:t>
+            </a:r>
+            <a:r>
+              <a:rPr lang="pt-BR" sz="1200" dirty="0"/>
+              <a:t> (</a:t>
+            </a:r>
+            <a:r>
+              <a:rPr lang="pt-BR" sz="1200" dirty="0" err="1"/>
+              <a:t>matK</a:t>
+            </a:r>
+            <a:r>
+              <a:rPr lang="pt-BR" sz="1200" dirty="0"/>
+              <a:t>) gene, </a:t>
+            </a:r>
+            <a:r>
+              <a:rPr lang="pt-BR" sz="1200" dirty="0" err="1"/>
+              <a:t>partial</a:t>
+            </a:r>
+            <a:r>
+              <a:rPr lang="pt-BR" sz="1200" dirty="0"/>
+              <a:t> </a:t>
+            </a:r>
+            <a:r>
+              <a:rPr lang="pt-BR" sz="1200" dirty="0" err="1"/>
+              <a:t>cds</a:t>
+            </a:r>
+            <a:r>
+              <a:rPr lang="pt-BR" sz="1200" dirty="0"/>
+              <a:t>;</a:t>
+            </a:r>
+          </a:p>
+          <a:p>
+            <a:r>
+              <a:rPr lang="pt-BR" sz="1200" dirty="0" err="1"/>
+              <a:t>chloroplast</a:t>
+            </a:r>
+            <a:r>
+              <a:rPr lang="pt-BR" sz="1200" dirty="0"/>
+              <a:t>.</a:t>
+            </a:r>
+          </a:p>
+          <a:p>
+            <a:r>
+              <a:rPr lang="pt-BR" sz="1200" dirty="0"/>
+              <a:t>ACCESSION EU490707</a:t>
+            </a:r>
+          </a:p>
+          <a:p>
+            <a:r>
+              <a:rPr lang="pt-BR" sz="1200" dirty="0"/>
+              <a:t>VERSION EU490707.1 GI:186972394</a:t>
+            </a:r>
+          </a:p>
+          <a:p>
+            <a:r>
+              <a:rPr lang="pt-BR" sz="1200" dirty="0"/>
+              <a:t>KEYWORDS .</a:t>
+            </a:r>
+          </a:p>
+          <a:p>
+            <a:r>
+              <a:rPr lang="pt-BR" sz="1200" dirty="0"/>
+              <a:t>SOURCE </a:t>
+            </a:r>
+            <a:r>
+              <a:rPr lang="pt-BR" sz="1200" dirty="0" err="1"/>
+              <a:t>chloroplast</a:t>
+            </a:r>
+            <a:r>
+              <a:rPr lang="pt-BR" sz="1200" dirty="0"/>
+              <a:t> </a:t>
+            </a:r>
+            <a:r>
+              <a:rPr lang="pt-BR" sz="1200" dirty="0" err="1"/>
+              <a:t>Selenipedium</a:t>
+            </a:r>
+            <a:r>
+              <a:rPr lang="pt-BR" sz="1200" dirty="0"/>
+              <a:t> </a:t>
+            </a:r>
+            <a:r>
+              <a:rPr lang="pt-BR" sz="1200" dirty="0" err="1"/>
+              <a:t>aequinoctiale</a:t>
+            </a:r>
+            <a:endParaRPr lang="pt-BR" sz="1200" dirty="0"/>
+          </a:p>
+          <a:p>
+            <a:r>
+              <a:rPr lang="pt-BR" sz="1200" dirty="0"/>
+              <a:t>ORGANISM </a:t>
+            </a:r>
+            <a:r>
+              <a:rPr lang="pt-BR" sz="1200" dirty="0" err="1"/>
+              <a:t>Selenipedium</a:t>
+            </a:r>
+            <a:r>
+              <a:rPr lang="pt-BR" sz="1200" dirty="0"/>
+              <a:t> </a:t>
+            </a:r>
+            <a:r>
+              <a:rPr lang="pt-BR" sz="1200" dirty="0" err="1"/>
+              <a:t>aequinoctiale</a:t>
+            </a:r>
+            <a:endParaRPr lang="pt-BR" sz="1200" dirty="0"/>
+          </a:p>
+          <a:p>
+            <a:r>
+              <a:rPr lang="pt-BR" sz="1200" dirty="0" err="1"/>
+              <a:t>Eukaryota</a:t>
+            </a:r>
+            <a:r>
+              <a:rPr lang="pt-BR" sz="1200" dirty="0"/>
+              <a:t>; </a:t>
+            </a:r>
+            <a:r>
+              <a:rPr lang="pt-BR" sz="1200" dirty="0" err="1"/>
+              <a:t>Viridiplantae</a:t>
+            </a:r>
+            <a:r>
+              <a:rPr lang="pt-BR" sz="1200" dirty="0"/>
+              <a:t>; </a:t>
+            </a:r>
+            <a:r>
+              <a:rPr lang="pt-BR" sz="1200" dirty="0" err="1"/>
+              <a:t>Streptophyta</a:t>
+            </a:r>
+            <a:r>
+              <a:rPr lang="pt-BR" sz="1200" dirty="0"/>
+              <a:t>; </a:t>
+            </a:r>
+            <a:r>
+              <a:rPr lang="pt-BR" sz="1200" dirty="0" err="1"/>
+              <a:t>Embryophyta</a:t>
+            </a:r>
+            <a:r>
+              <a:rPr lang="pt-BR" sz="1200" dirty="0"/>
+              <a:t>; </a:t>
+            </a:r>
+            <a:r>
+              <a:rPr lang="pt-BR" sz="1200" dirty="0" err="1"/>
+              <a:t>Tracheophyta</a:t>
+            </a:r>
+            <a:r>
+              <a:rPr lang="pt-BR" sz="1200" dirty="0"/>
+              <a:t>;</a:t>
+            </a:r>
+          </a:p>
+          <a:p>
+            <a:r>
+              <a:rPr lang="pt-BR" sz="1200" dirty="0" err="1"/>
+              <a:t>Spermatophyta</a:t>
+            </a:r>
+            <a:r>
+              <a:rPr lang="pt-BR" sz="1200" dirty="0"/>
+              <a:t>; </a:t>
+            </a:r>
+            <a:r>
+              <a:rPr lang="pt-BR" sz="1200" dirty="0" err="1"/>
+              <a:t>Magnoliophyta</a:t>
+            </a:r>
+            <a:r>
+              <a:rPr lang="pt-BR" sz="1200" dirty="0"/>
+              <a:t>; </a:t>
+            </a:r>
+            <a:r>
+              <a:rPr lang="pt-BR" sz="1200" dirty="0" err="1"/>
+              <a:t>Liliopsida</a:t>
+            </a:r>
+            <a:r>
+              <a:rPr lang="pt-BR" sz="1200" dirty="0"/>
+              <a:t>; </a:t>
+            </a:r>
+            <a:r>
+              <a:rPr lang="pt-BR" sz="1200" dirty="0" err="1"/>
+              <a:t>Asparagales</a:t>
+            </a:r>
+            <a:r>
+              <a:rPr lang="pt-BR" sz="1200" dirty="0"/>
+              <a:t>; </a:t>
+            </a:r>
+            <a:r>
+              <a:rPr lang="pt-BR" sz="1200" dirty="0" err="1"/>
+              <a:t>Orchidaceae</a:t>
+            </a:r>
+            <a:r>
+              <a:rPr lang="pt-BR" sz="1200" dirty="0"/>
+              <a:t>;</a:t>
+            </a:r>
+          </a:p>
+          <a:p>
+            <a:r>
+              <a:rPr lang="pt-BR" sz="1200" dirty="0" err="1"/>
+              <a:t>Cypripedioideae</a:t>
+            </a:r>
+            <a:r>
+              <a:rPr lang="pt-BR" sz="1200" dirty="0"/>
+              <a:t>; </a:t>
+            </a:r>
+            <a:r>
+              <a:rPr lang="pt-BR" sz="1200" dirty="0" err="1"/>
+              <a:t>Selenipedium</a:t>
+            </a:r>
+            <a:r>
+              <a:rPr lang="pt-BR" sz="1200" dirty="0"/>
+              <a:t>.</a:t>
+            </a:r>
+          </a:p>
+          <a:p>
+            <a:r>
+              <a:rPr lang="pt-BR" sz="1200" dirty="0"/>
+              <a:t>REFERENCE 1 (bases 1 </a:t>
+            </a:r>
+            <a:r>
+              <a:rPr lang="pt-BR" sz="1200" dirty="0" err="1"/>
+              <a:t>to</a:t>
+            </a:r>
+            <a:r>
+              <a:rPr lang="pt-BR" sz="1200" dirty="0"/>
+              <a:t> 1302)</a:t>
+            </a:r>
+          </a:p>
+          <a:p>
+            <a:r>
+              <a:rPr lang="pt-BR" sz="1200" dirty="0"/>
+              <a:t>AUTHORS </a:t>
+            </a:r>
+            <a:r>
+              <a:rPr lang="pt-BR" sz="1200" dirty="0" err="1"/>
+              <a:t>Neubig,K.M</a:t>
+            </a:r>
+            <a:r>
+              <a:rPr lang="pt-BR" sz="1200" dirty="0"/>
+              <a:t>., </a:t>
+            </a:r>
+            <a:r>
+              <a:rPr lang="pt-BR" sz="1200" dirty="0" err="1"/>
+              <a:t>Whitten,W.M</a:t>
+            </a:r>
+            <a:r>
+              <a:rPr lang="pt-BR" sz="1200" dirty="0"/>
+              <a:t>., </a:t>
+            </a:r>
+            <a:r>
+              <a:rPr lang="pt-BR" sz="1200" dirty="0" err="1"/>
+              <a:t>Carlsward,B.S</a:t>
+            </a:r>
+            <a:r>
+              <a:rPr lang="pt-BR" sz="1200" dirty="0"/>
+              <a:t>., </a:t>
+            </a:r>
+            <a:r>
+              <a:rPr lang="pt-BR" sz="1200" dirty="0" err="1"/>
+              <a:t>Blanco,M.A</a:t>
+            </a:r>
+            <a:r>
+              <a:rPr lang="pt-BR" sz="1200" dirty="0"/>
+              <a:t>.,</a:t>
+            </a:r>
+          </a:p>
+          <a:p>
+            <a:r>
+              <a:rPr lang="pt-BR" sz="1200" dirty="0" err="1"/>
+              <a:t>Endara,C.L</a:t>
+            </a:r>
+            <a:r>
+              <a:rPr lang="pt-BR" sz="1200" dirty="0"/>
+              <a:t>., </a:t>
+            </a:r>
+            <a:r>
+              <a:rPr lang="pt-BR" sz="1200" dirty="0" err="1"/>
+              <a:t>Williams,N.H</a:t>
+            </a:r>
+            <a:r>
+              <a:rPr lang="pt-BR" sz="1200" dirty="0"/>
+              <a:t>. </a:t>
+            </a:r>
+            <a:r>
+              <a:rPr lang="pt-BR" sz="1200" dirty="0" err="1"/>
+              <a:t>and</a:t>
+            </a:r>
+            <a:r>
+              <a:rPr lang="pt-BR" sz="1200" dirty="0"/>
+              <a:t> </a:t>
+            </a:r>
+            <a:r>
+              <a:rPr lang="pt-BR" sz="1200" dirty="0" err="1"/>
+              <a:t>Moore,M.J</a:t>
+            </a:r>
+            <a:r>
+              <a:rPr lang="pt-BR" sz="1200" dirty="0"/>
+              <a:t>.</a:t>
+            </a:r>
+          </a:p>
+          <a:p>
+            <a:r>
+              <a:rPr lang="pt-BR" sz="1200" dirty="0"/>
+              <a:t>TITLE </a:t>
+            </a:r>
+            <a:r>
+              <a:rPr lang="pt-BR" sz="1200" dirty="0" err="1"/>
+              <a:t>Phylogenetic</a:t>
+            </a:r>
+            <a:r>
+              <a:rPr lang="pt-BR" sz="1200" dirty="0"/>
+              <a:t> </a:t>
+            </a:r>
+            <a:r>
+              <a:rPr lang="pt-BR" sz="1200" dirty="0" err="1"/>
+              <a:t>utility</a:t>
+            </a:r>
+            <a:r>
+              <a:rPr lang="pt-BR" sz="1200" dirty="0"/>
+              <a:t> </a:t>
+            </a:r>
+            <a:r>
+              <a:rPr lang="pt-BR" sz="1200" dirty="0" err="1"/>
+              <a:t>of</a:t>
+            </a:r>
+            <a:r>
+              <a:rPr lang="pt-BR" sz="1200" dirty="0"/>
+              <a:t> ycf1 in </a:t>
+            </a:r>
+            <a:r>
+              <a:rPr lang="pt-BR" sz="1200" dirty="0" err="1"/>
+              <a:t>orchids</a:t>
+            </a:r>
+            <a:endParaRPr lang="pt-BR" sz="1200" dirty="0"/>
+          </a:p>
+          <a:p>
+            <a:r>
+              <a:rPr lang="pt-BR" sz="1200" dirty="0"/>
+              <a:t>JOURNAL </a:t>
+            </a:r>
+            <a:r>
+              <a:rPr lang="pt-BR" sz="1200" dirty="0" err="1"/>
+              <a:t>Unpublished</a:t>
+            </a:r>
+            <a:endParaRPr lang="pt-BR" sz="1200" dirty="0"/>
+          </a:p>
+          <a:p>
+            <a:r>
+              <a:rPr lang="pt-BR" sz="1200" dirty="0"/>
+              <a:t>REFERENCE 2 (bases 1 </a:t>
+            </a:r>
+            <a:r>
+              <a:rPr lang="pt-BR" sz="1200" dirty="0" err="1"/>
+              <a:t>to</a:t>
+            </a:r>
+            <a:r>
+              <a:rPr lang="pt-BR" sz="1200" dirty="0"/>
+              <a:t> 1302)</a:t>
+            </a:r>
+          </a:p>
+          <a:p>
+            <a:r>
+              <a:rPr lang="pt-BR" sz="1200" dirty="0"/>
+              <a:t>AUTHORS </a:t>
+            </a:r>
+            <a:r>
+              <a:rPr lang="pt-BR" sz="1200" dirty="0" err="1"/>
+              <a:t>Neubig,K.M</a:t>
+            </a:r>
+            <a:r>
+              <a:rPr lang="pt-BR" sz="1200" dirty="0"/>
+              <a:t>., </a:t>
+            </a:r>
+            <a:r>
+              <a:rPr lang="pt-BR" sz="1200" dirty="0" err="1"/>
+              <a:t>Whitten,W.M</a:t>
+            </a:r>
+            <a:r>
+              <a:rPr lang="pt-BR" sz="1200" dirty="0"/>
+              <a:t>., </a:t>
+            </a:r>
+            <a:r>
+              <a:rPr lang="pt-BR" sz="1200" dirty="0" err="1"/>
+              <a:t>Carlsward,B.S</a:t>
+            </a:r>
+            <a:r>
+              <a:rPr lang="pt-BR" sz="1200" dirty="0"/>
+              <a:t>., </a:t>
+            </a:r>
+            <a:r>
+              <a:rPr lang="pt-BR" sz="1200" dirty="0" err="1"/>
+              <a:t>Blanco,M.A</a:t>
+            </a:r>
+            <a:r>
+              <a:rPr lang="pt-BR" sz="1200" dirty="0"/>
+              <a:t>.</a:t>
+            </a:r>
+            <a:r>
+              <a:rPr lang="pt-BR" sz="1200" dirty="0" smtClean="0"/>
+              <a:t>,</a:t>
+            </a:r>
+            <a:endParaRPr lang="pt-BR" sz="1200" dirty="0"/>
+          </a:p>
+        </p:txBody>
+      </p:sp>
     </p:spTree>
     <p:extLst>
       <p:ext uri="{BB962C8B-B14F-4D97-AF65-F5344CB8AC3E}">
-        <p14:creationId xmlns:p14="http://schemas.microsoft.com/office/powerpoint/2010/main" val="2534526824"/>
+        <p14:creationId xmlns:p14="http://schemas.microsoft.com/office/powerpoint/2010/main" val="3449187261"/>
       </p:ext>
     </p:extLst>
   </p:cSld>
@@ -7046,93 +8639,14 @@
         </p:nvSpPr>
         <p:spPr/>
         <p:txBody>
-          <a:bodyPr/>
+          <a:bodyPr>
+            <a:normAutofit/>
+          </a:bodyPr>
           <a:lstStyle/>
           <a:p>
             <a:r>
               <a:rPr lang="en-US" dirty="0" err="1"/>
-              <a:t>EFetch</a:t>
-            </a:r>
-            <a:r>
-              <a:rPr lang="en-US" dirty="0"/>
-              <a:t>: Downloading full records from </a:t>
-            </a:r>
-            <a:r>
-              <a:rPr lang="en-US" dirty="0" err="1"/>
-              <a:t>Entrez</a:t>
-            </a:r>
-            <a:endParaRPr lang="fr-FR" dirty="0"/>
-          </a:p>
-        </p:txBody>
-      </p:sp>
-      <p:sp>
-        <p:nvSpPr>
-          <p:cNvPr id="3" name="Espace réservé du contenu 2"/>
-          <p:cNvSpPr>
-            <a:spLocks noGrp="1"/>
-          </p:cNvSpPr>
-          <p:nvPr>
-            <p:ph idx="1"/>
-          </p:nvPr>
-        </p:nvSpPr>
-        <p:spPr>
-          <a:xfrm>
-            <a:off x="279400" y="981728"/>
-            <a:ext cx="8644466" cy="1031911"/>
-          </a:xfrm>
-        </p:spPr>
-        <p:txBody>
-          <a:bodyPr/>
-          <a:lstStyle/>
-          <a:p>
-            <a:r>
-              <a:rPr lang="en-US" dirty="0" smtClean="0"/>
-              <a:t>Use </a:t>
-            </a:r>
-            <a:r>
-              <a:rPr lang="en-US" dirty="0"/>
-              <a:t>when you want to retrieve a full record from </a:t>
-            </a:r>
-            <a:r>
-              <a:rPr lang="en-US" dirty="0" err="1"/>
-              <a:t>Entrez</a:t>
-            </a:r>
-            <a:r>
-              <a:rPr lang="en-US" dirty="0" smtClean="0"/>
-              <a:t>.</a:t>
-            </a:r>
-          </a:p>
-          <a:p>
-            <a:r>
-              <a:rPr lang="en-US" dirty="0"/>
-              <a:t>For most of their databases, the NCBI support several </a:t>
-            </a:r>
-            <a:r>
-              <a:rPr lang="en-US" dirty="0" smtClean="0"/>
-              <a:t>different </a:t>
-            </a:r>
-            <a:r>
-              <a:rPr lang="en-US" dirty="0"/>
-              <a:t>formats </a:t>
-            </a:r>
-            <a:endParaRPr lang="en-US" dirty="0" smtClean="0"/>
-          </a:p>
-          <a:p>
-            <a:r>
-              <a:rPr lang="en-US" dirty="0" smtClean="0"/>
-              <a:t>Requires </a:t>
-            </a:r>
-            <a:r>
-              <a:rPr lang="en-US" dirty="0"/>
-              <a:t>specifying </a:t>
-            </a:r>
-            <a:r>
-              <a:rPr lang="en-US" dirty="0" smtClean="0"/>
-              <a:t>the </a:t>
-            </a:r>
-            <a:r>
-              <a:rPr lang="en-US" dirty="0" err="1" smtClean="0"/>
-              <a:t>rettype</a:t>
+              <a:t>GenBank</a:t>
             </a:r>
             <a:r>
               <a:rPr lang="en-US" dirty="0"/>
@@ -7140,39 +8654,8 @@
             </a:r>
             <a:r>
               <a:rPr lang="en-US" dirty="0" smtClean="0"/>
-              <a:t>and</a:t>
-            </a:r>
-            <a:r>
-              <a:rPr lang="en-US" dirty="0"/>
-              <a:t>/</a:t>
-            </a:r>
-            <a:r>
-              <a:rPr lang="en-US" dirty="0" smtClean="0"/>
-              <a:t>or </a:t>
-            </a:r>
-            <a:r>
-              <a:rPr lang="en-US" dirty="0" err="1" smtClean="0"/>
-              <a:t>retmode</a:t>
-            </a:r>
-            <a:r>
-              <a:rPr lang="en-US" dirty="0"/>
-              <a:t> </a:t>
-            </a:r>
-            <a:r>
-              <a:rPr lang="en-US" dirty="0" smtClean="0"/>
-              <a:t>optional</a:t>
-            </a:r>
-            <a:r>
-              <a:rPr lang="en-US" dirty="0"/>
-              <a:t> </a:t>
-            </a:r>
-            <a:r>
-              <a:rPr lang="en-US" dirty="0" smtClean="0"/>
-              <a:t>arguments</a:t>
-            </a:r>
-            <a:endParaRPr lang="en-US" dirty="0"/>
-          </a:p>
-          <a:p>
+              <a:t>record 186972394</a:t>
+            </a:r>
             <a:endParaRPr lang="fr-FR" dirty="0"/>
           </a:p>
         </p:txBody>
@@ -7255,8 +8738,8 @@
         </p:nvSpPr>
         <p:spPr>
           <a:xfrm>
-            <a:off x="279400" y="2131261"/>
-            <a:ext cx="8644466" cy="4154983"/>
+            <a:off x="279400" y="1156002"/>
+            <a:ext cx="8644466" cy="4339649"/>
           </a:xfrm>
           <a:prstGeom prst="rect">
             <a:avLst/>
@@ -7286,543 +8769,259 @@
           <a:p>
             <a:r>
               <a:rPr lang="en-US" sz="1200" dirty="0"/>
-              <a:t>&gt;&gt;&gt; from Bio import </a:t>
+              <a:t>TITLE Direct Submission</a:t>
+            </a:r>
+          </a:p>
+          <a:p>
+            <a:r>
+              <a:rPr lang="en-US" sz="1200" dirty="0"/>
+              <a:t>JOURNAL Submitted (14-FEB-2008) Department of Botany, University of</a:t>
+            </a:r>
+          </a:p>
+          <a:p>
+            <a:r>
+              <a:rPr lang="en-US" sz="1200" dirty="0"/>
+              <a:t>Florida, 220 Bartram Hall, Gainesville, FL 32611-8526, USA</a:t>
+            </a:r>
+          </a:p>
+          <a:p>
+            <a:r>
+              <a:rPr lang="en-US" sz="1200" dirty="0"/>
+              <a:t>FEATURES Location/Qualifiers</a:t>
+            </a:r>
+          </a:p>
+          <a:p>
+            <a:r>
+              <a:rPr lang="en-US" sz="1200" dirty="0"/>
+              <a:t>source 1..1302</a:t>
+            </a:r>
+          </a:p>
+          <a:p>
+            <a:r>
+              <a:rPr lang="en-US" sz="1200" dirty="0"/>
+              <a:t>/organism="</a:t>
             </a:r>
             <a:r>
               <a:rPr lang="en-US" sz="1200" dirty="0" err="1"/>
-              <a:t>Entrez</a:t>
-            </a:r>
-            <a:endParaRPr lang="en-US" sz="1200" dirty="0"/>
-          </a:p>
-          <a:p>
-            <a:r>
-              <a:rPr lang="en-US" sz="1200" dirty="0"/>
-              <a:t>&gt;&gt;&gt; </a:t>
+              <a:t>Selenipedium</a:t>
+            </a:r>
+            <a:r>
+              <a:rPr lang="en-US" sz="1200" dirty="0"/>
+              <a:t> </a:t>
             </a:r>
             <a:r>
               <a:rPr lang="en-US" sz="1200" dirty="0" err="1"/>
-              <a:t>Entrez.email</a:t>
-            </a:r>
-            <a:r>
-              <a:rPr lang="en-US" sz="1200" dirty="0"/>
-              <a:t> = "</a:t>
+              <a:t>aequinoctiale</a:t>
+            </a:r>
+            <a:r>
+              <a:rPr lang="en-US" sz="1200" dirty="0"/>
+              <a:t>"</a:t>
+            </a:r>
+          </a:p>
+          <a:p>
+            <a:r>
+              <a:rPr lang="en-US" sz="1200" dirty="0"/>
+              <a:t>/organelle="</a:t>
             </a:r>
             <a:r>
               <a:rPr lang="en-US" sz="1200" dirty="0" err="1"/>
-              <a:t>A.N.Other@example.com</a:t>
-            </a:r>
-            <a:r>
-              <a:rPr lang="en-US" sz="1200" dirty="0"/>
-              <a:t>" # Always tell NCBI who you are</a:t>
-            </a:r>
-          </a:p>
-          <a:p>
-            <a:r>
-              <a:rPr lang="en-US" sz="1200" dirty="0"/>
-              <a:t>&gt;&gt;&gt; handle = </a:t>
+              <a:t>plastid:chloroplast</a:t>
+            </a:r>
+            <a:r>
+              <a:rPr lang="en-US" sz="1200" dirty="0"/>
+              <a:t>"</a:t>
+            </a:r>
+          </a:p>
+          <a:p>
+            <a:r>
+              <a:rPr lang="en-US" sz="1200" dirty="0"/>
+              <a:t>/</a:t>
             </a:r>
             <a:r>
               <a:rPr lang="en-US" sz="1200" dirty="0" err="1"/>
-              <a:t>Entrez.efetch</a:t>
-            </a:r>
-            <a:r>
-              <a:rPr lang="en-US" sz="1200" dirty="0"/>
-              <a:t>(</a:t>
+              <a:t>mol_type</a:t>
+            </a:r>
+            <a:r>
+              <a:rPr lang="en-US" sz="1200" dirty="0"/>
+              <a:t>="genomic DNA"</a:t>
+            </a:r>
+          </a:p>
+          <a:p>
+            <a:r>
+              <a:rPr lang="en-US" sz="1200" dirty="0"/>
+              <a:t>/</a:t>
             </a:r>
             <a:r>
               <a:rPr lang="en-US" sz="1200" dirty="0" err="1"/>
-              <a:t>db</a:t>
-            </a:r>
-            <a:r>
-              <a:rPr lang="en-US" sz="1200" dirty="0"/>
-              <a:t>="nucleotide", id="186972394", </a:t>
+              <a:t>specimen_voucher</a:t>
+            </a:r>
+            <a:r>
+              <a:rPr lang="en-US" sz="1200" dirty="0"/>
+              <a:t>="</a:t>
             </a:r>
             <a:r>
               <a:rPr lang="en-US" sz="1200" dirty="0" err="1"/>
-              <a:t>rettype</a:t>
-            </a:r>
-            <a:r>
-              <a:rPr lang="en-US" sz="1200" dirty="0"/>
-              <a:t>="</a:t>
+              <a:t>FLAS:Blanco</a:t>
+            </a:r>
+            <a:r>
+              <a:rPr lang="en-US" sz="1200" dirty="0"/>
+              <a:t> 2475"</a:t>
+            </a:r>
+          </a:p>
+          <a:p>
+            <a:r>
+              <a:rPr lang="en-US" sz="1200" dirty="0"/>
+              <a:t>/</a:t>
             </a:r>
             <a:r>
               <a:rPr lang="en-US" sz="1200" dirty="0" err="1"/>
-              <a:t>gb</a:t>
-            </a:r>
-            <a:r>
-              <a:rPr lang="en-US" sz="1200" dirty="0"/>
-              <a:t>", </a:t>
+              <a:t>db_xref</a:t>
+            </a:r>
+            <a:r>
+              <a:rPr lang="en-US" sz="1200" dirty="0"/>
+              <a:t>="taxon:256374"</a:t>
+            </a:r>
+          </a:p>
+          <a:p>
+            <a:r>
+              <a:rPr lang="en-US" sz="1200" dirty="0"/>
+              <a:t>gene &lt;1..&gt;1302</a:t>
+            </a:r>
+          </a:p>
+          <a:p>
+            <a:r>
+              <a:rPr lang="en-US" sz="1200" dirty="0"/>
+              <a:t>/gene="</a:t>
             </a:r>
             <a:r>
               <a:rPr lang="en-US" sz="1200" dirty="0" err="1"/>
-              <a:t>retmode</a:t>
-            </a:r>
-            <a:r>
-              <a:rPr lang="en-US" sz="1200" dirty="0"/>
-              <a:t>="text")</a:t>
-            </a:r>
-          </a:p>
-          <a:p>
-            <a:r>
-              <a:rPr lang="en-US" sz="1200" dirty="0"/>
-              <a:t>&gt;&gt;&gt; print(</a:t>
+              <a:t>matK</a:t>
+            </a:r>
+            <a:r>
+              <a:rPr lang="en-US" sz="1200" dirty="0"/>
+              <a:t>"</a:t>
+            </a:r>
+          </a:p>
+          <a:p>
+            <a:r>
+              <a:rPr lang="en-US" sz="1200" dirty="0"/>
+              <a:t>CDS &lt;1..&gt;1302</a:t>
+            </a:r>
+          </a:p>
+          <a:p>
+            <a:r>
+              <a:rPr lang="en-US" sz="1200" dirty="0"/>
+              <a:t>/gene="</a:t>
             </a:r>
             <a:r>
               <a:rPr lang="en-US" sz="1200" dirty="0" err="1"/>
-              <a:t>handle.read</a:t>
-            </a:r>
-            <a:r>
-              <a:rPr lang="en-US" sz="1200" dirty="0"/>
-              <a:t>())</a:t>
-            </a:r>
-          </a:p>
-          <a:p>
-            <a:r>
-              <a:rPr lang="pt-BR" sz="1200" dirty="0"/>
-              <a:t>LOCUS EU490707 1302 </a:t>
-            </a:r>
-            <a:r>
-              <a:rPr lang="pt-BR" sz="1200" dirty="0" err="1"/>
-              <a:t>bp</a:t>
-            </a:r>
-            <a:r>
-              <a:rPr lang="pt-BR" sz="1200" dirty="0"/>
-              <a:t> DNA linear PLN 05-MAY-2008</a:t>
-            </a:r>
-          </a:p>
-          <a:p>
-            <a:r>
-              <a:rPr lang="pt-BR" sz="1200" dirty="0"/>
-              <a:t>DEFINITION </a:t>
-            </a:r>
-            <a:r>
-              <a:rPr lang="pt-BR" sz="1200" dirty="0" err="1"/>
-              <a:t>Selenipedium</a:t>
-            </a:r>
-            <a:r>
-              <a:rPr lang="pt-BR" sz="1200" dirty="0"/>
-              <a:t> </a:t>
-            </a:r>
-            <a:r>
-              <a:rPr lang="pt-BR" sz="1200" dirty="0" err="1"/>
-              <a:t>aequinoctiale</a:t>
-            </a:r>
-            <a:r>
-              <a:rPr lang="pt-BR" sz="1200" dirty="0"/>
-              <a:t> </a:t>
-            </a:r>
-            <a:r>
-              <a:rPr lang="pt-BR" sz="1200" dirty="0" err="1"/>
+              <a:t>matK</a:t>
+            </a:r>
+            <a:r>
+              <a:rPr lang="en-US" sz="1200" dirty="0"/>
+              <a:t>"</a:t>
+            </a:r>
+          </a:p>
+          <a:p>
+            <a:r>
+              <a:rPr lang="en-US" sz="1200" dirty="0"/>
+              <a:t>/</a:t>
+            </a:r>
+            <a:r>
+              <a:rPr lang="en-US" sz="1200" dirty="0" err="1"/>
+              <a:t>codon_start</a:t>
+            </a:r>
+            <a:r>
+              <a:rPr lang="en-US" sz="1200" dirty="0"/>
+              <a:t>=1</a:t>
+            </a:r>
+          </a:p>
+          <a:p>
+            <a:r>
+              <a:rPr lang="en-US" sz="1200" dirty="0"/>
+              <a:t>/</a:t>
+            </a:r>
+            <a:r>
+              <a:rPr lang="en-US" sz="1200" dirty="0" err="1"/>
+              <a:t>transl_table</a:t>
+            </a:r>
+            <a:r>
+              <a:rPr lang="en-US" sz="1200" dirty="0"/>
+              <a:t>=11</a:t>
+            </a:r>
+          </a:p>
+          <a:p>
+            <a:r>
+              <a:rPr lang="en-US" sz="1200" dirty="0"/>
+              <a:t>/product="</a:t>
+            </a:r>
+            <a:r>
+              <a:rPr lang="en-US" sz="1200" dirty="0" err="1"/>
               <a:t>maturase</a:t>
             </a:r>
             <a:r>
-              <a:rPr lang="pt-BR" sz="1200" dirty="0"/>
-              <a:t> </a:t>
-            </a:r>
-            <a:r>
-              <a:rPr lang="pt-BR" sz="1200" dirty="0" err="1"/>
-              <a:t>K</a:t>
-            </a:r>
-            <a:r>
-              <a:rPr lang="pt-BR" sz="1200" dirty="0"/>
-              <a:t> (</a:t>
-            </a:r>
-            <a:r>
-              <a:rPr lang="pt-BR" sz="1200" dirty="0" err="1"/>
-              <a:t>matK</a:t>
-            </a:r>
-            <a:r>
-              <a:rPr lang="pt-BR" sz="1200" dirty="0"/>
-              <a:t>) gene, </a:t>
-            </a:r>
-            <a:r>
-              <a:rPr lang="pt-BR" sz="1200" dirty="0" err="1"/>
-              <a:t>partial</a:t>
-            </a:r>
-            <a:r>
-              <a:rPr lang="pt-BR" sz="1200" dirty="0"/>
-              <a:t> </a:t>
-            </a:r>
-            <a:r>
-              <a:rPr lang="pt-BR" sz="1200" dirty="0" err="1"/>
-              <a:t>cds</a:t>
-            </a:r>
-            <a:r>
-              <a:rPr lang="pt-BR" sz="1200" dirty="0"/>
-              <a:t>;</a:t>
-            </a:r>
-          </a:p>
-          <a:p>
-            <a:r>
-              <a:rPr lang="pt-BR" sz="1200" dirty="0" err="1"/>
-              <a:t>chloroplast</a:t>
-            </a:r>
-            <a:r>
-              <a:rPr lang="pt-BR" sz="1200" dirty="0"/>
-              <a:t>.</a:t>
-            </a:r>
-          </a:p>
-          <a:p>
-            <a:r>
-              <a:rPr lang="pt-BR" sz="1200" dirty="0"/>
-              <a:t>ACCESSION EU490707</a:t>
-            </a:r>
-          </a:p>
-          <a:p>
-            <a:r>
-              <a:rPr lang="pt-BR" sz="1200" dirty="0"/>
-              <a:t>VERSION EU490707.1 GI:186972394</a:t>
-            </a:r>
-          </a:p>
-          <a:p>
-            <a:r>
-              <a:rPr lang="pt-BR" sz="1200" dirty="0"/>
-              <a:t>KEYWORDS .</a:t>
-            </a:r>
-          </a:p>
-          <a:p>
-            <a:r>
-              <a:rPr lang="pt-BR" sz="1200" dirty="0"/>
-              <a:t>SOURCE </a:t>
-            </a:r>
-            <a:r>
-              <a:rPr lang="pt-BR" sz="1200" dirty="0" err="1"/>
-              <a:t>chloroplast</a:t>
-            </a:r>
-            <a:r>
-              <a:rPr lang="pt-BR" sz="1200" dirty="0"/>
-              <a:t> </a:t>
-            </a:r>
-            <a:r>
-              <a:rPr lang="pt-BR" sz="1200" dirty="0" err="1"/>
-              <a:t>Selenipedium</a:t>
-            </a:r>
-            <a:r>
-              <a:rPr lang="pt-BR" sz="1200" dirty="0"/>
-              <a:t> </a:t>
-            </a:r>
-            <a:r>
-              <a:rPr lang="pt-BR" sz="1200" dirty="0" err="1"/>
-              <a:t>aequinoctiale</a:t>
-            </a:r>
-            <a:endParaRPr lang="pt-BR" sz="1200" dirty="0"/>
-          </a:p>
-          <a:p>
-            <a:r>
-              <a:rPr lang="pt-BR" sz="1200" dirty="0"/>
-              <a:t>ORGANISM </a:t>
-            </a:r>
-            <a:r>
-              <a:rPr lang="pt-BR" sz="1200" dirty="0" err="1"/>
-              <a:t>Selenipedium</a:t>
-            </a:r>
-            <a:r>
-              <a:rPr lang="pt-BR" sz="1200" dirty="0"/>
-              <a:t> </a:t>
-            </a:r>
-            <a:r>
-              <a:rPr lang="pt-BR" sz="1200" dirty="0" err="1"/>
-              <a:t>aequinoctiale</a:t>
-            </a:r>
-            <a:endParaRPr lang="pt-BR" sz="1200" dirty="0"/>
-          </a:p>
-          <a:p>
-            <a:r>
-              <a:rPr lang="pt-BR" sz="1200" dirty="0" err="1"/>
-              <a:t>Eukaryota</a:t>
-            </a:r>
-            <a:r>
-              <a:rPr lang="pt-BR" sz="1200" dirty="0"/>
-              <a:t>; </a:t>
-            </a:r>
-            <a:r>
-              <a:rPr lang="pt-BR" sz="1200" dirty="0" err="1"/>
-              <a:t>Viridiplantae</a:t>
-            </a:r>
-            <a:r>
-              <a:rPr lang="pt-BR" sz="1200" dirty="0"/>
-              <a:t>; </a:t>
-            </a:r>
-            <a:r>
-              <a:rPr lang="pt-BR" sz="1200" dirty="0" err="1"/>
-              <a:t>Streptophyta</a:t>
-            </a:r>
-            <a:r>
-              <a:rPr lang="pt-BR" sz="1200" dirty="0"/>
-              <a:t>; </a:t>
-            </a:r>
-            <a:r>
-              <a:rPr lang="pt-BR" sz="1200" dirty="0" err="1"/>
-              <a:t>Embryophyta</a:t>
-            </a:r>
-            <a:r>
-              <a:rPr lang="pt-BR" sz="1200" dirty="0"/>
-              <a:t>; </a:t>
-            </a:r>
-            <a:r>
-              <a:rPr lang="pt-BR" sz="1200" dirty="0" err="1"/>
-              <a:t>Tracheophyta</a:t>
-            </a:r>
-            <a:r>
-              <a:rPr lang="pt-BR" sz="1200" dirty="0"/>
-              <a:t>;</a:t>
-            </a:r>
-          </a:p>
-          <a:p>
-            <a:r>
-              <a:rPr lang="pt-BR" sz="1200" dirty="0" err="1"/>
-              <a:t>Spermatophyta</a:t>
-            </a:r>
-            <a:r>
-              <a:rPr lang="pt-BR" sz="1200" dirty="0"/>
-              <a:t>; </a:t>
-            </a:r>
-            <a:r>
-              <a:rPr lang="pt-BR" sz="1200" dirty="0" err="1"/>
-              <a:t>Magnoliophyta</a:t>
-            </a:r>
-            <a:r>
-              <a:rPr lang="pt-BR" sz="1200" dirty="0"/>
-              <a:t>; </a:t>
-            </a:r>
-            <a:r>
-              <a:rPr lang="pt-BR" sz="1200" dirty="0" err="1"/>
-              <a:t>Liliopsida</a:t>
-            </a:r>
-            <a:r>
-              <a:rPr lang="pt-BR" sz="1200" dirty="0"/>
-              <a:t>; </a:t>
-            </a:r>
-            <a:r>
-              <a:rPr lang="pt-BR" sz="1200" dirty="0" err="1"/>
-              <a:t>Asparagales</a:t>
-            </a:r>
-            <a:r>
-              <a:rPr lang="pt-BR" sz="1200" dirty="0"/>
-              <a:t>; </a:t>
-            </a:r>
-            <a:r>
-              <a:rPr lang="pt-BR" sz="1200" dirty="0" err="1"/>
-              <a:t>Orchidaceae</a:t>
-            </a:r>
-            <a:r>
-              <a:rPr lang="pt-BR" sz="1200" dirty="0"/>
-              <a:t>;</a:t>
-            </a:r>
-          </a:p>
-          <a:p>
-            <a:r>
-              <a:rPr lang="pt-BR" sz="1200" dirty="0" err="1"/>
-              <a:t>Cypripedioideae</a:t>
-            </a:r>
-            <a:r>
-              <a:rPr lang="pt-BR" sz="1200" dirty="0"/>
-              <a:t>; </a:t>
-            </a:r>
-            <a:r>
-              <a:rPr lang="pt-BR" sz="1200" dirty="0" err="1"/>
-              <a:t>Selenipedium</a:t>
-            </a:r>
-            <a:r>
-              <a:rPr lang="pt-BR" sz="1200" dirty="0"/>
-              <a:t>.</a:t>
-            </a:r>
-          </a:p>
-          <a:p>
-            <a:r>
-              <a:rPr lang="pt-BR" sz="1200" dirty="0"/>
-              <a:t>REFERENCE 1 (bases 1 </a:t>
-            </a:r>
-            <a:r>
-              <a:rPr lang="pt-BR" sz="1200" dirty="0" err="1"/>
-              <a:t>to</a:t>
-            </a:r>
-            <a:r>
-              <a:rPr lang="pt-BR" sz="1200" dirty="0"/>
-              <a:t> 1302)</a:t>
-            </a:r>
-          </a:p>
-          <a:p>
-            <a:r>
-              <a:rPr lang="pt-BR" sz="1200" dirty="0"/>
-              <a:t>AUTHORS </a:t>
-            </a:r>
-            <a:r>
-              <a:rPr lang="pt-BR" sz="1200" dirty="0" err="1"/>
-              <a:t>Neubig,K.M</a:t>
-            </a:r>
-            <a:r>
-              <a:rPr lang="pt-BR" sz="1200" dirty="0"/>
-              <a:t>., </a:t>
-            </a:r>
-            <a:r>
-              <a:rPr lang="pt-BR" sz="1200" dirty="0" err="1"/>
-              <a:t>Whitten,W.M</a:t>
-            </a:r>
-            <a:r>
-              <a:rPr lang="pt-BR" sz="1200" dirty="0"/>
-              <a:t>., </a:t>
-            </a:r>
-            <a:r>
-              <a:rPr lang="pt-BR" sz="1200" dirty="0" err="1"/>
-              <a:t>Carlsward,B.S</a:t>
-            </a:r>
-            <a:r>
-              <a:rPr lang="pt-BR" sz="1200" dirty="0"/>
-              <a:t>., </a:t>
-            </a:r>
-            <a:r>
-              <a:rPr lang="pt-BR" sz="1200" dirty="0" err="1"/>
-              <a:t>Blanco,M.A</a:t>
-            </a:r>
-            <a:r>
-              <a:rPr lang="pt-BR" sz="1200" dirty="0"/>
-              <a:t>.,</a:t>
-            </a:r>
-          </a:p>
-          <a:p>
-            <a:r>
-              <a:rPr lang="pt-BR" sz="1200" dirty="0" err="1"/>
-              <a:t>Endara,C.L</a:t>
-            </a:r>
-            <a:r>
-              <a:rPr lang="pt-BR" sz="1200" dirty="0"/>
-              <a:t>., </a:t>
-            </a:r>
-            <a:r>
-              <a:rPr lang="pt-BR" sz="1200" dirty="0" err="1"/>
-              <a:t>Williams,N.H</a:t>
-            </a:r>
-            <a:r>
-              <a:rPr lang="pt-BR" sz="1200" dirty="0"/>
-              <a:t>. </a:t>
-            </a:r>
-            <a:r>
-              <a:rPr lang="pt-BR" sz="1200" dirty="0" err="1"/>
-              <a:t>and</a:t>
-            </a:r>
-            <a:r>
-              <a:rPr lang="pt-BR" sz="1200" dirty="0"/>
-              <a:t> </a:t>
-            </a:r>
-            <a:r>
-              <a:rPr lang="pt-BR" sz="1200" dirty="0" err="1"/>
-              <a:t>Moore,M.J</a:t>
-            </a:r>
-            <a:r>
-              <a:rPr lang="pt-BR" sz="1200" dirty="0"/>
-              <a:t>.</a:t>
-            </a:r>
-          </a:p>
-          <a:p>
-            <a:r>
-              <a:rPr lang="pt-BR" sz="1200" dirty="0"/>
-              <a:t>TITLE </a:t>
-            </a:r>
-            <a:r>
-              <a:rPr lang="pt-BR" sz="1200" dirty="0" err="1"/>
-              <a:t>Phylogenetic</a:t>
-            </a:r>
-            <a:r>
-              <a:rPr lang="pt-BR" sz="1200" dirty="0"/>
-              <a:t> </a:t>
-            </a:r>
-            <a:r>
-              <a:rPr lang="pt-BR" sz="1200" dirty="0" err="1"/>
-              <a:t>utility</a:t>
-            </a:r>
-            <a:r>
-              <a:rPr lang="pt-BR" sz="1200" dirty="0"/>
-              <a:t> </a:t>
-            </a:r>
-            <a:r>
-              <a:rPr lang="pt-BR" sz="1200" dirty="0" err="1"/>
-              <a:t>of</a:t>
-            </a:r>
-            <a:r>
-              <a:rPr lang="pt-BR" sz="1200" dirty="0"/>
-              <a:t> ycf1 in </a:t>
-            </a:r>
-            <a:r>
-              <a:rPr lang="pt-BR" sz="1200" dirty="0" err="1"/>
-              <a:t>orchids</a:t>
-            </a:r>
-            <a:endParaRPr lang="pt-BR" sz="1200" dirty="0"/>
-          </a:p>
-          <a:p>
-            <a:r>
-              <a:rPr lang="pt-BR" sz="1200" dirty="0"/>
-              <a:t>JOURNAL </a:t>
-            </a:r>
-            <a:r>
-              <a:rPr lang="pt-BR" sz="1200" dirty="0" err="1"/>
-              <a:t>Unpublished</a:t>
-            </a:r>
-            <a:endParaRPr lang="pt-BR" sz="1200" dirty="0"/>
-          </a:p>
-          <a:p>
-            <a:r>
-              <a:rPr lang="pt-BR" sz="1200" dirty="0"/>
-              <a:t>REFERENCE 2 (bases 1 </a:t>
-            </a:r>
-            <a:r>
-              <a:rPr lang="pt-BR" sz="1200" dirty="0" err="1"/>
-              <a:t>to</a:t>
-            </a:r>
-            <a:r>
-              <a:rPr lang="pt-BR" sz="1200" dirty="0"/>
-              <a:t> 1302)</a:t>
-            </a:r>
-          </a:p>
-          <a:p>
-            <a:r>
-              <a:rPr lang="pt-BR" sz="1200" dirty="0"/>
-              <a:t>AUTHORS </a:t>
-            </a:r>
-            <a:r>
-              <a:rPr lang="pt-BR" sz="1200" dirty="0" err="1"/>
-              <a:t>Neubig,K.M</a:t>
-            </a:r>
-            <a:r>
-              <a:rPr lang="pt-BR" sz="1200" dirty="0"/>
-              <a:t>., </a:t>
-            </a:r>
-            <a:r>
-              <a:rPr lang="pt-BR" sz="1200" dirty="0" err="1"/>
-              <a:t>Whitten,W.M</a:t>
-            </a:r>
-            <a:r>
-              <a:rPr lang="pt-BR" sz="1200" dirty="0"/>
-              <a:t>., </a:t>
-            </a:r>
-            <a:r>
-              <a:rPr lang="pt-BR" sz="1200" dirty="0" err="1"/>
-              <a:t>Carlsward,B.S</a:t>
-            </a:r>
-            <a:r>
-              <a:rPr lang="pt-BR" sz="1200" dirty="0"/>
-              <a:t>., </a:t>
-            </a:r>
-            <a:r>
-              <a:rPr lang="pt-BR" sz="1200" dirty="0" err="1"/>
-              <a:t>Blanco,M.A</a:t>
-            </a:r>
-            <a:r>
-              <a:rPr lang="pt-BR" sz="1200" dirty="0"/>
-              <a:t>.</a:t>
-            </a:r>
-            <a:r>
-              <a:rPr lang="pt-BR" sz="1200" dirty="0" smtClean="0"/>
-              <a:t>,</a:t>
-            </a:r>
-            <a:endParaRPr lang="pt-BR" sz="1200" dirty="0"/>
+              <a:rPr lang="en-US" sz="1200" dirty="0"/>
+              <a:t> K"</a:t>
+            </a:r>
+          </a:p>
+          <a:p>
+            <a:r>
+              <a:rPr lang="en-US" sz="1200" dirty="0"/>
+              <a:t>/</a:t>
+            </a:r>
+            <a:r>
+              <a:rPr lang="en-US" sz="1200" dirty="0" err="1"/>
+              <a:t>protein_id</a:t>
+            </a:r>
+            <a:r>
+              <a:rPr lang="en-US" sz="1200" dirty="0"/>
+              <a:t>="ACC99456.1"</a:t>
+            </a:r>
+          </a:p>
+          <a:p>
+            <a:r>
+              <a:rPr lang="en-US" sz="1200" dirty="0"/>
+              <a:t>/</a:t>
+            </a:r>
+            <a:r>
+              <a:rPr lang="en-US" sz="1200" dirty="0" err="1"/>
+              <a:t>db_xref</a:t>
+            </a:r>
+            <a:r>
+              <a:rPr lang="en-US" sz="1200" dirty="0"/>
+              <a:t>="GI:186972395"</a:t>
+            </a:r>
+          </a:p>
+          <a:p>
+            <a:r>
+              <a:rPr lang="en-US" sz="1200" dirty="0"/>
+              <a:t>/translation="IFYEPVEIFGYDNKSSLVLVKRLITRMYQQNFLISSVNDSNQKG</a:t>
+            </a:r>
+          </a:p>
+          <a:p>
+            <a:r>
+              <a:rPr lang="en-US" sz="1200" dirty="0"/>
+              <a:t>FWGHKHFFSSHFSSQMVSEGFGVILEIPFSSQLVSSLEEKKIPKYQNLRSIHSIFPFL</a:t>
+            </a:r>
+          </a:p>
+          <a:p>
+            <a:r>
+              <a:rPr lang="en-US" sz="1200" dirty="0"/>
+              <a:t>EDKFLHLNYVSDLLIPHPIHLEILVQILQCRIKDVPSLHLLRLLFHEYHNLNSLITSK</a:t>
+            </a:r>
+          </a:p>
+          <a:p>
+            <a:r>
+              <a:rPr lang="en-US" sz="1200" dirty="0" smtClean="0"/>
+              <a:t>KFIYAFSKRKKRFLWLLYNSYVYECEYLFQFLRKQSSYLRSTSSGVFLERTHLYVKIE</a:t>
+            </a:r>
           </a:p>
         </p:txBody>
       </p:sp>
     </p:spTree>
     <p:extLst>
       <p:ext uri="{BB962C8B-B14F-4D97-AF65-F5344CB8AC3E}">
-        <p14:creationId xmlns:p14="http://schemas.microsoft.com/office/powerpoint/2010/main" val="3449187261"/>
+        <p14:creationId xmlns:p14="http://schemas.microsoft.com/office/powerpoint/2010/main" val="3299662597"/>
       </p:ext>
     </p:extLst>
   </p:cSld>
@@ -7872,12 +9071,36 @@
             </a:r>
             <a:r>
               <a:rPr lang="en-US" dirty="0"/>
-              <a:t> </a:t>
+              <a:t> record </a:t>
             </a:r>
             <a:r>
               <a:rPr lang="en-US" dirty="0" smtClean="0"/>
-              <a:t>record 186972394</a:t>
-            </a:r>
+              <a:t>186972394</a:t>
+            </a:r>
+            <a:endParaRPr lang="fr-FR" dirty="0"/>
+          </a:p>
+        </p:txBody>
+      </p:sp>
+      <p:sp>
+        <p:nvSpPr>
+          <p:cNvPr id="3" name="Espace réservé du contenu 2"/>
+          <p:cNvSpPr>
+            <a:spLocks noGrp="1"/>
+          </p:cNvSpPr>
+          <p:nvPr>
+            <p:ph idx="1"/>
+          </p:nvPr>
+        </p:nvSpPr>
+        <p:spPr>
+          <a:xfrm>
+            <a:off x="279400" y="1236134"/>
+            <a:ext cx="8644466" cy="464899"/>
+          </a:xfrm>
+        </p:spPr>
+        <p:txBody>
+          <a:bodyPr/>
+          <a:lstStyle/>
+          <a:p>
             <a:endParaRPr lang="fr-FR" dirty="0"/>
           </a:p>
         </p:txBody>
@@ -7961,7 +9184,7 @@
         <p:spPr>
           <a:xfrm>
             <a:off x="279400" y="1156002"/>
-            <a:ext cx="8644466" cy="4339649"/>
+            <a:ext cx="8644466" cy="5201422"/>
           </a:xfrm>
           <a:prstGeom prst="rect">
             <a:avLst/>
@@ -7990,260 +9213,1154 @@
           </a:lstStyle>
           <a:p>
             <a:r>
-              <a:rPr lang="en-US" sz="1200" dirty="0"/>
-              <a:t>TITLE Direct Submission</a:t>
-            </a:r>
-          </a:p>
-          <a:p>
-            <a:r>
-              <a:rPr lang="en-US" sz="1200" dirty="0"/>
-              <a:t>JOURNAL Submitted (14-FEB-2008) Department of Botany, University of</a:t>
-            </a:r>
-          </a:p>
-          <a:p>
-            <a:r>
-              <a:rPr lang="en-US" sz="1200" dirty="0"/>
-              <a:t>Florida, 220 Bartram Hall, Gainesville, FL 32611-8526, USA</a:t>
-            </a:r>
-          </a:p>
-          <a:p>
-            <a:r>
-              <a:rPr lang="en-US" sz="1200" dirty="0"/>
-              <a:t>FEATURES Location/Qualifiers</a:t>
-            </a:r>
-          </a:p>
-          <a:p>
-            <a:r>
-              <a:rPr lang="en-US" sz="1200" dirty="0"/>
-              <a:t>source 1..1302</a:t>
-            </a:r>
-          </a:p>
-          <a:p>
-            <a:r>
-              <a:rPr lang="en-US" sz="1200" dirty="0"/>
-              <a:t>/organism="</a:t>
-            </a:r>
-            <a:r>
-              <a:rPr lang="en-US" sz="1200" dirty="0" err="1"/>
-              <a:t>Selenipedium</a:t>
-            </a:r>
-            <a:r>
-              <a:rPr lang="en-US" sz="1200" dirty="0"/>
+              <a:rPr lang="nl-NL" sz="1200" dirty="0"/>
+              <a:t>HLLVVCCNSFQRILCFLKDPFMHYVRYQGKAILASKGTLILMKKWKFHLVNFWQSYFH</a:t>
+            </a:r>
+          </a:p>
+          <a:p>
+            <a:r>
+              <a:rPr lang="nl-NL" sz="1200" dirty="0"/>
+              <a:t>FWSQPYRIHIKQLSNYSFSFLGYFSSVLENHLVVRNQMLENSFIINLLTKKFDTIAPV</a:t>
+            </a:r>
+          </a:p>
+          <a:p>
+            <a:r>
+              <a:rPr lang="nl-NL" sz="1200" dirty="0"/>
+              <a:t>ISLIGSLSKAQFCTVLGHPISKPIWTDFSDSDILDRFCRICRNLCRYHSGSSKKQVLY</a:t>
+            </a:r>
+          </a:p>
+          <a:p>
+            <a:r>
+              <a:rPr lang="nl-NL" sz="1200" dirty="0"/>
+              <a:t>RIKYILRLSCARTLARKHKSTVRTFMRRLGSGLLEEFFMEEE"</a:t>
+            </a:r>
+          </a:p>
+          <a:p>
+            <a:r>
+              <a:rPr lang="nl-NL" sz="1200" dirty="0"/>
+              <a:t>ORIGIN</a:t>
+            </a:r>
+          </a:p>
+          <a:p>
+            <a:r>
+              <a:rPr lang="nl-NL" sz="1200" dirty="0"/>
+              <a:t>1 </a:t>
+            </a:r>
+            <a:r>
+              <a:rPr lang="nl-NL" sz="1200" dirty="0" err="1"/>
+              <a:t>attttttacg</a:t>
+            </a:r>
+            <a:r>
+              <a:rPr lang="nl-NL" sz="1200" dirty="0"/>
               <a:t> </a:t>
             </a:r>
             <a:r>
-              <a:rPr lang="en-US" sz="1200" dirty="0" err="1"/>
-              <a:t>aequinoctiale</a:t>
-            </a:r>
-            <a:r>
-              <a:rPr lang="en-US" sz="1200" dirty="0"/>
-              <a:t>"</a:t>
-            </a:r>
-          </a:p>
-          <a:p>
-            <a:r>
-              <a:rPr lang="en-US" sz="1200" dirty="0"/>
-              <a:t>/organelle="</a:t>
-            </a:r>
-            <a:r>
-              <a:rPr lang="en-US" sz="1200" dirty="0" err="1"/>
-              <a:t>plastid:chloroplast</a:t>
-            </a:r>
-            <a:r>
-              <a:rPr lang="en-US" sz="1200" dirty="0"/>
-              <a:t>"</a:t>
-            </a:r>
-          </a:p>
-          <a:p>
-            <a:r>
-              <a:rPr lang="en-US" sz="1200" dirty="0"/>
-              <a:t>/</a:t>
-            </a:r>
-            <a:r>
-              <a:rPr lang="en-US" sz="1200" dirty="0" err="1"/>
-              <a:t>mol_type</a:t>
-            </a:r>
-            <a:r>
-              <a:rPr lang="en-US" sz="1200" dirty="0"/>
-              <a:t>="genomic DNA"</a:t>
-            </a:r>
-          </a:p>
-          <a:p>
-            <a:r>
-              <a:rPr lang="en-US" sz="1200" dirty="0"/>
-              <a:t>/</a:t>
-            </a:r>
-            <a:r>
-              <a:rPr lang="en-US" sz="1200" dirty="0" err="1"/>
-              <a:t>specimen_voucher</a:t>
-            </a:r>
-            <a:r>
-              <a:rPr lang="en-US" sz="1200" dirty="0"/>
-              <a:t>="</a:t>
-            </a:r>
-            <a:r>
-              <a:rPr lang="en-US" sz="1200" dirty="0" err="1"/>
-              <a:t>FLAS:Blanco</a:t>
-            </a:r>
-            <a:r>
-              <a:rPr lang="en-US" sz="1200" dirty="0"/>
-              <a:t> 2475"</a:t>
-            </a:r>
-          </a:p>
-          <a:p>
-            <a:r>
-              <a:rPr lang="en-US" sz="1200" dirty="0"/>
-              <a:t>/</a:t>
-            </a:r>
-            <a:r>
-              <a:rPr lang="en-US" sz="1200" dirty="0" err="1"/>
-              <a:t>db_xref</a:t>
-            </a:r>
-            <a:r>
-              <a:rPr lang="en-US" sz="1200" dirty="0"/>
-              <a:t>="taxon:256374"</a:t>
-            </a:r>
-          </a:p>
-          <a:p>
-            <a:r>
-              <a:rPr lang="en-US" sz="1200" dirty="0"/>
-              <a:t>gene &lt;1..&gt;1302</a:t>
-            </a:r>
-          </a:p>
-          <a:p>
-            <a:r>
-              <a:rPr lang="en-US" sz="1200" dirty="0"/>
-              <a:t>/gene="</a:t>
-            </a:r>
-            <a:r>
-              <a:rPr lang="en-US" sz="1200" dirty="0" err="1"/>
-              <a:t>matK</a:t>
-            </a:r>
-            <a:r>
-              <a:rPr lang="en-US" sz="1200" dirty="0"/>
-              <a:t>"</a:t>
-            </a:r>
-          </a:p>
-          <a:p>
-            <a:r>
-              <a:rPr lang="en-US" sz="1200" dirty="0"/>
-              <a:t>CDS &lt;1..&gt;1302</a:t>
-            </a:r>
-          </a:p>
-          <a:p>
-            <a:r>
-              <a:rPr lang="en-US" sz="1200" dirty="0"/>
-              <a:t>/gene="</a:t>
-            </a:r>
-            <a:r>
-              <a:rPr lang="en-US" sz="1200" dirty="0" err="1"/>
-              <a:t>matK</a:t>
-            </a:r>
-            <a:r>
-              <a:rPr lang="en-US" sz="1200" dirty="0"/>
-              <a:t>"</a:t>
-            </a:r>
-          </a:p>
-          <a:p>
-            <a:r>
-              <a:rPr lang="en-US" sz="1200" dirty="0"/>
-              <a:t>/</a:t>
-            </a:r>
-            <a:r>
-              <a:rPr lang="en-US" sz="1200" dirty="0" err="1"/>
-              <a:t>codon_start</a:t>
-            </a:r>
-            <a:r>
-              <a:rPr lang="en-US" sz="1200" dirty="0"/>
-              <a:t>=1</a:t>
-            </a:r>
-          </a:p>
-          <a:p>
-            <a:r>
-              <a:rPr lang="en-US" sz="1200" dirty="0"/>
-              <a:t>/</a:t>
-            </a:r>
-            <a:r>
-              <a:rPr lang="en-US" sz="1200" dirty="0" err="1"/>
-              <a:t>transl_table</a:t>
-            </a:r>
-            <a:r>
-              <a:rPr lang="en-US" sz="1200" dirty="0"/>
-              <a:t>=11</a:t>
-            </a:r>
-          </a:p>
-          <a:p>
-            <a:r>
-              <a:rPr lang="en-US" sz="1200" dirty="0"/>
-              <a:t>/product="</a:t>
-            </a:r>
-            <a:r>
-              <a:rPr lang="en-US" sz="1200" dirty="0" err="1"/>
-              <a:t>maturase</a:t>
-            </a:r>
-            <a:r>
-              <a:rPr lang="en-US" sz="1200" dirty="0"/>
-              <a:t> K"</a:t>
-            </a:r>
-          </a:p>
-          <a:p>
-            <a:r>
-              <a:rPr lang="en-US" sz="1200" dirty="0"/>
-              <a:t>/</a:t>
-            </a:r>
-            <a:r>
-              <a:rPr lang="en-US" sz="1200" dirty="0" err="1"/>
-              <a:t>protein_id</a:t>
-            </a:r>
-            <a:r>
-              <a:rPr lang="en-US" sz="1200" dirty="0"/>
-              <a:t>="ACC99456.1"</a:t>
-            </a:r>
-          </a:p>
-          <a:p>
-            <a:r>
-              <a:rPr lang="en-US" sz="1200" dirty="0"/>
-              <a:t>/</a:t>
-            </a:r>
-            <a:r>
-              <a:rPr lang="en-US" sz="1200" dirty="0" err="1"/>
-              <a:t>db_xref</a:t>
-            </a:r>
-            <a:r>
-              <a:rPr lang="en-US" sz="1200" dirty="0"/>
-              <a:t>="GI:186972395"</a:t>
-            </a:r>
-          </a:p>
-          <a:p>
-            <a:r>
-              <a:rPr lang="en-US" sz="1200" dirty="0"/>
-              <a:t>/translation="IFYEPVEIFGYDNKSSLVLVKRLITRMYQQNFLISSVNDSNQKG</a:t>
-            </a:r>
-          </a:p>
-          <a:p>
-            <a:r>
-              <a:rPr lang="en-US" sz="1200" dirty="0"/>
-              <a:t>FWGHKHFFSSHFSSQMVSEGFGVILEIPFSSQLVSSLEEKKIPKYQNLRSIHSIFPFL</a:t>
-            </a:r>
-          </a:p>
-          <a:p>
-            <a:r>
-              <a:rPr lang="en-US" sz="1200" dirty="0"/>
-              <a:t>EDKFLHLNYVSDLLIPHPIHLEILVQILQCRIKDVPSLHLLRLLFHEYHNLNSLITSK</a:t>
-            </a:r>
-          </a:p>
-          <a:p>
-            <a:r>
-              <a:rPr lang="en-US" sz="1200" dirty="0" smtClean="0"/>
-              <a:t>KFIYAFSKRKKRFLWLLYNSYVYECEYLFQFLRKQSSYLRSTSSGVFLERTHLYVKIE</a:t>
-            </a:r>
+              <a:rPr lang="nl-NL" sz="1200" dirty="0" err="1"/>
+              <a:t>aacctgtgga</a:t>
+            </a:r>
+            <a:r>
+              <a:rPr lang="nl-NL" sz="1200" dirty="0"/>
+              <a:t> </a:t>
+            </a:r>
+            <a:r>
+              <a:rPr lang="nl-NL" sz="1200" dirty="0" err="1"/>
+              <a:t>aatttttggt</a:t>
+            </a:r>
+            <a:r>
+              <a:rPr lang="nl-NL" sz="1200" dirty="0"/>
+              <a:t> </a:t>
+            </a:r>
+            <a:r>
+              <a:rPr lang="nl-NL" sz="1200" dirty="0" err="1"/>
+              <a:t>tatgacaata</a:t>
+            </a:r>
+            <a:r>
+              <a:rPr lang="nl-NL" sz="1200" dirty="0"/>
+              <a:t> </a:t>
+            </a:r>
+            <a:r>
+              <a:rPr lang="nl-NL" sz="1200" dirty="0" err="1"/>
+              <a:t>aatctagttt</a:t>
+            </a:r>
+            <a:r>
+              <a:rPr lang="nl-NL" sz="1200" dirty="0"/>
+              <a:t> </a:t>
+            </a:r>
+            <a:r>
+              <a:rPr lang="nl-NL" sz="1200" dirty="0" err="1"/>
+              <a:t>agtacttgtg</a:t>
+            </a:r>
+            <a:endParaRPr lang="nl-NL" sz="1200" dirty="0"/>
+          </a:p>
+          <a:p>
+            <a:r>
+              <a:rPr lang="nl-NL" sz="1200" dirty="0"/>
+              <a:t>61 </a:t>
+            </a:r>
+            <a:r>
+              <a:rPr lang="nl-NL" sz="1200" dirty="0" err="1"/>
+              <a:t>aaacgtttaa</a:t>
+            </a:r>
+            <a:r>
+              <a:rPr lang="nl-NL" sz="1200" dirty="0"/>
+              <a:t> </a:t>
+            </a:r>
+            <a:r>
+              <a:rPr lang="nl-NL" sz="1200" dirty="0" err="1"/>
+              <a:t>ttactcgaat</a:t>
+            </a:r>
+            <a:r>
+              <a:rPr lang="nl-NL" sz="1200" dirty="0"/>
+              <a:t> </a:t>
+            </a:r>
+            <a:r>
+              <a:rPr lang="nl-NL" sz="1200" dirty="0" err="1"/>
+              <a:t>gtatcaacag</a:t>
+            </a:r>
+            <a:r>
+              <a:rPr lang="nl-NL" sz="1200" dirty="0"/>
+              <a:t> </a:t>
+            </a:r>
+            <a:r>
+              <a:rPr lang="nl-NL" sz="1200" dirty="0" err="1"/>
+              <a:t>aattttttga</a:t>
+            </a:r>
+            <a:r>
+              <a:rPr lang="nl-NL" sz="1200" dirty="0"/>
+              <a:t> </a:t>
+            </a:r>
+            <a:r>
+              <a:rPr lang="nl-NL" sz="1200" dirty="0" err="1"/>
+              <a:t>tttcttcggt</a:t>
+            </a:r>
+            <a:r>
+              <a:rPr lang="nl-NL" sz="1200" dirty="0"/>
+              <a:t> </a:t>
+            </a:r>
+            <a:r>
+              <a:rPr lang="nl-NL" sz="1200" dirty="0" err="1"/>
+              <a:t>taatgattct</a:t>
+            </a:r>
+            <a:endParaRPr lang="nl-NL" sz="1200" dirty="0"/>
+          </a:p>
+          <a:p>
+            <a:r>
+              <a:rPr lang="nl-NL" sz="1200" dirty="0"/>
+              <a:t>121 </a:t>
+            </a:r>
+            <a:r>
+              <a:rPr lang="nl-NL" sz="1200" dirty="0" err="1"/>
+              <a:t>aaccaaaaag</a:t>
+            </a:r>
+            <a:r>
+              <a:rPr lang="nl-NL" sz="1200" dirty="0"/>
+              <a:t> </a:t>
+            </a:r>
+            <a:r>
+              <a:rPr lang="nl-NL" sz="1200" dirty="0" err="1"/>
+              <a:t>gattttgggg</a:t>
+            </a:r>
+            <a:r>
+              <a:rPr lang="nl-NL" sz="1200" dirty="0"/>
+              <a:t> </a:t>
+            </a:r>
+            <a:r>
+              <a:rPr lang="nl-NL" sz="1200" dirty="0" err="1"/>
+              <a:t>gcacaagcat</a:t>
+            </a:r>
+            <a:r>
+              <a:rPr lang="nl-NL" sz="1200" dirty="0"/>
+              <a:t> </a:t>
+            </a:r>
+            <a:r>
+              <a:rPr lang="nl-NL" sz="1200" dirty="0" err="1"/>
+              <a:t>tttttttctt</a:t>
+            </a:r>
+            <a:r>
+              <a:rPr lang="nl-NL" sz="1200" dirty="0"/>
+              <a:t> </a:t>
+            </a:r>
+            <a:r>
+              <a:rPr lang="nl-NL" sz="1200" dirty="0" err="1"/>
+              <a:t>ctcatttttc</a:t>
+            </a:r>
+            <a:r>
+              <a:rPr lang="nl-NL" sz="1200" dirty="0"/>
+              <a:t> </a:t>
+            </a:r>
+            <a:r>
+              <a:rPr lang="nl-NL" sz="1200" dirty="0" err="1"/>
+              <a:t>ttctcaaatg</a:t>
+            </a:r>
+            <a:endParaRPr lang="nl-NL" sz="1200" dirty="0"/>
+          </a:p>
+          <a:p>
+            <a:r>
+              <a:rPr lang="nl-NL" sz="1200" dirty="0"/>
+              <a:t>181 </a:t>
+            </a:r>
+            <a:r>
+              <a:rPr lang="nl-NL" sz="1200" dirty="0" err="1"/>
+              <a:t>gtatcagaag</a:t>
+            </a:r>
+            <a:r>
+              <a:rPr lang="nl-NL" sz="1200" dirty="0"/>
+              <a:t> </a:t>
+            </a:r>
+            <a:r>
+              <a:rPr lang="nl-NL" sz="1200" dirty="0" err="1"/>
+              <a:t>gttttggagt</a:t>
+            </a:r>
+            <a:r>
+              <a:rPr lang="nl-NL" sz="1200" dirty="0"/>
+              <a:t> </a:t>
+            </a:r>
+            <a:r>
+              <a:rPr lang="nl-NL" sz="1200" dirty="0" err="1"/>
+              <a:t>cattctggaa</a:t>
+            </a:r>
+            <a:r>
+              <a:rPr lang="nl-NL" sz="1200" dirty="0"/>
+              <a:t> </a:t>
+            </a:r>
+            <a:r>
+              <a:rPr lang="nl-NL" sz="1200" dirty="0" err="1"/>
+              <a:t>attccattct</a:t>
+            </a:r>
+            <a:r>
+              <a:rPr lang="nl-NL" sz="1200" dirty="0"/>
+              <a:t> </a:t>
+            </a:r>
+            <a:r>
+              <a:rPr lang="nl-NL" sz="1200" dirty="0" err="1"/>
+              <a:t>cgtcgcaatt</a:t>
+            </a:r>
+            <a:r>
+              <a:rPr lang="nl-NL" sz="1200" dirty="0"/>
+              <a:t> </a:t>
+            </a:r>
+            <a:r>
+              <a:rPr lang="nl-NL" sz="1200" dirty="0" err="1"/>
+              <a:t>agtatcttct</a:t>
+            </a:r>
+            <a:endParaRPr lang="nl-NL" sz="1200" dirty="0"/>
+          </a:p>
+          <a:p>
+            <a:r>
+              <a:rPr lang="nl-NL" sz="1200" dirty="0"/>
+              <a:t>241 </a:t>
+            </a:r>
+            <a:r>
+              <a:rPr lang="nl-NL" sz="1200" dirty="0" err="1"/>
+              <a:t>cttgaagaaa</a:t>
+            </a:r>
+            <a:r>
+              <a:rPr lang="nl-NL" sz="1200" dirty="0"/>
+              <a:t> </a:t>
+            </a:r>
+            <a:r>
+              <a:rPr lang="nl-NL" sz="1200" dirty="0" err="1"/>
+              <a:t>aaaaaatacc</a:t>
+            </a:r>
+            <a:r>
+              <a:rPr lang="nl-NL" sz="1200" dirty="0"/>
+              <a:t> </a:t>
+            </a:r>
+            <a:r>
+              <a:rPr lang="nl-NL" sz="1200" dirty="0" err="1"/>
+              <a:t>aaaatatcag</a:t>
+            </a:r>
+            <a:r>
+              <a:rPr lang="nl-NL" sz="1200" dirty="0"/>
+              <a:t> </a:t>
+            </a:r>
+            <a:r>
+              <a:rPr lang="nl-NL" sz="1200" dirty="0" err="1"/>
+              <a:t>aatttacgat</a:t>
+            </a:r>
+            <a:r>
+              <a:rPr lang="nl-NL" sz="1200" dirty="0"/>
+              <a:t> </a:t>
+            </a:r>
+            <a:r>
+              <a:rPr lang="nl-NL" sz="1200" dirty="0" err="1"/>
+              <a:t>ctattcattc</a:t>
+            </a:r>
+            <a:r>
+              <a:rPr lang="nl-NL" sz="1200" dirty="0"/>
+              <a:t> </a:t>
+            </a:r>
+            <a:r>
+              <a:rPr lang="nl-NL" sz="1200" dirty="0" err="1"/>
+              <a:t>aatatttccc</a:t>
+            </a:r>
+            <a:endParaRPr lang="nl-NL" sz="1200" dirty="0"/>
+          </a:p>
+          <a:p>
+            <a:r>
+              <a:rPr lang="nl-NL" sz="1200" dirty="0"/>
+              <a:t>301 </a:t>
+            </a:r>
+            <a:r>
+              <a:rPr lang="nl-NL" sz="1200" dirty="0" err="1"/>
+              <a:t>tttttagaag</a:t>
+            </a:r>
+            <a:r>
+              <a:rPr lang="nl-NL" sz="1200" dirty="0"/>
+              <a:t> </a:t>
+            </a:r>
+            <a:r>
+              <a:rPr lang="nl-NL" sz="1200" dirty="0" err="1"/>
+              <a:t>acaaattttt</a:t>
+            </a:r>
+            <a:r>
+              <a:rPr lang="nl-NL" sz="1200" dirty="0"/>
+              <a:t> </a:t>
+            </a:r>
+            <a:r>
+              <a:rPr lang="nl-NL" sz="1200" dirty="0" err="1"/>
+              <a:t>acatttgaat</a:t>
+            </a:r>
+            <a:r>
+              <a:rPr lang="nl-NL" sz="1200" dirty="0"/>
+              <a:t> </a:t>
+            </a:r>
+            <a:r>
+              <a:rPr lang="nl-NL" sz="1200" dirty="0" err="1"/>
+              <a:t>tatgtgtcag</a:t>
+            </a:r>
+            <a:r>
+              <a:rPr lang="nl-NL" sz="1200" dirty="0"/>
+              <a:t> </a:t>
+            </a:r>
+            <a:r>
+              <a:rPr lang="nl-NL" sz="1200" dirty="0" err="1"/>
+              <a:t>atctactaat</a:t>
+            </a:r>
+            <a:r>
+              <a:rPr lang="nl-NL" sz="1200" dirty="0"/>
+              <a:t> </a:t>
+            </a:r>
+            <a:r>
+              <a:rPr lang="nl-NL" sz="1200" dirty="0" err="1"/>
+              <a:t>accccatccc</a:t>
+            </a:r>
+            <a:endParaRPr lang="nl-NL" sz="1200" dirty="0"/>
+          </a:p>
+          <a:p>
+            <a:r>
+              <a:rPr lang="nl-NL" sz="1200" dirty="0"/>
+              <a:t>361 </a:t>
+            </a:r>
+            <a:r>
+              <a:rPr lang="nl-NL" sz="1200" dirty="0" err="1"/>
+              <a:t>atccatctgg</a:t>
+            </a:r>
+            <a:r>
+              <a:rPr lang="nl-NL" sz="1200" dirty="0"/>
+              <a:t> </a:t>
+            </a:r>
+            <a:r>
+              <a:rPr lang="nl-NL" sz="1200" dirty="0" err="1"/>
+              <a:t>aaatcttggt</a:t>
+            </a:r>
+            <a:r>
+              <a:rPr lang="nl-NL" sz="1200" dirty="0"/>
+              <a:t> </a:t>
+            </a:r>
+            <a:r>
+              <a:rPr lang="nl-NL" sz="1200" dirty="0" err="1"/>
+              <a:t>tcaaatcctt</a:t>
+            </a:r>
+            <a:r>
+              <a:rPr lang="nl-NL" sz="1200" dirty="0"/>
+              <a:t> </a:t>
+            </a:r>
+            <a:r>
+              <a:rPr lang="nl-NL" sz="1200" dirty="0" err="1"/>
+              <a:t>caatgccgga</a:t>
+            </a:r>
+            <a:r>
+              <a:rPr lang="nl-NL" sz="1200" dirty="0"/>
+              <a:t> </a:t>
+            </a:r>
+            <a:r>
+              <a:rPr lang="nl-NL" sz="1200" dirty="0" err="1"/>
+              <a:t>tcaaggatgt</a:t>
+            </a:r>
+            <a:r>
+              <a:rPr lang="nl-NL" sz="1200" dirty="0"/>
+              <a:t> </a:t>
+            </a:r>
+            <a:r>
+              <a:rPr lang="nl-NL" sz="1200" dirty="0" err="1"/>
+              <a:t>tccttctttg</a:t>
+            </a:r>
+            <a:endParaRPr lang="nl-NL" sz="1200" dirty="0"/>
+          </a:p>
+          <a:p>
+            <a:r>
+              <a:rPr lang="nl-NL" sz="1200" dirty="0"/>
+              <a:t>421 </a:t>
+            </a:r>
+            <a:r>
+              <a:rPr lang="nl-NL" sz="1200" dirty="0" err="1"/>
+              <a:t>catttattgc</a:t>
+            </a:r>
+            <a:r>
+              <a:rPr lang="nl-NL" sz="1200" dirty="0"/>
+              <a:t> </a:t>
+            </a:r>
+            <a:r>
+              <a:rPr lang="nl-NL" sz="1200" dirty="0" err="1"/>
+              <a:t>gattgctttt</a:t>
+            </a:r>
+            <a:r>
+              <a:rPr lang="nl-NL" sz="1200" dirty="0"/>
+              <a:t> </a:t>
+            </a:r>
+            <a:r>
+              <a:rPr lang="nl-NL" sz="1200" dirty="0" err="1"/>
+              <a:t>ccacgaatat</a:t>
+            </a:r>
+            <a:r>
+              <a:rPr lang="nl-NL" sz="1200" dirty="0"/>
+              <a:t> </a:t>
+            </a:r>
+            <a:r>
+              <a:rPr lang="nl-NL" sz="1200" dirty="0" err="1"/>
+              <a:t>cataatttga</a:t>
+            </a:r>
+            <a:r>
+              <a:rPr lang="nl-NL" sz="1200" dirty="0"/>
+              <a:t> </a:t>
+            </a:r>
+            <a:r>
+              <a:rPr lang="nl-NL" sz="1200" dirty="0" err="1"/>
+              <a:t>atagtctcat</a:t>
+            </a:r>
+            <a:r>
+              <a:rPr lang="nl-NL" sz="1200" dirty="0"/>
+              <a:t> </a:t>
+            </a:r>
+            <a:r>
+              <a:rPr lang="nl-NL" sz="1200" dirty="0" err="1"/>
+              <a:t>tacttcaaag</a:t>
+            </a:r>
+            <a:endParaRPr lang="nl-NL" sz="1200" dirty="0"/>
+          </a:p>
+          <a:p>
+            <a:r>
+              <a:rPr lang="nl-NL" sz="1200" dirty="0"/>
+              <a:t>481 </a:t>
+            </a:r>
+            <a:r>
+              <a:rPr lang="nl-NL" sz="1200" dirty="0" err="1"/>
+              <a:t>aaattcattt</a:t>
+            </a:r>
+            <a:r>
+              <a:rPr lang="nl-NL" sz="1200" dirty="0"/>
+              <a:t> </a:t>
+            </a:r>
+            <a:r>
+              <a:rPr lang="nl-NL" sz="1200" dirty="0" err="1"/>
+              <a:t>acgccttttc</a:t>
+            </a:r>
+            <a:r>
+              <a:rPr lang="nl-NL" sz="1200" dirty="0"/>
+              <a:t> </a:t>
+            </a:r>
+            <a:r>
+              <a:rPr lang="nl-NL" sz="1200" dirty="0" err="1"/>
+              <a:t>aaaaagaaag</a:t>
+            </a:r>
+            <a:r>
+              <a:rPr lang="nl-NL" sz="1200" dirty="0"/>
+              <a:t> </a:t>
+            </a:r>
+            <a:r>
+              <a:rPr lang="nl-NL" sz="1200" dirty="0" err="1"/>
+              <a:t>aaaagattcc</a:t>
+            </a:r>
+            <a:r>
+              <a:rPr lang="nl-NL" sz="1200" dirty="0"/>
+              <a:t> </a:t>
+            </a:r>
+            <a:r>
+              <a:rPr lang="nl-NL" sz="1200" dirty="0" err="1"/>
+              <a:t>tttggttact</a:t>
+            </a:r>
+            <a:r>
+              <a:rPr lang="nl-NL" sz="1200" dirty="0"/>
+              <a:t> </a:t>
+            </a:r>
+            <a:r>
+              <a:rPr lang="nl-NL" sz="1200" dirty="0" err="1"/>
+              <a:t>atataattct</a:t>
+            </a:r>
+            <a:endParaRPr lang="nl-NL" sz="1200" dirty="0"/>
+          </a:p>
+          <a:p>
+            <a:r>
+              <a:rPr lang="nl-NL" sz="1200" dirty="0"/>
+              <a:t>541 </a:t>
+            </a:r>
+            <a:r>
+              <a:rPr lang="nl-NL" sz="1200" dirty="0" err="1"/>
+              <a:t>tatgtatatg</a:t>
+            </a:r>
+            <a:r>
+              <a:rPr lang="nl-NL" sz="1200" dirty="0"/>
+              <a:t> </a:t>
+            </a:r>
+            <a:r>
+              <a:rPr lang="nl-NL" sz="1200" dirty="0" err="1"/>
+              <a:t>aatgcgaata</a:t>
+            </a:r>
+            <a:r>
+              <a:rPr lang="nl-NL" sz="1200" dirty="0"/>
+              <a:t> </a:t>
+            </a:r>
+            <a:r>
+              <a:rPr lang="nl-NL" sz="1200" dirty="0" err="1"/>
+              <a:t>tctattccag</a:t>
+            </a:r>
+            <a:r>
+              <a:rPr lang="nl-NL" sz="1200" dirty="0"/>
+              <a:t> </a:t>
+            </a:r>
+            <a:r>
+              <a:rPr lang="nl-NL" sz="1200" dirty="0" err="1"/>
+              <a:t>tttcttcgta</a:t>
+            </a:r>
+            <a:r>
+              <a:rPr lang="nl-NL" sz="1200" dirty="0"/>
+              <a:t> </a:t>
+            </a:r>
+            <a:r>
+              <a:rPr lang="nl-NL" sz="1200" dirty="0" err="1"/>
+              <a:t>aacagtcttc</a:t>
+            </a:r>
+            <a:r>
+              <a:rPr lang="nl-NL" sz="1200" dirty="0"/>
+              <a:t> </a:t>
+            </a:r>
+            <a:r>
+              <a:rPr lang="nl-NL" sz="1200" dirty="0" err="1"/>
+              <a:t>ttatttacga</a:t>
+            </a:r>
+            <a:endParaRPr lang="nl-NL" sz="1200" dirty="0"/>
+          </a:p>
+          <a:p>
+            <a:r>
+              <a:rPr lang="nl-NL" sz="1200" dirty="0"/>
+              <a:t>601 </a:t>
+            </a:r>
+            <a:r>
+              <a:rPr lang="nl-NL" sz="1200" dirty="0" err="1"/>
+              <a:t>tcaacatctt</a:t>
+            </a:r>
+            <a:r>
+              <a:rPr lang="nl-NL" sz="1200" dirty="0"/>
+              <a:t> </a:t>
+            </a:r>
+            <a:r>
+              <a:rPr lang="nl-NL" sz="1200" dirty="0" err="1"/>
+              <a:t>ctggagtctt</a:t>
+            </a:r>
+            <a:r>
+              <a:rPr lang="nl-NL" sz="1200" dirty="0"/>
+              <a:t> </a:t>
+            </a:r>
+            <a:r>
+              <a:rPr lang="nl-NL" sz="1200" dirty="0" err="1"/>
+              <a:t>tcttgagcga</a:t>
+            </a:r>
+            <a:r>
+              <a:rPr lang="nl-NL" sz="1200" dirty="0"/>
+              <a:t> </a:t>
+            </a:r>
+            <a:r>
+              <a:rPr lang="nl-NL" sz="1200" dirty="0" err="1"/>
+              <a:t>acacatttat</a:t>
+            </a:r>
+            <a:r>
+              <a:rPr lang="nl-NL" sz="1200" dirty="0"/>
+              <a:t> </a:t>
+            </a:r>
+            <a:r>
+              <a:rPr lang="nl-NL" sz="1200" dirty="0" err="1"/>
+              <a:t>atgtaaaaat</a:t>
+            </a:r>
+            <a:r>
+              <a:rPr lang="nl-NL" sz="1200" dirty="0"/>
+              <a:t> </a:t>
+            </a:r>
+            <a:r>
+              <a:rPr lang="nl-NL" sz="1200" dirty="0" err="1"/>
+              <a:t>agaacatctt</a:t>
+            </a:r>
+            <a:endParaRPr lang="nl-NL" sz="1200" dirty="0"/>
+          </a:p>
+          <a:p>
+            <a:r>
+              <a:rPr lang="nl-NL" sz="1200" dirty="0"/>
+              <a:t>661 </a:t>
+            </a:r>
+            <a:r>
+              <a:rPr lang="nl-NL" sz="1200" dirty="0" err="1"/>
+              <a:t>ctagtagtgt</a:t>
+            </a:r>
+            <a:r>
+              <a:rPr lang="nl-NL" sz="1200" dirty="0"/>
+              <a:t> </a:t>
+            </a:r>
+            <a:r>
+              <a:rPr lang="nl-NL" sz="1200" dirty="0" err="1"/>
+              <a:t>gttgtaattc</a:t>
+            </a:r>
+            <a:r>
+              <a:rPr lang="nl-NL" sz="1200" dirty="0"/>
+              <a:t> </a:t>
+            </a:r>
+            <a:r>
+              <a:rPr lang="nl-NL" sz="1200" dirty="0" err="1"/>
+              <a:t>ttttcagagg</a:t>
+            </a:r>
+            <a:r>
+              <a:rPr lang="nl-NL" sz="1200" dirty="0"/>
+              <a:t> </a:t>
+            </a:r>
+            <a:r>
+              <a:rPr lang="nl-NL" sz="1200" dirty="0" err="1"/>
+              <a:t>atcctatgct</a:t>
+            </a:r>
+            <a:r>
+              <a:rPr lang="nl-NL" sz="1200" dirty="0"/>
+              <a:t> </a:t>
+            </a:r>
+            <a:r>
+              <a:rPr lang="nl-NL" sz="1200" dirty="0" err="1"/>
+              <a:t>ttctcaagga</a:t>
+            </a:r>
+            <a:r>
+              <a:rPr lang="nl-NL" sz="1200" dirty="0"/>
+              <a:t> </a:t>
+            </a:r>
+            <a:r>
+              <a:rPr lang="nl-NL" sz="1200" dirty="0" err="1"/>
+              <a:t>tcctttcatg</a:t>
+            </a:r>
+            <a:endParaRPr lang="nl-NL" sz="1200" dirty="0"/>
+          </a:p>
+          <a:p>
+            <a:r>
+              <a:rPr lang="nl-NL" sz="1200" dirty="0"/>
+              <a:t>721 </a:t>
+            </a:r>
+            <a:r>
+              <a:rPr lang="nl-NL" sz="1200" dirty="0" err="1"/>
+              <a:t>cattatgttc</a:t>
+            </a:r>
+            <a:r>
+              <a:rPr lang="nl-NL" sz="1200" dirty="0"/>
+              <a:t> </a:t>
+            </a:r>
+            <a:r>
+              <a:rPr lang="nl-NL" sz="1200" dirty="0" err="1"/>
+              <a:t>gatatcaagg</a:t>
+            </a:r>
+            <a:r>
+              <a:rPr lang="nl-NL" sz="1200" dirty="0"/>
+              <a:t> </a:t>
+            </a:r>
+            <a:r>
+              <a:rPr lang="nl-NL" sz="1200" dirty="0" err="1"/>
+              <a:t>aaaagcaatt</a:t>
+            </a:r>
+            <a:r>
+              <a:rPr lang="nl-NL" sz="1200" dirty="0"/>
+              <a:t> </a:t>
+            </a:r>
+            <a:r>
+              <a:rPr lang="nl-NL" sz="1200" dirty="0" err="1"/>
+              <a:t>ctggcttcaa</a:t>
+            </a:r>
+            <a:r>
+              <a:rPr lang="nl-NL" sz="1200" dirty="0"/>
+              <a:t> </a:t>
+            </a:r>
+            <a:r>
+              <a:rPr lang="nl-NL" sz="1200" dirty="0" err="1"/>
+              <a:t>agggaactct</a:t>
+            </a:r>
+            <a:r>
+              <a:rPr lang="nl-NL" sz="1200" dirty="0"/>
+              <a:t> </a:t>
+            </a:r>
+            <a:r>
+              <a:rPr lang="nl-NL" sz="1200" dirty="0" err="1"/>
+              <a:t>tattctgatg</a:t>
+            </a:r>
+            <a:endParaRPr lang="nl-NL" sz="1200" dirty="0"/>
+          </a:p>
+          <a:p>
+            <a:r>
+              <a:rPr lang="nl-NL" sz="1200" dirty="0"/>
+              <a:t>781 </a:t>
+            </a:r>
+            <a:r>
+              <a:rPr lang="nl-NL" sz="1200" dirty="0" err="1"/>
+              <a:t>aagaaatgga</a:t>
+            </a:r>
+            <a:r>
+              <a:rPr lang="nl-NL" sz="1200" dirty="0"/>
+              <a:t> </a:t>
+            </a:r>
+            <a:r>
+              <a:rPr lang="nl-NL" sz="1200" dirty="0" err="1"/>
+              <a:t>aatttcatct</a:t>
+            </a:r>
+            <a:r>
+              <a:rPr lang="nl-NL" sz="1200" dirty="0"/>
+              <a:t> </a:t>
+            </a:r>
+            <a:r>
+              <a:rPr lang="nl-NL" sz="1200" dirty="0" err="1"/>
+              <a:t>tgtgaatttt</a:t>
+            </a:r>
+            <a:r>
+              <a:rPr lang="nl-NL" sz="1200" dirty="0"/>
+              <a:t> </a:t>
+            </a:r>
+            <a:r>
+              <a:rPr lang="nl-NL" sz="1200" dirty="0" err="1"/>
+              <a:t>tggcaatctt</a:t>
+            </a:r>
+            <a:r>
+              <a:rPr lang="nl-NL" sz="1200" dirty="0"/>
+              <a:t> </a:t>
+            </a:r>
+            <a:r>
+              <a:rPr lang="nl-NL" sz="1200" dirty="0" err="1"/>
+              <a:t>attttcactt</a:t>
+            </a:r>
+            <a:r>
+              <a:rPr lang="nl-NL" sz="1200" dirty="0"/>
+              <a:t> </a:t>
+            </a:r>
+            <a:r>
+              <a:rPr lang="nl-NL" sz="1200" dirty="0" err="1"/>
+              <a:t>ttggtctcaa</a:t>
+            </a:r>
+            <a:endParaRPr lang="nl-NL" sz="1200" dirty="0"/>
+          </a:p>
+          <a:p>
+            <a:r>
+              <a:rPr lang="nl-NL" sz="1200" dirty="0"/>
+              <a:t>841 </a:t>
+            </a:r>
+            <a:r>
+              <a:rPr lang="nl-NL" sz="1200" dirty="0" err="1"/>
+              <a:t>ccgtatagga</a:t>
+            </a:r>
+            <a:r>
+              <a:rPr lang="nl-NL" sz="1200" dirty="0"/>
+              <a:t> </a:t>
+            </a:r>
+            <a:r>
+              <a:rPr lang="nl-NL" sz="1200" dirty="0" err="1"/>
+              <a:t>ttcatataaa</a:t>
+            </a:r>
+            <a:r>
+              <a:rPr lang="nl-NL" sz="1200" dirty="0"/>
+              <a:t> </a:t>
+            </a:r>
+            <a:r>
+              <a:rPr lang="nl-NL" sz="1200" dirty="0" err="1"/>
+              <a:t>gcaattatcc</a:t>
+            </a:r>
+            <a:r>
+              <a:rPr lang="nl-NL" sz="1200" dirty="0"/>
+              <a:t> </a:t>
+            </a:r>
+            <a:r>
+              <a:rPr lang="nl-NL" sz="1200" dirty="0" err="1"/>
+              <a:t>aactattcct</a:t>
+            </a:r>
+            <a:r>
+              <a:rPr lang="nl-NL" sz="1200" dirty="0"/>
+              <a:t> </a:t>
+            </a:r>
+            <a:r>
+              <a:rPr lang="nl-NL" sz="1200" dirty="0" err="1"/>
+              <a:t>tctcttttct</a:t>
+            </a:r>
+            <a:r>
+              <a:rPr lang="nl-NL" sz="1200" dirty="0"/>
+              <a:t> </a:t>
+            </a:r>
+            <a:r>
+              <a:rPr lang="nl-NL" sz="1200" dirty="0" err="1"/>
+              <a:t>ggggtatttt</a:t>
+            </a:r>
+            <a:endParaRPr lang="nl-NL" sz="1200" dirty="0"/>
+          </a:p>
+          <a:p>
+            <a:r>
+              <a:rPr lang="nl-NL" sz="1200" dirty="0"/>
+              <a:t>901 </a:t>
+            </a:r>
+            <a:r>
+              <a:rPr lang="nl-NL" sz="1200" dirty="0" err="1"/>
+              <a:t>tcaagtgtac</a:t>
+            </a:r>
+            <a:r>
+              <a:rPr lang="nl-NL" sz="1200" dirty="0"/>
+              <a:t> </a:t>
+            </a:r>
+            <a:r>
+              <a:rPr lang="nl-NL" sz="1200" dirty="0" err="1"/>
+              <a:t>tagaaaatca</a:t>
+            </a:r>
+            <a:r>
+              <a:rPr lang="nl-NL" sz="1200" dirty="0"/>
+              <a:t> </a:t>
+            </a:r>
+            <a:r>
+              <a:rPr lang="nl-NL" sz="1200" dirty="0" err="1"/>
+              <a:t>tttggtagta</a:t>
+            </a:r>
+            <a:r>
+              <a:rPr lang="nl-NL" sz="1200" dirty="0"/>
+              <a:t> </a:t>
+            </a:r>
+            <a:r>
+              <a:rPr lang="nl-NL" sz="1200" dirty="0" err="1"/>
+              <a:t>agaaatcaaa</a:t>
+            </a:r>
+            <a:r>
+              <a:rPr lang="nl-NL" sz="1200" dirty="0"/>
+              <a:t> </a:t>
+            </a:r>
+            <a:r>
+              <a:rPr lang="nl-NL" sz="1200" dirty="0" err="1"/>
+              <a:t>tgctagagaa</a:t>
+            </a:r>
+            <a:r>
+              <a:rPr lang="nl-NL" sz="1200" dirty="0"/>
+              <a:t> </a:t>
+            </a:r>
+            <a:r>
+              <a:rPr lang="nl-NL" sz="1200" dirty="0" err="1"/>
+              <a:t>ttcatttata</a:t>
+            </a:r>
+            <a:endParaRPr lang="nl-NL" sz="1200" dirty="0"/>
+          </a:p>
+          <a:p>
+            <a:r>
+              <a:rPr lang="nl-NL" sz="1200" dirty="0"/>
+              <a:t>961 </a:t>
+            </a:r>
+            <a:r>
+              <a:rPr lang="nl-NL" sz="1200" dirty="0" err="1"/>
+              <a:t>ataaatcttc</a:t>
+            </a:r>
+            <a:r>
+              <a:rPr lang="nl-NL" sz="1200" dirty="0"/>
+              <a:t> </a:t>
+            </a:r>
+            <a:r>
+              <a:rPr lang="nl-NL" sz="1200" dirty="0" err="1"/>
+              <a:t>tgactaagaa</a:t>
+            </a:r>
+            <a:r>
+              <a:rPr lang="nl-NL" sz="1200" dirty="0"/>
+              <a:t> </a:t>
+            </a:r>
+            <a:r>
+              <a:rPr lang="nl-NL" sz="1200" dirty="0" err="1"/>
+              <a:t>attcgatacc</a:t>
+            </a:r>
+            <a:r>
+              <a:rPr lang="nl-NL" sz="1200" dirty="0"/>
+              <a:t> </a:t>
+            </a:r>
+            <a:r>
+              <a:rPr lang="nl-NL" sz="1200" dirty="0" err="1"/>
+              <a:t>atagccccag</a:t>
+            </a:r>
+            <a:r>
+              <a:rPr lang="nl-NL" sz="1200" dirty="0"/>
+              <a:t> </a:t>
+            </a:r>
+            <a:r>
+              <a:rPr lang="nl-NL" sz="1200" dirty="0" err="1"/>
+              <a:t>ttatttctct</a:t>
+            </a:r>
+            <a:r>
+              <a:rPr lang="nl-NL" sz="1200" dirty="0"/>
+              <a:t> </a:t>
+            </a:r>
+            <a:r>
+              <a:rPr lang="nl-NL" sz="1200" dirty="0" err="1"/>
+              <a:t>tattggatca</a:t>
+            </a:r>
+            <a:endParaRPr lang="nl-NL" sz="1200" dirty="0"/>
+          </a:p>
+          <a:p>
+            <a:r>
+              <a:rPr lang="nl-NL" sz="1200" dirty="0"/>
+              <a:t>1021 </a:t>
+            </a:r>
+            <a:r>
+              <a:rPr lang="nl-NL" sz="1200" dirty="0" err="1"/>
+              <a:t>ttgtcgaaag</a:t>
+            </a:r>
+            <a:r>
+              <a:rPr lang="nl-NL" sz="1200" dirty="0"/>
+              <a:t> </a:t>
+            </a:r>
+            <a:r>
+              <a:rPr lang="nl-NL" sz="1200" dirty="0" err="1"/>
+              <a:t>ctcaattttg</a:t>
+            </a:r>
+            <a:r>
+              <a:rPr lang="nl-NL" sz="1200" dirty="0"/>
+              <a:t> </a:t>
+            </a:r>
+            <a:r>
+              <a:rPr lang="nl-NL" sz="1200" dirty="0" err="1"/>
+              <a:t>tactgtattg</a:t>
+            </a:r>
+            <a:r>
+              <a:rPr lang="nl-NL" sz="1200" dirty="0"/>
+              <a:t> </a:t>
+            </a:r>
+            <a:r>
+              <a:rPr lang="nl-NL" sz="1200" dirty="0" err="1"/>
+              <a:t>ggtcatccta</a:t>
+            </a:r>
+            <a:r>
+              <a:rPr lang="nl-NL" sz="1200" dirty="0"/>
+              <a:t> </a:t>
+            </a:r>
+            <a:r>
+              <a:rPr lang="nl-NL" sz="1200" dirty="0" err="1"/>
+              <a:t>ttagtaaacc</a:t>
+            </a:r>
+            <a:r>
+              <a:rPr lang="nl-NL" sz="1200" dirty="0"/>
+              <a:t> </a:t>
+            </a:r>
+            <a:r>
+              <a:rPr lang="nl-NL" sz="1200" dirty="0" err="1"/>
+              <a:t>gatctggacc</a:t>
+            </a:r>
+            <a:endParaRPr lang="nl-NL" sz="1200" dirty="0"/>
+          </a:p>
+          <a:p>
+            <a:r>
+              <a:rPr lang="nl-NL" sz="1200" dirty="0"/>
+              <a:t>1081 </a:t>
+            </a:r>
+            <a:r>
+              <a:rPr lang="nl-NL" sz="1200" dirty="0" err="1"/>
+              <a:t>gatttctcgg</a:t>
+            </a:r>
+            <a:r>
+              <a:rPr lang="nl-NL" sz="1200" dirty="0"/>
+              <a:t> </a:t>
+            </a:r>
+            <a:r>
+              <a:rPr lang="nl-NL" sz="1200" dirty="0" err="1"/>
+              <a:t>attctgatat</a:t>
+            </a:r>
+            <a:r>
+              <a:rPr lang="nl-NL" sz="1200" dirty="0"/>
+              <a:t> </a:t>
+            </a:r>
+            <a:r>
+              <a:rPr lang="nl-NL" sz="1200" dirty="0" err="1"/>
+              <a:t>tcttgatcga</a:t>
+            </a:r>
+            <a:r>
+              <a:rPr lang="nl-NL" sz="1200" dirty="0"/>
+              <a:t> </a:t>
+            </a:r>
+            <a:r>
+              <a:rPr lang="nl-NL" sz="1200" dirty="0" err="1"/>
+              <a:t>ttttgccgga</a:t>
+            </a:r>
+            <a:r>
+              <a:rPr lang="nl-NL" sz="1200" dirty="0"/>
+              <a:t> </a:t>
+            </a:r>
+            <a:r>
+              <a:rPr lang="nl-NL" sz="1200" dirty="0" err="1"/>
+              <a:t>tatgtagaaa</a:t>
+            </a:r>
+            <a:r>
+              <a:rPr lang="nl-NL" sz="1200" dirty="0"/>
+              <a:t> </a:t>
+            </a:r>
+            <a:r>
+              <a:rPr lang="nl-NL" sz="1200" dirty="0" err="1"/>
+              <a:t>tctttgtcgt</a:t>
+            </a:r>
+            <a:endParaRPr lang="nl-NL" sz="1200" dirty="0"/>
+          </a:p>
+          <a:p>
+            <a:r>
+              <a:rPr lang="nl-NL" sz="1200" dirty="0"/>
+              <a:t>1141 </a:t>
+            </a:r>
+            <a:r>
+              <a:rPr lang="nl-NL" sz="1200" dirty="0" err="1"/>
+              <a:t>tatcacagcg</a:t>
+            </a:r>
+            <a:r>
+              <a:rPr lang="nl-NL" sz="1200" dirty="0"/>
+              <a:t> </a:t>
+            </a:r>
+            <a:r>
+              <a:rPr lang="nl-NL" sz="1200" dirty="0" err="1"/>
+              <a:t>gatcctcaaa</a:t>
+            </a:r>
+            <a:r>
+              <a:rPr lang="nl-NL" sz="1200" dirty="0"/>
+              <a:t> </a:t>
+            </a:r>
+            <a:r>
+              <a:rPr lang="nl-NL" sz="1200" dirty="0" err="1"/>
+              <a:t>aaaacaggtt</a:t>
+            </a:r>
+            <a:r>
+              <a:rPr lang="nl-NL" sz="1200" dirty="0"/>
+              <a:t> </a:t>
+            </a:r>
+            <a:r>
+              <a:rPr lang="nl-NL" sz="1200" dirty="0" err="1"/>
+              <a:t>ttgtatcgta</a:t>
+            </a:r>
+            <a:r>
+              <a:rPr lang="nl-NL" sz="1200" dirty="0"/>
+              <a:t> </a:t>
+            </a:r>
+            <a:r>
+              <a:rPr lang="nl-NL" sz="1200" dirty="0" err="1"/>
+              <a:t>taaaatatat</a:t>
+            </a:r>
+            <a:r>
+              <a:rPr lang="nl-NL" sz="1200" dirty="0"/>
+              <a:t> </a:t>
+            </a:r>
+            <a:r>
+              <a:rPr lang="nl-NL" sz="1200" dirty="0" err="1"/>
+              <a:t>acttcgactt</a:t>
+            </a:r>
+            <a:endParaRPr lang="nl-NL" sz="1200" dirty="0"/>
+          </a:p>
+          <a:p>
+            <a:r>
+              <a:rPr lang="nl-NL" sz="1200" dirty="0"/>
+              <a:t>1201 </a:t>
+            </a:r>
+            <a:r>
+              <a:rPr lang="nl-NL" sz="1200" dirty="0" err="1"/>
+              <a:t>tcgtgtgcta</a:t>
+            </a:r>
+            <a:r>
+              <a:rPr lang="nl-NL" sz="1200" dirty="0"/>
+              <a:t> </a:t>
+            </a:r>
+            <a:r>
+              <a:rPr lang="nl-NL" sz="1200" dirty="0" err="1"/>
+              <a:t>gaactttggc</a:t>
+            </a:r>
+            <a:r>
+              <a:rPr lang="nl-NL" sz="1200" dirty="0"/>
+              <a:t> </a:t>
+            </a:r>
+            <a:r>
+              <a:rPr lang="nl-NL" sz="1200" dirty="0" err="1"/>
+              <a:t>acggaaacat</a:t>
+            </a:r>
+            <a:r>
+              <a:rPr lang="nl-NL" sz="1200" dirty="0"/>
+              <a:t> </a:t>
+            </a:r>
+            <a:r>
+              <a:rPr lang="nl-NL" sz="1200" dirty="0" err="1"/>
+              <a:t>aaaagtacag</a:t>
+            </a:r>
+            <a:r>
+              <a:rPr lang="nl-NL" sz="1200" dirty="0"/>
+              <a:t> </a:t>
+            </a:r>
+            <a:r>
+              <a:rPr lang="nl-NL" sz="1200" dirty="0" err="1"/>
+              <a:t>tacgcacttt</a:t>
+            </a:r>
+            <a:r>
+              <a:rPr lang="nl-NL" sz="1200" dirty="0"/>
+              <a:t> </a:t>
+            </a:r>
+            <a:r>
+              <a:rPr lang="nl-NL" sz="1200" dirty="0" err="1"/>
+              <a:t>tatgcgaaga</a:t>
+            </a:r>
+            <a:endParaRPr lang="nl-NL" sz="1200" dirty="0"/>
+          </a:p>
+          <a:p>
+            <a:r>
+              <a:rPr lang="nl-NL" sz="1200" dirty="0"/>
+              <a:t>1261 </a:t>
+            </a:r>
+            <a:r>
+              <a:rPr lang="nl-NL" sz="1200" dirty="0" err="1"/>
+              <a:t>ttaggttcgg</a:t>
+            </a:r>
+            <a:r>
+              <a:rPr lang="nl-NL" sz="1200" dirty="0"/>
+              <a:t> </a:t>
+            </a:r>
+            <a:r>
+              <a:rPr lang="nl-NL" sz="1200" dirty="0" err="1"/>
+              <a:t>gattattaga</a:t>
+            </a:r>
+            <a:r>
+              <a:rPr lang="nl-NL" sz="1200" dirty="0"/>
+              <a:t> </a:t>
+            </a:r>
+            <a:r>
+              <a:rPr lang="nl-NL" sz="1200" dirty="0" err="1"/>
+              <a:t>agaattcttt</a:t>
+            </a:r>
+            <a:r>
+              <a:rPr lang="nl-NL" sz="1200" dirty="0"/>
+              <a:t> </a:t>
+            </a:r>
+            <a:r>
+              <a:rPr lang="nl-NL" sz="1200" dirty="0" err="1"/>
+              <a:t>atggaagaag</a:t>
+            </a:r>
+            <a:r>
+              <a:rPr lang="nl-NL" sz="1200" dirty="0"/>
+              <a:t> </a:t>
+            </a:r>
+            <a:r>
+              <a:rPr lang="nl-NL" sz="1200" dirty="0" err="1"/>
+              <a:t>aa</a:t>
+            </a:r>
+            <a:endParaRPr lang="nl-NL" sz="1200" dirty="0"/>
           </a:p>
         </p:txBody>
       </p:sp>
     </p:spTree>
     <p:extLst>
       <p:ext uri="{BB962C8B-B14F-4D97-AF65-F5344CB8AC3E}">
-        <p14:creationId xmlns:p14="http://schemas.microsoft.com/office/powerpoint/2010/main" val="3299662597"/>
+        <p14:creationId xmlns:p14="http://schemas.microsoft.com/office/powerpoint/2010/main" val="425082254"/>
       </p:ext>
     </p:extLst>
   </p:cSld>
@@ -8282,22 +10399,40 @@
         </p:nvSpPr>
         <p:spPr/>
         <p:txBody>
-          <a:bodyPr>
-            <a:normAutofit/>
-          </a:bodyPr>
+          <a:bodyPr/>
           <a:lstStyle/>
           <a:p>
             <a:r>
-              <a:rPr lang="en-US" dirty="0" err="1"/>
-              <a:t>GenBank</a:t>
-            </a:r>
-            <a:r>
-              <a:rPr lang="en-US" dirty="0"/>
-              <a:t> record </a:t>
-            </a:r>
-            <a:r>
-              <a:rPr lang="en-US" dirty="0" smtClean="0"/>
-              <a:t>186972394</a:t>
+              <a:rPr lang="fr-FR" dirty="0" err="1" smtClean="0"/>
+              <a:t>Parse</a:t>
+            </a:r>
+            <a:r>
+              <a:rPr lang="fr-FR" dirty="0" smtClean="0"/>
+              <a:t> </a:t>
+            </a:r>
+            <a:r>
+              <a:rPr lang="fr-FR" dirty="0" err="1" smtClean="0"/>
+              <a:t>it</a:t>
+            </a:r>
+            <a:r>
+              <a:rPr lang="fr-FR" dirty="0" smtClean="0"/>
+              <a:t> </a:t>
+            </a:r>
+            <a:r>
+              <a:rPr lang="fr-FR" dirty="0" err="1" smtClean="0"/>
+              <a:t>into</a:t>
+            </a:r>
+            <a:r>
+              <a:rPr lang="fr-FR" dirty="0" smtClean="0"/>
+              <a:t> a </a:t>
+            </a:r>
+            <a:r>
+              <a:rPr lang="fr-FR" dirty="0" err="1" smtClean="0"/>
+              <a:t>seq</a:t>
+            </a:r>
+            <a:r>
+              <a:rPr lang="fr-FR" dirty="0" smtClean="0"/>
+              <a:t> record</a:t>
             </a:r>
             <a:endParaRPr lang="fr-FR" dirty="0"/>
           </a:p>
@@ -8313,15 +10448,37 @@
             <p:ph idx="1"/>
           </p:nvPr>
         </p:nvSpPr>
-        <p:spPr>
-          <a:xfrm>
-            <a:off x="279400" y="1236134"/>
-            <a:ext cx="8644466" cy="464899"/>
-          </a:xfrm>
-        </p:spPr>
+        <p:spPr/>
         <p:txBody>
           <a:bodyPr/>
           <a:lstStyle/>
+          <a:p>
+            <a:r>
+              <a:rPr lang="fr-FR" dirty="0" smtClean="0"/>
+              <a:t>If </a:t>
+            </a:r>
+            <a:r>
+              <a:rPr lang="en-US" dirty="0" smtClean="0"/>
+              <a:t>format </a:t>
+            </a:r>
+            <a:r>
+              <a:rPr lang="en-US" dirty="0"/>
+              <a:t>accepted </a:t>
+            </a:r>
+            <a:r>
+              <a:rPr lang="en-US" dirty="0" smtClean="0"/>
+              <a:t>by </a:t>
+            </a:r>
+            <a:r>
+              <a:rPr lang="en-US" dirty="0" err="1" smtClean="0"/>
+              <a:t>Bio.SeqIO</a:t>
+            </a:r>
+            <a:r>
+              <a:rPr lang="en-US" dirty="0" smtClean="0"/>
+              <a:t>, </a:t>
+            </a:r>
+            <a:endParaRPr lang="en-US" dirty="0"/>
+          </a:p>
           <a:p>
             <a:endParaRPr lang="fr-FR" dirty="0"/>
           </a:p>
@@ -8406,7 +10563,7 @@
         <p:spPr>
           <a:xfrm>
             <a:off x="279400" y="1156002"/>
-            <a:ext cx="8644466" cy="5201422"/>
+            <a:ext cx="8644466" cy="2123658"/>
           </a:xfrm>
           <a:prstGeom prst="rect">
             <a:avLst/>
@@ -8435,1154 +10592,294 @@
           </a:lstStyle>
           <a:p>
             <a:r>
-              <a:rPr lang="nl-NL" sz="1200" dirty="0"/>
-              <a:t>HLLVVCCNSFQRILCFLKDPFMHYVRYQGKAILASKGTLILMKKWKFHLVNFWQSYFH</a:t>
-            </a:r>
-          </a:p>
-          <a:p>
-            <a:r>
-              <a:rPr lang="nl-NL" sz="1200" dirty="0"/>
-              <a:t>FWSQPYRIHIKQLSNYSFSFLGYFSSVLENHLVVRNQMLENSFIINLLTKKFDTIAPV</a:t>
-            </a:r>
-          </a:p>
-          <a:p>
-            <a:r>
-              <a:rPr lang="nl-NL" sz="1200" dirty="0"/>
-              <a:t>ISLIGSLSKAQFCTVLGHPISKPIWTDFSDSDILDRFCRICRNLCRYHSGSSKKQVLY</a:t>
-            </a:r>
-          </a:p>
-          <a:p>
-            <a:r>
-              <a:rPr lang="nl-NL" sz="1200" dirty="0"/>
-              <a:t>RIKYILRLSCARTLARKHKSTVRTFMRRLGSGLLEEFFMEEE"</a:t>
-            </a:r>
-          </a:p>
-          <a:p>
-            <a:r>
-              <a:rPr lang="nl-NL" sz="1200" dirty="0"/>
-              <a:t>ORIGIN</a:t>
-            </a:r>
-          </a:p>
-          <a:p>
-            <a:r>
-              <a:rPr lang="nl-NL" sz="1200" dirty="0"/>
-              <a:t>1 </a:t>
-            </a:r>
-            <a:r>
-              <a:rPr lang="nl-NL" sz="1200" dirty="0" err="1"/>
-              <a:t>attttttacg</a:t>
-            </a:r>
-            <a:r>
-              <a:rPr lang="nl-NL" sz="1200" dirty="0"/>
+              <a:rPr lang="en-US" sz="1200" dirty="0"/>
+              <a:t>&gt;&gt;&gt; from Bio import </a:t>
+            </a:r>
+            <a:r>
+              <a:rPr lang="en-US" sz="1200" dirty="0" err="1"/>
+              <a:t>Entrez</a:t>
+            </a:r>
+            <a:r>
+              <a:rPr lang="en-US" sz="1200" dirty="0"/>
+              <a:t>, </a:t>
+            </a:r>
+            <a:r>
+              <a:rPr lang="en-US" sz="1200" dirty="0" err="1"/>
+              <a:t>SeqIO</a:t>
+            </a:r>
+            <a:endParaRPr lang="en-US" sz="1200" dirty="0"/>
+          </a:p>
+          <a:p>
+            <a:r>
+              <a:rPr lang="en-US" sz="1200" dirty="0"/>
+              <a:t>&gt;&gt;&gt; handle = </a:t>
+            </a:r>
+            <a:r>
+              <a:rPr lang="en-US" sz="1200" dirty="0" err="1"/>
+              <a:t>Entrez.efetch</a:t>
+            </a:r>
+            <a:r>
+              <a:rPr lang="en-US" sz="1200" dirty="0"/>
+              <a:t>(</a:t>
+            </a:r>
+            <a:r>
+              <a:rPr lang="en-US" sz="1200" dirty="0" err="1"/>
+              <a:t>db</a:t>
+            </a:r>
+            <a:r>
+              <a:rPr lang="en-US" sz="1200" dirty="0"/>
+              <a:t>="nucleotide", id="186972394", </a:t>
+            </a:r>
+            <a:r>
+              <a:rPr lang="en-US" sz="1200" dirty="0" err="1"/>
+              <a:t>rettype</a:t>
+            </a:r>
+            <a:r>
+              <a:rPr lang="en-US" sz="1200" dirty="0"/>
+              <a:t>="</a:t>
+            </a:r>
+            <a:r>
+              <a:rPr lang="en-US" sz="1200" dirty="0" err="1"/>
+              <a:t>gb</a:t>
+            </a:r>
+            <a:r>
+              <a:rPr lang="en-US" sz="1200" dirty="0"/>
+              <a:t>", </a:t>
+            </a:r>
+            <a:r>
+              <a:rPr lang="en-US" sz="1200" dirty="0" err="1"/>
+              <a:t>retmode</a:t>
+            </a:r>
+            <a:r>
+              <a:rPr lang="en-US" sz="1200" dirty="0"/>
+              <a:t>="text")</a:t>
+            </a:r>
+          </a:p>
+          <a:p>
+            <a:r>
+              <a:rPr lang="en-US" sz="1200" dirty="0"/>
+              <a:t>&gt;&gt;&gt; record = </a:t>
+            </a:r>
+            <a:r>
+              <a:rPr lang="en-US" sz="1200" dirty="0" err="1"/>
+              <a:t>SeqIO.read</a:t>
+            </a:r>
+            <a:r>
+              <a:rPr lang="en-US" sz="1200" dirty="0"/>
+              <a:t>(handle, "</a:t>
+            </a:r>
+            <a:r>
+              <a:rPr lang="en-US" sz="1200" dirty="0" err="1"/>
+              <a:t>genbank</a:t>
+            </a:r>
+            <a:r>
+              <a:rPr lang="en-US" sz="1200" dirty="0"/>
+              <a:t>")</a:t>
+            </a:r>
+          </a:p>
+          <a:p>
+            <a:r>
+              <a:rPr lang="en-US" sz="1200" dirty="0"/>
+              <a:t>&gt;&gt;&gt; </a:t>
+            </a:r>
+            <a:r>
+              <a:rPr lang="en-US" sz="1200" dirty="0" err="1"/>
+              <a:t>handle.close</a:t>
+            </a:r>
+            <a:r>
+              <a:rPr lang="en-US" sz="1200" dirty="0"/>
+              <a:t>()</a:t>
+            </a:r>
+          </a:p>
+          <a:p>
+            <a:r>
+              <a:rPr lang="en-US" sz="1200" dirty="0"/>
+              <a:t>&gt;&gt;&gt; print(record)</a:t>
+            </a:r>
+          </a:p>
+          <a:p>
+            <a:r>
+              <a:rPr lang="en-US" sz="1200" dirty="0">
+                <a:solidFill>
+                  <a:srgbClr val="FF0000"/>
+                </a:solidFill>
+              </a:rPr>
+              <a:t>ID: EU490707.1</a:t>
+            </a:r>
+          </a:p>
+          <a:p>
+            <a:r>
+              <a:rPr lang="en-US" sz="1200" dirty="0">
+                <a:solidFill>
+                  <a:srgbClr val="FF0000"/>
+                </a:solidFill>
+              </a:rPr>
+              <a:t>Name: EU490707</a:t>
+            </a:r>
+          </a:p>
+          <a:p>
+            <a:r>
+              <a:rPr lang="en-US" sz="1200" dirty="0">
+                <a:solidFill>
+                  <a:srgbClr val="FF0000"/>
+                </a:solidFill>
+              </a:rPr>
+              <a:t>Description: </a:t>
+            </a:r>
+            <a:r>
+              <a:rPr lang="en-US" sz="1200" dirty="0" err="1">
+                <a:solidFill>
+                  <a:srgbClr val="FF0000"/>
+                </a:solidFill>
+              </a:rPr>
+              <a:t>Selenipedium</a:t>
+            </a:r>
+            <a:r>
+              <a:rPr lang="en-US" sz="1200" dirty="0">
+                <a:solidFill>
+                  <a:srgbClr val="FF0000"/>
+                </a:solidFill>
+              </a:rPr>
               <a:t> </a:t>
             </a:r>
             <a:r>
-              <a:rPr lang="nl-NL" sz="1200" dirty="0" err="1"/>
-              <a:t>aacctgtgga</a:t>
-            </a:r>
-            <a:r>
-              <a:rPr lang="nl-NL" sz="1200" dirty="0"/>
+              <a:rPr lang="en-US" sz="1200" dirty="0" err="1">
+                <a:solidFill>
+                  <a:srgbClr val="FF0000"/>
+                </a:solidFill>
+              </a:rPr>
+              <a:t>aequinoctiale</a:t>
+            </a:r>
+            <a:r>
+              <a:rPr lang="en-US" sz="1200" dirty="0">
+                <a:solidFill>
+                  <a:srgbClr val="FF0000"/>
+                </a:solidFill>
+              </a:rPr>
               <a:t> </a:t>
             </a:r>
             <a:r>
-              <a:rPr lang="nl-NL" sz="1200" dirty="0" err="1"/>
-              <a:t>aatttttggt</a:t>
-            </a:r>
-            <a:r>
-              <a:rPr lang="nl-NL" sz="1200" dirty="0"/>
-              <a:t> </a:t>
-            </a:r>
-            <a:r>
-              <a:rPr lang="nl-NL" sz="1200" dirty="0" err="1"/>
-              <a:t>tatgacaata</a:t>
-            </a:r>
-            <a:r>
-              <a:rPr lang="nl-NL" sz="1200" dirty="0"/>
-              <a:t> </a:t>
-            </a:r>
-            <a:r>
-              <a:rPr lang="nl-NL" sz="1200" dirty="0" err="1"/>
-              <a:t>aatctagttt</a:t>
-            </a:r>
-            <a:r>
-              <a:rPr lang="nl-NL" sz="1200" dirty="0"/>
-              <a:t> </a:t>
-            </a:r>
-            <a:r>
-              <a:rPr lang="nl-NL" sz="1200" dirty="0" err="1"/>
-              <a:t>agtacttgtg</a:t>
-            </a:r>
-            <a:endParaRPr lang="nl-NL" sz="1200" dirty="0"/>
-          </a:p>
-          <a:p>
-            <a:r>
-              <a:rPr lang="nl-NL" sz="1200" dirty="0"/>
-              <a:t>61 </a:t>
-            </a:r>
-            <a:r>
-              <a:rPr lang="nl-NL" sz="1200" dirty="0" err="1"/>
-              <a:t>aaacgtttaa</a:t>
-            </a:r>
-            <a:r>
-              <a:rPr lang="nl-NL" sz="1200" dirty="0"/>
-              <a:t> </a:t>
-            </a:r>
-            <a:r>
-              <a:rPr lang="nl-NL" sz="1200" dirty="0" err="1"/>
-              <a:t>ttactcgaat</a:t>
-            </a:r>
-            <a:r>
-              <a:rPr lang="nl-NL" sz="1200" dirty="0"/>
-              <a:t> </a:t>
-            </a:r>
-            <a:r>
-              <a:rPr lang="nl-NL" sz="1200" dirty="0" err="1"/>
-              <a:t>gtatcaacag</a:t>
-            </a:r>
-            <a:r>
-              <a:rPr lang="nl-NL" sz="1200" dirty="0"/>
-              <a:t> </a:t>
-            </a:r>
-            <a:r>
-              <a:rPr lang="nl-NL" sz="1200" dirty="0" err="1"/>
-              <a:t>aattttttga</a:t>
-            </a:r>
-            <a:r>
-              <a:rPr lang="nl-NL" sz="1200" dirty="0"/>
-              <a:t> </a:t>
-            </a:r>
-            <a:r>
-              <a:rPr lang="nl-NL" sz="1200" dirty="0" err="1"/>
-              <a:t>tttcttcggt</a:t>
-            </a:r>
-            <a:r>
-              <a:rPr lang="nl-NL" sz="1200" dirty="0"/>
-              <a:t> </a:t>
-            </a:r>
-            <a:r>
-              <a:rPr lang="nl-NL" sz="1200" dirty="0" err="1"/>
-              <a:t>taatgattct</a:t>
-            </a:r>
-            <a:endParaRPr lang="nl-NL" sz="1200" dirty="0"/>
-          </a:p>
-          <a:p>
-            <a:r>
-              <a:rPr lang="nl-NL" sz="1200" dirty="0"/>
-              <a:t>121 </a:t>
-            </a:r>
-            <a:r>
-              <a:rPr lang="nl-NL" sz="1200" dirty="0" err="1"/>
-              <a:t>aaccaaaaag</a:t>
-            </a:r>
-            <a:r>
-              <a:rPr lang="nl-NL" sz="1200" dirty="0"/>
-              <a:t> </a:t>
-            </a:r>
-            <a:r>
-              <a:rPr lang="nl-NL" sz="1200" dirty="0" err="1"/>
-              <a:t>gattttgggg</a:t>
-            </a:r>
-            <a:r>
-              <a:rPr lang="nl-NL" sz="1200" dirty="0"/>
-              <a:t> </a:t>
-            </a:r>
-            <a:r>
-              <a:rPr lang="nl-NL" sz="1200" dirty="0" err="1"/>
-              <a:t>gcacaagcat</a:t>
-            </a:r>
-            <a:r>
-              <a:rPr lang="nl-NL" sz="1200" dirty="0"/>
-              <a:t> </a:t>
-            </a:r>
-            <a:r>
-              <a:rPr lang="nl-NL" sz="1200" dirty="0" err="1"/>
-              <a:t>tttttttctt</a:t>
-            </a:r>
-            <a:r>
-              <a:rPr lang="nl-NL" sz="1200" dirty="0"/>
-              <a:t> </a:t>
-            </a:r>
-            <a:r>
-              <a:rPr lang="nl-NL" sz="1200" dirty="0" err="1"/>
-              <a:t>ctcatttttc</a:t>
-            </a:r>
-            <a:r>
-              <a:rPr lang="nl-NL" sz="1200" dirty="0"/>
-              <a:t> </a:t>
-            </a:r>
-            <a:r>
-              <a:rPr lang="nl-NL" sz="1200" dirty="0" err="1"/>
-              <a:t>ttctcaaatg</a:t>
-            </a:r>
-            <a:endParaRPr lang="nl-NL" sz="1200" dirty="0"/>
-          </a:p>
-          <a:p>
-            <a:r>
-              <a:rPr lang="nl-NL" sz="1200" dirty="0"/>
-              <a:t>181 </a:t>
-            </a:r>
-            <a:r>
-              <a:rPr lang="nl-NL" sz="1200" dirty="0" err="1"/>
-              <a:t>gtatcagaag</a:t>
-            </a:r>
-            <a:r>
-              <a:rPr lang="nl-NL" sz="1200" dirty="0"/>
-              <a:t> </a:t>
-            </a:r>
-            <a:r>
-              <a:rPr lang="nl-NL" sz="1200" dirty="0" err="1"/>
-              <a:t>gttttggagt</a:t>
-            </a:r>
-            <a:r>
-              <a:rPr lang="nl-NL" sz="1200" dirty="0"/>
-              <a:t> </a:t>
-            </a:r>
-            <a:r>
-              <a:rPr lang="nl-NL" sz="1200" dirty="0" err="1"/>
-              <a:t>cattctggaa</a:t>
-            </a:r>
-            <a:r>
-              <a:rPr lang="nl-NL" sz="1200" dirty="0"/>
-              <a:t> </a:t>
-            </a:r>
-            <a:r>
-              <a:rPr lang="nl-NL" sz="1200" dirty="0" err="1"/>
-              <a:t>attccattct</a:t>
-            </a:r>
-            <a:r>
-              <a:rPr lang="nl-NL" sz="1200" dirty="0"/>
-              <a:t> </a:t>
-            </a:r>
-            <a:r>
-              <a:rPr lang="nl-NL" sz="1200" dirty="0" err="1"/>
-              <a:t>cgtcgcaatt</a:t>
-            </a:r>
-            <a:r>
-              <a:rPr lang="nl-NL" sz="1200" dirty="0"/>
-              <a:t> </a:t>
-            </a:r>
-            <a:r>
-              <a:rPr lang="nl-NL" sz="1200" dirty="0" err="1"/>
-              <a:t>agtatcttct</a:t>
-            </a:r>
-            <a:endParaRPr lang="nl-NL" sz="1200" dirty="0"/>
-          </a:p>
-          <a:p>
-            <a:r>
-              <a:rPr lang="nl-NL" sz="1200" dirty="0"/>
-              <a:t>241 </a:t>
-            </a:r>
-            <a:r>
-              <a:rPr lang="nl-NL" sz="1200" dirty="0" err="1"/>
-              <a:t>cttgaagaaa</a:t>
-            </a:r>
-            <a:r>
-              <a:rPr lang="nl-NL" sz="1200" dirty="0"/>
-              <a:t> </a:t>
-            </a:r>
-            <a:r>
-              <a:rPr lang="nl-NL" sz="1200" dirty="0" err="1"/>
-              <a:t>aaaaaatacc</a:t>
-            </a:r>
-            <a:r>
-              <a:rPr lang="nl-NL" sz="1200" dirty="0"/>
-              <a:t> </a:t>
-            </a:r>
-            <a:r>
-              <a:rPr lang="nl-NL" sz="1200" dirty="0" err="1"/>
-              <a:t>aaaatatcag</a:t>
-            </a:r>
-            <a:r>
-              <a:rPr lang="nl-NL" sz="1200" dirty="0"/>
-              <a:t> </a:t>
-            </a:r>
-            <a:r>
-              <a:rPr lang="nl-NL" sz="1200" dirty="0" err="1"/>
-              <a:t>aatttacgat</a:t>
-            </a:r>
-            <a:r>
-              <a:rPr lang="nl-NL" sz="1200" dirty="0"/>
-              <a:t> </a:t>
-            </a:r>
-            <a:r>
-              <a:rPr lang="nl-NL" sz="1200" dirty="0" err="1"/>
-              <a:t>ctattcattc</a:t>
-            </a:r>
-            <a:r>
-              <a:rPr lang="nl-NL" sz="1200" dirty="0"/>
-              <a:t> </a:t>
-            </a:r>
-            <a:r>
-              <a:rPr lang="nl-NL" sz="1200" dirty="0" err="1"/>
-              <a:t>aatatttccc</a:t>
-            </a:r>
-            <a:endParaRPr lang="nl-NL" sz="1200" dirty="0"/>
-          </a:p>
-          <a:p>
-            <a:r>
-              <a:rPr lang="nl-NL" sz="1200" dirty="0"/>
-              <a:t>301 </a:t>
-            </a:r>
-            <a:r>
-              <a:rPr lang="nl-NL" sz="1200" dirty="0" err="1"/>
-              <a:t>tttttagaag</a:t>
-            </a:r>
-            <a:r>
-              <a:rPr lang="nl-NL" sz="1200" dirty="0"/>
-              <a:t> </a:t>
-            </a:r>
-            <a:r>
-              <a:rPr lang="nl-NL" sz="1200" dirty="0" err="1"/>
-              <a:t>acaaattttt</a:t>
-            </a:r>
-            <a:r>
-              <a:rPr lang="nl-NL" sz="1200" dirty="0"/>
-              <a:t> </a:t>
-            </a:r>
-            <a:r>
-              <a:rPr lang="nl-NL" sz="1200" dirty="0" err="1"/>
-              <a:t>acatttgaat</a:t>
-            </a:r>
-            <a:r>
-              <a:rPr lang="nl-NL" sz="1200" dirty="0"/>
-              <a:t> </a:t>
-            </a:r>
-            <a:r>
-              <a:rPr lang="nl-NL" sz="1200" dirty="0" err="1"/>
-              <a:t>tatgtgtcag</a:t>
-            </a:r>
-            <a:r>
-              <a:rPr lang="nl-NL" sz="1200" dirty="0"/>
-              <a:t> </a:t>
-            </a:r>
-            <a:r>
-              <a:rPr lang="nl-NL" sz="1200" dirty="0" err="1"/>
-              <a:t>atctactaat</a:t>
-            </a:r>
-            <a:r>
-              <a:rPr lang="nl-NL" sz="1200" dirty="0"/>
-              <a:t> </a:t>
-            </a:r>
-            <a:r>
-              <a:rPr lang="nl-NL" sz="1200" dirty="0" err="1"/>
-              <a:t>accccatccc</a:t>
-            </a:r>
-            <a:endParaRPr lang="nl-NL" sz="1200" dirty="0"/>
-          </a:p>
-          <a:p>
-            <a:r>
-              <a:rPr lang="nl-NL" sz="1200" dirty="0"/>
-              <a:t>361 </a:t>
-            </a:r>
-            <a:r>
-              <a:rPr lang="nl-NL" sz="1200" dirty="0" err="1"/>
-              <a:t>atccatctgg</a:t>
-            </a:r>
-            <a:r>
-              <a:rPr lang="nl-NL" sz="1200" dirty="0"/>
-              <a:t> </a:t>
-            </a:r>
-            <a:r>
-              <a:rPr lang="nl-NL" sz="1200" dirty="0" err="1"/>
-              <a:t>aaatcttggt</a:t>
-            </a:r>
-            <a:r>
-              <a:rPr lang="nl-NL" sz="1200" dirty="0"/>
-              <a:t> </a:t>
-            </a:r>
-            <a:r>
-              <a:rPr lang="nl-NL" sz="1200" dirty="0" err="1"/>
-              <a:t>tcaaatcctt</a:t>
-            </a:r>
-            <a:r>
-              <a:rPr lang="nl-NL" sz="1200" dirty="0"/>
-              <a:t> </a:t>
-            </a:r>
-            <a:r>
-              <a:rPr lang="nl-NL" sz="1200" dirty="0" err="1"/>
-              <a:t>caatgccgga</a:t>
-            </a:r>
-            <a:r>
-              <a:rPr lang="nl-NL" sz="1200" dirty="0"/>
-              <a:t> </a:t>
-            </a:r>
-            <a:r>
-              <a:rPr lang="nl-NL" sz="1200" dirty="0" err="1"/>
-              <a:t>tcaaggatgt</a:t>
-            </a:r>
-            <a:r>
-              <a:rPr lang="nl-NL" sz="1200" dirty="0"/>
-              <a:t> </a:t>
-            </a:r>
-            <a:r>
-              <a:rPr lang="nl-NL" sz="1200" dirty="0" err="1"/>
-              <a:t>tccttctttg</a:t>
-            </a:r>
-            <a:endParaRPr lang="nl-NL" sz="1200" dirty="0"/>
-          </a:p>
-          <a:p>
-            <a:r>
-              <a:rPr lang="nl-NL" sz="1200" dirty="0"/>
-              <a:t>421 </a:t>
-            </a:r>
-            <a:r>
-              <a:rPr lang="nl-NL" sz="1200" dirty="0" err="1"/>
-              <a:t>catttattgc</a:t>
-            </a:r>
-            <a:r>
-              <a:rPr lang="nl-NL" sz="1200" dirty="0"/>
-              <a:t> </a:t>
-            </a:r>
-            <a:r>
-              <a:rPr lang="nl-NL" sz="1200" dirty="0" err="1"/>
-              <a:t>gattgctttt</a:t>
-            </a:r>
-            <a:r>
-              <a:rPr lang="nl-NL" sz="1200" dirty="0"/>
-              <a:t> </a:t>
-            </a:r>
-            <a:r>
-              <a:rPr lang="nl-NL" sz="1200" dirty="0" err="1"/>
-              <a:t>ccacgaatat</a:t>
-            </a:r>
-            <a:r>
-              <a:rPr lang="nl-NL" sz="1200" dirty="0"/>
-              <a:t> </a:t>
-            </a:r>
-            <a:r>
-              <a:rPr lang="nl-NL" sz="1200" dirty="0" err="1"/>
-              <a:t>cataatttga</a:t>
-            </a:r>
-            <a:r>
-              <a:rPr lang="nl-NL" sz="1200" dirty="0"/>
-              <a:t> </a:t>
-            </a:r>
-            <a:r>
-              <a:rPr lang="nl-NL" sz="1200" dirty="0" err="1"/>
-              <a:t>atagtctcat</a:t>
-            </a:r>
-            <a:r>
-              <a:rPr lang="nl-NL" sz="1200" dirty="0"/>
-              <a:t> </a:t>
-            </a:r>
-            <a:r>
-              <a:rPr lang="nl-NL" sz="1200" dirty="0" err="1"/>
-              <a:t>tacttcaaag</a:t>
-            </a:r>
-            <a:endParaRPr lang="nl-NL" sz="1200" dirty="0"/>
-          </a:p>
-          <a:p>
-            <a:r>
-              <a:rPr lang="nl-NL" sz="1200" dirty="0"/>
-              <a:t>481 </a:t>
-            </a:r>
-            <a:r>
-              <a:rPr lang="nl-NL" sz="1200" dirty="0" err="1"/>
-              <a:t>aaattcattt</a:t>
-            </a:r>
-            <a:r>
-              <a:rPr lang="nl-NL" sz="1200" dirty="0"/>
-              <a:t> </a:t>
-            </a:r>
-            <a:r>
-              <a:rPr lang="nl-NL" sz="1200" dirty="0" err="1"/>
-              <a:t>acgccttttc</a:t>
-            </a:r>
-            <a:r>
-              <a:rPr lang="nl-NL" sz="1200" dirty="0"/>
-              <a:t> </a:t>
-            </a:r>
-            <a:r>
-              <a:rPr lang="nl-NL" sz="1200" dirty="0" err="1"/>
-              <a:t>aaaaagaaag</a:t>
-            </a:r>
-            <a:r>
-              <a:rPr lang="nl-NL" sz="1200" dirty="0"/>
-              <a:t> </a:t>
-            </a:r>
-            <a:r>
-              <a:rPr lang="nl-NL" sz="1200" dirty="0" err="1"/>
-              <a:t>aaaagattcc</a:t>
-            </a:r>
-            <a:r>
-              <a:rPr lang="nl-NL" sz="1200" dirty="0"/>
-              <a:t> </a:t>
-            </a:r>
-            <a:r>
-              <a:rPr lang="nl-NL" sz="1200" dirty="0" err="1"/>
-              <a:t>tttggttact</a:t>
-            </a:r>
-            <a:r>
-              <a:rPr lang="nl-NL" sz="1200" dirty="0"/>
-              <a:t> </a:t>
-            </a:r>
-            <a:r>
-              <a:rPr lang="nl-NL" sz="1200" dirty="0" err="1"/>
-              <a:t>atataattct</a:t>
-            </a:r>
-            <a:endParaRPr lang="nl-NL" sz="1200" dirty="0"/>
-          </a:p>
-          <a:p>
-            <a:r>
-              <a:rPr lang="nl-NL" sz="1200" dirty="0"/>
-              <a:t>541 </a:t>
-            </a:r>
-            <a:r>
-              <a:rPr lang="nl-NL" sz="1200" dirty="0" err="1"/>
-              <a:t>tatgtatatg</a:t>
-            </a:r>
-            <a:r>
-              <a:rPr lang="nl-NL" sz="1200" dirty="0"/>
-              <a:t> </a:t>
-            </a:r>
-            <a:r>
-              <a:rPr lang="nl-NL" sz="1200" dirty="0" err="1"/>
-              <a:t>aatgcgaata</a:t>
-            </a:r>
-            <a:r>
-              <a:rPr lang="nl-NL" sz="1200" dirty="0"/>
-              <a:t> </a:t>
-            </a:r>
-            <a:r>
-              <a:rPr lang="nl-NL" sz="1200" dirty="0" err="1"/>
-              <a:t>tctattccag</a:t>
-            </a:r>
-            <a:r>
-              <a:rPr lang="nl-NL" sz="1200" dirty="0"/>
-              <a:t> </a:t>
-            </a:r>
-            <a:r>
-              <a:rPr lang="nl-NL" sz="1200" dirty="0" err="1"/>
-              <a:t>tttcttcgta</a:t>
-            </a:r>
-            <a:r>
-              <a:rPr lang="nl-NL" sz="1200" dirty="0"/>
-              <a:t> </a:t>
-            </a:r>
-            <a:r>
-              <a:rPr lang="nl-NL" sz="1200" dirty="0" err="1"/>
-              <a:t>aacagtcttc</a:t>
-            </a:r>
-            <a:r>
-              <a:rPr lang="nl-NL" sz="1200" dirty="0"/>
-              <a:t> </a:t>
-            </a:r>
-            <a:r>
-              <a:rPr lang="nl-NL" sz="1200" dirty="0" err="1"/>
-              <a:t>ttatttacga</a:t>
-            </a:r>
-            <a:endParaRPr lang="nl-NL" sz="1200" dirty="0"/>
-          </a:p>
-          <a:p>
-            <a:r>
-              <a:rPr lang="nl-NL" sz="1200" dirty="0"/>
-              <a:t>601 </a:t>
-            </a:r>
-            <a:r>
-              <a:rPr lang="nl-NL" sz="1200" dirty="0" err="1"/>
-              <a:t>tcaacatctt</a:t>
-            </a:r>
-            <a:r>
-              <a:rPr lang="nl-NL" sz="1200" dirty="0"/>
-              <a:t> </a:t>
-            </a:r>
-            <a:r>
-              <a:rPr lang="nl-NL" sz="1200" dirty="0" err="1"/>
-              <a:t>ctggagtctt</a:t>
-            </a:r>
-            <a:r>
-              <a:rPr lang="nl-NL" sz="1200" dirty="0"/>
-              <a:t> </a:t>
-            </a:r>
-            <a:r>
-              <a:rPr lang="nl-NL" sz="1200" dirty="0" err="1"/>
-              <a:t>tcttgagcga</a:t>
-            </a:r>
-            <a:r>
-              <a:rPr lang="nl-NL" sz="1200" dirty="0"/>
-              <a:t> </a:t>
-            </a:r>
-            <a:r>
-              <a:rPr lang="nl-NL" sz="1200" dirty="0" err="1"/>
-              <a:t>acacatttat</a:t>
-            </a:r>
-            <a:r>
-              <a:rPr lang="nl-NL" sz="1200" dirty="0"/>
-              <a:t> </a:t>
-            </a:r>
-            <a:r>
-              <a:rPr lang="nl-NL" sz="1200" dirty="0" err="1"/>
-              <a:t>atgtaaaaat</a:t>
-            </a:r>
-            <a:r>
-              <a:rPr lang="nl-NL" sz="1200" dirty="0"/>
-              <a:t> </a:t>
-            </a:r>
-            <a:r>
-              <a:rPr lang="nl-NL" sz="1200" dirty="0" err="1"/>
-              <a:t>agaacatctt</a:t>
-            </a:r>
-            <a:endParaRPr lang="nl-NL" sz="1200" dirty="0"/>
-          </a:p>
-          <a:p>
-            <a:r>
-              <a:rPr lang="nl-NL" sz="1200" dirty="0"/>
-              <a:t>661 </a:t>
-            </a:r>
-            <a:r>
-              <a:rPr lang="nl-NL" sz="1200" dirty="0" err="1"/>
-              <a:t>ctagtagtgt</a:t>
-            </a:r>
-            <a:r>
-              <a:rPr lang="nl-NL" sz="1200" dirty="0"/>
-              <a:t> </a:t>
-            </a:r>
-            <a:r>
-              <a:rPr lang="nl-NL" sz="1200" dirty="0" err="1"/>
-              <a:t>gttgtaattc</a:t>
-            </a:r>
-            <a:r>
-              <a:rPr lang="nl-NL" sz="1200" dirty="0"/>
-              <a:t> </a:t>
-            </a:r>
-            <a:r>
-              <a:rPr lang="nl-NL" sz="1200" dirty="0" err="1"/>
-              <a:t>ttttcagagg</a:t>
-            </a:r>
-            <a:r>
-              <a:rPr lang="nl-NL" sz="1200" dirty="0"/>
-              <a:t> </a:t>
-            </a:r>
-            <a:r>
-              <a:rPr lang="nl-NL" sz="1200" dirty="0" err="1"/>
-              <a:t>atcctatgct</a:t>
-            </a:r>
-            <a:r>
-              <a:rPr lang="nl-NL" sz="1200" dirty="0"/>
-              <a:t> </a:t>
-            </a:r>
-            <a:r>
-              <a:rPr lang="nl-NL" sz="1200" dirty="0" err="1"/>
-              <a:t>ttctcaagga</a:t>
-            </a:r>
-            <a:r>
-              <a:rPr lang="nl-NL" sz="1200" dirty="0"/>
-              <a:t> </a:t>
-            </a:r>
-            <a:r>
-              <a:rPr lang="nl-NL" sz="1200" dirty="0" err="1"/>
-              <a:t>tcctttcatg</a:t>
-            </a:r>
-            <a:endParaRPr lang="nl-NL" sz="1200" dirty="0"/>
-          </a:p>
-          <a:p>
-            <a:r>
-              <a:rPr lang="nl-NL" sz="1200" dirty="0"/>
-              <a:t>721 </a:t>
-            </a:r>
-            <a:r>
-              <a:rPr lang="nl-NL" sz="1200" dirty="0" err="1"/>
-              <a:t>cattatgttc</a:t>
-            </a:r>
-            <a:r>
-              <a:rPr lang="nl-NL" sz="1200" dirty="0"/>
-              <a:t> </a:t>
-            </a:r>
-            <a:r>
-              <a:rPr lang="nl-NL" sz="1200" dirty="0" err="1"/>
-              <a:t>gatatcaagg</a:t>
-            </a:r>
-            <a:r>
-              <a:rPr lang="nl-NL" sz="1200" dirty="0"/>
-              <a:t> </a:t>
-            </a:r>
-            <a:r>
-              <a:rPr lang="nl-NL" sz="1200" dirty="0" err="1"/>
-              <a:t>aaaagcaatt</a:t>
-            </a:r>
-            <a:r>
-              <a:rPr lang="nl-NL" sz="1200" dirty="0"/>
-              <a:t> </a:t>
-            </a:r>
-            <a:r>
-              <a:rPr lang="nl-NL" sz="1200" dirty="0" err="1"/>
-              <a:t>ctggcttcaa</a:t>
-            </a:r>
-            <a:r>
-              <a:rPr lang="nl-NL" sz="1200" dirty="0"/>
-              <a:t> </a:t>
-            </a:r>
-            <a:r>
-              <a:rPr lang="nl-NL" sz="1200" dirty="0" err="1"/>
-              <a:t>agggaactct</a:t>
-            </a:r>
-            <a:r>
-              <a:rPr lang="nl-NL" sz="1200" dirty="0"/>
-              <a:t> </a:t>
-            </a:r>
-            <a:r>
-              <a:rPr lang="nl-NL" sz="1200" dirty="0" err="1"/>
-              <a:t>tattctgatg</a:t>
-            </a:r>
-            <a:endParaRPr lang="nl-NL" sz="1200" dirty="0"/>
-          </a:p>
-          <a:p>
-            <a:r>
-              <a:rPr lang="nl-NL" sz="1200" dirty="0"/>
-              <a:t>781 </a:t>
-            </a:r>
-            <a:r>
-              <a:rPr lang="nl-NL" sz="1200" dirty="0" err="1"/>
-              <a:t>aagaaatgga</a:t>
-            </a:r>
-            <a:r>
-              <a:rPr lang="nl-NL" sz="1200" dirty="0"/>
-              <a:t> </a:t>
-            </a:r>
-            <a:r>
-              <a:rPr lang="nl-NL" sz="1200" dirty="0" err="1"/>
-              <a:t>aatttcatct</a:t>
-            </a:r>
-            <a:r>
-              <a:rPr lang="nl-NL" sz="1200" dirty="0"/>
-              <a:t> </a:t>
-            </a:r>
-            <a:r>
-              <a:rPr lang="nl-NL" sz="1200" dirty="0" err="1"/>
-              <a:t>tgtgaatttt</a:t>
-            </a:r>
-            <a:r>
-              <a:rPr lang="nl-NL" sz="1200" dirty="0"/>
-              <a:t> </a:t>
-            </a:r>
-            <a:r>
-              <a:rPr lang="nl-NL" sz="1200" dirty="0" err="1"/>
-              <a:t>tggcaatctt</a:t>
-            </a:r>
-            <a:r>
-              <a:rPr lang="nl-NL" sz="1200" dirty="0"/>
-              <a:t> </a:t>
-            </a:r>
-            <a:r>
-              <a:rPr lang="nl-NL" sz="1200" dirty="0" err="1"/>
-              <a:t>attttcactt</a:t>
-            </a:r>
-            <a:r>
-              <a:rPr lang="nl-NL" sz="1200" dirty="0"/>
-              <a:t> </a:t>
-            </a:r>
-            <a:r>
-              <a:rPr lang="nl-NL" sz="1200" dirty="0" err="1"/>
-              <a:t>ttggtctcaa</a:t>
-            </a:r>
-            <a:endParaRPr lang="nl-NL" sz="1200" dirty="0"/>
-          </a:p>
-          <a:p>
-            <a:r>
-              <a:rPr lang="nl-NL" sz="1200" dirty="0"/>
-              <a:t>841 </a:t>
-            </a:r>
-            <a:r>
-              <a:rPr lang="nl-NL" sz="1200" dirty="0" err="1"/>
-              <a:t>ccgtatagga</a:t>
-            </a:r>
-            <a:r>
-              <a:rPr lang="nl-NL" sz="1200" dirty="0"/>
-              <a:t> </a:t>
-            </a:r>
-            <a:r>
-              <a:rPr lang="nl-NL" sz="1200" dirty="0" err="1"/>
-              <a:t>ttcatataaa</a:t>
-            </a:r>
-            <a:r>
-              <a:rPr lang="nl-NL" sz="1200" dirty="0"/>
-              <a:t> </a:t>
-            </a:r>
-            <a:r>
-              <a:rPr lang="nl-NL" sz="1200" dirty="0" err="1"/>
-              <a:t>gcaattatcc</a:t>
-            </a:r>
-            <a:r>
-              <a:rPr lang="nl-NL" sz="1200" dirty="0"/>
-              <a:t> </a:t>
-            </a:r>
-            <a:r>
-              <a:rPr lang="nl-NL" sz="1200" dirty="0" err="1"/>
-              <a:t>aactattcct</a:t>
-            </a:r>
-            <a:r>
-              <a:rPr lang="nl-NL" sz="1200" dirty="0"/>
-              <a:t> </a:t>
-            </a:r>
-            <a:r>
-              <a:rPr lang="nl-NL" sz="1200" dirty="0" err="1"/>
-              <a:t>tctcttttct</a:t>
-            </a:r>
-            <a:r>
-              <a:rPr lang="nl-NL" sz="1200" dirty="0"/>
-              <a:t> </a:t>
-            </a:r>
-            <a:r>
-              <a:rPr lang="nl-NL" sz="1200" dirty="0" err="1"/>
-              <a:t>ggggtatttt</a:t>
-            </a:r>
-            <a:endParaRPr lang="nl-NL" sz="1200" dirty="0"/>
-          </a:p>
-          <a:p>
-            <a:r>
-              <a:rPr lang="nl-NL" sz="1200" dirty="0"/>
-              <a:t>901 </a:t>
-            </a:r>
-            <a:r>
-              <a:rPr lang="nl-NL" sz="1200" dirty="0" err="1"/>
-              <a:t>tcaagtgtac</a:t>
-            </a:r>
-            <a:r>
-              <a:rPr lang="nl-NL" sz="1200" dirty="0"/>
-              <a:t> </a:t>
-            </a:r>
-            <a:r>
-              <a:rPr lang="nl-NL" sz="1200" dirty="0" err="1"/>
-              <a:t>tagaaaatca</a:t>
-            </a:r>
-            <a:r>
-              <a:rPr lang="nl-NL" sz="1200" dirty="0"/>
-              <a:t> </a:t>
-            </a:r>
-            <a:r>
-              <a:rPr lang="nl-NL" sz="1200" dirty="0" err="1"/>
-              <a:t>tttggtagta</a:t>
-            </a:r>
-            <a:r>
-              <a:rPr lang="nl-NL" sz="1200" dirty="0"/>
-              <a:t> </a:t>
-            </a:r>
-            <a:r>
-              <a:rPr lang="nl-NL" sz="1200" dirty="0" err="1"/>
-              <a:t>agaaatcaaa</a:t>
-            </a:r>
-            <a:r>
-              <a:rPr lang="nl-NL" sz="1200" dirty="0"/>
-              <a:t> </a:t>
-            </a:r>
-            <a:r>
-              <a:rPr lang="nl-NL" sz="1200" dirty="0" err="1"/>
-              <a:t>tgctagagaa</a:t>
-            </a:r>
-            <a:r>
-              <a:rPr lang="nl-NL" sz="1200" dirty="0"/>
-              <a:t> </a:t>
-            </a:r>
-            <a:r>
-              <a:rPr lang="nl-NL" sz="1200" dirty="0" err="1"/>
-              <a:t>ttcatttata</a:t>
-            </a:r>
-            <a:endParaRPr lang="nl-NL" sz="1200" dirty="0"/>
-          </a:p>
-          <a:p>
-            <a:r>
-              <a:rPr lang="nl-NL" sz="1200" dirty="0"/>
-              <a:t>961 </a:t>
-            </a:r>
-            <a:r>
-              <a:rPr lang="nl-NL" sz="1200" dirty="0" err="1"/>
-              <a:t>ataaatcttc</a:t>
-            </a:r>
-            <a:r>
-              <a:rPr lang="nl-NL" sz="1200" dirty="0"/>
-              <a:t> </a:t>
-            </a:r>
-            <a:r>
-              <a:rPr lang="nl-NL" sz="1200" dirty="0" err="1"/>
-              <a:t>tgactaagaa</a:t>
-            </a:r>
-            <a:r>
-              <a:rPr lang="nl-NL" sz="1200" dirty="0"/>
-              <a:t> </a:t>
-            </a:r>
-            <a:r>
-              <a:rPr lang="nl-NL" sz="1200" dirty="0" err="1"/>
-              <a:t>attcgatacc</a:t>
-            </a:r>
-            <a:r>
-              <a:rPr lang="nl-NL" sz="1200" dirty="0"/>
-              <a:t> </a:t>
-            </a:r>
-            <a:r>
-              <a:rPr lang="nl-NL" sz="1200" dirty="0" err="1"/>
-              <a:t>atagccccag</a:t>
-            </a:r>
-            <a:r>
-              <a:rPr lang="nl-NL" sz="1200" dirty="0"/>
-              <a:t> </a:t>
-            </a:r>
-            <a:r>
-              <a:rPr lang="nl-NL" sz="1200" dirty="0" err="1"/>
-              <a:t>ttatttctct</a:t>
-            </a:r>
-            <a:r>
-              <a:rPr lang="nl-NL" sz="1200" dirty="0"/>
-              <a:t> </a:t>
-            </a:r>
-            <a:r>
-              <a:rPr lang="nl-NL" sz="1200" dirty="0" err="1"/>
-              <a:t>tattggatca</a:t>
-            </a:r>
-            <a:endParaRPr lang="nl-NL" sz="1200" dirty="0"/>
-          </a:p>
-          <a:p>
-            <a:r>
-              <a:rPr lang="nl-NL" sz="1200" dirty="0"/>
-              <a:t>1021 </a:t>
-            </a:r>
-            <a:r>
-              <a:rPr lang="nl-NL" sz="1200" dirty="0" err="1"/>
-              <a:t>ttgtcgaaag</a:t>
-            </a:r>
-            <a:r>
-              <a:rPr lang="nl-NL" sz="1200" dirty="0"/>
-              <a:t> </a:t>
-            </a:r>
-            <a:r>
-              <a:rPr lang="nl-NL" sz="1200" dirty="0" err="1"/>
-              <a:t>ctcaattttg</a:t>
-            </a:r>
-            <a:r>
-              <a:rPr lang="nl-NL" sz="1200" dirty="0"/>
-              <a:t> </a:t>
-            </a:r>
-            <a:r>
-              <a:rPr lang="nl-NL" sz="1200" dirty="0" err="1"/>
-              <a:t>tactgtattg</a:t>
-            </a:r>
-            <a:r>
-              <a:rPr lang="nl-NL" sz="1200" dirty="0"/>
-              <a:t> </a:t>
-            </a:r>
-            <a:r>
-              <a:rPr lang="nl-NL" sz="1200" dirty="0" err="1"/>
-              <a:t>ggtcatccta</a:t>
-            </a:r>
-            <a:r>
-              <a:rPr lang="nl-NL" sz="1200" dirty="0"/>
-              <a:t> </a:t>
-            </a:r>
-            <a:r>
-              <a:rPr lang="nl-NL" sz="1200" dirty="0" err="1"/>
-              <a:t>ttagtaaacc</a:t>
-            </a:r>
-            <a:r>
-              <a:rPr lang="nl-NL" sz="1200" dirty="0"/>
-              <a:t> </a:t>
-            </a:r>
-            <a:r>
-              <a:rPr lang="nl-NL" sz="1200" dirty="0" err="1"/>
-              <a:t>gatctggacc</a:t>
-            </a:r>
-            <a:endParaRPr lang="nl-NL" sz="1200" dirty="0"/>
-          </a:p>
-          <a:p>
-            <a:r>
-              <a:rPr lang="nl-NL" sz="1200" dirty="0"/>
-              <a:t>1081 </a:t>
-            </a:r>
-            <a:r>
-              <a:rPr lang="nl-NL" sz="1200" dirty="0" err="1"/>
-              <a:t>gatttctcgg</a:t>
-            </a:r>
-            <a:r>
-              <a:rPr lang="nl-NL" sz="1200" dirty="0"/>
-              <a:t> </a:t>
-            </a:r>
-            <a:r>
-              <a:rPr lang="nl-NL" sz="1200" dirty="0" err="1"/>
-              <a:t>attctgatat</a:t>
-            </a:r>
-            <a:r>
-              <a:rPr lang="nl-NL" sz="1200" dirty="0"/>
-              <a:t> </a:t>
-            </a:r>
-            <a:r>
-              <a:rPr lang="nl-NL" sz="1200" dirty="0" err="1"/>
-              <a:t>tcttgatcga</a:t>
-            </a:r>
-            <a:r>
-              <a:rPr lang="nl-NL" sz="1200" dirty="0"/>
-              <a:t> </a:t>
-            </a:r>
-            <a:r>
-              <a:rPr lang="nl-NL" sz="1200" dirty="0" err="1"/>
-              <a:t>ttttgccgga</a:t>
-            </a:r>
-            <a:r>
-              <a:rPr lang="nl-NL" sz="1200" dirty="0"/>
-              <a:t> </a:t>
-            </a:r>
-            <a:r>
-              <a:rPr lang="nl-NL" sz="1200" dirty="0" err="1"/>
-              <a:t>tatgtagaaa</a:t>
-            </a:r>
-            <a:r>
-              <a:rPr lang="nl-NL" sz="1200" dirty="0"/>
-              <a:t> </a:t>
-            </a:r>
-            <a:r>
-              <a:rPr lang="nl-NL" sz="1200" dirty="0" err="1"/>
-              <a:t>tctttgtcgt</a:t>
-            </a:r>
-            <a:endParaRPr lang="nl-NL" sz="1200" dirty="0"/>
-          </a:p>
-          <a:p>
-            <a:r>
-              <a:rPr lang="nl-NL" sz="1200" dirty="0"/>
-              <a:t>1141 </a:t>
-            </a:r>
-            <a:r>
-              <a:rPr lang="nl-NL" sz="1200" dirty="0" err="1"/>
-              <a:t>tatcacagcg</a:t>
-            </a:r>
-            <a:r>
-              <a:rPr lang="nl-NL" sz="1200" dirty="0"/>
-              <a:t> </a:t>
-            </a:r>
-            <a:r>
-              <a:rPr lang="nl-NL" sz="1200" dirty="0" err="1"/>
-              <a:t>gatcctcaaa</a:t>
-            </a:r>
-            <a:r>
-              <a:rPr lang="nl-NL" sz="1200" dirty="0"/>
-              <a:t> </a:t>
-            </a:r>
-            <a:r>
-              <a:rPr lang="nl-NL" sz="1200" dirty="0" err="1"/>
-              <a:t>aaaacaggtt</a:t>
-            </a:r>
-            <a:r>
-              <a:rPr lang="nl-NL" sz="1200" dirty="0"/>
-              <a:t> </a:t>
-            </a:r>
-            <a:r>
-              <a:rPr lang="nl-NL" sz="1200" dirty="0" err="1"/>
-              <a:t>ttgtatcgta</a:t>
-            </a:r>
-            <a:r>
-              <a:rPr lang="nl-NL" sz="1200" dirty="0"/>
-              <a:t> </a:t>
-            </a:r>
-            <a:r>
-              <a:rPr lang="nl-NL" sz="1200" dirty="0" err="1"/>
-              <a:t>taaaatatat</a:t>
-            </a:r>
-            <a:r>
-              <a:rPr lang="nl-NL" sz="1200" dirty="0"/>
-              <a:t> </a:t>
-            </a:r>
-            <a:r>
-              <a:rPr lang="nl-NL" sz="1200" dirty="0" err="1"/>
-              <a:t>acttcgactt</a:t>
-            </a:r>
-            <a:endParaRPr lang="nl-NL" sz="1200" dirty="0"/>
-          </a:p>
-          <a:p>
-            <a:r>
-              <a:rPr lang="nl-NL" sz="1200" dirty="0"/>
-              <a:t>1201 </a:t>
-            </a:r>
-            <a:r>
-              <a:rPr lang="nl-NL" sz="1200" dirty="0" err="1"/>
-              <a:t>tcgtgtgcta</a:t>
-            </a:r>
-            <a:r>
-              <a:rPr lang="nl-NL" sz="1200" dirty="0"/>
-              <a:t> </a:t>
-            </a:r>
-            <a:r>
-              <a:rPr lang="nl-NL" sz="1200" dirty="0" err="1"/>
-              <a:t>gaactttggc</a:t>
-            </a:r>
-            <a:r>
-              <a:rPr lang="nl-NL" sz="1200" dirty="0"/>
-              <a:t> </a:t>
-            </a:r>
-            <a:r>
-              <a:rPr lang="nl-NL" sz="1200" dirty="0" err="1"/>
-              <a:t>acggaaacat</a:t>
-            </a:r>
-            <a:r>
-              <a:rPr lang="nl-NL" sz="1200" dirty="0"/>
-              <a:t> </a:t>
-            </a:r>
-            <a:r>
-              <a:rPr lang="nl-NL" sz="1200" dirty="0" err="1"/>
-              <a:t>aaaagtacag</a:t>
-            </a:r>
-            <a:r>
-              <a:rPr lang="nl-NL" sz="1200" dirty="0"/>
-              <a:t> </a:t>
-            </a:r>
-            <a:r>
-              <a:rPr lang="nl-NL" sz="1200" dirty="0" err="1"/>
-              <a:t>tacgcacttt</a:t>
-            </a:r>
-            <a:r>
-              <a:rPr lang="nl-NL" sz="1200" dirty="0"/>
-              <a:t> </a:t>
-            </a:r>
-            <a:r>
-              <a:rPr lang="nl-NL" sz="1200" dirty="0" err="1"/>
-              <a:t>tatgcgaaga</a:t>
-            </a:r>
-            <a:endParaRPr lang="nl-NL" sz="1200" dirty="0"/>
-          </a:p>
-          <a:p>
-            <a:r>
-              <a:rPr lang="nl-NL" sz="1200" dirty="0"/>
-              <a:t>1261 </a:t>
-            </a:r>
-            <a:r>
-              <a:rPr lang="nl-NL" sz="1200" dirty="0" err="1"/>
-              <a:t>ttaggttcgg</a:t>
-            </a:r>
-            <a:r>
-              <a:rPr lang="nl-NL" sz="1200" dirty="0"/>
-              <a:t> </a:t>
-            </a:r>
-            <a:r>
-              <a:rPr lang="nl-NL" sz="1200" dirty="0" err="1"/>
-              <a:t>gattattaga</a:t>
-            </a:r>
-            <a:r>
-              <a:rPr lang="nl-NL" sz="1200" dirty="0"/>
-              <a:t> </a:t>
-            </a:r>
-            <a:r>
-              <a:rPr lang="nl-NL" sz="1200" dirty="0" err="1"/>
-              <a:t>agaattcttt</a:t>
-            </a:r>
-            <a:r>
-              <a:rPr lang="nl-NL" sz="1200" dirty="0"/>
-              <a:t> </a:t>
-            </a:r>
-            <a:r>
-              <a:rPr lang="nl-NL" sz="1200" dirty="0" err="1"/>
-              <a:t>atggaagaag</a:t>
-            </a:r>
-            <a:r>
-              <a:rPr lang="nl-NL" sz="1200" dirty="0"/>
-              <a:t> </a:t>
-            </a:r>
-            <a:r>
-              <a:rPr lang="nl-NL" sz="1200" dirty="0" err="1"/>
-              <a:t>aa</a:t>
-            </a:r>
-            <a:endParaRPr lang="nl-NL" sz="1200" dirty="0"/>
+              <a:rPr lang="en-US" sz="1200" dirty="0" err="1">
+                <a:solidFill>
+                  <a:srgbClr val="FF0000"/>
+                </a:solidFill>
+              </a:rPr>
+              <a:t>maturase</a:t>
+            </a:r>
+            <a:r>
+              <a:rPr lang="en-US" sz="1200" dirty="0">
+                <a:solidFill>
+                  <a:srgbClr val="FF0000"/>
+                </a:solidFill>
+              </a:rPr>
+              <a:t> K (</a:t>
+            </a:r>
+            <a:r>
+              <a:rPr lang="en-US" sz="1200" dirty="0" err="1">
+                <a:solidFill>
+                  <a:srgbClr val="FF0000"/>
+                </a:solidFill>
+              </a:rPr>
+              <a:t>matK</a:t>
+            </a:r>
+            <a:r>
+              <a:rPr lang="en-US" sz="1200" dirty="0">
+                <a:solidFill>
+                  <a:srgbClr val="FF0000"/>
+                </a:solidFill>
+              </a:rPr>
+              <a:t>) gene, partial </a:t>
+            </a:r>
+            <a:r>
+              <a:rPr lang="en-US" sz="1200" dirty="0" err="1">
+                <a:solidFill>
+                  <a:srgbClr val="FF0000"/>
+                </a:solidFill>
+              </a:rPr>
+              <a:t>cds</a:t>
+            </a:r>
+            <a:r>
+              <a:rPr lang="en-US" sz="1200" dirty="0">
+                <a:solidFill>
+                  <a:srgbClr val="FF0000"/>
+                </a:solidFill>
+              </a:rPr>
+              <a:t>; chloroplast.</a:t>
+            </a:r>
+          </a:p>
+          <a:p>
+            <a:r>
+              <a:rPr lang="en-US" sz="1200" dirty="0">
+                <a:solidFill>
+                  <a:srgbClr val="FF0000"/>
+                </a:solidFill>
+              </a:rPr>
+              <a:t>Number of features: 3</a:t>
+            </a:r>
+          </a:p>
+          <a:p>
+            <a:r>
+              <a:rPr lang="en-US" sz="1200" dirty="0">
+                <a:solidFill>
+                  <a:srgbClr val="FF0000"/>
+                </a:solidFill>
+              </a:rPr>
+              <a:t>...</a:t>
+            </a:r>
+          </a:p>
+          <a:p>
+            <a:r>
+              <a:rPr lang="en-US" sz="1200" dirty="0" err="1">
+                <a:solidFill>
+                  <a:srgbClr val="FF0000"/>
+                </a:solidFill>
+              </a:rPr>
+              <a:t>Seq</a:t>
+            </a:r>
+            <a:r>
+              <a:rPr lang="en-US" sz="1200" dirty="0">
+                <a:solidFill>
+                  <a:srgbClr val="FF0000"/>
+                </a:solidFill>
+              </a:rPr>
+              <a:t>('ATTTTTTACGAACCTGTGGAAATTTTTGGTTATGACAATAAATCTAGTTTAGTA...GAA', </a:t>
+            </a:r>
+            <a:r>
+              <a:rPr lang="en-US" sz="1200" dirty="0" err="1">
+                <a:solidFill>
+                  <a:srgbClr val="FF0000"/>
+                </a:solidFill>
+              </a:rPr>
+              <a:t>IUPACAmbiguousDNA</a:t>
+            </a:r>
+            <a:r>
+              <a:rPr lang="en-US" sz="1200" dirty="0">
+                <a:solidFill>
+                  <a:srgbClr val="FF0000"/>
+                </a:solidFill>
+              </a:rPr>
+              <a:t>()</a:t>
+            </a:r>
+            <a:r>
+              <a:rPr lang="en-US" sz="1200" dirty="0" smtClean="0">
+                <a:solidFill>
+                  <a:srgbClr val="FF0000"/>
+                </a:solidFill>
+              </a:rPr>
+              <a:t>)</a:t>
+            </a:r>
+            <a:endParaRPr lang="en-US" sz="1200" dirty="0">
+              <a:solidFill>
+                <a:srgbClr val="FF0000"/>
+              </a:solidFill>
+            </a:endParaRPr>
           </a:p>
         </p:txBody>
       </p:sp>
     </p:spTree>
     <p:extLst>
       <p:ext uri="{BB962C8B-B14F-4D97-AF65-F5344CB8AC3E}">
-        <p14:creationId xmlns:p14="http://schemas.microsoft.com/office/powerpoint/2010/main" val="425082254"/>
+        <p14:creationId xmlns:p14="http://schemas.microsoft.com/office/powerpoint/2010/main" val="644493071"/>
       </p:ext>
     </p:extLst>
   </p:cSld>
@@ -9625,36 +10922,16 @@
           <a:lstStyle/>
           <a:p>
             <a:r>
-              <a:rPr lang="fr-FR" dirty="0" err="1" smtClean="0"/>
-              <a:t>Parse</a:t>
-            </a:r>
-            <a:r>
-              <a:rPr lang="fr-FR" dirty="0" smtClean="0"/>
-              <a:t> </a:t>
-            </a:r>
-            <a:r>
-              <a:rPr lang="fr-FR" dirty="0" err="1" smtClean="0"/>
-              <a:t>it</a:t>
-            </a:r>
-            <a:r>
-              <a:rPr lang="fr-FR" dirty="0" smtClean="0"/>
-              <a:t> </a:t>
-            </a:r>
-            <a:r>
-              <a:rPr lang="fr-FR" dirty="0" err="1" smtClean="0"/>
-              <a:t>into</a:t>
-            </a:r>
-            <a:r>
-              <a:rPr lang="fr-FR" dirty="0" smtClean="0"/>
-              <a:t> a </a:t>
-            </a:r>
-            <a:r>
-              <a:rPr lang="fr-FR" dirty="0" err="1" smtClean="0"/>
-              <a:t>seq</a:t>
-            </a:r>
-            <a:r>
-              <a:rPr lang="fr-FR" dirty="0" smtClean="0"/>
-              <a:t> record</a:t>
+              <a:rPr lang="en-US" dirty="0" smtClean="0"/>
+              <a:t>Save </a:t>
+            </a:r>
+            <a:r>
+              <a:rPr lang="en-US" dirty="0"/>
+              <a:t>the sequence data to a local </a:t>
+            </a:r>
+            <a:r>
+              <a:rPr lang="en-US" dirty="0" smtClean="0"/>
+              <a:t>file</a:t>
             </a:r>
             <a:endParaRPr lang="fr-FR" dirty="0"/>
           </a:p>
@@ -9670,38 +10947,75 @@
             <p:ph idx="1"/>
           </p:nvPr>
         </p:nvSpPr>
-        <p:spPr/>
+        <p:spPr>
+          <a:xfrm>
+            <a:off x="279400" y="941313"/>
+            <a:ext cx="8644466" cy="589642"/>
+          </a:xfrm>
+        </p:spPr>
         <p:txBody>
           <a:bodyPr/>
           <a:lstStyle/>
           <a:p>
             <a:r>
-              <a:rPr lang="fr-FR" dirty="0" smtClean="0"/>
-              <a:t>If </a:t>
-            </a:r>
-            <a:r>
               <a:rPr lang="en-US" dirty="0" smtClean="0"/>
-              <a:t>format </a:t>
+              <a:t>Typical </a:t>
             </a:r>
             <a:r>
               <a:rPr lang="en-US" dirty="0"/>
-              <a:t>accepted </a:t>
+              <a:t>use would be to save the sequence data to a local </a:t>
             </a:r>
             <a:r>
               <a:rPr lang="en-US" dirty="0" smtClean="0"/>
-              <a:t>by </a:t>
+              <a:t>file </a:t>
+            </a:r>
+            <a:r>
+              <a:rPr lang="fr-FR" dirty="0"/>
+              <a:t>a</a:t>
+            </a:r>
+            <a:r>
+              <a:rPr lang="en-US" dirty="0" err="1" smtClean="0"/>
+              <a:t>nd</a:t>
+            </a:r>
+            <a:r>
+              <a:rPr lang="en-US" dirty="0" smtClean="0"/>
+              <a:t> then</a:t>
+            </a:r>
+            <a:r>
+              <a:rPr lang="en-US" dirty="0"/>
+              <a:t> </a:t>
+            </a:r>
+            <a:r>
+              <a:rPr lang="en-US" dirty="0" smtClean="0"/>
+              <a:t>parse </a:t>
+            </a:r>
+            <a:r>
+              <a:rPr lang="en-US" dirty="0"/>
+              <a:t>it </a:t>
+            </a:r>
+            <a:r>
+              <a:rPr lang="en-US" dirty="0" smtClean="0"/>
+              <a:t>with </a:t>
             </a:r>
             <a:r>
               <a:rPr lang="en-US" dirty="0" err="1" smtClean="0"/>
               <a:t>Bio.SeqIO</a:t>
             </a:r>
+            <a:endParaRPr lang="en-US" dirty="0"/>
+          </a:p>
+          <a:p>
             <a:r>
               <a:rPr lang="en-US" dirty="0" smtClean="0"/>
-              <a:t>, </a:t>
-            </a:r>
-            <a:endParaRPr lang="en-US" dirty="0"/>
-          </a:p>
-          <a:p>
+              <a:t>Save you to </a:t>
+            </a:r>
+            <a:r>
+              <a:rPr lang="en-US" dirty="0"/>
+              <a:t>re-download the same </a:t>
+            </a:r>
+            <a:r>
+              <a:rPr lang="en-US" dirty="0" smtClean="0"/>
+              <a:t>file repeatedly</a:t>
+            </a:r>
             <a:endParaRPr lang="fr-FR" dirty="0"/>
           </a:p>
         </p:txBody>
@@ -9778,14 +11092,14 @@
       </p:sp>
       <p:sp>
         <p:nvSpPr>
-          <p:cNvPr id="7" name="ZoneTexte 6"/>
+          <p:cNvPr id="8" name="ZoneTexte 7"/>
           <p:cNvSpPr txBox="1"/>
           <p:nvPr/>
         </p:nvSpPr>
         <p:spPr>
           <a:xfrm>
-            <a:off x="279400" y="1156002"/>
-            <a:ext cx="8644466" cy="2123658"/>
+            <a:off x="279400" y="2006520"/>
+            <a:ext cx="8644466" cy="2862322"/>
           </a:xfrm>
           <a:prstGeom prst="rect">
             <a:avLst/>
@@ -9814,281 +11128,20 @@
           </a:lstStyle>
           <a:p>
             <a:r>
-              <a:rPr lang="en-US" sz="1200" dirty="0"/>
-              <a:t>&gt;&gt;&gt; from Bio import </a:t>
-            </a:r>
-            <a:r>
-              <a:rPr lang="en-US" sz="1200" dirty="0" err="1"/>
-              <a:t>Entrez</a:t>
-            </a:r>
-            <a:r>
-              <a:rPr lang="en-US" sz="1200" dirty="0"/>
-              <a:t>, </a:t>
-            </a:r>
-            <a:r>
-              <a:rPr lang="en-US" sz="1200" dirty="0" err="1"/>
-              <a:t>SeqIO</a:t>
-            </a:r>
-            <a:endParaRPr lang="en-US" sz="1200" dirty="0"/>
-          </a:p>
-          <a:p>
-            <a:r>
-              <a:rPr lang="en-US" sz="1200" dirty="0"/>
-              <a:t>&gt;&gt;&gt; handle = </a:t>
-            </a:r>
-            <a:r>
-              <a:rPr lang="en-US" sz="1200" dirty="0" err="1"/>
-              <a:t>Entrez.efetch</a:t>
-            </a:r>
-            <a:r>
-              <a:rPr lang="en-US" sz="1200" dirty="0"/>
-              <a:t>(</a:t>
-            </a:r>
-            <a:r>
-              <a:rPr lang="en-US" sz="1200" dirty="0" err="1"/>
-              <a:t>db</a:t>
-            </a:r>
-            <a:r>
-              <a:rPr lang="en-US" sz="1200" dirty="0"/>
-              <a:t>="nucleotide", id="186972394", </a:t>
-            </a:r>
-            <a:r>
-              <a:rPr lang="en-US" sz="1200" dirty="0" err="1"/>
-              <a:t>rettype</a:t>
-            </a:r>
-            <a:r>
-              <a:rPr lang="en-US" sz="1200" dirty="0"/>
-              <a:t>="</a:t>
-            </a:r>
-            <a:r>
-              <a:rPr lang="en-US" sz="1200" dirty="0" err="1"/>
-              <a:t>gb</a:t>
-            </a:r>
-            <a:r>
-              <a:rPr lang="en-US" sz="1200" dirty="0"/>
-              <a:t>", </a:t>
-            </a:r>
-            <a:r>
-              <a:rPr lang="en-US" sz="1200" dirty="0" err="1"/>
-              <a:t>retmode</a:t>
-            </a:r>
-            <a:r>
-              <a:rPr lang="en-US" sz="1200" dirty="0"/>
-              <a:t>="text")</a:t>
-            </a:r>
-          </a:p>
-          <a:p>
-            <a:r>
-              <a:rPr lang="en-US" sz="1200" dirty="0"/>
-              <a:t>&gt;&gt;&gt; record = </a:t>
-            </a:r>
-            <a:r>
-              <a:rPr lang="en-US" sz="1200" dirty="0" err="1"/>
-              <a:t>SeqIO.read</a:t>
-            </a:r>
-            <a:r>
-              <a:rPr lang="en-US" sz="1200" dirty="0"/>
-              <a:t>(handle, "</a:t>
-            </a:r>
-            <a:r>
-              <a:rPr lang="en-US" sz="1200" dirty="0" err="1"/>
-              <a:t>genbank</a:t>
-            </a:r>
-            <a:r>
-              <a:rPr lang="en-US" sz="1200" dirty="0"/>
-              <a:t>")</a:t>
-            </a:r>
-          </a:p>
-          <a:p>
-            <a:r>
-              <a:rPr lang="en-US" sz="1200" dirty="0"/>
-              <a:t>&gt;&gt;&gt; </a:t>
-            </a:r>
-            <a:r>
-              <a:rPr lang="en-US" sz="1200" dirty="0" err="1"/>
-              <a:t>handle.close</a:t>
-            </a:r>
-            <a:r>
-              <a:rPr lang="en-US" sz="1200" dirty="0"/>
-              <a:t>()</a:t>
-            </a:r>
-          </a:p>
-          <a:p>
-            <a:r>
-              <a:rPr lang="en-US" sz="1200" dirty="0"/>
-              <a:t>&gt;&gt;&gt; print(record)</a:t>
-            </a:r>
-          </a:p>
-          <a:p>
-            <a:r>
               <a:rPr lang="en-US" sz="1200" dirty="0">
                 <a:solidFill>
                   <a:srgbClr val="FF0000"/>
                 </a:solidFill>
               </a:rPr>
-              <a:t>ID: EU490707.1</a:t>
-            </a:r>
-          </a:p>
-          <a:p>
-            <a:r>
-              <a:rPr lang="en-US" sz="1200" dirty="0">
+              <a:t>import </a:t>
+            </a:r>
+            <a:r>
+              <a:rPr lang="en-US" sz="1200" dirty="0" err="1">
                 <a:solidFill>
                   <a:srgbClr val="FF0000"/>
                 </a:solidFill>
               </a:rPr>
-              <a:t>Name: EU490707</a:t>
-            </a:r>
-          </a:p>
-          <a:p>
-            <a:r>
-              <a:rPr lang="en-US" sz="1200" dirty="0">
-                <a:solidFill>
-                  <a:srgbClr val="FF0000"/>
-                </a:solidFill>
-              </a:rPr>
-              <a:t>Description: </a:t>
-            </a:r>
-            <a:r>
-              <a:rPr lang="en-US" sz="1200" dirty="0" err="1">
-                <a:solidFill>
-                  <a:srgbClr val="FF0000"/>
-                </a:solidFill>
-              </a:rPr>
-              <a:t>Selenipedium</a:t>
-            </a:r>
-            <a:r>
-              <a:rPr lang="en-US" sz="1200" dirty="0">
-                <a:solidFill>
-                  <a:srgbClr val="FF0000"/>
-                </a:solidFill>
-              </a:rPr>
-              <a:t> </a:t>
-            </a:r>
-            <a:r>
-              <a:rPr lang="en-US" sz="1200" dirty="0" err="1">
-                <a:solidFill>
-                  <a:srgbClr val="FF0000"/>
-                </a:solidFill>
-              </a:rPr>
-              <a:t>aequinoctiale</a:t>
-            </a:r>
-            <a:r>
-              <a:rPr lang="en-US" sz="1200" dirty="0">
-                <a:solidFill>
-                  <a:srgbClr val="FF0000"/>
-                </a:solidFill>
-              </a:rPr>
-              <a:t> </a:t>
-            </a:r>
-            <a:r>
-              <a:rPr lang="en-US" sz="1200" dirty="0" err="1">
-                <a:solidFill>
-                  <a:srgbClr val="FF0000"/>
-                </a:solidFill>
-              </a:rPr>
-              <a:t>maturase</a:t>
-            </a:r>
-            <a:r>
-              <a:rPr lang="en-US" sz="1200" dirty="0">
-                <a:solidFill>
-                  <a:srgbClr val="FF0000"/>
-                </a:solidFill>
-              </a:rPr>
-              <a:t> K (</a:t>
-            </a:r>
-            <a:r>
-              <a:rPr lang="en-US" sz="1200" dirty="0" err="1">
-                <a:solidFill>
-                  <a:srgbClr val="FF0000"/>
-                </a:solidFill>
-              </a:rPr>
-              <a:t>matK</a:t>
-            </a:r>
-            <a:r>
-              <a:rPr lang="en-US" sz="1200" dirty="0">
-                <a:solidFill>
-                  <a:srgbClr val="FF0000"/>
-                </a:solidFill>
-              </a:rPr>
-              <a:t>) gene, partial </a:t>
-            </a:r>
-            <a:r>
-              <a:rPr lang="en-US" sz="1200" dirty="0" err="1">
-                <a:solidFill>
-                  <a:srgbClr val="FF0000"/>
-                </a:solidFill>
-              </a:rPr>
-              <a:t>cds</a:t>
-            </a:r>
-            <a:r>
-              <a:rPr lang="en-US" sz="1200" dirty="0">
-                <a:solidFill>
-                  <a:srgbClr val="FF0000"/>
-                </a:solidFill>
-              </a:rPr>
-              <a:t>; chloroplast.</a:t>
-            </a:r>
-          </a:p>
-          <a:p>
-            <a:r>
-              <a:rPr lang="en-US" sz="1200" dirty="0">
-                <a:solidFill>
-                  <a:srgbClr val="FF0000"/>
-                </a:solidFill>
-              </a:rPr>
-              <a:t>Number of features: 3</a:t>
-            </a:r>
-          </a:p>
-          <a:p>
-            <a:r>
-              <a:rPr lang="en-US" sz="1200" dirty="0">
-                <a:solidFill>
-                  <a:srgbClr val="FF0000"/>
-                </a:solidFill>
-              </a:rPr>
-              <a:t>...</a:t>
-            </a:r>
-          </a:p>
-          <a:p>
-            <a:r>
-              <a:rPr lang="en-US" sz="1200" dirty="0" err="1">
-                <a:solidFill>
-                  <a:srgbClr val="FF0000"/>
-                </a:solidFill>
-              </a:rPr>
-              <a:t>Seq</a:t>
-            </a:r>
-            <a:r>
-              <a:rPr lang="en-US" sz="1200" dirty="0">
-                <a:solidFill>
-                  <a:srgbClr val="FF0000"/>
-                </a:solidFill>
-              </a:rPr>
-              <a:t>('ATTTTTTACGAACCTGTGGAAATTTTTGGTTATGACAATAAATCTAGTTTAGTA...GAA', </a:t>
-            </a:r>
-            <a:r>
-              <a:rPr lang="en-US" sz="1200" dirty="0" err="1">
-                <a:solidFill>
-                  <a:srgbClr val="FF0000"/>
-                </a:solidFill>
-              </a:rPr>
-              <a:t>IUPACAmbiguousDNA</a:t>
-            </a:r>
-            <a:r>
-              <a:rPr lang="en-US" sz="1200" dirty="0">
-                <a:solidFill>
-                  <a:srgbClr val="FF0000"/>
-                </a:solidFill>
-              </a:rPr>
-              <a:t>()</a:t>
-            </a:r>
-            <a:r>
-              <a:rPr lang="en-US" sz="1200" dirty="0" smtClean="0">
-                <a:solidFill>
-                  <a:srgbClr val="FF0000"/>
-                </a:solidFill>
-              </a:rPr>
-              <a:t>)</a:t>
+              <a:t>os</a:t>
             </a:r>
             <a:endParaRPr lang="en-US" sz="1200" dirty="0">
               <a:solidFill>
@@ -10096,12 +11149,345 @@
               </a:solidFill>
             </a:endParaRPr>
           </a:p>
+          <a:p>
+            <a:r>
+              <a:rPr lang="en-US" sz="1200" dirty="0">
+                <a:solidFill>
+                  <a:srgbClr val="FF0000"/>
+                </a:solidFill>
+              </a:rPr>
+              <a:t>from Bio import </a:t>
+            </a:r>
+            <a:r>
+              <a:rPr lang="en-US" sz="1200" dirty="0" err="1">
+                <a:solidFill>
+                  <a:srgbClr val="FF0000"/>
+                </a:solidFill>
+              </a:rPr>
+              <a:t>SeqIO</a:t>
+            </a:r>
+            <a:endParaRPr lang="en-US" sz="1200" dirty="0">
+              <a:solidFill>
+                <a:srgbClr val="FF0000"/>
+              </a:solidFill>
+            </a:endParaRPr>
+          </a:p>
+          <a:p>
+            <a:r>
+              <a:rPr lang="en-US" sz="1200" dirty="0" err="1" smtClean="0"/>
+              <a:t>Entrez.email</a:t>
+            </a:r>
+            <a:r>
+              <a:rPr lang="en-US" sz="1200" dirty="0" smtClean="0"/>
+              <a:t> </a:t>
+            </a:r>
+            <a:r>
+              <a:rPr lang="en-US" sz="1200" dirty="0"/>
+              <a:t>= "</a:t>
+            </a:r>
+            <a:r>
+              <a:rPr lang="en-US" sz="1200" dirty="0" err="1"/>
+              <a:t>A.N.Other@example.com</a:t>
+            </a:r>
+            <a:r>
+              <a:rPr lang="en-US" sz="1200" dirty="0"/>
+              <a:t>" # Always tell NCBI who you are</a:t>
+            </a:r>
+          </a:p>
+          <a:p>
+            <a:r>
+              <a:rPr lang="en-US" sz="1200" dirty="0"/>
+              <a:t>filename = "gi_186972394.gbk"</a:t>
+            </a:r>
+          </a:p>
+          <a:p>
+            <a:r>
+              <a:rPr lang="en-US" sz="1200" dirty="0"/>
+              <a:t>if not </a:t>
+            </a:r>
+            <a:r>
+              <a:rPr lang="en-US" sz="1200" dirty="0" err="1"/>
+              <a:t>os.path.isfile</a:t>
+            </a:r>
+            <a:r>
+              <a:rPr lang="en-US" sz="1200" dirty="0"/>
+              <a:t>(filename):</a:t>
+            </a:r>
+          </a:p>
+          <a:p>
+            <a:r>
+              <a:rPr lang="en-US" sz="1200" dirty="0"/>
+              <a:t>print</a:t>
+            </a:r>
+            <a:r>
+              <a:rPr lang="en-US" sz="1200" dirty="0" smtClean="0"/>
+              <a:t>(“Downloading</a:t>
+            </a:r>
+            <a:r>
+              <a:rPr lang="en-US" sz="1200" dirty="0"/>
+              <a:t>..</a:t>
+            </a:r>
+            <a:r>
+              <a:rPr lang="en-US" sz="1200" dirty="0" smtClean="0"/>
+              <a:t>.”)</a:t>
+            </a:r>
+            <a:endParaRPr lang="en-US" sz="1200" dirty="0"/>
+          </a:p>
+          <a:p>
+            <a:r>
+              <a:rPr lang="en-US" sz="1200" dirty="0" err="1"/>
+              <a:t>net_handle</a:t>
+            </a:r>
+            <a:r>
+              <a:rPr lang="en-US" sz="1200" dirty="0"/>
+              <a:t> = </a:t>
+            </a:r>
+            <a:r>
+              <a:rPr lang="en-US" sz="1200" dirty="0" err="1"/>
+              <a:t>Entrez.efetch</a:t>
+            </a:r>
+            <a:r>
+              <a:rPr lang="en-US" sz="1200" dirty="0"/>
+              <a:t>(</a:t>
+            </a:r>
+            <a:r>
+              <a:rPr lang="en-US" sz="1200" dirty="0" err="1"/>
+              <a:t>db</a:t>
+            </a:r>
+            <a:r>
+              <a:rPr lang="en-US" sz="1200" dirty="0"/>
+              <a:t>="nucleotide", id="186972394", </a:t>
+            </a:r>
+            <a:r>
+              <a:rPr lang="en-US" sz="1200" dirty="0" err="1"/>
+              <a:t>rettype</a:t>
+            </a:r>
+            <a:r>
+              <a:rPr lang="en-US" sz="1200" dirty="0"/>
+              <a:t>="</a:t>
+            </a:r>
+            <a:r>
+              <a:rPr lang="en-US" sz="1200" dirty="0" err="1"/>
+              <a:t>gb</a:t>
+            </a:r>
+            <a:r>
+              <a:rPr lang="en-US" sz="1200" dirty="0"/>
+              <a:t>", </a:t>
+            </a:r>
+            <a:r>
+              <a:rPr lang="en-US" sz="1200" dirty="0" err="1"/>
+              <a:t>retmode</a:t>
+            </a:r>
+            <a:r>
+              <a:rPr lang="en-US" sz="1200" dirty="0"/>
+              <a:t>="text")</a:t>
+            </a:r>
+          </a:p>
+          <a:p>
+            <a:r>
+              <a:rPr lang="en-US" sz="1200" dirty="0" err="1"/>
+              <a:t>out_handle</a:t>
+            </a:r>
+            <a:r>
+              <a:rPr lang="en-US" sz="1200" dirty="0"/>
+              <a:t> = open(filename, "w")</a:t>
+            </a:r>
+          </a:p>
+          <a:p>
+            <a:r>
+              <a:rPr lang="en-US" sz="1200" dirty="0" err="1"/>
+              <a:t>out_handle.write</a:t>
+            </a:r>
+            <a:r>
+              <a:rPr lang="en-US" sz="1200" dirty="0"/>
+              <a:t>(</a:t>
+            </a:r>
+            <a:r>
+              <a:rPr lang="en-US" sz="1200" dirty="0" err="1"/>
+              <a:t>net_handle.read</a:t>
+            </a:r>
+            <a:r>
+              <a:rPr lang="en-US" sz="1200" dirty="0"/>
+              <a:t>())</a:t>
+            </a:r>
+          </a:p>
+          <a:p>
+            <a:r>
+              <a:rPr lang="en-US" sz="1200" dirty="0" err="1"/>
+              <a:t>out_handle.close</a:t>
+            </a:r>
+            <a:r>
+              <a:rPr lang="en-US" sz="1200" dirty="0"/>
+              <a:t>()</a:t>
+            </a:r>
+          </a:p>
+          <a:p>
+            <a:r>
+              <a:rPr lang="en-US" sz="1200" dirty="0" err="1"/>
+              <a:t>net_handle.close</a:t>
+            </a:r>
+            <a:r>
+              <a:rPr lang="en-US" sz="1200" dirty="0"/>
+              <a:t>()</a:t>
+            </a:r>
+          </a:p>
+          <a:p>
+            <a:r>
+              <a:rPr lang="en-US" sz="1200" dirty="0"/>
+              <a:t>print("Saved")</a:t>
+            </a:r>
+          </a:p>
+          <a:p>
+            <a:r>
+              <a:rPr lang="en-US" sz="1200" dirty="0"/>
+              <a:t>print("Parsing...")</a:t>
+            </a:r>
+          </a:p>
+          <a:p>
+            <a:r>
+              <a:rPr lang="en-US" sz="1200" dirty="0"/>
+              <a:t>record = </a:t>
+            </a:r>
+            <a:r>
+              <a:rPr lang="en-US" sz="1200" dirty="0" err="1"/>
+              <a:t>SeqIO.read</a:t>
+            </a:r>
+            <a:r>
+              <a:rPr lang="en-US" sz="1200" dirty="0"/>
+              <a:t>(filename, "</a:t>
+            </a:r>
+            <a:r>
+              <a:rPr lang="en-US" sz="1200" dirty="0" err="1"/>
+              <a:t>genbank</a:t>
+            </a:r>
+            <a:r>
+              <a:rPr lang="en-US" sz="1200" dirty="0"/>
+              <a:t>")</a:t>
+            </a:r>
+          </a:p>
+          <a:p>
+            <a:r>
+              <a:rPr lang="en-US" sz="1200" dirty="0"/>
+              <a:t>print(record</a:t>
+            </a:r>
+            <a:r>
+              <a:rPr lang="en-US" sz="1200" dirty="0" smtClean="0"/>
+              <a:t>)</a:t>
+            </a:r>
+          </a:p>
+        </p:txBody>
+      </p:sp>
+      <p:sp>
+        <p:nvSpPr>
+          <p:cNvPr id="9" name="ZoneTexte 8"/>
+          <p:cNvSpPr txBox="1"/>
+          <p:nvPr/>
+        </p:nvSpPr>
+        <p:spPr>
+          <a:xfrm>
+            <a:off x="279400" y="5141398"/>
+            <a:ext cx="8644466" cy="1384995"/>
+          </a:xfrm>
+          <a:prstGeom prst="rect">
+            <a:avLst/>
+          </a:prstGeom>
+          <a:solidFill>
+            <a:schemeClr val="accent2">
+              <a:lumMod val="60000"/>
+              <a:lumOff val="40000"/>
+            </a:schemeClr>
+          </a:solidFill>
+          <a:ln>
+            <a:noFill/>
+          </a:ln>
+        </p:spPr>
+        <p:txBody>
+          <a:bodyPr wrap="square" rtlCol="0">
+            <a:spAutoFit/>
+          </a:bodyPr>
+          <a:lstStyle>
+            <a:defPPr>
+              <a:defRPr lang="fr-FR"/>
+            </a:defPPr>
+            <a:lvl1pPr>
+              <a:defRPr sz="1400"/>
+            </a:lvl1pPr>
+          </a:lstStyle>
+          <a:p>
+            <a:r>
+              <a:rPr lang="mr-IN" sz="1200" dirty="0">
+                <a:latin typeface="Arial"/>
+                <a:cs typeface="Arial"/>
+              </a:rPr>
+              <a:t>&gt;&gt;&gt; handle = Entrez.efetch(db="nucleotide", id="186972394", retmode="xml")</a:t>
+            </a:r>
+          </a:p>
+          <a:p>
+            <a:r>
+              <a:rPr lang="mr-IN" sz="1200" dirty="0">
+                <a:latin typeface="Arial"/>
+                <a:cs typeface="Arial"/>
+              </a:rPr>
+              <a:t>&gt;&gt;&gt; record = Entrez.read(handle)</a:t>
+            </a:r>
+          </a:p>
+          <a:p>
+            <a:r>
+              <a:rPr lang="mr-IN" sz="1200" dirty="0">
+                <a:latin typeface="Arial"/>
+                <a:cs typeface="Arial"/>
+              </a:rPr>
+              <a:t>&gt;&gt;&gt; handle.close()</a:t>
+            </a:r>
+          </a:p>
+          <a:p>
+            <a:r>
+              <a:rPr lang="mr-IN" sz="1200" dirty="0">
+                <a:latin typeface="Arial"/>
+                <a:cs typeface="Arial"/>
+              </a:rPr>
+              <a:t>&gt;&gt;&gt; record[0]["GBSeq_definition"]</a:t>
+            </a:r>
+          </a:p>
+          <a:p>
+            <a:r>
+              <a:rPr lang="mr-IN" sz="1200" dirty="0">
+                <a:solidFill>
+                  <a:srgbClr val="FF0000"/>
+                </a:solidFill>
+                <a:latin typeface="Arial"/>
+                <a:cs typeface="Arial"/>
+              </a:rPr>
+              <a:t>'Selenipedium aequinoctiale maturase K (matK) gene, partial cds; chloroplast'</a:t>
+            </a:r>
+          </a:p>
+          <a:p>
+            <a:r>
+              <a:rPr lang="mr-IN" sz="1200" dirty="0">
+                <a:latin typeface="Arial"/>
+                <a:cs typeface="Arial"/>
+              </a:rPr>
+              <a:t>&gt;&gt;&gt; record[0]["GBSeq_source"]</a:t>
+            </a:r>
+          </a:p>
+          <a:p>
+            <a:r>
+              <a:rPr lang="mr-IN" sz="1200" dirty="0">
+                <a:solidFill>
+                  <a:srgbClr val="FF0000"/>
+                </a:solidFill>
+                <a:latin typeface="Arial"/>
+                <a:cs typeface="Arial"/>
+              </a:rPr>
+              <a:t>'chloroplast Selenipedium aequinoctiale’</a:t>
+            </a:r>
+          </a:p>
         </p:txBody>
       </p:sp>
     </p:spTree>
     <p:extLst>
       <p:ext uri="{BB962C8B-B14F-4D97-AF65-F5344CB8AC3E}">
-        <p14:creationId xmlns:p14="http://schemas.microsoft.com/office/powerpoint/2010/main" val="644493071"/>
+        <p14:creationId xmlns:p14="http://schemas.microsoft.com/office/powerpoint/2010/main" val="935734964"/>
       </p:ext>
     </p:extLst>
   </p:cSld>
@@ -10144,16 +11530,16 @@
           <a:lstStyle/>
           <a:p>
             <a:r>
-              <a:rPr lang="en-US" dirty="0" smtClean="0"/>
-              <a:t>Save </a:t>
+              <a:rPr lang="en-US" dirty="0" err="1"/>
+              <a:t>ELink</a:t>
             </a:r>
             <a:r>
               <a:rPr lang="en-US" dirty="0"/>
-              <a:t>the sequence data to a local </a:t>
-            </a:r>
-            <a:r>
-              <a:rPr lang="en-US" dirty="0" smtClean="0"/>
-              <a:t>file</a:t>
+              <a:t>: Searching for related items in NCBI </a:t>
+            </a:r>
+            <a:r>
+              <a:rPr lang="en-US" dirty="0" err="1"/>
+              <a:t>Entrez</a:t>
             </a:r>
             <a:endParaRPr lang="fr-FR" dirty="0"/>
           </a:p>
@@ -10172,7 +11558,7 @@
         <p:spPr>
           <a:xfrm>
             <a:off x="279400" y="1236134"/>
-            <a:ext cx="8644466" cy="589642"/>
+            <a:ext cx="8644466" cy="453559"/>
           </a:xfrm>
         </p:spPr>
         <p:txBody>
@@ -10181,64 +11567,25 @@
           <a:p>
             <a:r>
               <a:rPr lang="en-US" dirty="0" smtClean="0"/>
-              <a:t>Typical </a:t>
+              <a:t>Find </a:t>
             </a:r>
             <a:r>
               <a:rPr lang="en-US" dirty="0"/>
-              <a:t>use would be to save the sequence data to a local </a:t>
+              <a:t>related items in the </a:t>
             </a:r>
             <a:r>
               <a:rPr lang="en-US" dirty="0" smtClean="0"/>
-              <a:t>file </a:t>
-            </a:r>
-            <a:r>
-              <a:rPr lang="fr-FR" dirty="0"/>
-              <a:t>a</a:t>
+              <a:t>NCBI </a:t>
             </a:r>
             <a:r>
               <a:rPr lang="en-US" dirty="0" err="1" smtClean="0"/>
-              <a:t>nd</a:t>
+              <a:t>Entrez</a:t>
             </a:r>
             <a:r>
               <a:rPr lang="en-US" dirty="0" smtClean="0"/>
-              <a:t> then</a:t>
-            </a:r>
-            <a:r>
-              <a:rPr lang="en-US" dirty="0"/>
-              <a:t> </a:t>
-            </a:r>
-            <a:r>
-              <a:rPr lang="en-US" dirty="0" smtClean="0"/>
-              <a:t>parse </a:t>
-            </a:r>
-            <a:r>
-              <a:rPr lang="en-US" dirty="0"/>
-              <a:t>it </a:t>
-            </a:r>
-            <a:r>
-              <a:rPr lang="en-US" dirty="0" smtClean="0"/>
-              <a:t>with </a:t>
-            </a:r>
-            <a:r>
-              <a:rPr lang="en-US" dirty="0" err="1" smtClean="0"/>
-              <a:t>Bio.SeqIO</a:t>
+              <a:t> database</a:t>
             </a:r>
             <a:endParaRPr lang="en-US" dirty="0"/>
-          </a:p>
-          <a:p>
-            <a:r>
-              <a:rPr lang="en-US" dirty="0" smtClean="0"/>
-              <a:t>Save you to </a:t>
-            </a:r>
-            <a:r>
-              <a:rPr lang="en-US" dirty="0"/>
-              <a:t>re-download the same </a:t>
-            </a:r>
-            <a:r>
-              <a:rPr lang="en-US" dirty="0" smtClean="0"/>
-              <a:t>file repeatedly</a:t>
-            </a:r>
-            <a:endParaRPr lang="fr-FR" dirty="0"/>
           </a:p>
         </p:txBody>
       </p:sp>
@@ -10314,14 +11661,14 @@
       </p:sp>
       <p:sp>
         <p:nvSpPr>
-          <p:cNvPr id="8" name="ZoneTexte 7"/>
+          <p:cNvPr id="7" name="ZoneTexte 6"/>
           <p:cNvSpPr txBox="1"/>
           <p:nvPr/>
         </p:nvSpPr>
         <p:spPr>
           <a:xfrm>
-            <a:off x="279400" y="2528170"/>
-            <a:ext cx="8644466" cy="3077765"/>
+            <a:off x="279400" y="1841393"/>
+            <a:ext cx="8644466" cy="830997"/>
           </a:xfrm>
           <a:prstGeom prst="rect">
             <a:avLst/>
@@ -10351,29 +11698,7 @@
           <a:p>
             <a:r>
               <a:rPr lang="en-US" sz="1200" dirty="0"/>
-              <a:t>import </a:t>
-            </a:r>
-            <a:r>
-              <a:rPr lang="en-US" sz="1200" dirty="0" err="1"/>
-              <a:t>os</a:t>
-            </a:r>
-            <a:endParaRPr lang="en-US" sz="1200" dirty="0"/>
-          </a:p>
-          <a:p>
-            <a:r>
-              <a:rPr lang="en-US" sz="1200" dirty="0"/>
-              <a:t>from Bio import </a:t>
-            </a:r>
-            <a:r>
-              <a:rPr lang="en-US" sz="1200" dirty="0" err="1"/>
-              <a:t>SeqIO</a:t>
-            </a:r>
-            <a:endParaRPr lang="en-US" sz="1200" dirty="0"/>
-          </a:p>
-          <a:p>
-            <a:r>
-              <a:rPr lang="en-US" sz="1200" dirty="0"/>
-              <a:t>from Bio import </a:t>
+              <a:t>&gt;&gt;&gt; from Bio import </a:t>
             </a:r>
             <a:r>
               <a:rPr lang="en-US" sz="1200" dirty="0" err="1"/>
@@ -10383,6 +11708,10 @@
           </a:p>
           <a:p>
             <a:r>
+              <a:rPr lang="en-US" sz="1200" dirty="0"/>
+              <a:t>&gt;&gt;&gt; </a:t>
+            </a:r>
+            <a:r>
               <a:rPr lang="en-US" sz="1200" dirty="0" err="1"/>
               <a:t>Entrez.email</a:t>
             </a:r>
@@ -10396,60 +11725,39 @@
             </a:r>
             <a:r>
               <a:rPr lang="en-US" sz="1200" dirty="0"/>
-              <a:t>" # Always tell NCBI who you are</a:t>
-            </a:r>
-          </a:p>
-          <a:p>
-            <a:r>
-              <a:rPr lang="en-US" sz="1200" dirty="0"/>
-              <a:t>filename = "gi_186972394.gbk"</a:t>
-            </a:r>
-          </a:p>
-          <a:p>
-            <a:r>
-              <a:rPr lang="en-US" sz="1200" dirty="0"/>
-              <a:t>if not </a:t>
+              <a:t>"</a:t>
+            </a:r>
+          </a:p>
+          <a:p>
+            <a:r>
+              <a:rPr lang="en-US" sz="1200" dirty="0"/>
+              <a:t>&gt;&gt;&gt; </a:t>
             </a:r>
             <a:r>
               <a:rPr lang="en-US" sz="1200" dirty="0" err="1"/>
-              <a:t>os.path.isfile</a:t>
-            </a:r>
-            <a:r>
-              <a:rPr lang="en-US" sz="1200" dirty="0"/>
-              <a:t>(filename):</a:t>
-            </a:r>
-          </a:p>
-          <a:p>
-            <a:r>
-              <a:rPr lang="en-US" sz="1200" dirty="0"/>
-              <a:t>print</a:t>
-            </a:r>
-            <a:r>
-              <a:rPr lang="en-US" sz="1200" dirty="0" smtClean="0"/>
-              <a:t>(“Downloading</a:t>
-            </a:r>
-            <a:r>
-              <a:rPr lang="en-US" sz="1200" dirty="0"/>
-              <a:t>..</a:t>
-            </a:r>
-            <a:r>
-              <a:rPr lang="en-US" sz="1200" dirty="0" smtClean="0"/>
-              <a:t>.”)</a:t>
-            </a:r>
-            <a:endParaRPr lang="en-US" sz="1200" dirty="0"/>
-          </a:p>
-          <a:p>
+              <a:t>pmid</a:t>
+            </a:r>
+            <a:r>
+              <a:rPr lang="en-US" sz="1200" dirty="0"/>
+              <a:t> = "19304878"</a:t>
+            </a:r>
+          </a:p>
+          <a:p>
+            <a:r>
+              <a:rPr lang="en-US" sz="1200" dirty="0"/>
+              <a:t>&gt;&gt;&gt; record = </a:t>
+            </a:r>
             <a:r>
               <a:rPr lang="en-US" sz="1200" dirty="0" err="1"/>
-              <a:t>net_handle</a:t>
-            </a:r>
-            <a:r>
-              <a:rPr lang="en-US" sz="1200" dirty="0"/>
-              <a:t> = </a:t>
+              <a:t>Entrez.read</a:t>
+            </a:r>
+            <a:r>
+              <a:rPr lang="en-US" sz="1200" dirty="0"/>
+              <a:t>(</a:t>
             </a:r>
             <a:r>
               <a:rPr lang="en-US" sz="1200" dirty="0" err="1"/>
-              <a:t>Entrez.efetch</a:t>
+              <a:t>Entrez.elink</a:t>
             </a:r>
             <a:r>
               <a:rPr lang="en-US" sz="1200" dirty="0"/>
@@ -10457,123 +11765,752 @@
             </a:r>
             <a:r>
               <a:rPr lang="en-US" sz="1200" dirty="0" err="1"/>
-              <a:t>db</a:t>
-            </a:r>
-            <a:r>
-              <a:rPr lang="en-US" sz="1200" dirty="0"/>
-              <a:t>="nucleotide", id="186972394", </a:t>
+              <a:t>dbfrom</a:t>
+            </a:r>
+            <a:r>
+              <a:rPr lang="en-US" sz="1200" dirty="0"/>
+              <a:t>="</a:t>
             </a:r>
             <a:r>
               <a:rPr lang="en-US" sz="1200" dirty="0" err="1"/>
-              <a:t>rettype</a:t>
-            </a:r>
-            <a:r>
-              <a:rPr lang="en-US" sz="1200" dirty="0"/>
-              <a:t>="</a:t>
+              <a:t>pubmed</a:t>
+            </a:r>
+            <a:r>
+              <a:rPr lang="en-US" sz="1200" dirty="0"/>
+              <a:t>", id=</a:t>
             </a:r>
             <a:r>
               <a:rPr lang="en-US" sz="1200" dirty="0" err="1"/>
-              <a:t>gb</a:t>
-            </a:r>
-            <a:r>
-              <a:rPr lang="en-US" sz="1200" dirty="0"/>
-              <a:t>", </a:t>
-            </a:r>
-            <a:r>
-              <a:rPr lang="en-US" sz="1200" dirty="0" err="1"/>
-              <a:t>retmode</a:t>
-            </a:r>
-            <a:r>
-              <a:rPr lang="en-US" sz="1200" dirty="0"/>
-              <a:t>="text")</a:t>
-            </a:r>
-          </a:p>
-          <a:p>
-            <a:r>
-              <a:rPr lang="en-US" sz="1200" dirty="0" err="1"/>
-              <a:t>out_handle</a:t>
-            </a:r>
-            <a:r>
-              <a:rPr lang="en-US" sz="1200" dirty="0"/>
-              <a:t> = open(filename, "w")</a:t>
-            </a:r>
-          </a:p>
-          <a:p>
-            <a:r>
-              <a:rPr lang="en-US" sz="1200" dirty="0" err="1"/>
-              <a:t>out_handle.write</a:t>
-            </a:r>
-            <a:r>
-              <a:rPr lang="en-US" sz="1200" dirty="0"/>
+              <a:t>pmid</a:t>
+            </a:r>
+            <a:r>
+              <a:rPr lang="en-US" sz="1200" dirty="0"/>
+              <a:t>))</a:t>
+            </a:r>
+          </a:p>
+        </p:txBody>
+      </p:sp>
+      <p:sp>
+        <p:nvSpPr>
+          <p:cNvPr id="8" name="ZoneTexte 7"/>
+          <p:cNvSpPr txBox="1"/>
+          <p:nvPr/>
+        </p:nvSpPr>
+        <p:spPr>
+          <a:xfrm>
+            <a:off x="279400" y="3713953"/>
+            <a:ext cx="8644466" cy="2492990"/>
+          </a:xfrm>
+          <a:prstGeom prst="rect">
+            <a:avLst/>
+          </a:prstGeom>
+          <a:solidFill>
+            <a:schemeClr val="accent2">
+              <a:lumMod val="60000"/>
+              <a:lumOff val="40000"/>
+            </a:schemeClr>
+          </a:solidFill>
+          <a:ln>
+            <a:noFill/>
+          </a:ln>
+        </p:spPr>
+        <p:txBody>
+          <a:bodyPr wrap="square" rtlCol="0">
+            <a:spAutoFit/>
+          </a:bodyPr>
+          <a:lstStyle>
+            <a:defPPr>
+              <a:defRPr lang="fr-FR"/>
+            </a:defPPr>
+            <a:lvl1pPr>
+              <a:defRPr sz="1400"/>
+            </a:lvl1pPr>
+          </a:lstStyle>
+          <a:p>
+            <a:r>
+              <a:rPr lang="mr-IN" sz="1200" dirty="0">
+                <a:latin typeface="Arial"/>
+                <a:cs typeface="Arial"/>
+              </a:rPr>
+              <a:t>&gt;&gt;&gt; record[0]["DbFrom"]</a:t>
+            </a:r>
+          </a:p>
+          <a:p>
+            <a:r>
+              <a:rPr lang="mr-IN" sz="1200" dirty="0">
+                <a:solidFill>
+                  <a:srgbClr val="FF0000"/>
+                </a:solidFill>
+                <a:latin typeface="Arial"/>
+                <a:cs typeface="Arial"/>
+              </a:rPr>
+              <a:t>'pubmed'</a:t>
+            </a:r>
+          </a:p>
+          <a:p>
+            <a:r>
+              <a:rPr lang="mr-IN" sz="1200" dirty="0">
+                <a:latin typeface="Arial"/>
+                <a:cs typeface="Arial"/>
+              </a:rPr>
+              <a:t>&gt;&gt;&gt; record[0]["IdList"]</a:t>
+            </a:r>
+          </a:p>
+          <a:p>
+            <a:r>
+              <a:rPr lang="mr-IN" sz="1200" dirty="0">
+                <a:solidFill>
+                  <a:srgbClr val="FF0000"/>
+                </a:solidFill>
+                <a:latin typeface="Arial"/>
+                <a:cs typeface="Arial"/>
+              </a:rPr>
+              <a:t>['19304878'</a:t>
+            </a:r>
+            <a:r>
+              <a:rPr lang="mr-IN" sz="1200" dirty="0" smtClean="0">
+                <a:solidFill>
+                  <a:srgbClr val="FF0000"/>
+                </a:solidFill>
+                <a:latin typeface="Arial"/>
+                <a:cs typeface="Arial"/>
+              </a:rPr>
+              <a:t>]</a:t>
+            </a:r>
+            <a:endParaRPr lang="fr-FR" sz="1200" dirty="0" smtClean="0">
+              <a:solidFill>
+                <a:srgbClr val="FF0000"/>
+              </a:solidFill>
+              <a:latin typeface="Arial"/>
+              <a:cs typeface="Arial"/>
+            </a:endParaRPr>
+          </a:p>
+          <a:p>
+            <a:r>
+              <a:rPr lang="en-US" sz="1200" dirty="0">
+                <a:latin typeface="Arial"/>
+                <a:cs typeface="Arial"/>
+              </a:rPr>
+              <a:t>&gt;&gt;&gt; </a:t>
+            </a:r>
+            <a:r>
+              <a:rPr lang="en-US" sz="1200" dirty="0" err="1">
+                <a:latin typeface="Arial"/>
+                <a:cs typeface="Arial"/>
+              </a:rPr>
+              <a:t>len</a:t>
+            </a:r>
+            <a:r>
+              <a:rPr lang="en-US" sz="1200" dirty="0">
+                <a:latin typeface="Arial"/>
+                <a:cs typeface="Arial"/>
+              </a:rPr>
+              <a:t>(record[0]["</a:t>
+            </a:r>
+            <a:r>
+              <a:rPr lang="en-US" sz="1200" dirty="0" err="1">
+                <a:latin typeface="Arial"/>
+                <a:cs typeface="Arial"/>
+              </a:rPr>
+              <a:t>LinkSetDb</a:t>
+            </a:r>
+            <a:r>
+              <a:rPr lang="en-US" sz="1200" dirty="0">
+                <a:latin typeface="Arial"/>
+                <a:cs typeface="Arial"/>
+              </a:rPr>
+              <a:t>"])</a:t>
+            </a:r>
+          </a:p>
+          <a:p>
+            <a:r>
+              <a:rPr lang="en-US" sz="1200" dirty="0">
+                <a:solidFill>
+                  <a:srgbClr val="FF0000"/>
+                </a:solidFill>
+                <a:latin typeface="Arial"/>
+                <a:cs typeface="Arial"/>
+              </a:rPr>
+              <a:t>5</a:t>
+            </a:r>
+          </a:p>
+          <a:p>
+            <a:r>
+              <a:rPr lang="en-US" sz="1200" dirty="0">
+                <a:latin typeface="Arial"/>
+                <a:cs typeface="Arial"/>
+              </a:rPr>
+              <a:t>&gt;&gt;&gt; for </a:t>
+            </a:r>
+            <a:r>
+              <a:rPr lang="en-US" sz="1200" dirty="0" err="1">
+                <a:latin typeface="Arial"/>
+                <a:cs typeface="Arial"/>
+              </a:rPr>
+              <a:t>linksetdb</a:t>
+            </a:r>
+            <a:r>
+              <a:rPr lang="en-US" sz="1200" dirty="0">
+                <a:latin typeface="Arial"/>
+                <a:cs typeface="Arial"/>
+              </a:rPr>
+              <a:t> in record[0]["</a:t>
+            </a:r>
+            <a:r>
+              <a:rPr lang="en-US" sz="1200" dirty="0" err="1">
+                <a:latin typeface="Arial"/>
+                <a:cs typeface="Arial"/>
+              </a:rPr>
+              <a:t>LinkSetDb</a:t>
+            </a:r>
+            <a:r>
+              <a:rPr lang="en-US" sz="1200" dirty="0">
+                <a:latin typeface="Arial"/>
+                <a:cs typeface="Arial"/>
+              </a:rPr>
+              <a:t>"]:</a:t>
+            </a:r>
+          </a:p>
+          <a:p>
+            <a:r>
+              <a:rPr lang="en-US" sz="1200" dirty="0">
+                <a:latin typeface="Arial"/>
+                <a:cs typeface="Arial"/>
+              </a:rPr>
+              <a:t>... print(</a:t>
+            </a:r>
+            <a:r>
+              <a:rPr lang="en-US" sz="1200" dirty="0" err="1">
+                <a:latin typeface="Arial"/>
+                <a:cs typeface="Arial"/>
+              </a:rPr>
+              <a:t>linksetdb</a:t>
+            </a:r>
+            <a:r>
+              <a:rPr lang="en-US" sz="1200" dirty="0">
+                <a:latin typeface="Arial"/>
+                <a:cs typeface="Arial"/>
+              </a:rPr>
+              <a:t>["</a:t>
+            </a:r>
+            <a:r>
+              <a:rPr lang="en-US" sz="1200" dirty="0" err="1">
+                <a:latin typeface="Arial"/>
+                <a:cs typeface="Arial"/>
+              </a:rPr>
+              <a:t>DbTo</a:t>
+            </a:r>
+            <a:r>
+              <a:rPr lang="en-US" sz="1200" dirty="0">
+                <a:latin typeface="Arial"/>
+                <a:cs typeface="Arial"/>
+              </a:rPr>
+              <a:t>"], </a:t>
+            </a:r>
+            <a:r>
+              <a:rPr lang="en-US" sz="1200" dirty="0" err="1">
+                <a:latin typeface="Arial"/>
+                <a:cs typeface="Arial"/>
+              </a:rPr>
+              <a:t>linksetdb</a:t>
+            </a:r>
+            <a:r>
+              <a:rPr lang="en-US" sz="1200" dirty="0">
+                <a:latin typeface="Arial"/>
+                <a:cs typeface="Arial"/>
+              </a:rPr>
+              <a:t>["</a:t>
+            </a:r>
+            <a:r>
+              <a:rPr lang="en-US" sz="1200" dirty="0" err="1">
+                <a:latin typeface="Arial"/>
+                <a:cs typeface="Arial"/>
+              </a:rPr>
+              <a:t>LinkName</a:t>
+            </a:r>
+            <a:r>
+              <a:rPr lang="en-US" sz="1200" dirty="0">
+                <a:latin typeface="Arial"/>
+                <a:cs typeface="Arial"/>
+              </a:rPr>
+              <a:t>"], </a:t>
+            </a:r>
+            <a:r>
+              <a:rPr lang="en-US" sz="1200" dirty="0" err="1">
+                <a:latin typeface="Arial"/>
+                <a:cs typeface="Arial"/>
+              </a:rPr>
+              <a:t>len</a:t>
+            </a:r>
+            <a:r>
+              <a:rPr lang="en-US" sz="1200" dirty="0">
+                <a:latin typeface="Arial"/>
+                <a:cs typeface="Arial"/>
+              </a:rPr>
               <a:t>(</a:t>
             </a:r>
             <a:r>
-              <a:rPr lang="en-US" sz="1200" dirty="0" err="1"/>
-              <a:t>net_handle.read</a:t>
-            </a:r>
-            <a:r>
-              <a:rPr lang="en-US" sz="1200" dirty="0"/>
-              <a:t>())</a:t>
-            </a:r>
-          </a:p>
-          <a:p>
-            <a:r>
-              <a:rPr lang="en-US" sz="1200" dirty="0" err="1"/>
-              <a:t>out_handle.close</a:t>
-            </a:r>
-            <a:r>
-              <a:rPr lang="en-US" sz="1200" dirty="0"/>
-              <a:t>()</a:t>
-            </a:r>
-          </a:p>
-          <a:p>
-            <a:r>
-              <a:rPr lang="en-US" sz="1200" dirty="0" err="1"/>
-              <a:t>net_handle.close</a:t>
-            </a:r>
-            <a:r>
-              <a:rPr lang="en-US" sz="1200" dirty="0"/>
-              <a:t>()</a:t>
-            </a:r>
-          </a:p>
-          <a:p>
-            <a:r>
-              <a:rPr lang="en-US" sz="1200" dirty="0"/>
-              <a:t>print("Saved")</a:t>
-            </a:r>
-          </a:p>
-          <a:p>
-            <a:r>
-              <a:rPr lang="en-US" sz="1200" dirty="0"/>
-              <a:t>print("Parsing...")</a:t>
-            </a:r>
-          </a:p>
-          <a:p>
-            <a:r>
-              <a:rPr lang="en-US" sz="1200" dirty="0"/>
-              <a:t>record = </a:t>
-            </a:r>
-            <a:r>
-              <a:rPr lang="en-US" sz="1200" dirty="0" err="1"/>
-              <a:t>SeqIO.read</a:t>
-            </a:r>
-            <a:r>
-              <a:rPr lang="en-US" sz="1200" dirty="0"/>
-              <a:t>(filename, "</a:t>
-            </a:r>
-            <a:r>
-              <a:rPr lang="en-US" sz="1200" dirty="0" err="1"/>
-              <a:t>genbank</a:t>
-            </a:r>
-            <a:r>
-              <a:rPr lang="en-US" sz="1200" dirty="0"/>
-              <a:t>")</a:t>
-            </a:r>
-          </a:p>
-          <a:p>
-            <a:r>
-              <a:rPr lang="en-US" sz="1200" dirty="0"/>
-              <a:t>print(record)</a:t>
+              <a:rPr lang="en-US" sz="1200" dirty="0" err="1">
+                <a:latin typeface="Arial"/>
+                <a:cs typeface="Arial"/>
+              </a:rPr>
+              <a:t>linksetdb</a:t>
+            </a:r>
+            <a:r>
+              <a:rPr lang="en-US" sz="1200" dirty="0">
+                <a:latin typeface="Arial"/>
+                <a:cs typeface="Arial"/>
+              </a:rPr>
+              <a:t>["Link"]</a:t>
+            </a:r>
+            <a:r>
+              <a:rPr lang="en-US" sz="1200" dirty="0" smtClean="0">
+                <a:latin typeface="Arial"/>
+                <a:cs typeface="Arial"/>
+              </a:rPr>
+              <a:t>))</a:t>
+            </a:r>
+          </a:p>
+          <a:p>
+            <a:r>
+              <a:rPr lang="en-US" sz="1200" dirty="0" err="1" smtClean="0">
+                <a:solidFill>
+                  <a:srgbClr val="FF0000"/>
+                </a:solidFill>
+                <a:latin typeface="Arial"/>
+                <a:cs typeface="Arial"/>
+              </a:rPr>
+              <a:t>pubmed</a:t>
+            </a:r>
+            <a:r>
+              <a:rPr lang="en-US" sz="1200" dirty="0" smtClean="0">
+                <a:solidFill>
+                  <a:srgbClr val="FF0000"/>
+                </a:solidFill>
+                <a:latin typeface="Arial"/>
+                <a:cs typeface="Arial"/>
+              </a:rPr>
+              <a:t> </a:t>
+            </a:r>
+            <a:r>
+              <a:rPr lang="en-US" sz="1200" dirty="0" err="1">
+                <a:solidFill>
+                  <a:srgbClr val="FF0000"/>
+                </a:solidFill>
+                <a:latin typeface="Arial"/>
+                <a:cs typeface="Arial"/>
+              </a:rPr>
+              <a:t>pubmed_pubmed</a:t>
+            </a:r>
+            <a:r>
+              <a:rPr lang="en-US" sz="1200" dirty="0">
+                <a:solidFill>
+                  <a:srgbClr val="FF0000"/>
+                </a:solidFill>
+                <a:latin typeface="Arial"/>
+                <a:cs typeface="Arial"/>
+              </a:rPr>
+              <a:t> 110</a:t>
+            </a:r>
+          </a:p>
+          <a:p>
+            <a:r>
+              <a:rPr lang="en-US" sz="1200" dirty="0" err="1">
+                <a:solidFill>
+                  <a:srgbClr val="FF0000"/>
+                </a:solidFill>
+                <a:latin typeface="Arial"/>
+                <a:cs typeface="Arial"/>
+              </a:rPr>
+              <a:t>pubmed</a:t>
+            </a:r>
+            <a:r>
+              <a:rPr lang="en-US" sz="1200" dirty="0">
+                <a:solidFill>
+                  <a:srgbClr val="FF0000"/>
+                </a:solidFill>
+                <a:latin typeface="Arial"/>
+                <a:cs typeface="Arial"/>
+              </a:rPr>
+              <a:t> </a:t>
+            </a:r>
+            <a:r>
+              <a:rPr lang="en-US" sz="1200" dirty="0" err="1">
+                <a:solidFill>
+                  <a:srgbClr val="FF0000"/>
+                </a:solidFill>
+                <a:latin typeface="Arial"/>
+                <a:cs typeface="Arial"/>
+              </a:rPr>
+              <a:t>pubmed_pubmed_combined</a:t>
+            </a:r>
+            <a:r>
+              <a:rPr lang="en-US" sz="1200" dirty="0">
+                <a:solidFill>
+                  <a:srgbClr val="FF0000"/>
+                </a:solidFill>
+                <a:latin typeface="Arial"/>
+                <a:cs typeface="Arial"/>
+              </a:rPr>
+              <a:t> 6</a:t>
+            </a:r>
+          </a:p>
+          <a:p>
+            <a:r>
+              <a:rPr lang="en-US" sz="1200" dirty="0" err="1">
+                <a:solidFill>
+                  <a:srgbClr val="FF0000"/>
+                </a:solidFill>
+                <a:latin typeface="Arial"/>
+                <a:cs typeface="Arial"/>
+              </a:rPr>
+              <a:t>pubmed</a:t>
+            </a:r>
+            <a:r>
+              <a:rPr lang="en-US" sz="1200" dirty="0">
+                <a:solidFill>
+                  <a:srgbClr val="FF0000"/>
+                </a:solidFill>
+                <a:latin typeface="Arial"/>
+                <a:cs typeface="Arial"/>
+              </a:rPr>
+              <a:t> </a:t>
+            </a:r>
+            <a:r>
+              <a:rPr lang="en-US" sz="1200" dirty="0" err="1">
+                <a:solidFill>
+                  <a:srgbClr val="FF0000"/>
+                </a:solidFill>
+                <a:latin typeface="Arial"/>
+                <a:cs typeface="Arial"/>
+              </a:rPr>
+              <a:t>pubmed_pubmed_five</a:t>
+            </a:r>
+            <a:r>
+              <a:rPr lang="en-US" sz="1200" dirty="0">
+                <a:solidFill>
+                  <a:srgbClr val="FF0000"/>
+                </a:solidFill>
+                <a:latin typeface="Arial"/>
+                <a:cs typeface="Arial"/>
+              </a:rPr>
+              <a:t> 6</a:t>
+            </a:r>
+          </a:p>
+          <a:p>
+            <a:r>
+              <a:rPr lang="en-US" sz="1200" dirty="0" err="1">
+                <a:solidFill>
+                  <a:srgbClr val="FF0000"/>
+                </a:solidFill>
+                <a:latin typeface="Arial"/>
+                <a:cs typeface="Arial"/>
+              </a:rPr>
+              <a:t>pubmed</a:t>
+            </a:r>
+            <a:r>
+              <a:rPr lang="en-US" sz="1200" dirty="0">
+                <a:solidFill>
+                  <a:srgbClr val="FF0000"/>
+                </a:solidFill>
+                <a:latin typeface="Arial"/>
+                <a:cs typeface="Arial"/>
+              </a:rPr>
+              <a:t> </a:t>
+            </a:r>
+            <a:r>
+              <a:rPr lang="en-US" sz="1200" dirty="0" err="1">
+                <a:solidFill>
+                  <a:srgbClr val="FF0000"/>
+                </a:solidFill>
+                <a:latin typeface="Arial"/>
+                <a:cs typeface="Arial"/>
+              </a:rPr>
+              <a:t>pubmed_pubmed_reviews</a:t>
+            </a:r>
+            <a:r>
+              <a:rPr lang="en-US" sz="1200" dirty="0">
+                <a:solidFill>
+                  <a:srgbClr val="FF0000"/>
+                </a:solidFill>
+                <a:latin typeface="Arial"/>
+                <a:cs typeface="Arial"/>
+              </a:rPr>
+              <a:t> 5</a:t>
+            </a:r>
+          </a:p>
+          <a:p>
+            <a:r>
+              <a:rPr lang="en-US" sz="1200" dirty="0" err="1">
+                <a:solidFill>
+                  <a:srgbClr val="FF0000"/>
+                </a:solidFill>
+                <a:latin typeface="Arial"/>
+                <a:cs typeface="Arial"/>
+              </a:rPr>
+              <a:t>pubmed</a:t>
+            </a:r>
+            <a:r>
+              <a:rPr lang="en-US" sz="1200" dirty="0">
+                <a:solidFill>
+                  <a:srgbClr val="FF0000"/>
+                </a:solidFill>
+                <a:latin typeface="Arial"/>
+                <a:cs typeface="Arial"/>
+              </a:rPr>
+              <a:t> </a:t>
+            </a:r>
+            <a:r>
+              <a:rPr lang="en-US" sz="1200" dirty="0" err="1">
+                <a:solidFill>
+                  <a:srgbClr val="FF0000"/>
+                </a:solidFill>
+                <a:latin typeface="Arial"/>
+                <a:cs typeface="Arial"/>
+              </a:rPr>
+              <a:t>pubmed_pubmed_reviews_five</a:t>
+            </a:r>
+            <a:r>
+              <a:rPr lang="en-US" sz="1200" dirty="0">
+                <a:solidFill>
+                  <a:srgbClr val="FF0000"/>
+                </a:solidFill>
+                <a:latin typeface="Arial"/>
+                <a:cs typeface="Arial"/>
+              </a:rPr>
+              <a:t> </a:t>
+            </a:r>
+            <a:r>
+              <a:rPr lang="en-US" sz="1200" dirty="0" smtClean="0">
+                <a:solidFill>
+                  <a:srgbClr val="FF0000"/>
+                </a:solidFill>
+                <a:latin typeface="Arial"/>
+                <a:cs typeface="Arial"/>
+              </a:rPr>
+              <a:t>5</a:t>
+            </a:r>
+            <a:endParaRPr lang="en-US" sz="1200" dirty="0">
+              <a:solidFill>
+                <a:srgbClr val="FF0000"/>
+              </a:solidFill>
+              <a:latin typeface="Arial"/>
+              <a:cs typeface="Arial"/>
+            </a:endParaRPr>
+          </a:p>
+        </p:txBody>
+      </p:sp>
+      <p:sp>
+        <p:nvSpPr>
+          <p:cNvPr id="9" name="Espace réservé du contenu 2"/>
+          <p:cNvSpPr txBox="1">
+            <a:spLocks/>
+          </p:cNvSpPr>
+          <p:nvPr/>
+        </p:nvSpPr>
+        <p:spPr>
+          <a:xfrm>
+            <a:off x="279400" y="3236998"/>
+            <a:ext cx="8644466" cy="453559"/>
+          </a:xfrm>
+          <a:prstGeom prst="rect">
+            <a:avLst/>
+          </a:prstGeom>
+        </p:spPr>
+        <p:txBody>
+          <a:bodyPr vert="horz" lIns="91440" tIns="45720" rIns="91440" bIns="45720" rtlCol="0">
+            <a:noAutofit/>
+          </a:bodyPr>
+          <a:lstStyle>
+            <a:lvl1pPr marL="342900" marR="0" indent="-342900" algn="l" defTabSz="457200" rtl="0" eaLnBrk="1" fontAlgn="auto" latinLnBrk="0" hangingPunct="1">
+              <a:lnSpc>
+                <a:spcPct val="100000"/>
+              </a:lnSpc>
+              <a:spcBef>
+                <a:spcPct val="20000"/>
+              </a:spcBef>
+              <a:spcAft>
+                <a:spcPts val="0"/>
+              </a:spcAft>
+              <a:buClr>
+                <a:schemeClr val="accent6"/>
+              </a:buClr>
+              <a:buSzTx/>
+              <a:buFont typeface="Lucida Grande"/>
+              <a:buChar char="➔"/>
+              <a:tabLst/>
+              <a:defRPr sz="2000" kern="1200">
+                <a:solidFill>
+                  <a:schemeClr val="tx1"/>
+                </a:solidFill>
+                <a:latin typeface="+mn-lt"/>
+                <a:ea typeface="+mn-ea"/>
+                <a:cs typeface="+mn-cs"/>
+              </a:defRPr>
+            </a:lvl1pPr>
+            <a:lvl2pPr marL="742950" marR="0" indent="-285750" algn="l" defTabSz="457200" rtl="0" eaLnBrk="1" fontAlgn="auto" latinLnBrk="0" hangingPunct="1">
+              <a:lnSpc>
+                <a:spcPct val="100000"/>
+              </a:lnSpc>
+              <a:spcBef>
+                <a:spcPct val="20000"/>
+              </a:spcBef>
+              <a:spcAft>
+                <a:spcPts val="0"/>
+              </a:spcAft>
+              <a:buClr>
+                <a:srgbClr val="009DE0"/>
+              </a:buClr>
+              <a:buSzTx/>
+              <a:buFont typeface="Arial"/>
+              <a:buChar char="›"/>
+              <a:tabLst/>
+              <a:defRPr sz="2800" kern="1200">
+                <a:solidFill>
+                  <a:schemeClr val="tx1"/>
+                </a:solidFill>
+                <a:latin typeface="+mn-lt"/>
+                <a:ea typeface="+mn-ea"/>
+                <a:cs typeface="+mn-cs"/>
+              </a:defRPr>
+            </a:lvl2pPr>
+            <a:lvl3pPr marL="1143000" marR="0" indent="-228600" algn="l" defTabSz="457200" rtl="0" eaLnBrk="1" fontAlgn="auto" latinLnBrk="0" hangingPunct="1">
+              <a:lnSpc>
+                <a:spcPct val="100000"/>
+              </a:lnSpc>
+              <a:spcBef>
+                <a:spcPct val="20000"/>
+              </a:spcBef>
+              <a:spcAft>
+                <a:spcPts val="0"/>
+              </a:spcAft>
+              <a:buClrTx/>
+              <a:buSzTx/>
+              <a:buFont typeface="Arial"/>
+              <a:buChar char="•"/>
+              <a:tabLst/>
+              <a:defRPr sz="2400" kern="1200">
+                <a:solidFill>
+                  <a:schemeClr val="tx1"/>
+                </a:solidFill>
+                <a:latin typeface="+mn-lt"/>
+                <a:ea typeface="+mn-ea"/>
+                <a:cs typeface="+mn-cs"/>
+              </a:defRPr>
+            </a:lvl3pPr>
+            <a:lvl4pPr marL="1600200" marR="0" indent="-228600" algn="l" defTabSz="457200" rtl="0" eaLnBrk="1" fontAlgn="auto" latinLnBrk="0" hangingPunct="1">
+              <a:lnSpc>
+                <a:spcPct val="100000"/>
+              </a:lnSpc>
+              <a:spcBef>
+                <a:spcPct val="20000"/>
+              </a:spcBef>
+              <a:spcAft>
+                <a:spcPts val="0"/>
+              </a:spcAft>
+              <a:buClrTx/>
+              <a:buSzTx/>
+              <a:buFont typeface="Arial"/>
+              <a:buChar char="–"/>
+              <a:tabLst/>
+              <a:defRPr sz="2000" kern="1200">
+                <a:solidFill>
+                  <a:schemeClr val="tx1"/>
+                </a:solidFill>
+                <a:latin typeface="+mn-lt"/>
+                <a:ea typeface="+mn-ea"/>
+                <a:cs typeface="+mn-cs"/>
+              </a:defRPr>
+            </a:lvl4pPr>
+            <a:lvl5pPr marL="2057400" marR="0" indent="-228600" algn="l" defTabSz="457200" rtl="0" eaLnBrk="1" fontAlgn="auto" latinLnBrk="0" hangingPunct="1">
+              <a:lnSpc>
+                <a:spcPct val="100000"/>
+              </a:lnSpc>
+              <a:spcBef>
+                <a:spcPct val="20000"/>
+              </a:spcBef>
+              <a:spcAft>
+                <a:spcPts val="0"/>
+              </a:spcAft>
+              <a:buClrTx/>
+              <a:buSzTx/>
+              <a:buFont typeface="Arial"/>
+              <a:buChar char="»"/>
+              <a:tabLst/>
+              <a:defRPr sz="2000" kern="1200">
+                <a:solidFill>
+                  <a:schemeClr val="tx1"/>
+                </a:solidFill>
+                <a:latin typeface="+mn-lt"/>
+                <a:ea typeface="+mn-ea"/>
+                <a:cs typeface="+mn-cs"/>
+              </a:defRPr>
+            </a:lvl5pPr>
+            <a:lvl6pPr marL="2514600" indent="-228600" algn="l" defTabSz="457200" rtl="0" eaLnBrk="1" latinLnBrk="0" hangingPunct="1">
+              <a:spcBef>
+                <a:spcPct val="20000"/>
+              </a:spcBef>
+              <a:buFont typeface="Arial"/>
+              <a:buChar char="•"/>
+              <a:defRPr sz="2000" kern="1200">
+                <a:solidFill>
+                  <a:schemeClr val="tx1"/>
+                </a:solidFill>
+                <a:latin typeface="+mn-lt"/>
+                <a:ea typeface="+mn-ea"/>
+                <a:cs typeface="+mn-cs"/>
+              </a:defRPr>
+            </a:lvl6pPr>
+            <a:lvl7pPr marL="2971800" indent="-228600" algn="l" defTabSz="457200" rtl="0" eaLnBrk="1" latinLnBrk="0" hangingPunct="1">
+              <a:spcBef>
+                <a:spcPct val="20000"/>
+              </a:spcBef>
+              <a:buFont typeface="Arial"/>
+              <a:buChar char="•"/>
+              <a:defRPr sz="2000" kern="1200">
+                <a:solidFill>
+                  <a:schemeClr val="tx1"/>
+                </a:solidFill>
+                <a:latin typeface="+mn-lt"/>
+                <a:ea typeface="+mn-ea"/>
+                <a:cs typeface="+mn-cs"/>
+              </a:defRPr>
+            </a:lvl7pPr>
+            <a:lvl8pPr marL="3429000" indent="-228600" algn="l" defTabSz="457200" rtl="0" eaLnBrk="1" latinLnBrk="0" hangingPunct="1">
+              <a:spcBef>
+                <a:spcPct val="20000"/>
+              </a:spcBef>
+              <a:buFont typeface="Arial"/>
+              <a:buChar char="•"/>
+              <a:defRPr sz="2000" kern="1200">
+                <a:solidFill>
+                  <a:schemeClr val="tx1"/>
+                </a:solidFill>
+                <a:latin typeface="+mn-lt"/>
+                <a:ea typeface="+mn-ea"/>
+                <a:cs typeface="+mn-cs"/>
+              </a:defRPr>
+            </a:lvl8pPr>
+            <a:lvl9pPr marL="3886200" indent="-228600" algn="l" defTabSz="457200" rtl="0" eaLnBrk="1" latinLnBrk="0" hangingPunct="1">
+              <a:spcBef>
+                <a:spcPct val="20000"/>
+              </a:spcBef>
+              <a:buFont typeface="Arial"/>
+              <a:buChar char="•"/>
+              <a:defRPr sz="2000" kern="1200">
+                <a:solidFill>
+                  <a:schemeClr val="tx1"/>
+                </a:solidFill>
+                <a:latin typeface="+mn-lt"/>
+                <a:ea typeface="+mn-ea"/>
+                <a:cs typeface="+mn-cs"/>
+              </a:defRPr>
+            </a:lvl9pPr>
+          </a:lstStyle>
+          <a:p>
+            <a:r>
+              <a:rPr lang="en-US" dirty="0"/>
+              <a:t>a Python list, one for each database in which we searched</a:t>
             </a:r>
           </a:p>
         </p:txBody>
@@ -10581,7 +12518,7 @@
     </p:spTree>
     <p:extLst>
       <p:ext uri="{BB962C8B-B14F-4D97-AF65-F5344CB8AC3E}">
-        <p14:creationId xmlns:p14="http://schemas.microsoft.com/office/powerpoint/2010/main" val="935734964"/>
+        <p14:creationId xmlns:p14="http://schemas.microsoft.com/office/powerpoint/2010/main" val="2115695195"/>
       </p:ext>
     </p:extLst>
   </p:cSld>
@@ -10637,12 +12574,25 @@
             <p:ph idx="1"/>
           </p:nvPr>
         </p:nvSpPr>
-        <p:spPr/>
+        <p:spPr>
+          <a:xfrm>
+            <a:off x="279400" y="1236134"/>
+            <a:ext cx="8644466" cy="589642"/>
+          </a:xfrm>
+        </p:spPr>
         <p:txBody>
           <a:bodyPr/>
           <a:lstStyle/>
           <a:p>
-            <a:endParaRPr lang="fr-FR"/>
+            <a:r>
+              <a:rPr lang="en-US" dirty="0"/>
+              <a:t>The actual search results are stored as under </a:t>
+            </a:r>
+            <a:r>
+              <a:rPr lang="en-US" dirty="0" smtClean="0"/>
+              <a:t>the "Link” key</a:t>
+            </a:r>
+            <a:endParaRPr lang="fr-FR" dirty="0"/>
           </a:p>
         </p:txBody>
       </p:sp>
@@ -10716,10 +12666,671 @@
           </a:p>
         </p:txBody>
       </p:sp>
+      <p:sp>
+        <p:nvSpPr>
+          <p:cNvPr id="8" name="ZoneTexte 7"/>
+          <p:cNvSpPr txBox="1"/>
+          <p:nvPr/>
+        </p:nvSpPr>
+        <p:spPr>
+          <a:xfrm>
+            <a:off x="279400" y="1841393"/>
+            <a:ext cx="8644466" cy="461665"/>
+          </a:xfrm>
+          <a:prstGeom prst="rect">
+            <a:avLst/>
+          </a:prstGeom>
+          <a:solidFill>
+            <a:schemeClr val="accent2">
+              <a:lumMod val="60000"/>
+              <a:lumOff val="40000"/>
+            </a:schemeClr>
+          </a:solidFill>
+          <a:ln>
+            <a:noFill/>
+          </a:ln>
+        </p:spPr>
+        <p:txBody>
+          <a:bodyPr wrap="square" rtlCol="0">
+            <a:spAutoFit/>
+          </a:bodyPr>
+          <a:lstStyle>
+            <a:defPPr>
+              <a:defRPr lang="fr-FR"/>
+            </a:defPPr>
+            <a:lvl1pPr>
+              <a:defRPr sz="1400"/>
+            </a:lvl1pPr>
+          </a:lstStyle>
+          <a:p>
+            <a:r>
+              <a:rPr lang="en-US" sz="1200" dirty="0"/>
+              <a:t>&gt;&gt;&gt; record[0]["</a:t>
+            </a:r>
+            <a:r>
+              <a:rPr lang="en-US" sz="1200" dirty="0" err="1"/>
+              <a:t>LinkSetDb</a:t>
+            </a:r>
+            <a:r>
+              <a:rPr lang="en-US" sz="1200" dirty="0"/>
+              <a:t>"][0]["Link"][0]</a:t>
+            </a:r>
+          </a:p>
+          <a:p>
+            <a:r>
+              <a:rPr lang="en-US" sz="1200" dirty="0"/>
+              <a:t>{</a:t>
+            </a:r>
+            <a:r>
+              <a:rPr lang="en-US" sz="1200" dirty="0" err="1"/>
+              <a:t>u'Id</a:t>
+            </a:r>
+            <a:r>
+              <a:rPr lang="en-US" sz="1200" dirty="0"/>
+              <a:t>': '19304878'}</a:t>
+            </a:r>
+          </a:p>
+        </p:txBody>
+      </p:sp>
+      <p:sp>
+        <p:nvSpPr>
+          <p:cNvPr id="9" name="ZoneTexte 8"/>
+          <p:cNvSpPr txBox="1"/>
+          <p:nvPr/>
+        </p:nvSpPr>
+        <p:spPr>
+          <a:xfrm>
+            <a:off x="279400" y="3116475"/>
+            <a:ext cx="8644466" cy="461665"/>
+          </a:xfrm>
+          <a:prstGeom prst="rect">
+            <a:avLst/>
+          </a:prstGeom>
+          <a:solidFill>
+            <a:schemeClr val="accent2">
+              <a:lumMod val="60000"/>
+              <a:lumOff val="40000"/>
+            </a:schemeClr>
+          </a:solidFill>
+          <a:ln>
+            <a:noFill/>
+          </a:ln>
+        </p:spPr>
+        <p:txBody>
+          <a:bodyPr wrap="square" rtlCol="0">
+            <a:spAutoFit/>
+          </a:bodyPr>
+          <a:lstStyle>
+            <a:defPPr>
+              <a:defRPr lang="fr-FR"/>
+            </a:defPPr>
+            <a:lvl1pPr>
+              <a:defRPr sz="1400"/>
+            </a:lvl1pPr>
+          </a:lstStyle>
+          <a:p>
+            <a:r>
+              <a:rPr lang="en-US" sz="1200" dirty="0"/>
+              <a:t>&gt;&gt;&gt; record[0]["</a:t>
+            </a:r>
+            <a:r>
+              <a:rPr lang="en-US" sz="1200" dirty="0" err="1"/>
+              <a:t>LinkSetDb</a:t>
+            </a:r>
+            <a:r>
+              <a:rPr lang="en-US" sz="1200" dirty="0"/>
+              <a:t>"][0]["Link"][1]</a:t>
+            </a:r>
+          </a:p>
+          <a:p>
+            <a:r>
+              <a:rPr lang="en-US" sz="1200" dirty="0"/>
+              <a:t>{</a:t>
+            </a:r>
+            <a:r>
+              <a:rPr lang="en-US" sz="1200" dirty="0" err="1"/>
+              <a:t>u'Id</a:t>
+            </a:r>
+            <a:r>
+              <a:rPr lang="en-US" sz="1200" dirty="0"/>
+              <a:t>': '14630660'}</a:t>
+            </a:r>
+          </a:p>
+        </p:txBody>
+      </p:sp>
+      <p:sp>
+        <p:nvSpPr>
+          <p:cNvPr id="10" name="ZoneTexte 9"/>
+          <p:cNvSpPr txBox="1"/>
+          <p:nvPr/>
+        </p:nvSpPr>
+        <p:spPr>
+          <a:xfrm>
+            <a:off x="279400" y="4579358"/>
+            <a:ext cx="8644466" cy="1569660"/>
+          </a:xfrm>
+          <a:prstGeom prst="rect">
+            <a:avLst/>
+          </a:prstGeom>
+          <a:solidFill>
+            <a:schemeClr val="accent2">
+              <a:lumMod val="60000"/>
+              <a:lumOff val="40000"/>
+            </a:schemeClr>
+          </a:solidFill>
+          <a:ln>
+            <a:noFill/>
+          </a:ln>
+        </p:spPr>
+        <p:txBody>
+          <a:bodyPr wrap="square" rtlCol="0">
+            <a:spAutoFit/>
+          </a:bodyPr>
+          <a:lstStyle>
+            <a:defPPr>
+              <a:defRPr lang="fr-FR"/>
+            </a:defPPr>
+            <a:lvl1pPr>
+              <a:defRPr sz="1400"/>
+            </a:lvl1pPr>
+          </a:lstStyle>
+          <a:p>
+            <a:r>
+              <a:rPr lang="en-US" sz="1200" dirty="0"/>
+              <a:t>&gt;&gt;&gt; for link in record[0]["</a:t>
+            </a:r>
+            <a:r>
+              <a:rPr lang="en-US" sz="1200" dirty="0" err="1"/>
+              <a:t>LinkSetDb</a:t>
+            </a:r>
+            <a:r>
+              <a:rPr lang="en-US" sz="1200" dirty="0"/>
+              <a:t>"][0]["Link"]:</a:t>
+            </a:r>
+          </a:p>
+          <a:p>
+            <a:r>
+              <a:rPr lang="en-US" sz="1200" dirty="0"/>
+              <a:t>... print(link["Id"])</a:t>
+            </a:r>
+          </a:p>
+          <a:p>
+            <a:r>
+              <a:rPr lang="en-US" sz="1200" dirty="0"/>
+              <a:t>19304878</a:t>
+            </a:r>
+          </a:p>
+          <a:p>
+            <a:r>
+              <a:rPr lang="en-US" sz="1200" dirty="0"/>
+              <a:t>14630660</a:t>
+            </a:r>
+          </a:p>
+          <a:p>
+            <a:r>
+              <a:rPr lang="en-US" sz="1200" dirty="0"/>
+              <a:t>18689808</a:t>
+            </a:r>
+          </a:p>
+          <a:p>
+            <a:r>
+              <a:rPr lang="en-US" sz="1200" dirty="0"/>
+              <a:t>17121776</a:t>
+            </a:r>
+          </a:p>
+          <a:p>
+            <a:r>
+              <a:rPr lang="en-US" sz="1200" dirty="0"/>
+              <a:t>16377612</a:t>
+            </a:r>
+          </a:p>
+          <a:p>
+            <a:r>
+              <a:rPr lang="en-US" sz="1200" dirty="0"/>
+              <a:t>12368254</a:t>
+            </a:r>
+          </a:p>
+        </p:txBody>
+      </p:sp>
+      <p:sp>
+        <p:nvSpPr>
+          <p:cNvPr id="11" name="Espace réservé du contenu 2"/>
+          <p:cNvSpPr txBox="1">
+            <a:spLocks/>
+          </p:cNvSpPr>
+          <p:nvPr/>
+        </p:nvSpPr>
+        <p:spPr>
+          <a:xfrm>
+            <a:off x="279400" y="2543200"/>
+            <a:ext cx="8644466" cy="589642"/>
+          </a:xfrm>
+          <a:prstGeom prst="rect">
+            <a:avLst/>
+          </a:prstGeom>
+        </p:spPr>
+        <p:txBody>
+          <a:bodyPr vert="horz" lIns="91440" tIns="45720" rIns="91440" bIns="45720" rtlCol="0">
+            <a:noAutofit/>
+          </a:bodyPr>
+          <a:lstStyle>
+            <a:lvl1pPr marL="342900" marR="0" indent="-342900" algn="l" defTabSz="457200" rtl="0" eaLnBrk="1" fontAlgn="auto" latinLnBrk="0" hangingPunct="1">
+              <a:lnSpc>
+                <a:spcPct val="100000"/>
+              </a:lnSpc>
+              <a:spcBef>
+                <a:spcPct val="20000"/>
+              </a:spcBef>
+              <a:spcAft>
+                <a:spcPts val="0"/>
+              </a:spcAft>
+              <a:buClr>
+                <a:schemeClr val="accent6"/>
+              </a:buClr>
+              <a:buSzTx/>
+              <a:buFont typeface="Lucida Grande"/>
+              <a:buChar char="➔"/>
+              <a:tabLst/>
+              <a:defRPr sz="2000" kern="1200">
+                <a:solidFill>
+                  <a:schemeClr val="tx1"/>
+                </a:solidFill>
+                <a:latin typeface="+mn-lt"/>
+                <a:ea typeface="+mn-ea"/>
+                <a:cs typeface="+mn-cs"/>
+              </a:defRPr>
+            </a:lvl1pPr>
+            <a:lvl2pPr marL="742950" marR="0" indent="-285750" algn="l" defTabSz="457200" rtl="0" eaLnBrk="1" fontAlgn="auto" latinLnBrk="0" hangingPunct="1">
+              <a:lnSpc>
+                <a:spcPct val="100000"/>
+              </a:lnSpc>
+              <a:spcBef>
+                <a:spcPct val="20000"/>
+              </a:spcBef>
+              <a:spcAft>
+                <a:spcPts val="0"/>
+              </a:spcAft>
+              <a:buClr>
+                <a:srgbClr val="009DE0"/>
+              </a:buClr>
+              <a:buSzTx/>
+              <a:buFont typeface="Arial"/>
+              <a:buChar char="›"/>
+              <a:tabLst/>
+              <a:defRPr sz="2800" kern="1200">
+                <a:solidFill>
+                  <a:schemeClr val="tx1"/>
+                </a:solidFill>
+                <a:latin typeface="+mn-lt"/>
+                <a:ea typeface="+mn-ea"/>
+                <a:cs typeface="+mn-cs"/>
+              </a:defRPr>
+            </a:lvl2pPr>
+            <a:lvl3pPr marL="1143000" marR="0" indent="-228600" algn="l" defTabSz="457200" rtl="0" eaLnBrk="1" fontAlgn="auto" latinLnBrk="0" hangingPunct="1">
+              <a:lnSpc>
+                <a:spcPct val="100000"/>
+              </a:lnSpc>
+              <a:spcBef>
+                <a:spcPct val="20000"/>
+              </a:spcBef>
+              <a:spcAft>
+                <a:spcPts val="0"/>
+              </a:spcAft>
+              <a:buClrTx/>
+              <a:buSzTx/>
+              <a:buFont typeface="Arial"/>
+              <a:buChar char="•"/>
+              <a:tabLst/>
+              <a:defRPr sz="2400" kern="1200">
+                <a:solidFill>
+                  <a:schemeClr val="tx1"/>
+                </a:solidFill>
+                <a:latin typeface="+mn-lt"/>
+                <a:ea typeface="+mn-ea"/>
+                <a:cs typeface="+mn-cs"/>
+              </a:defRPr>
+            </a:lvl3pPr>
+            <a:lvl4pPr marL="1600200" marR="0" indent="-228600" algn="l" defTabSz="457200" rtl="0" eaLnBrk="1" fontAlgn="auto" latinLnBrk="0" hangingPunct="1">
+              <a:lnSpc>
+                <a:spcPct val="100000"/>
+              </a:lnSpc>
+              <a:spcBef>
+                <a:spcPct val="20000"/>
+              </a:spcBef>
+              <a:spcAft>
+                <a:spcPts val="0"/>
+              </a:spcAft>
+              <a:buClrTx/>
+              <a:buSzTx/>
+              <a:buFont typeface="Arial"/>
+              <a:buChar char="–"/>
+              <a:tabLst/>
+              <a:defRPr sz="2000" kern="1200">
+                <a:solidFill>
+                  <a:schemeClr val="tx1"/>
+                </a:solidFill>
+                <a:latin typeface="+mn-lt"/>
+                <a:ea typeface="+mn-ea"/>
+                <a:cs typeface="+mn-cs"/>
+              </a:defRPr>
+            </a:lvl4pPr>
+            <a:lvl5pPr marL="2057400" marR="0" indent="-228600" algn="l" defTabSz="457200" rtl="0" eaLnBrk="1" fontAlgn="auto" latinLnBrk="0" hangingPunct="1">
+              <a:lnSpc>
+                <a:spcPct val="100000"/>
+              </a:lnSpc>
+              <a:spcBef>
+                <a:spcPct val="20000"/>
+              </a:spcBef>
+              <a:spcAft>
+                <a:spcPts val="0"/>
+              </a:spcAft>
+              <a:buClrTx/>
+              <a:buSzTx/>
+              <a:buFont typeface="Arial"/>
+              <a:buChar char="»"/>
+              <a:tabLst/>
+              <a:defRPr sz="2000" kern="1200">
+                <a:solidFill>
+                  <a:schemeClr val="tx1"/>
+                </a:solidFill>
+                <a:latin typeface="+mn-lt"/>
+                <a:ea typeface="+mn-ea"/>
+                <a:cs typeface="+mn-cs"/>
+              </a:defRPr>
+            </a:lvl5pPr>
+            <a:lvl6pPr marL="2514600" indent="-228600" algn="l" defTabSz="457200" rtl="0" eaLnBrk="1" latinLnBrk="0" hangingPunct="1">
+              <a:spcBef>
+                <a:spcPct val="20000"/>
+              </a:spcBef>
+              <a:buFont typeface="Arial"/>
+              <a:buChar char="•"/>
+              <a:defRPr sz="2000" kern="1200">
+                <a:solidFill>
+                  <a:schemeClr val="tx1"/>
+                </a:solidFill>
+                <a:latin typeface="+mn-lt"/>
+                <a:ea typeface="+mn-ea"/>
+                <a:cs typeface="+mn-cs"/>
+              </a:defRPr>
+            </a:lvl6pPr>
+            <a:lvl7pPr marL="2971800" indent="-228600" algn="l" defTabSz="457200" rtl="0" eaLnBrk="1" latinLnBrk="0" hangingPunct="1">
+              <a:spcBef>
+                <a:spcPct val="20000"/>
+              </a:spcBef>
+              <a:buFont typeface="Arial"/>
+              <a:buChar char="•"/>
+              <a:defRPr sz="2000" kern="1200">
+                <a:solidFill>
+                  <a:schemeClr val="tx1"/>
+                </a:solidFill>
+                <a:latin typeface="+mn-lt"/>
+                <a:ea typeface="+mn-ea"/>
+                <a:cs typeface="+mn-cs"/>
+              </a:defRPr>
+            </a:lvl7pPr>
+            <a:lvl8pPr marL="3429000" indent="-228600" algn="l" defTabSz="457200" rtl="0" eaLnBrk="1" latinLnBrk="0" hangingPunct="1">
+              <a:spcBef>
+                <a:spcPct val="20000"/>
+              </a:spcBef>
+              <a:buFont typeface="Arial"/>
+              <a:buChar char="•"/>
+              <a:defRPr sz="2000" kern="1200">
+                <a:solidFill>
+                  <a:schemeClr val="tx1"/>
+                </a:solidFill>
+                <a:latin typeface="+mn-lt"/>
+                <a:ea typeface="+mn-ea"/>
+                <a:cs typeface="+mn-cs"/>
+              </a:defRPr>
+            </a:lvl8pPr>
+            <a:lvl9pPr marL="3886200" indent="-228600" algn="l" defTabSz="457200" rtl="0" eaLnBrk="1" latinLnBrk="0" hangingPunct="1">
+              <a:spcBef>
+                <a:spcPct val="20000"/>
+              </a:spcBef>
+              <a:buFont typeface="Arial"/>
+              <a:buChar char="•"/>
+              <a:defRPr sz="2000" kern="1200">
+                <a:solidFill>
+                  <a:schemeClr val="tx1"/>
+                </a:solidFill>
+                <a:latin typeface="+mn-lt"/>
+                <a:ea typeface="+mn-ea"/>
+                <a:cs typeface="+mn-cs"/>
+              </a:defRPr>
+            </a:lvl9pPr>
+          </a:lstStyle>
+          <a:p>
+            <a:r>
+              <a:rPr lang="en-US" dirty="0"/>
+              <a:t>let's look at the second search result</a:t>
+            </a:r>
+            <a:endParaRPr lang="fr-FR" dirty="0"/>
+          </a:p>
+        </p:txBody>
+      </p:sp>
+      <p:sp>
+        <p:nvSpPr>
+          <p:cNvPr id="12" name="Espace réservé du contenu 2"/>
+          <p:cNvSpPr txBox="1">
+            <a:spLocks/>
+          </p:cNvSpPr>
+          <p:nvPr/>
+        </p:nvSpPr>
+        <p:spPr>
+          <a:xfrm>
+            <a:off x="279400" y="3667916"/>
+            <a:ext cx="8644466" cy="589642"/>
+          </a:xfrm>
+          <a:prstGeom prst="rect">
+            <a:avLst/>
+          </a:prstGeom>
+        </p:spPr>
+        <p:txBody>
+          <a:bodyPr vert="horz" lIns="91440" tIns="45720" rIns="91440" bIns="45720" rtlCol="0">
+            <a:noAutofit/>
+          </a:bodyPr>
+          <a:lstStyle>
+            <a:lvl1pPr marL="342900" marR="0" indent="-342900" algn="l" defTabSz="457200" rtl="0" eaLnBrk="1" fontAlgn="auto" latinLnBrk="0" hangingPunct="1">
+              <a:lnSpc>
+                <a:spcPct val="100000"/>
+              </a:lnSpc>
+              <a:spcBef>
+                <a:spcPct val="20000"/>
+              </a:spcBef>
+              <a:spcAft>
+                <a:spcPts val="0"/>
+              </a:spcAft>
+              <a:buClr>
+                <a:schemeClr val="accent6"/>
+              </a:buClr>
+              <a:buSzTx/>
+              <a:buFont typeface="Lucida Grande"/>
+              <a:buChar char="➔"/>
+              <a:tabLst/>
+              <a:defRPr sz="2000" kern="1200">
+                <a:solidFill>
+                  <a:schemeClr val="tx1"/>
+                </a:solidFill>
+                <a:latin typeface="+mn-lt"/>
+                <a:ea typeface="+mn-ea"/>
+                <a:cs typeface="+mn-cs"/>
+              </a:defRPr>
+            </a:lvl1pPr>
+            <a:lvl2pPr marL="742950" marR="0" indent="-285750" algn="l" defTabSz="457200" rtl="0" eaLnBrk="1" fontAlgn="auto" latinLnBrk="0" hangingPunct="1">
+              <a:lnSpc>
+                <a:spcPct val="100000"/>
+              </a:lnSpc>
+              <a:spcBef>
+                <a:spcPct val="20000"/>
+              </a:spcBef>
+              <a:spcAft>
+                <a:spcPts val="0"/>
+              </a:spcAft>
+              <a:buClr>
+                <a:srgbClr val="009DE0"/>
+              </a:buClr>
+              <a:buSzTx/>
+              <a:buFont typeface="Arial"/>
+              <a:buChar char="›"/>
+              <a:tabLst/>
+              <a:defRPr sz="2800" kern="1200">
+                <a:solidFill>
+                  <a:schemeClr val="tx1"/>
+                </a:solidFill>
+                <a:latin typeface="+mn-lt"/>
+                <a:ea typeface="+mn-ea"/>
+                <a:cs typeface="+mn-cs"/>
+              </a:defRPr>
+            </a:lvl2pPr>
+            <a:lvl3pPr marL="1143000" marR="0" indent="-228600" algn="l" defTabSz="457200" rtl="0" eaLnBrk="1" fontAlgn="auto" latinLnBrk="0" hangingPunct="1">
+              <a:lnSpc>
+                <a:spcPct val="100000"/>
+              </a:lnSpc>
+              <a:spcBef>
+                <a:spcPct val="20000"/>
+              </a:spcBef>
+              <a:spcAft>
+                <a:spcPts val="0"/>
+              </a:spcAft>
+              <a:buClrTx/>
+              <a:buSzTx/>
+              <a:buFont typeface="Arial"/>
+              <a:buChar char="•"/>
+              <a:tabLst/>
+              <a:defRPr sz="2400" kern="1200">
+                <a:solidFill>
+                  <a:schemeClr val="tx1"/>
+                </a:solidFill>
+                <a:latin typeface="+mn-lt"/>
+                <a:ea typeface="+mn-ea"/>
+                <a:cs typeface="+mn-cs"/>
+              </a:defRPr>
+            </a:lvl3pPr>
+            <a:lvl4pPr marL="1600200" marR="0" indent="-228600" algn="l" defTabSz="457200" rtl="0" eaLnBrk="1" fontAlgn="auto" latinLnBrk="0" hangingPunct="1">
+              <a:lnSpc>
+                <a:spcPct val="100000"/>
+              </a:lnSpc>
+              <a:spcBef>
+                <a:spcPct val="20000"/>
+              </a:spcBef>
+              <a:spcAft>
+                <a:spcPts val="0"/>
+              </a:spcAft>
+              <a:buClrTx/>
+              <a:buSzTx/>
+              <a:buFont typeface="Arial"/>
+              <a:buChar char="–"/>
+              <a:tabLst/>
+              <a:defRPr sz="2000" kern="1200">
+                <a:solidFill>
+                  <a:schemeClr val="tx1"/>
+                </a:solidFill>
+                <a:latin typeface="+mn-lt"/>
+                <a:ea typeface="+mn-ea"/>
+                <a:cs typeface="+mn-cs"/>
+              </a:defRPr>
+            </a:lvl4pPr>
+            <a:lvl5pPr marL="2057400" marR="0" indent="-228600" algn="l" defTabSz="457200" rtl="0" eaLnBrk="1" fontAlgn="auto" latinLnBrk="0" hangingPunct="1">
+              <a:lnSpc>
+                <a:spcPct val="100000"/>
+              </a:lnSpc>
+              <a:spcBef>
+                <a:spcPct val="20000"/>
+              </a:spcBef>
+              <a:spcAft>
+                <a:spcPts val="0"/>
+              </a:spcAft>
+              <a:buClrTx/>
+              <a:buSzTx/>
+              <a:buFont typeface="Arial"/>
+              <a:buChar char="»"/>
+              <a:tabLst/>
+              <a:defRPr sz="2000" kern="1200">
+                <a:solidFill>
+                  <a:schemeClr val="tx1"/>
+                </a:solidFill>
+                <a:latin typeface="+mn-lt"/>
+                <a:ea typeface="+mn-ea"/>
+                <a:cs typeface="+mn-cs"/>
+              </a:defRPr>
+            </a:lvl5pPr>
+            <a:lvl6pPr marL="2514600" indent="-228600" algn="l" defTabSz="457200" rtl="0" eaLnBrk="1" latinLnBrk="0" hangingPunct="1">
+              <a:spcBef>
+                <a:spcPct val="20000"/>
+              </a:spcBef>
+              <a:buFont typeface="Arial"/>
+              <a:buChar char="•"/>
+              <a:defRPr sz="2000" kern="1200">
+                <a:solidFill>
+                  <a:schemeClr val="tx1"/>
+                </a:solidFill>
+                <a:latin typeface="+mn-lt"/>
+                <a:ea typeface="+mn-ea"/>
+                <a:cs typeface="+mn-cs"/>
+              </a:defRPr>
+            </a:lvl6pPr>
+            <a:lvl7pPr marL="2971800" indent="-228600" algn="l" defTabSz="457200" rtl="0" eaLnBrk="1" latinLnBrk="0" hangingPunct="1">
+              <a:spcBef>
+                <a:spcPct val="20000"/>
+              </a:spcBef>
+              <a:buFont typeface="Arial"/>
+              <a:buChar char="•"/>
+              <a:defRPr sz="2000" kern="1200">
+                <a:solidFill>
+                  <a:schemeClr val="tx1"/>
+                </a:solidFill>
+                <a:latin typeface="+mn-lt"/>
+                <a:ea typeface="+mn-ea"/>
+                <a:cs typeface="+mn-cs"/>
+              </a:defRPr>
+            </a:lvl7pPr>
+            <a:lvl8pPr marL="3429000" indent="-228600" algn="l" defTabSz="457200" rtl="0" eaLnBrk="1" latinLnBrk="0" hangingPunct="1">
+              <a:spcBef>
+                <a:spcPct val="20000"/>
+              </a:spcBef>
+              <a:buFont typeface="Arial"/>
+              <a:buChar char="•"/>
+              <a:defRPr sz="2000" kern="1200">
+                <a:solidFill>
+                  <a:schemeClr val="tx1"/>
+                </a:solidFill>
+                <a:latin typeface="+mn-lt"/>
+                <a:ea typeface="+mn-ea"/>
+                <a:cs typeface="+mn-cs"/>
+              </a:defRPr>
+            </a:lvl8pPr>
+            <a:lvl9pPr marL="3886200" indent="-228600" algn="l" defTabSz="457200" rtl="0" eaLnBrk="1" latinLnBrk="0" hangingPunct="1">
+              <a:spcBef>
+                <a:spcPct val="20000"/>
+              </a:spcBef>
+              <a:buFont typeface="Arial"/>
+              <a:buChar char="•"/>
+              <a:defRPr sz="2000" kern="1200">
+                <a:solidFill>
+                  <a:schemeClr val="tx1"/>
+                </a:solidFill>
+                <a:latin typeface="+mn-lt"/>
+                <a:ea typeface="+mn-ea"/>
+                <a:cs typeface="+mn-cs"/>
+              </a:defRPr>
+            </a:lvl9pPr>
+          </a:lstStyle>
+          <a:p>
+            <a:r>
+              <a:rPr lang="en-US" dirty="0" smtClean="0"/>
+              <a:t>This </a:t>
+            </a:r>
+            <a:r>
+              <a:rPr lang="en-US" dirty="0"/>
+              <a:t>paper, with PubMed ID 14630660, is about the Biopython PDB parser.</a:t>
+            </a:r>
+          </a:p>
+        </p:txBody>
+      </p:sp>
     </p:spTree>
     <p:extLst>
       <p:ext uri="{BB962C8B-B14F-4D97-AF65-F5344CB8AC3E}">
-        <p14:creationId xmlns:p14="http://schemas.microsoft.com/office/powerpoint/2010/main" val="1687144823"/>
+        <p14:creationId xmlns:p14="http://schemas.microsoft.com/office/powerpoint/2010/main" val="1876259913"/>
       </p:ext>
     </p:extLst>
   </p:cSld>
@@ -10761,7 +13372,15 @@
           <a:bodyPr/>
           <a:lstStyle/>
           <a:p>
-            <a:endParaRPr lang="fr-FR"/>
+            <a:r>
+              <a:rPr lang="en-US" dirty="0" err="1"/>
+              <a:t>EGQuery</a:t>
+            </a:r>
+            <a:r>
+              <a:rPr lang="en-US" dirty="0"/>
+              <a:t>: Global Query - counts for search terms</a:t>
+            </a:r>
+            <a:endParaRPr lang="fr-FR" dirty="0"/>
           </a:p>
         </p:txBody>
       </p:sp>
@@ -10775,12 +13394,17 @@
             <p:ph idx="1"/>
           </p:nvPr>
         </p:nvSpPr>
-        <p:spPr/>
+        <p:spPr>
+          <a:xfrm>
+            <a:off x="279400" y="1236134"/>
+            <a:ext cx="8644466" cy="566961"/>
+          </a:xfrm>
+        </p:spPr>
         <p:txBody>
           <a:bodyPr/>
           <a:lstStyle/>
           <a:p>
-            <a:endParaRPr lang="fr-FR"/>
+            <a:endParaRPr lang="fr-FR" dirty="0"/>
           </a:p>
         </p:txBody>
       </p:sp>
@@ -10854,10 +13478,211 @@
           </a:p>
         </p:txBody>
       </p:sp>
+      <p:sp>
+        <p:nvSpPr>
+          <p:cNvPr id="7" name="ZoneTexte 6"/>
+          <p:cNvSpPr txBox="1"/>
+          <p:nvPr/>
+        </p:nvSpPr>
+        <p:spPr>
+          <a:xfrm>
+            <a:off x="279400" y="1803095"/>
+            <a:ext cx="8644466" cy="2154436"/>
+          </a:xfrm>
+          <a:prstGeom prst="rect">
+            <a:avLst/>
+          </a:prstGeom>
+          <a:solidFill>
+            <a:schemeClr val="accent2">
+              <a:lumMod val="60000"/>
+              <a:lumOff val="40000"/>
+            </a:schemeClr>
+          </a:solidFill>
+          <a:ln>
+            <a:noFill/>
+          </a:ln>
+        </p:spPr>
+        <p:txBody>
+          <a:bodyPr wrap="square" rtlCol="0">
+            <a:spAutoFit/>
+          </a:bodyPr>
+          <a:lstStyle>
+            <a:defPPr>
+              <a:defRPr lang="fr-FR"/>
+            </a:defPPr>
+            <a:lvl1pPr>
+              <a:defRPr sz="1400"/>
+            </a:lvl1pPr>
+          </a:lstStyle>
+          <a:p>
+            <a:r>
+              <a:rPr lang="en-US" sz="1200" dirty="0"/>
+              <a:t>&gt;&gt;&gt; from Bio import </a:t>
+            </a:r>
+            <a:r>
+              <a:rPr lang="en-US" sz="1200" dirty="0" err="1"/>
+              <a:t>Entrez</a:t>
+            </a:r>
+            <a:endParaRPr lang="en-US" sz="1200" dirty="0"/>
+          </a:p>
+          <a:p>
+            <a:r>
+              <a:rPr lang="en-US" sz="1200" dirty="0"/>
+              <a:t>&gt;&gt;&gt; </a:t>
+            </a:r>
+            <a:r>
+              <a:rPr lang="en-US" sz="1200" dirty="0" err="1"/>
+              <a:t>Entrez.email</a:t>
+            </a:r>
+            <a:r>
+              <a:rPr lang="en-US" sz="1200" dirty="0"/>
+              <a:t> = "</a:t>
+            </a:r>
+            <a:r>
+              <a:rPr lang="en-US" sz="1200" dirty="0" err="1"/>
+              <a:t>A.N.Other@example.com</a:t>
+            </a:r>
+            <a:r>
+              <a:rPr lang="en-US" sz="1200" dirty="0"/>
+              <a:t>" # Always tell NCBI who you are</a:t>
+            </a:r>
+          </a:p>
+          <a:p>
+            <a:r>
+              <a:rPr lang="en-US" sz="1200" dirty="0"/>
+              <a:t>&gt;&gt;&gt; handle = </a:t>
+            </a:r>
+            <a:r>
+              <a:rPr lang="en-US" sz="1200" dirty="0" err="1"/>
+              <a:t>Entrez.egquery</a:t>
+            </a:r>
+            <a:r>
+              <a:rPr lang="en-US" sz="1200" dirty="0"/>
+              <a:t>(term="</a:t>
+            </a:r>
+            <a:r>
+              <a:rPr lang="en-US" sz="1200" dirty="0" err="1"/>
+              <a:t>biopython</a:t>
+            </a:r>
+            <a:r>
+              <a:rPr lang="en-US" sz="1200" dirty="0"/>
+              <a:t>")</a:t>
+            </a:r>
+          </a:p>
+          <a:p>
+            <a:r>
+              <a:rPr lang="en-US" sz="1200" dirty="0"/>
+              <a:t>&gt;&gt;&gt; record = </a:t>
+            </a:r>
+            <a:r>
+              <a:rPr lang="en-US" sz="1200" dirty="0" err="1"/>
+              <a:t>Entrez.read</a:t>
+            </a:r>
+            <a:r>
+              <a:rPr lang="en-US" sz="1200" dirty="0"/>
+              <a:t>(handle)</a:t>
+            </a:r>
+          </a:p>
+          <a:p>
+            <a:r>
+              <a:rPr lang="en-US" sz="1200" dirty="0"/>
+              <a:t>&gt;&gt;&gt; for row in record["</a:t>
+            </a:r>
+            <a:r>
+              <a:rPr lang="en-US" sz="1200" dirty="0" err="1"/>
+              <a:t>eGQueryResult</a:t>
+            </a:r>
+            <a:r>
+              <a:rPr lang="en-US" sz="1200" dirty="0"/>
+              <a:t>"]:</a:t>
+            </a:r>
+          </a:p>
+          <a:p>
+            <a:r>
+              <a:rPr lang="en-US" sz="1200" dirty="0"/>
+              <a:t>... print(row["</a:t>
+            </a:r>
+            <a:r>
+              <a:rPr lang="en-US" sz="1200" dirty="0" err="1"/>
+              <a:t>DbName</a:t>
+            </a:r>
+            <a:r>
+              <a:rPr lang="en-US" sz="1200" dirty="0"/>
+              <a:t>"], row["Count"])</a:t>
+            </a:r>
+          </a:p>
+          <a:p>
+            <a:r>
+              <a:rPr lang="en-US" sz="1200" dirty="0">
+                <a:solidFill>
+                  <a:srgbClr val="FF0000"/>
+                </a:solidFill>
+              </a:rPr>
+              <a:t>...</a:t>
+            </a:r>
+          </a:p>
+          <a:p>
+            <a:r>
+              <a:rPr lang="en-US" sz="1200" dirty="0" err="1">
+                <a:solidFill>
+                  <a:srgbClr val="FF0000"/>
+                </a:solidFill>
+              </a:rPr>
+              <a:t>pubmed</a:t>
+            </a:r>
+            <a:r>
+              <a:rPr lang="en-US" sz="1200" dirty="0">
+                <a:solidFill>
+                  <a:srgbClr val="FF0000"/>
+                </a:solidFill>
+              </a:rPr>
+              <a:t> 6</a:t>
+            </a:r>
+          </a:p>
+          <a:p>
+            <a:r>
+              <a:rPr lang="en-US" sz="1200" dirty="0" err="1">
+                <a:solidFill>
+                  <a:srgbClr val="FF0000"/>
+                </a:solidFill>
+              </a:rPr>
+              <a:t>pmc</a:t>
+            </a:r>
+            <a:r>
+              <a:rPr lang="en-US" sz="1200" dirty="0">
+                <a:solidFill>
+                  <a:srgbClr val="FF0000"/>
+                </a:solidFill>
+              </a:rPr>
+              <a:t> 62</a:t>
+            </a:r>
+          </a:p>
+          <a:p>
+            <a:r>
+              <a:rPr lang="en-US" sz="1200" dirty="0">
+                <a:solidFill>
+                  <a:srgbClr val="FF0000"/>
+                </a:solidFill>
+              </a:rPr>
+              <a:t>journals 0</a:t>
+            </a:r>
+          </a:p>
+          <a:p>
+            <a:r>
+              <a:rPr lang="en-US" sz="1200" dirty="0">
+                <a:solidFill>
+                  <a:srgbClr val="FF0000"/>
+                </a:solidFill>
+              </a:rPr>
+              <a:t>...</a:t>
+            </a:r>
+          </a:p>
+        </p:txBody>
+      </p:sp>
     </p:spTree>
     <p:extLst>
       <p:ext uri="{BB962C8B-B14F-4D97-AF65-F5344CB8AC3E}">
-        <p14:creationId xmlns:p14="http://schemas.microsoft.com/office/powerpoint/2010/main" val="858744515"/>
+        <p14:creationId xmlns:p14="http://schemas.microsoft.com/office/powerpoint/2010/main" val="1687144823"/>
       </p:ext>
     </p:extLst>
   </p:cSld>
@@ -10899,7 +13724,15 @@
           <a:bodyPr/>
           <a:lstStyle/>
           <a:p>
-            <a:endParaRPr lang="fr-FR"/>
+            <a:r>
+              <a:rPr lang="en-US" dirty="0" err="1"/>
+              <a:t>ESpell</a:t>
+            </a:r>
+            <a:r>
+              <a:rPr lang="en-US" dirty="0"/>
+              <a:t>: Obtaining spelling suggestions</a:t>
+            </a:r>
+            <a:endParaRPr lang="fr-FR" dirty="0"/>
           </a:p>
         </p:txBody>
       </p:sp>
@@ -10913,12 +13746,17 @@
             <p:ph idx="1"/>
           </p:nvPr>
         </p:nvSpPr>
-        <p:spPr/>
+        <p:spPr>
+          <a:xfrm>
+            <a:off x="279400" y="1236134"/>
+            <a:ext cx="8644466" cy="657683"/>
+          </a:xfrm>
+        </p:spPr>
         <p:txBody>
           <a:bodyPr/>
           <a:lstStyle/>
           <a:p>
-            <a:endParaRPr lang="fr-FR"/>
+            <a:endParaRPr lang="fr-FR" dirty="0"/>
           </a:p>
         </p:txBody>
       </p:sp>
@@ -10992,10 +13830,165 @@
           </a:p>
         </p:txBody>
       </p:sp>
+      <p:sp>
+        <p:nvSpPr>
+          <p:cNvPr id="7" name="ZoneTexte 6"/>
+          <p:cNvSpPr txBox="1"/>
+          <p:nvPr/>
+        </p:nvSpPr>
+        <p:spPr>
+          <a:xfrm>
+            <a:off x="279400" y="2744334"/>
+            <a:ext cx="8644466" cy="1569660"/>
+          </a:xfrm>
+          <a:prstGeom prst="rect">
+            <a:avLst/>
+          </a:prstGeom>
+          <a:solidFill>
+            <a:schemeClr val="accent2">
+              <a:lumMod val="60000"/>
+              <a:lumOff val="40000"/>
+            </a:schemeClr>
+          </a:solidFill>
+          <a:ln>
+            <a:noFill/>
+          </a:ln>
+        </p:spPr>
+        <p:txBody>
+          <a:bodyPr wrap="square" rtlCol="0">
+            <a:spAutoFit/>
+          </a:bodyPr>
+          <a:lstStyle>
+            <a:defPPr>
+              <a:defRPr lang="fr-FR"/>
+            </a:defPPr>
+            <a:lvl1pPr>
+              <a:defRPr sz="1400"/>
+            </a:lvl1pPr>
+          </a:lstStyle>
+          <a:p>
+            <a:r>
+              <a:rPr lang="en-US" sz="1200" dirty="0"/>
+              <a:t>&gt;&gt;&gt; from Bio import </a:t>
+            </a:r>
+            <a:r>
+              <a:rPr lang="en-US" sz="1200" dirty="0" err="1"/>
+              <a:t>Entrez</a:t>
+            </a:r>
+            <a:endParaRPr lang="en-US" sz="1200" dirty="0"/>
+          </a:p>
+          <a:p>
+            <a:r>
+              <a:rPr lang="en-US" sz="1200" dirty="0"/>
+              <a:t>&gt;&gt;&gt; </a:t>
+            </a:r>
+            <a:r>
+              <a:rPr lang="en-US" sz="1200" dirty="0" err="1"/>
+              <a:t>Entrez.email</a:t>
+            </a:r>
+            <a:r>
+              <a:rPr lang="en-US" sz="1200" dirty="0"/>
+              <a:t> = "</a:t>
+            </a:r>
+            <a:r>
+              <a:rPr lang="en-US" sz="1200" dirty="0" err="1"/>
+              <a:t>A.N.Other@example.com</a:t>
+            </a:r>
+            <a:r>
+              <a:rPr lang="en-US" sz="1200" dirty="0"/>
+              <a:t>" # Always tell NCBI who you are</a:t>
+            </a:r>
+          </a:p>
+          <a:p>
+            <a:r>
+              <a:rPr lang="en-US" sz="1200" dirty="0"/>
+              <a:t>&gt;&gt;&gt; handle = </a:t>
+            </a:r>
+            <a:r>
+              <a:rPr lang="en-US" sz="1200" dirty="0" err="1"/>
+              <a:t>Entrez.espell</a:t>
+            </a:r>
+            <a:r>
+              <a:rPr lang="en-US" sz="1200" dirty="0"/>
+              <a:t>(term="</a:t>
+            </a:r>
+            <a:r>
+              <a:rPr lang="en-US" sz="1200" dirty="0" err="1"/>
+              <a:t>biopythooon</a:t>
+            </a:r>
+            <a:r>
+              <a:rPr lang="en-US" sz="1200" dirty="0"/>
+              <a:t>")</a:t>
+            </a:r>
+          </a:p>
+          <a:p>
+            <a:r>
+              <a:rPr lang="en-US" sz="1200" dirty="0"/>
+              <a:t>&gt;&gt;&gt; record = </a:t>
+            </a:r>
+            <a:r>
+              <a:rPr lang="en-US" sz="1200" dirty="0" err="1"/>
+              <a:t>Entrez.read</a:t>
+            </a:r>
+            <a:r>
+              <a:rPr lang="en-US" sz="1200" dirty="0"/>
+              <a:t>(handle)</a:t>
+            </a:r>
+          </a:p>
+          <a:p>
+            <a:r>
+              <a:rPr lang="en-US" sz="1200" dirty="0"/>
+              <a:t>&gt;&gt;&gt; record["Query"]</a:t>
+            </a:r>
+          </a:p>
+          <a:p>
+            <a:r>
+              <a:rPr lang="en-US" sz="1200" dirty="0"/>
+              <a:t>'</a:t>
+            </a:r>
+            <a:r>
+              <a:rPr lang="en-US" sz="1200" dirty="0" err="1"/>
+              <a:t>biopythooon</a:t>
+            </a:r>
+            <a:r>
+              <a:rPr lang="en-US" sz="1200" dirty="0"/>
+              <a:t>'</a:t>
+            </a:r>
+          </a:p>
+          <a:p>
+            <a:r>
+              <a:rPr lang="en-US" sz="1200" dirty="0"/>
+              <a:t>&gt;&gt;&gt; record["</a:t>
+            </a:r>
+            <a:r>
+              <a:rPr lang="en-US" sz="1200" dirty="0" err="1"/>
+              <a:t>CorrectedQuery</a:t>
+            </a:r>
+            <a:r>
+              <a:rPr lang="en-US" sz="1200" dirty="0"/>
+              <a:t>"]</a:t>
+            </a:r>
+          </a:p>
+          <a:p>
+            <a:r>
+              <a:rPr lang="en-US" sz="1200" dirty="0"/>
+              <a:t>'</a:t>
+            </a:r>
+            <a:r>
+              <a:rPr lang="en-US" sz="1200" dirty="0" err="1"/>
+              <a:t>biopython</a:t>
+            </a:r>
+            <a:r>
+              <a:rPr lang="en-US" sz="1200" dirty="0"/>
+              <a:t>'</a:t>
+            </a:r>
+          </a:p>
+        </p:txBody>
+      </p:sp>
     </p:spTree>
     <p:extLst>
       <p:ext uri="{BB962C8B-B14F-4D97-AF65-F5344CB8AC3E}">
-        <p14:creationId xmlns:p14="http://schemas.microsoft.com/office/powerpoint/2010/main" val="1198753000"/>
+        <p14:creationId xmlns:p14="http://schemas.microsoft.com/office/powerpoint/2010/main" val="858744515"/>
       </p:ext>
     </p:extLst>
   </p:cSld>
@@ -11236,6 +14229,144 @@
       </p:par>
     </p:tnLst>
   </p:timing>
+</p:sld>
+</file>
+
+<file path=ppt/slides/slide20.xml><?xml version="1.0" encoding="utf-8"?>
+<p:sld xmlns:a="http://schemas.openxmlformats.org/drawingml/2006/main" xmlns:r="http://schemas.openxmlformats.org/officeDocument/2006/relationships" xmlns:p="http://schemas.openxmlformats.org/presentationml/2006/main">
+  <p:cSld>
+    <p:spTree>
+      <p:nvGrpSpPr>
+        <p:cNvPr id="1" name=""/>
+        <p:cNvGrpSpPr/>
+        <p:nvPr/>
+      </p:nvGrpSpPr>
+      <p:grpSpPr>
+        <a:xfrm>
+          <a:off x="0" y="0"/>
+          <a:ext cx="0" cy="0"/>
+          <a:chOff x="0" y="0"/>
+          <a:chExt cx="0" cy="0"/>
+        </a:xfrm>
+      </p:grpSpPr>
+      <p:sp>
+        <p:nvSpPr>
+          <p:cNvPr id="2" name="Titre 1"/>
+          <p:cNvSpPr>
+            <a:spLocks noGrp="1"/>
+          </p:cNvSpPr>
+          <p:nvPr>
+            <p:ph type="title"/>
+          </p:nvPr>
+        </p:nvSpPr>
+        <p:spPr/>
+        <p:txBody>
+          <a:bodyPr/>
+          <a:lstStyle/>
+          <a:p>
+            <a:endParaRPr lang="fr-FR"/>
+          </a:p>
+        </p:txBody>
+      </p:sp>
+      <p:sp>
+        <p:nvSpPr>
+          <p:cNvPr id="3" name="Espace réservé du contenu 2"/>
+          <p:cNvSpPr>
+            <a:spLocks noGrp="1"/>
+          </p:cNvSpPr>
+          <p:nvPr>
+            <p:ph idx="1"/>
+          </p:nvPr>
+        </p:nvSpPr>
+        <p:spPr/>
+        <p:txBody>
+          <a:bodyPr/>
+          <a:lstStyle/>
+          <a:p>
+            <a:endParaRPr lang="fr-FR"/>
+          </a:p>
+        </p:txBody>
+      </p:sp>
+      <p:sp>
+        <p:nvSpPr>
+          <p:cNvPr id="4" name="Espace réservé de la date 3"/>
+          <p:cNvSpPr>
+            <a:spLocks noGrp="1"/>
+          </p:cNvSpPr>
+          <p:nvPr>
+            <p:ph type="dt" sz="half" idx="10"/>
+          </p:nvPr>
+        </p:nvSpPr>
+        <p:spPr/>
+        <p:txBody>
+          <a:bodyPr/>
+          <a:lstStyle/>
+          <a:p>
+            <a:fld id="{751463B9-2A29-154C-A5AC-383AEA094CA9}" type="datetime1">
+              <a:rPr lang="fr-FR" smtClean="0"/>
+              <a:t>08/11/16</a:t>
+            </a:fld>
+            <a:endParaRPr lang="fr-FR" dirty="0"/>
+          </a:p>
+        </p:txBody>
+      </p:sp>
+      <p:sp>
+        <p:nvSpPr>
+          <p:cNvPr id="5" name="Espace réservé du pied de page 4"/>
+          <p:cNvSpPr>
+            <a:spLocks noGrp="1"/>
+          </p:cNvSpPr>
+          <p:nvPr>
+            <p:ph type="ftr" sz="quarter" idx="11"/>
+          </p:nvPr>
+        </p:nvSpPr>
+        <p:spPr/>
+        <p:txBody>
+          <a:bodyPr/>
+          <a:lstStyle/>
+          <a:p>
+            <a:r>
+              <a:rPr lang="fr-FR" smtClean="0"/>
+              <a:t>Python pour la biologie</a:t>
+            </a:r>
+            <a:endParaRPr lang="fr-FR" dirty="0"/>
+          </a:p>
+        </p:txBody>
+      </p:sp>
+      <p:sp>
+        <p:nvSpPr>
+          <p:cNvPr id="6" name="Espace réservé du numéro de diapositive 5"/>
+          <p:cNvSpPr>
+            <a:spLocks noGrp="1"/>
+          </p:cNvSpPr>
+          <p:nvPr>
+            <p:ph type="sldNum" sz="quarter" idx="12"/>
+          </p:nvPr>
+        </p:nvSpPr>
+        <p:spPr/>
+        <p:txBody>
+          <a:bodyPr/>
+          <a:lstStyle/>
+          <a:p>
+            <a:fld id="{DCE37727-CC04-7A46-938D-2CCFF056F773}" type="slidenum">
+              <a:rPr lang="fr-FR" smtClean="0"/>
+              <a:pPr/>
+              <a:t>20</a:t>
+            </a:fld>
+            <a:endParaRPr lang="fr-FR" dirty="0"/>
+          </a:p>
+        </p:txBody>
+      </p:sp>
+    </p:spTree>
+    <p:extLst>
+      <p:ext uri="{BB962C8B-B14F-4D97-AF65-F5344CB8AC3E}">
+        <p14:creationId xmlns:p14="http://schemas.microsoft.com/office/powerpoint/2010/main" val="1198753000"/>
+      </p:ext>
+    </p:extLst>
+  </p:cSld>
+  <p:clrMapOvr>
+    <a:masterClrMapping/>
+  </p:clrMapOvr>
 </p:sld>
 </file>
 

--- a/slides/python_biopython_NCBI.pptx
+++ b/slides/python_biopython_NCBI.pptx
@@ -287,7 +287,7 @@
           <a:p>
             <a:fld id="{5EB47243-285B-2741-8C7D-C88258D9CCFA}" type="datetimeFigureOut">
               <a:rPr lang="fr-FR" smtClean="0"/>
-              <a:t>08/11/16</a:t>
+              <a:t>09/11/16</a:t>
             </a:fld>
             <a:endParaRPr lang="fr-FR"/>
           </a:p>
@@ -453,7 +453,7 @@
           <a:p>
             <a:fld id="{7D088D39-B4EA-D24B-B9C3-6A64886EABE2}" type="datetimeFigureOut">
               <a:rPr lang="fr-FR" smtClean="0"/>
-              <a:t>08/11/16</a:t>
+              <a:t>09/11/16</a:t>
             </a:fld>
             <a:endParaRPr lang="fr-FR"/>
           </a:p>
@@ -4026,7 +4026,7 @@
           <a:p>
             <a:fld id="{751463B9-2A29-154C-A5AC-383AEA094CA9}" type="datetime1">
               <a:rPr lang="fr-FR" smtClean="0"/>
-              <a:t>08/11/16</a:t>
+              <a:t>09/11/16</a:t>
             </a:fld>
             <a:endParaRPr lang="fr-FR" dirty="0"/>
           </a:p>
@@ -4527,7 +4527,7 @@
           <a:p>
             <a:fld id="{093F68C3-195D-9E4F-A0F2-F73993E4FFAC}" type="datetime1">
               <a:rPr lang="fr-FR" smtClean="0"/>
-              <a:t>08/11/16</a:t>
+              <a:t>09/11/16</a:t>
             </a:fld>
             <a:endParaRPr lang="fr-FR" dirty="0"/>
           </a:p>
@@ -5950,7 +5950,7 @@
           <a:p>
             <a:fld id="{797E56E4-32A0-A24B-AE7B-5E5E4DFEC148}" type="datetime1">
               <a:rPr lang="fr-FR" smtClean="0"/>
-              <a:t>08/11/16</a:t>
+              <a:t>09/11/16</a:t>
             </a:fld>
             <a:endParaRPr lang="fr-FR" dirty="0"/>
           </a:p>
@@ -6861,7 +6861,7 @@
           <a:p>
             <a:fld id="{DE9A3856-CABC-754C-812C-14B8D30E1B18}" type="datetime1">
               <a:rPr lang="fr-FR" smtClean="0"/>
-              <a:t>08/11/16</a:t>
+              <a:t>09/11/16</a:t>
             </a:fld>
             <a:endParaRPr lang="fr-FR" dirty="0"/>
           </a:p>
@@ -7548,7 +7548,7 @@
           <a:p>
             <a:fld id="{751463B9-2A29-154C-A5AC-383AEA094CA9}" type="datetime1">
               <a:rPr lang="fr-FR" smtClean="0"/>
-              <a:t>08/11/16</a:t>
+              <a:t>09/11/16</a:t>
             </a:fld>
             <a:endParaRPr lang="fr-FR" dirty="0"/>
           </a:p>
@@ -7972,7 +7972,7 @@
           <a:p>
             <a:fld id="{751463B9-2A29-154C-A5AC-383AEA094CA9}" type="datetime1">
               <a:rPr lang="fr-FR" smtClean="0"/>
-              <a:t>08/11/16</a:t>
+              <a:t>09/11/16</a:t>
             </a:fld>
             <a:endParaRPr lang="fr-FR" dirty="0"/>
           </a:p>
@@ -8677,7 +8677,7 @@
           <a:p>
             <a:fld id="{751463B9-2A29-154C-A5AC-383AEA094CA9}" type="datetime1">
               <a:rPr lang="fr-FR" smtClean="0"/>
-              <a:t>08/11/16</a:t>
+              <a:t>09/11/16</a:t>
             </a:fld>
             <a:endParaRPr lang="fr-FR" dirty="0"/>
           </a:p>
@@ -9122,7 +9122,7 @@
           <a:p>
             <a:fld id="{751463B9-2A29-154C-A5AC-383AEA094CA9}" type="datetime1">
               <a:rPr lang="fr-FR" smtClean="0"/>
-              <a:t>08/11/16</a:t>
+              <a:t>09/11/16</a:t>
             </a:fld>
             <a:endParaRPr lang="fr-FR" dirty="0"/>
           </a:p>
@@ -10501,7 +10501,7 @@
           <a:p>
             <a:fld id="{751463B9-2A29-154C-A5AC-383AEA094CA9}" type="datetime1">
               <a:rPr lang="fr-FR" smtClean="0"/>
-              <a:t>08/11/16</a:t>
+              <a:t>09/11/16</a:t>
             </a:fld>
             <a:endParaRPr lang="fr-FR" dirty="0"/>
           </a:p>
@@ -11037,7 +11037,7 @@
           <a:p>
             <a:fld id="{751463B9-2A29-154C-A5AC-383AEA094CA9}" type="datetime1">
               <a:rPr lang="fr-FR" smtClean="0"/>
-              <a:t>08/11/16</a:t>
+              <a:t>09/11/16</a:t>
             </a:fld>
             <a:endParaRPr lang="fr-FR" dirty="0"/>
           </a:p>
@@ -11606,7 +11606,7 @@
           <a:p>
             <a:fld id="{751463B9-2A29-154C-A5AC-383AEA094CA9}" type="datetime1">
               <a:rPr lang="fr-FR" smtClean="0"/>
-              <a:t>08/11/16</a:t>
+              <a:t>09/11/16</a:t>
             </a:fld>
             <a:endParaRPr lang="fr-FR" dirty="0"/>
           </a:p>
@@ -12613,7 +12613,7 @@
           <a:p>
             <a:fld id="{751463B9-2A29-154C-A5AC-383AEA094CA9}" type="datetime1">
               <a:rPr lang="fr-FR" smtClean="0"/>
-              <a:t>08/11/16</a:t>
+              <a:t>09/11/16</a:t>
             </a:fld>
             <a:endParaRPr lang="fr-FR" dirty="0"/>
           </a:p>
@@ -13425,7 +13425,7 @@
           <a:p>
             <a:fld id="{751463B9-2A29-154C-A5AC-383AEA094CA9}" type="datetime1">
               <a:rPr lang="fr-FR" smtClean="0"/>
-              <a:t>08/11/16</a:t>
+              <a:t>09/11/16</a:t>
             </a:fld>
             <a:endParaRPr lang="fr-FR" dirty="0"/>
           </a:p>
@@ -13777,7 +13777,7 @@
           <a:p>
             <a:fld id="{751463B9-2A29-154C-A5AC-383AEA094CA9}" type="datetime1">
               <a:rPr lang="fr-FR" smtClean="0"/>
-              <a:t>08/11/16</a:t>
+              <a:t>09/11/16</a:t>
             </a:fld>
             <a:endParaRPr lang="fr-FR" dirty="0"/>
           </a:p>
@@ -14304,7 +14304,7 @@
           <a:p>
             <a:fld id="{751463B9-2A29-154C-A5AC-383AEA094CA9}" type="datetime1">
               <a:rPr lang="fr-FR" smtClean="0"/>
-              <a:t>08/11/16</a:t>
+              <a:t>09/11/16</a:t>
             </a:fld>
             <a:endParaRPr lang="fr-FR" dirty="0"/>
           </a:p>
@@ -14554,7 +14554,7 @@
           <a:p>
             <a:fld id="{B78E4C01-D620-5F47-81AE-6CCE1DF3C584}" type="datetime1">
               <a:rPr lang="fr-FR" smtClean="0"/>
-              <a:t>08/11/16</a:t>
+              <a:t>09/11/16</a:t>
             </a:fld>
             <a:endParaRPr lang="fr-FR" dirty="0"/>
           </a:p>
@@ -14780,7 +14780,7 @@
           <a:p>
             <a:fld id="{B78E4C01-D620-5F47-81AE-6CCE1DF3C584}" type="datetime1">
               <a:rPr lang="fr-FR" smtClean="0"/>
-              <a:t>08/11/16</a:t>
+              <a:t>09/11/16</a:t>
             </a:fld>
             <a:endParaRPr lang="fr-FR" dirty="0"/>
           </a:p>
@@ -15387,7 +15387,7 @@
           <a:p>
             <a:fld id="{751463B9-2A29-154C-A5AC-383AEA094CA9}" type="datetime1">
               <a:rPr lang="fr-FR" smtClean="0"/>
-              <a:t>08/11/16</a:t>
+              <a:t>09/11/16</a:t>
             </a:fld>
             <a:endParaRPr lang="fr-FR" dirty="0"/>
           </a:p>
@@ -17041,7 +17041,7 @@
           <a:p>
             <a:fld id="{751463B9-2A29-154C-A5AC-383AEA094CA9}" type="datetime1">
               <a:rPr lang="fr-FR" smtClean="0"/>
-              <a:t>08/11/16</a:t>
+              <a:t>09/11/16</a:t>
             </a:fld>
             <a:endParaRPr lang="fr-FR" dirty="0"/>
           </a:p>
@@ -17888,7 +17888,7 @@
           <a:p>
             <a:fld id="{B78E4C01-D620-5F47-81AE-6CCE1DF3C584}" type="datetime1">
               <a:rPr lang="fr-FR" smtClean="0"/>
-              <a:t>08/11/16</a:t>
+              <a:t>09/11/16</a:t>
             </a:fld>
             <a:endParaRPr lang="fr-FR" dirty="0"/>
           </a:p>
@@ -18641,7 +18641,7 @@
           <a:p>
             <a:fld id="{751463B9-2A29-154C-A5AC-383AEA094CA9}" type="datetime1">
               <a:rPr lang="fr-FR" smtClean="0"/>
-              <a:t>08/11/16</a:t>
+              <a:t>09/11/16</a:t>
             </a:fld>
             <a:endParaRPr lang="fr-FR" dirty="0"/>
           </a:p>
@@ -19014,7 +19014,7 @@
           <a:p>
             <a:fld id="{751463B9-2A29-154C-A5AC-383AEA094CA9}" type="datetime1">
               <a:rPr lang="fr-FR" smtClean="0"/>
-              <a:t>08/11/16</a:t>
+              <a:t>09/11/16</a:t>
             </a:fld>
             <a:endParaRPr lang="fr-FR" dirty="0"/>
           </a:p>

--- a/slides/python_biopython_NCBI.pptx
+++ b/slides/python_biopython_NCBI.pptx
@@ -287,7 +287,7 @@
           <a:p>
             <a:fld id="{5EB47243-285B-2741-8C7D-C88258D9CCFA}" type="datetimeFigureOut">
               <a:rPr lang="fr-FR" smtClean="0"/>
-              <a:t>09/11/16</a:t>
+              <a:t>13/11/16</a:t>
             </a:fld>
             <a:endParaRPr lang="fr-FR"/>
           </a:p>
@@ -453,7 +453,7 @@
           <a:p>
             <a:fld id="{7D088D39-B4EA-D24B-B9C3-6A64886EABE2}" type="datetimeFigureOut">
               <a:rPr lang="fr-FR" smtClean="0"/>
-              <a:t>09/11/16</a:t>
+              <a:t>13/11/16</a:t>
             </a:fld>
             <a:endParaRPr lang="fr-FR"/>
           </a:p>
@@ -2643,331 +2643,6 @@
           <a:bodyPr/>
           <a:lstStyle/>
           <a:p>
-            <a:r>
-              <a:rPr lang="en-US" sz="1200" kern="1200" dirty="0" smtClean="0">
-                <a:solidFill>
-                  <a:schemeClr val="tx1"/>
-                </a:solidFill>
-                <a:effectLst/>
-                <a:latin typeface="+mn-lt"/>
-                <a:ea typeface="+mn-ea"/>
-                <a:cs typeface="+mn-cs"/>
-              </a:rPr>
-              <a:t>&gt;&gt;&gt; from Bio import </a:t>
-            </a:r>
-            <a:r>
-              <a:rPr lang="en-US" sz="1200" kern="1200" dirty="0" err="1" smtClean="0">
-                <a:solidFill>
-                  <a:schemeClr val="tx1"/>
-                </a:solidFill>
-                <a:effectLst/>
-                <a:latin typeface="+mn-lt"/>
-                <a:ea typeface="+mn-ea"/>
-                <a:cs typeface="+mn-cs"/>
-              </a:rPr>
-              <a:t>Entrez</a:t>
-            </a:r>
-            <a:endParaRPr lang="en-US" sz="1200" kern="1200" dirty="0" smtClean="0">
-              <a:solidFill>
-                <a:schemeClr val="tx1"/>
-              </a:solidFill>
-              <a:effectLst/>
-              <a:latin typeface="+mn-lt"/>
-              <a:ea typeface="+mn-ea"/>
-              <a:cs typeface="+mn-cs"/>
-            </a:endParaRPr>
-          </a:p>
-          <a:p>
-            <a:r>
-              <a:rPr lang="en-US" sz="1200" kern="1200" dirty="0" smtClean="0">
-                <a:solidFill>
-                  <a:schemeClr val="tx1"/>
-                </a:solidFill>
-                <a:effectLst/>
-                <a:latin typeface="+mn-lt"/>
-                <a:ea typeface="+mn-ea"/>
-                <a:cs typeface="+mn-cs"/>
-              </a:rPr>
-              <a:t>&gt;&gt;&gt; </a:t>
-            </a:r>
-            <a:r>
-              <a:rPr lang="en-US" sz="1200" kern="1200" dirty="0" err="1" smtClean="0">
-                <a:solidFill>
-                  <a:schemeClr val="tx1"/>
-                </a:solidFill>
-                <a:effectLst/>
-                <a:latin typeface="+mn-lt"/>
-                <a:ea typeface="+mn-ea"/>
-                <a:cs typeface="+mn-cs"/>
-              </a:rPr>
-              <a:t>Entrez.email</a:t>
-            </a:r>
-            <a:r>
-              <a:rPr lang="en-US" sz="1200" kern="1200" dirty="0" smtClean="0">
-                <a:solidFill>
-                  <a:schemeClr val="tx1"/>
-                </a:solidFill>
-                <a:effectLst/>
-                <a:latin typeface="+mn-lt"/>
-                <a:ea typeface="+mn-ea"/>
-                <a:cs typeface="+mn-cs"/>
-              </a:rPr>
-              <a:t> = "</a:t>
-            </a:r>
-            <a:r>
-              <a:rPr lang="en-US" sz="1200" kern="1200" dirty="0" err="1" smtClean="0">
-                <a:solidFill>
-                  <a:schemeClr val="tx1"/>
-                </a:solidFill>
-                <a:effectLst/>
-                <a:latin typeface="+mn-lt"/>
-                <a:ea typeface="+mn-ea"/>
-                <a:cs typeface="+mn-cs"/>
-              </a:rPr>
-              <a:t>A.N.Other@example.com</a:t>
-            </a:r>
-            <a:r>
-              <a:rPr lang="en-US" sz="1200" kern="1200" dirty="0" smtClean="0">
-                <a:solidFill>
-                  <a:schemeClr val="tx1"/>
-                </a:solidFill>
-                <a:effectLst/>
-                <a:latin typeface="+mn-lt"/>
-                <a:ea typeface="+mn-ea"/>
-                <a:cs typeface="+mn-cs"/>
-              </a:rPr>
-              <a:t>" # Always tell NCBI who you are</a:t>
-            </a:r>
-          </a:p>
-          <a:p>
-            <a:r>
-              <a:rPr lang="en-US" sz="1200" kern="1200" dirty="0" smtClean="0">
-                <a:solidFill>
-                  <a:schemeClr val="tx1"/>
-                </a:solidFill>
-                <a:effectLst/>
-                <a:latin typeface="+mn-lt"/>
-                <a:ea typeface="+mn-ea"/>
-                <a:cs typeface="+mn-cs"/>
-              </a:rPr>
-              <a:t>&gt;&gt;&gt; handle = </a:t>
-            </a:r>
-            <a:r>
-              <a:rPr lang="en-US" sz="1200" kern="1200" dirty="0" err="1" smtClean="0">
-                <a:solidFill>
-                  <a:schemeClr val="tx1"/>
-                </a:solidFill>
-                <a:effectLst/>
-                <a:latin typeface="+mn-lt"/>
-                <a:ea typeface="+mn-ea"/>
-                <a:cs typeface="+mn-cs"/>
-              </a:rPr>
-              <a:t>Entrez.espell</a:t>
-            </a:r>
-            <a:r>
-              <a:rPr lang="en-US" sz="1200" kern="1200" dirty="0" smtClean="0">
-                <a:solidFill>
-                  <a:schemeClr val="tx1"/>
-                </a:solidFill>
-                <a:effectLst/>
-                <a:latin typeface="+mn-lt"/>
-                <a:ea typeface="+mn-ea"/>
-                <a:cs typeface="+mn-cs"/>
-              </a:rPr>
-              <a:t>(term="</a:t>
-            </a:r>
-            <a:r>
-              <a:rPr lang="en-US" sz="1200" kern="1200" dirty="0" err="1" smtClean="0">
-                <a:solidFill>
-                  <a:schemeClr val="tx1"/>
-                </a:solidFill>
-                <a:effectLst/>
-                <a:latin typeface="+mn-lt"/>
-                <a:ea typeface="+mn-ea"/>
-                <a:cs typeface="+mn-cs"/>
-              </a:rPr>
-              <a:t>biopythooon</a:t>
-            </a:r>
-            <a:r>
-              <a:rPr lang="en-US" sz="1200" kern="1200" dirty="0" smtClean="0">
-                <a:solidFill>
-                  <a:schemeClr val="tx1"/>
-                </a:solidFill>
-                <a:effectLst/>
-                <a:latin typeface="+mn-lt"/>
-                <a:ea typeface="+mn-ea"/>
-                <a:cs typeface="+mn-cs"/>
-              </a:rPr>
-              <a:t>")</a:t>
-            </a:r>
-          </a:p>
-          <a:p>
-            <a:r>
-              <a:rPr lang="en-US" sz="1200" kern="1200" dirty="0" smtClean="0">
-                <a:solidFill>
-                  <a:schemeClr val="tx1"/>
-                </a:solidFill>
-                <a:effectLst/>
-                <a:latin typeface="+mn-lt"/>
-                <a:ea typeface="+mn-ea"/>
-                <a:cs typeface="+mn-cs"/>
-              </a:rPr>
-              <a:t>&gt;&gt;&gt; record = </a:t>
-            </a:r>
-            <a:r>
-              <a:rPr lang="en-US" sz="1200" kern="1200" dirty="0" err="1" smtClean="0">
-                <a:solidFill>
-                  <a:schemeClr val="tx1"/>
-                </a:solidFill>
-                <a:effectLst/>
-                <a:latin typeface="+mn-lt"/>
-                <a:ea typeface="+mn-ea"/>
-                <a:cs typeface="+mn-cs"/>
-              </a:rPr>
-              <a:t>Entrez.read</a:t>
-            </a:r>
-            <a:r>
-              <a:rPr lang="en-US" sz="1200" kern="1200" dirty="0" smtClean="0">
-                <a:solidFill>
-                  <a:schemeClr val="tx1"/>
-                </a:solidFill>
-                <a:effectLst/>
-                <a:latin typeface="+mn-lt"/>
-                <a:ea typeface="+mn-ea"/>
-                <a:cs typeface="+mn-cs"/>
-              </a:rPr>
-              <a:t>(handle)</a:t>
-            </a:r>
-          </a:p>
-          <a:p>
-            <a:r>
-              <a:rPr lang="en-US" sz="1200" kern="1200" dirty="0" smtClean="0">
-                <a:solidFill>
-                  <a:schemeClr val="tx1"/>
-                </a:solidFill>
-                <a:effectLst/>
-                <a:latin typeface="+mn-lt"/>
-                <a:ea typeface="+mn-ea"/>
-                <a:cs typeface="+mn-cs"/>
-              </a:rPr>
-              <a:t>&gt;&gt;&gt; record["Query"]</a:t>
-            </a:r>
-          </a:p>
-          <a:p>
-            <a:r>
-              <a:rPr lang="en-US" sz="1200" kern="1200" dirty="0" smtClean="0">
-                <a:solidFill>
-                  <a:schemeClr val="tx1"/>
-                </a:solidFill>
-                <a:effectLst/>
-                <a:latin typeface="+mn-lt"/>
-                <a:ea typeface="+mn-ea"/>
-                <a:cs typeface="+mn-cs"/>
-              </a:rPr>
-              <a:t>'</a:t>
-            </a:r>
-            <a:r>
-              <a:rPr lang="en-US" sz="1200" kern="1200" dirty="0" err="1" smtClean="0">
-                <a:solidFill>
-                  <a:schemeClr val="tx1"/>
-                </a:solidFill>
-                <a:effectLst/>
-                <a:latin typeface="+mn-lt"/>
-                <a:ea typeface="+mn-ea"/>
-                <a:cs typeface="+mn-cs"/>
-              </a:rPr>
-              <a:t>biopythooon</a:t>
-            </a:r>
-            <a:r>
-              <a:rPr lang="en-US" sz="1200" kern="1200" dirty="0" smtClean="0">
-                <a:solidFill>
-                  <a:schemeClr val="tx1"/>
-                </a:solidFill>
-                <a:effectLst/>
-                <a:latin typeface="+mn-lt"/>
-                <a:ea typeface="+mn-ea"/>
-                <a:cs typeface="+mn-cs"/>
-              </a:rPr>
-              <a:t>'</a:t>
-            </a:r>
-          </a:p>
-          <a:p>
-            <a:r>
-              <a:rPr lang="en-US" sz="1200" kern="1200" dirty="0" smtClean="0">
-                <a:solidFill>
-                  <a:schemeClr val="tx1"/>
-                </a:solidFill>
-                <a:effectLst/>
-                <a:latin typeface="+mn-lt"/>
-                <a:ea typeface="+mn-ea"/>
-                <a:cs typeface="+mn-cs"/>
-              </a:rPr>
-              <a:t>&gt;&gt;&gt; record["</a:t>
-            </a:r>
-            <a:r>
-              <a:rPr lang="en-US" sz="1200" kern="1200" dirty="0" err="1" smtClean="0">
-                <a:solidFill>
-                  <a:schemeClr val="tx1"/>
-                </a:solidFill>
-                <a:effectLst/>
-                <a:latin typeface="+mn-lt"/>
-                <a:ea typeface="+mn-ea"/>
-                <a:cs typeface="+mn-cs"/>
-              </a:rPr>
-              <a:t>CorrectedQuery</a:t>
-            </a:r>
-            <a:r>
-              <a:rPr lang="en-US" sz="1200" kern="1200" dirty="0" smtClean="0">
-                <a:solidFill>
-                  <a:schemeClr val="tx1"/>
-                </a:solidFill>
-                <a:effectLst/>
-                <a:latin typeface="+mn-lt"/>
-                <a:ea typeface="+mn-ea"/>
-                <a:cs typeface="+mn-cs"/>
-              </a:rPr>
-              <a:t>"]</a:t>
-            </a:r>
-          </a:p>
-          <a:p>
-            <a:r>
-              <a:rPr lang="en-US" sz="1200" kern="1200" dirty="0" smtClean="0">
-                <a:solidFill>
-                  <a:schemeClr val="tx1"/>
-                </a:solidFill>
-                <a:effectLst/>
-                <a:latin typeface="+mn-lt"/>
-                <a:ea typeface="+mn-ea"/>
-                <a:cs typeface="+mn-cs"/>
-              </a:rPr>
-              <a:t>'</a:t>
-            </a:r>
-            <a:r>
-              <a:rPr lang="en-US" sz="1200" kern="1200" dirty="0" err="1" smtClean="0">
-                <a:solidFill>
-                  <a:schemeClr val="tx1"/>
-                </a:solidFill>
-                <a:effectLst/>
-                <a:latin typeface="+mn-lt"/>
-                <a:ea typeface="+mn-ea"/>
-                <a:cs typeface="+mn-cs"/>
-              </a:rPr>
-              <a:t>biopython</a:t>
-            </a:r>
-            <a:r>
-              <a:rPr lang="en-US" sz="1200" kern="1200" dirty="0" smtClean="0">
-                <a:solidFill>
-                  <a:schemeClr val="tx1"/>
-                </a:solidFill>
-                <a:effectLst/>
-                <a:latin typeface="+mn-lt"/>
-                <a:ea typeface="+mn-ea"/>
-                <a:cs typeface="+mn-cs"/>
-              </a:rPr>
-              <a:t>'</a:t>
-            </a:r>
-          </a:p>
-          <a:p>
             <a:endParaRPr lang="fr-FR" dirty="0"/>
           </a:p>
         </p:txBody>
@@ -4026,7 +3701,7 @@
           <a:p>
             <a:fld id="{751463B9-2A29-154C-A5AC-383AEA094CA9}" type="datetime1">
               <a:rPr lang="fr-FR" smtClean="0"/>
-              <a:t>09/11/16</a:t>
+              <a:t>13/11/16</a:t>
             </a:fld>
             <a:endParaRPr lang="fr-FR" dirty="0"/>
           </a:p>
@@ -4527,7 +4202,7 @@
           <a:p>
             <a:fld id="{093F68C3-195D-9E4F-A0F2-F73993E4FFAC}" type="datetime1">
               <a:rPr lang="fr-FR" smtClean="0"/>
-              <a:t>09/11/16</a:t>
+              <a:t>13/11/16</a:t>
             </a:fld>
             <a:endParaRPr lang="fr-FR" dirty="0"/>
           </a:p>
@@ -5950,7 +5625,7 @@
           <a:p>
             <a:fld id="{797E56E4-32A0-A24B-AE7B-5E5E4DFEC148}" type="datetime1">
               <a:rPr lang="fr-FR" smtClean="0"/>
-              <a:t>09/11/16</a:t>
+              <a:t>13/11/16</a:t>
             </a:fld>
             <a:endParaRPr lang="fr-FR" dirty="0"/>
           </a:p>
@@ -6861,7 +6536,7 @@
           <a:p>
             <a:fld id="{DE9A3856-CABC-754C-812C-14B8D30E1B18}" type="datetime1">
               <a:rPr lang="fr-FR" smtClean="0"/>
-              <a:t>09/11/16</a:t>
+              <a:t>13/11/16</a:t>
             </a:fld>
             <a:endParaRPr lang="fr-FR" dirty="0"/>
           </a:p>
@@ -7548,7 +7223,7 @@
           <a:p>
             <a:fld id="{751463B9-2A29-154C-A5AC-383AEA094CA9}" type="datetime1">
               <a:rPr lang="fr-FR" smtClean="0"/>
-              <a:t>09/11/16</a:t>
+              <a:t>13/11/16</a:t>
             </a:fld>
             <a:endParaRPr lang="fr-FR" dirty="0"/>
           </a:p>
@@ -7972,7 +7647,7 @@
           <a:p>
             <a:fld id="{751463B9-2A29-154C-A5AC-383AEA094CA9}" type="datetime1">
               <a:rPr lang="fr-FR" smtClean="0"/>
-              <a:t>09/11/16</a:t>
+              <a:t>13/11/16</a:t>
             </a:fld>
             <a:endParaRPr lang="fr-FR" dirty="0"/>
           </a:p>
@@ -8677,7 +8352,7 @@
           <a:p>
             <a:fld id="{751463B9-2A29-154C-A5AC-383AEA094CA9}" type="datetime1">
               <a:rPr lang="fr-FR" smtClean="0"/>
-              <a:t>09/11/16</a:t>
+              <a:t>13/11/16</a:t>
             </a:fld>
             <a:endParaRPr lang="fr-FR" dirty="0"/>
           </a:p>
@@ -9122,7 +8797,7 @@
           <a:p>
             <a:fld id="{751463B9-2A29-154C-A5AC-383AEA094CA9}" type="datetime1">
               <a:rPr lang="fr-FR" smtClean="0"/>
-              <a:t>09/11/16</a:t>
+              <a:t>13/11/16</a:t>
             </a:fld>
             <a:endParaRPr lang="fr-FR" dirty="0"/>
           </a:p>
@@ -10501,7 +10176,7 @@
           <a:p>
             <a:fld id="{751463B9-2A29-154C-A5AC-383AEA094CA9}" type="datetime1">
               <a:rPr lang="fr-FR" smtClean="0"/>
-              <a:t>09/11/16</a:t>
+              <a:t>13/11/16</a:t>
             </a:fld>
             <a:endParaRPr lang="fr-FR" dirty="0"/>
           </a:p>
@@ -11037,7 +10712,7 @@
           <a:p>
             <a:fld id="{751463B9-2A29-154C-A5AC-383AEA094CA9}" type="datetime1">
               <a:rPr lang="fr-FR" smtClean="0"/>
-              <a:t>09/11/16</a:t>
+              <a:t>13/11/16</a:t>
             </a:fld>
             <a:endParaRPr lang="fr-FR" dirty="0"/>
           </a:p>
@@ -11606,7 +11281,7 @@
           <a:p>
             <a:fld id="{751463B9-2A29-154C-A5AC-383AEA094CA9}" type="datetime1">
               <a:rPr lang="fr-FR" smtClean="0"/>
-              <a:t>09/11/16</a:t>
+              <a:t>13/11/16</a:t>
             </a:fld>
             <a:endParaRPr lang="fr-FR" dirty="0"/>
           </a:p>
@@ -12613,7 +12288,7 @@
           <a:p>
             <a:fld id="{751463B9-2A29-154C-A5AC-383AEA094CA9}" type="datetime1">
               <a:rPr lang="fr-FR" smtClean="0"/>
-              <a:t>09/11/16</a:t>
+              <a:t>13/11/16</a:t>
             </a:fld>
             <a:endParaRPr lang="fr-FR" dirty="0"/>
           </a:p>
@@ -13425,7 +13100,7 @@
           <a:p>
             <a:fld id="{751463B9-2A29-154C-A5AC-383AEA094CA9}" type="datetime1">
               <a:rPr lang="fr-FR" smtClean="0"/>
-              <a:t>09/11/16</a:t>
+              <a:t>13/11/16</a:t>
             </a:fld>
             <a:endParaRPr lang="fr-FR" dirty="0"/>
           </a:p>
@@ -13777,7 +13452,7 @@
           <a:p>
             <a:fld id="{751463B9-2A29-154C-A5AC-383AEA094CA9}" type="datetime1">
               <a:rPr lang="fr-FR" smtClean="0"/>
-              <a:t>09/11/16</a:t>
+              <a:t>13/11/16</a:t>
             </a:fld>
             <a:endParaRPr lang="fr-FR" dirty="0"/>
           </a:p>
@@ -14304,7 +13979,7 @@
           <a:p>
             <a:fld id="{751463B9-2A29-154C-A5AC-383AEA094CA9}" type="datetime1">
               <a:rPr lang="fr-FR" smtClean="0"/>
-              <a:t>09/11/16</a:t>
+              <a:t>13/11/16</a:t>
             </a:fld>
             <a:endParaRPr lang="fr-FR" dirty="0"/>
           </a:p>
@@ -14554,7 +14229,7 @@
           <a:p>
             <a:fld id="{B78E4C01-D620-5F47-81AE-6CCE1DF3C584}" type="datetime1">
               <a:rPr lang="fr-FR" smtClean="0"/>
-              <a:t>09/11/16</a:t>
+              <a:t>13/11/16</a:t>
             </a:fld>
             <a:endParaRPr lang="fr-FR" dirty="0"/>
           </a:p>
@@ -14780,7 +14455,7 @@
           <a:p>
             <a:fld id="{B78E4C01-D620-5F47-81AE-6CCE1DF3C584}" type="datetime1">
               <a:rPr lang="fr-FR" smtClean="0"/>
-              <a:t>09/11/16</a:t>
+              <a:t>13/11/16</a:t>
             </a:fld>
             <a:endParaRPr lang="fr-FR" dirty="0"/>
           </a:p>
@@ -15387,7 +15062,7 @@
           <a:p>
             <a:fld id="{751463B9-2A29-154C-A5AC-383AEA094CA9}" type="datetime1">
               <a:rPr lang="fr-FR" smtClean="0"/>
-              <a:t>09/11/16</a:t>
+              <a:t>13/11/16</a:t>
             </a:fld>
             <a:endParaRPr lang="fr-FR" dirty="0"/>
           </a:p>
@@ -17041,7 +16716,7 @@
           <a:p>
             <a:fld id="{751463B9-2A29-154C-A5AC-383AEA094CA9}" type="datetime1">
               <a:rPr lang="fr-FR" smtClean="0"/>
-              <a:t>09/11/16</a:t>
+              <a:t>13/11/16</a:t>
             </a:fld>
             <a:endParaRPr lang="fr-FR" dirty="0"/>
           </a:p>
@@ -17888,7 +17563,7 @@
           <a:p>
             <a:fld id="{B78E4C01-D620-5F47-81AE-6CCE1DF3C584}" type="datetime1">
               <a:rPr lang="fr-FR" smtClean="0"/>
-              <a:t>09/11/16</a:t>
+              <a:t>13/11/16</a:t>
             </a:fld>
             <a:endParaRPr lang="fr-FR" dirty="0"/>
           </a:p>
@@ -18641,7 +18316,7 @@
           <a:p>
             <a:fld id="{751463B9-2A29-154C-A5AC-383AEA094CA9}" type="datetime1">
               <a:rPr lang="fr-FR" smtClean="0"/>
-              <a:t>09/11/16</a:t>
+              <a:t>13/11/16</a:t>
             </a:fld>
             <a:endParaRPr lang="fr-FR" dirty="0"/>
           </a:p>
@@ -19014,7 +18689,7 @@
           <a:p>
             <a:fld id="{751463B9-2A29-154C-A5AC-383AEA094CA9}" type="datetime1">
               <a:rPr lang="fr-FR" smtClean="0"/>
-              <a:t>09/11/16</a:t>
+              <a:t>13/11/16</a:t>
             </a:fld>
             <a:endParaRPr lang="fr-FR" dirty="0"/>
           </a:p>

--- a/slides/python_biopython_NCBI.pptx
+++ b/slides/python_biopython_NCBI.pptx
@@ -201,6 +201,20 @@
         </p14:section>
       </p14:sectionLst>
     </p:ext>
+    <p:ext uri="{EFAFB233-063F-42B5-8137-9DF3F51BA10A}">
+      <p15:sldGuideLst xmlns:p15="http://schemas.microsoft.com/office/powerpoint/2012/main">
+        <p15:guide id="1" orient="horz" pos="2160">
+          <p15:clr>
+            <a:srgbClr val="A4A3A4"/>
+          </p15:clr>
+        </p15:guide>
+        <p15:guide id="2" pos="2880">
+          <p15:clr>
+            <a:srgbClr val="A4A3A4"/>
+          </p15:clr>
+        </p15:guide>
+      </p15:sldGuideLst>
+    </p:ext>
   </p:extLst>
 </p:presentation>
 </file>
@@ -287,7 +301,7 @@
           <a:p>
             <a:fld id="{5EB47243-285B-2741-8C7D-C88258D9CCFA}" type="datetimeFigureOut">
               <a:rPr lang="fr-FR" smtClean="0"/>
-              <a:t>13/11/16</a:t>
+              <a:t>08/11/2018</a:t>
             </a:fld>
             <a:endParaRPr lang="fr-FR"/>
           </a:p>
@@ -353,7 +367,7 @@
           <a:p>
             <a:fld id="{C5CA9166-BC48-2C47-B9BF-6F57720E77B8}" type="slidenum">
               <a:rPr lang="fr-FR" smtClean="0"/>
-              <a:t>‹#›</a:t>
+              <a:t>‹N°›</a:t>
             </a:fld>
             <a:endParaRPr lang="fr-FR"/>
           </a:p>
@@ -453,7 +467,7 @@
           <a:p>
             <a:fld id="{7D088D39-B4EA-D24B-B9C3-6A64886EABE2}" type="datetimeFigureOut">
               <a:rPr lang="fr-FR" smtClean="0"/>
-              <a:t>13/11/16</a:t>
+              <a:t>08/11/2018</a:t>
             </a:fld>
             <a:endParaRPr lang="fr-FR"/>
           </a:p>
@@ -517,38 +531,37 @@
           <a:p>
             <a:pPr lvl="0"/>
             <a:r>
-              <a:rPr lang="fr-FR" smtClean="0"/>
+              <a:rPr lang="fr-FR"/>
               <a:t>Cliquez pour modifier les styles du texte du masque</a:t>
             </a:r>
           </a:p>
           <a:p>
             <a:pPr lvl="1"/>
             <a:r>
-              <a:rPr lang="fr-FR" smtClean="0"/>
+              <a:rPr lang="fr-FR"/>
               <a:t>Deuxième niveau</a:t>
             </a:r>
           </a:p>
           <a:p>
             <a:pPr lvl="2"/>
             <a:r>
-              <a:rPr lang="fr-FR" smtClean="0"/>
+              <a:rPr lang="fr-FR"/>
               <a:t>Troisième niveau</a:t>
             </a:r>
           </a:p>
           <a:p>
             <a:pPr lvl="3"/>
             <a:r>
-              <a:rPr lang="fr-FR" smtClean="0"/>
+              <a:rPr lang="fr-FR"/>
               <a:t>Quatrième niveau</a:t>
             </a:r>
           </a:p>
           <a:p>
             <a:pPr lvl="4"/>
             <a:r>
-              <a:rPr lang="fr-FR" smtClean="0"/>
+              <a:rPr lang="fr-FR"/>
               <a:t>Cinquième niveau</a:t>
             </a:r>
-            <a:endParaRPr lang="fr-FR"/>
           </a:p>
         </p:txBody>
       </p:sp>
@@ -612,7 +625,7 @@
           <a:p>
             <a:fld id="{1C0E2CBA-6097-B848-A7DA-4D7BD6EB303B}" type="slidenum">
               <a:rPr lang="fr-FR" smtClean="0"/>
-              <a:t>‹#›</a:t>
+              <a:t>‹N°›</a:t>
             </a:fld>
             <a:endParaRPr lang="fr-FR"/>
           </a:p>
@@ -767,26 +780,26 @@
           <a:lstStyle/>
           <a:p>
             <a:r>
-              <a:rPr lang="fr-FR" dirty="0" smtClean="0"/>
+              <a:rPr lang="fr-FR" dirty="0"/>
               <a:t>Cpte élève:</a:t>
             </a:r>
             <a:r>
-              <a:rPr lang="fr-FR" baseline="0" dirty="0" smtClean="0"/>
+              <a:rPr lang="fr-FR" baseline="0" dirty="0"/>
               <a:t> </a:t>
             </a:r>
             <a:r>
-              <a:rPr lang="fr-FR" baseline="0" dirty="0" err="1" smtClean="0"/>
+              <a:rPr lang="fr-FR" baseline="0" dirty="0" err="1"/>
               <a:t>padawan</a:t>
             </a:r>
-            <a:endParaRPr lang="fr-FR" dirty="0" smtClean="0"/>
-          </a:p>
-          <a:p>
-            <a:r>
-              <a:rPr lang="fr-FR" dirty="0" smtClean="0"/>
+            <a:endParaRPr lang="fr-FR" dirty="0"/>
+          </a:p>
+          <a:p>
+            <a:r>
+              <a:rPr lang="fr-FR" dirty="0"/>
               <a:t>Mot de passe:</a:t>
             </a:r>
             <a:r>
-              <a:rPr lang="fr-FR" baseline="0" dirty="0" smtClean="0"/>
+              <a:rPr lang="fr-FR" baseline="0" dirty="0"/>
               <a:t> trust</a:t>
             </a:r>
             <a:endParaRPr lang="fr-FR" dirty="0"/>
@@ -874,7 +887,7 @@
           <a:lstStyle/>
           <a:p>
             <a:r>
-              <a:rPr lang="mr-IN" sz="1200" kern="1200" dirty="0" smtClean="0">
+              <a:rPr lang="mr-IN" sz="1200" kern="1200" dirty="0">
                 <a:solidFill>
                   <a:schemeClr val="tx1"/>
                 </a:solidFill>
@@ -888,7 +901,7 @@
           </a:p>
           <a:p>
             <a:r>
-              <a:rPr lang="mr-IN" sz="1200" kern="1200" dirty="0" smtClean="0">
+              <a:rPr lang="mr-IN" sz="1200" kern="1200" dirty="0">
                 <a:solidFill>
                   <a:schemeClr val="tx1"/>
                 </a:solidFill>
@@ -902,7 +915,7 @@
           </a:p>
           <a:p>
             <a:r>
-              <a:rPr lang="mr-IN" sz="1200" kern="1200" dirty="0" smtClean="0">
+              <a:rPr lang="mr-IN" sz="1200" kern="1200" dirty="0">
                 <a:solidFill>
                   <a:schemeClr val="tx1"/>
                 </a:solidFill>
@@ -916,7 +929,7 @@
           </a:p>
           <a:p>
             <a:r>
-              <a:rPr lang="mr-IN" sz="1200" kern="1200" dirty="0" smtClean="0">
+              <a:rPr lang="mr-IN" sz="1200" kern="1200" dirty="0">
                 <a:solidFill>
                   <a:schemeClr val="tx1"/>
                 </a:solidFill>
@@ -1014,7 +1027,7 @@
           <a:lstStyle/>
           <a:p>
             <a:r>
-              <a:rPr lang="en-US" dirty="0" smtClean="0"/>
+              <a:rPr lang="en-US" dirty="0"/>
               <a:t>The values stored in this key is the list of database names shown in the XML above:</a:t>
             </a:r>
             <a:endParaRPr lang="fr-FR" dirty="0"/>
@@ -1102,7 +1115,7 @@
           <a:lstStyle/>
           <a:p>
             <a:r>
-              <a:rPr lang="en-US" sz="1200" kern="1200" dirty="0" smtClean="0">
+              <a:rPr lang="en-US" sz="1200" kern="1200" dirty="0">
                 <a:solidFill>
                   <a:schemeClr val="tx1"/>
                 </a:solidFill>
@@ -1114,7 +1127,7 @@
               <a:t>Try</a:t>
             </a:r>
             <a:r>
-              <a:rPr lang="en-US" sz="1200" kern="1200" baseline="0" dirty="0" smtClean="0">
+              <a:rPr lang="en-US" sz="1200" kern="1200" baseline="0" dirty="0">
                 <a:solidFill>
                   <a:schemeClr val="tx1"/>
                 </a:solidFill>
@@ -1126,7 +1139,7 @@
               <a:t> </a:t>
             </a:r>
             <a:r>
-              <a:rPr lang="en-US" sz="1200" kern="1200" dirty="0" smtClean="0">
+              <a:rPr lang="en-US" sz="1200" kern="1200" dirty="0">
                 <a:solidFill>
                   <a:schemeClr val="tx1"/>
                 </a:solidFill>
@@ -1138,7 +1151,7 @@
               <a:t>record["</a:t>
             </a:r>
             <a:r>
-              <a:rPr lang="en-US" sz="1200" kern="1200" dirty="0" err="1" smtClean="0">
+              <a:rPr lang="en-US" sz="1200" kern="1200" dirty="0" err="1">
                 <a:solidFill>
                   <a:schemeClr val="tx1"/>
                 </a:solidFill>
@@ -1150,7 +1163,7 @@
               <a:t>DbInfo</a:t>
             </a:r>
             <a:r>
-              <a:rPr lang="en-US" sz="1200" kern="1200" dirty="0" smtClean="0">
+              <a:rPr lang="en-US" sz="1200" kern="1200" dirty="0">
                 <a:solidFill>
                   <a:schemeClr val="tx1"/>
                 </a:solidFill>
@@ -1162,7 +1175,7 @@
               <a:t>"].keys()</a:t>
             </a:r>
             <a:r>
-              <a:rPr lang="en-US" sz="1200" kern="1200" baseline="0" dirty="0" smtClean="0">
+              <a:rPr lang="en-US" sz="1200" kern="1200" baseline="0" dirty="0">
                 <a:solidFill>
                   <a:schemeClr val="tx1"/>
                 </a:solidFill>
@@ -1174,7 +1187,7 @@
               <a:t> </a:t>
             </a:r>
             <a:r>
-              <a:rPr lang="en-US" sz="1200" kern="1200" dirty="0" smtClean="0">
+              <a:rPr lang="en-US" sz="1200" kern="1200" dirty="0">
                 <a:solidFill>
                   <a:schemeClr val="tx1"/>
                 </a:solidFill>
@@ -1186,7 +1199,7 @@
               <a:t>for other information stored in this record. One of the most useful is a list</a:t>
             </a:r>
             <a:r>
-              <a:rPr lang="en-US" sz="1200" kern="1200" baseline="0" dirty="0" smtClean="0">
+              <a:rPr lang="en-US" sz="1200" kern="1200" baseline="0" dirty="0">
                 <a:solidFill>
                   <a:schemeClr val="tx1"/>
                 </a:solidFill>
@@ -1198,7 +1211,7 @@
               <a:t> </a:t>
             </a:r>
             <a:r>
-              <a:rPr lang="en-US" sz="1200" kern="1200" dirty="0" smtClean="0">
+              <a:rPr lang="en-US" sz="1200" kern="1200" dirty="0">
                 <a:solidFill>
                   <a:schemeClr val="tx1"/>
                 </a:solidFill>
@@ -1210,7 +1223,7 @@
               <a:t>of possible search </a:t>
             </a:r>
             <a:r>
-              <a:rPr lang="en-US" sz="1200" kern="1200" dirty="0" err="1" smtClean="0">
+              <a:rPr lang="en-US" sz="1200" kern="1200" dirty="0" err="1">
                 <a:solidFill>
                   <a:schemeClr val="tx1"/>
                 </a:solidFill>
@@ -1222,7 +1235,7 @@
               <a:t>elds</a:t>
             </a:r>
             <a:r>
-              <a:rPr lang="en-US" sz="1200" kern="1200" dirty="0" smtClean="0">
+              <a:rPr lang="en-US" sz="1200" kern="1200" dirty="0">
                 <a:solidFill>
                   <a:schemeClr val="tx1"/>
                 </a:solidFill>
@@ -1234,7 +1247,7 @@
               <a:t> for use with </a:t>
             </a:r>
             <a:r>
-              <a:rPr lang="en-US" sz="1200" kern="1200" dirty="0" err="1" smtClean="0">
+              <a:rPr lang="en-US" sz="1200" kern="1200" dirty="0" err="1">
                 <a:solidFill>
                   <a:schemeClr val="tx1"/>
                 </a:solidFill>
@@ -1245,7 +1258,7 @@
               </a:rPr>
               <a:t>ESearch</a:t>
             </a:r>
-            <a:endParaRPr lang="en-US" sz="1200" kern="1200" dirty="0" smtClean="0">
+            <a:endParaRPr lang="en-US" sz="1200" kern="1200" dirty="0">
               <a:solidFill>
                 <a:schemeClr val="tx1"/>
               </a:solidFill>
@@ -1425,7 +1438,7 @@
           <a:lstStyle/>
           <a:p>
             <a:r>
-              <a:rPr lang="en-US" sz="1200" kern="1200" dirty="0" smtClean="0">
+              <a:rPr lang="en-US" sz="1200" kern="1200" dirty="0">
                 <a:solidFill>
                   <a:schemeClr val="tx1"/>
                 </a:solidFill>
@@ -1437,7 +1450,7 @@
               <a:t>&gt;&gt;&gt; from Bio import </a:t>
             </a:r>
             <a:r>
-              <a:rPr lang="en-US" sz="1200" kern="1200" dirty="0" err="1" smtClean="0">
+              <a:rPr lang="en-US" sz="1200" kern="1200" dirty="0" err="1">
                 <a:solidFill>
                   <a:schemeClr val="tx1"/>
                 </a:solidFill>
@@ -1449,7 +1462,7 @@
               <a:t>Entrez</a:t>
             </a:r>
             <a:r>
-              <a:rPr lang="en-US" sz="1200" kern="1200" dirty="0" smtClean="0">
+              <a:rPr lang="en-US" sz="1200" kern="1200" dirty="0">
                 <a:solidFill>
                   <a:schemeClr val="tx1"/>
                 </a:solidFill>
@@ -1461,7 +1474,7 @@
               <a:t>, </a:t>
             </a:r>
             <a:r>
-              <a:rPr lang="en-US" sz="1200" kern="1200" dirty="0" err="1" smtClean="0">
+              <a:rPr lang="en-US" sz="1200" kern="1200" dirty="0" err="1">
                 <a:solidFill>
                   <a:schemeClr val="tx1"/>
                 </a:solidFill>
@@ -1472,7 +1485,7 @@
               </a:rPr>
               <a:t>SeqIO</a:t>
             </a:r>
-            <a:endParaRPr lang="en-US" sz="1200" kern="1200" dirty="0" smtClean="0">
+            <a:endParaRPr lang="en-US" sz="1200" kern="1200" dirty="0">
               <a:solidFill>
                 <a:schemeClr val="tx1"/>
               </a:solidFill>
@@ -1484,7 +1497,7 @@
           </a:p>
           <a:p>
             <a:r>
-              <a:rPr lang="en-US" sz="1200" kern="1200" dirty="0" smtClean="0">
+              <a:rPr lang="en-US" sz="1200" kern="1200" dirty="0">
                 <a:solidFill>
                   <a:schemeClr val="tx1"/>
                 </a:solidFill>
@@ -1496,7 +1509,7 @@
               <a:t>&gt;&gt;&gt; handle = </a:t>
             </a:r>
             <a:r>
-              <a:rPr lang="en-US" sz="1200" kern="1200" dirty="0" err="1" smtClean="0">
+              <a:rPr lang="en-US" sz="1200" kern="1200" dirty="0" err="1">
                 <a:solidFill>
                   <a:schemeClr val="tx1"/>
                 </a:solidFill>
@@ -1508,7 +1521,7 @@
               <a:t>Entrez.efetch</a:t>
             </a:r>
             <a:r>
-              <a:rPr lang="en-US" sz="1200" kern="1200" dirty="0" smtClean="0">
+              <a:rPr lang="en-US" sz="1200" kern="1200" dirty="0">
                 <a:solidFill>
                   <a:schemeClr val="tx1"/>
                 </a:solidFill>
@@ -1520,7 +1533,7 @@
               <a:t>(</a:t>
             </a:r>
             <a:r>
-              <a:rPr lang="en-US" sz="1200" kern="1200" dirty="0" err="1" smtClean="0">
+              <a:rPr lang="en-US" sz="1200" kern="1200" dirty="0" err="1">
                 <a:solidFill>
                   <a:schemeClr val="tx1"/>
                 </a:solidFill>
@@ -1532,7 +1545,7 @@
               <a:t>db</a:t>
             </a:r>
             <a:r>
-              <a:rPr lang="en-US" sz="1200" kern="1200" dirty="0" smtClean="0">
+              <a:rPr lang="en-US" sz="1200" kern="1200" dirty="0">
                 <a:solidFill>
                   <a:schemeClr val="tx1"/>
                 </a:solidFill>
@@ -1544,7 +1557,7 @@
               <a:t>="nucleotide", id="186972394", </a:t>
             </a:r>
             <a:r>
-              <a:rPr lang="en-US" sz="1200" kern="1200" dirty="0" err="1" smtClean="0">
+              <a:rPr lang="en-US" sz="1200" kern="1200" dirty="0" err="1">
                 <a:solidFill>
                   <a:schemeClr val="tx1"/>
                 </a:solidFill>
@@ -1556,7 +1569,7 @@
               <a:t>rettype</a:t>
             </a:r>
             <a:r>
-              <a:rPr lang="en-US" sz="1200" kern="1200" dirty="0" smtClean="0">
+              <a:rPr lang="en-US" sz="1200" kern="1200" dirty="0">
                 <a:solidFill>
                   <a:schemeClr val="tx1"/>
                 </a:solidFill>
@@ -1568,7 +1581,7 @@
               <a:t>="</a:t>
             </a:r>
             <a:r>
-              <a:rPr lang="en-US" sz="1200" kern="1200" dirty="0" err="1" smtClean="0">
+              <a:rPr lang="en-US" sz="1200" kern="1200" dirty="0" err="1">
                 <a:solidFill>
                   <a:schemeClr val="tx1"/>
                 </a:solidFill>
@@ -1580,7 +1593,7 @@
               <a:t>gb</a:t>
             </a:r>
             <a:r>
-              <a:rPr lang="en-US" sz="1200" kern="1200" dirty="0" smtClean="0">
+              <a:rPr lang="en-US" sz="1200" kern="1200" dirty="0">
                 <a:solidFill>
                   <a:schemeClr val="tx1"/>
                 </a:solidFill>
@@ -1592,7 +1605,7 @@
               <a:t>", </a:t>
             </a:r>
             <a:r>
-              <a:rPr lang="en-US" sz="1200" kern="1200" dirty="0" err="1" smtClean="0">
+              <a:rPr lang="en-US" sz="1200" kern="1200" dirty="0" err="1">
                 <a:solidFill>
                   <a:schemeClr val="tx1"/>
                 </a:solidFill>
@@ -1604,7 +1617,7 @@
               <a:t>retmode</a:t>
             </a:r>
             <a:r>
-              <a:rPr lang="en-US" sz="1200" kern="1200" dirty="0" smtClean="0">
+              <a:rPr lang="en-US" sz="1200" kern="1200" dirty="0">
                 <a:solidFill>
                   <a:schemeClr val="tx1"/>
                 </a:solidFill>
@@ -1618,7 +1631,7 @@
           </a:p>
           <a:p>
             <a:r>
-              <a:rPr lang="en-US" sz="1200" kern="1200" dirty="0" smtClean="0">
+              <a:rPr lang="en-US" sz="1200" kern="1200" dirty="0">
                 <a:solidFill>
                   <a:schemeClr val="tx1"/>
                 </a:solidFill>
@@ -1630,7 +1643,7 @@
               <a:t>&gt;&gt;&gt; record = </a:t>
             </a:r>
             <a:r>
-              <a:rPr lang="en-US" sz="1200" kern="1200" dirty="0" err="1" smtClean="0">
+              <a:rPr lang="en-US" sz="1200" kern="1200" dirty="0" err="1">
                 <a:solidFill>
                   <a:schemeClr val="tx1"/>
                 </a:solidFill>
@@ -1642,7 +1655,7 @@
               <a:t>SeqIO.read</a:t>
             </a:r>
             <a:r>
-              <a:rPr lang="en-US" sz="1200" kern="1200" dirty="0" smtClean="0">
+              <a:rPr lang="en-US" sz="1200" kern="1200" dirty="0">
                 <a:solidFill>
                   <a:schemeClr val="tx1"/>
                 </a:solidFill>
@@ -1654,7 +1667,7 @@
               <a:t>(handle, "</a:t>
             </a:r>
             <a:r>
-              <a:rPr lang="en-US" sz="1200" kern="1200" dirty="0" err="1" smtClean="0">
+              <a:rPr lang="en-US" sz="1200" kern="1200" dirty="0" err="1">
                 <a:solidFill>
                   <a:schemeClr val="tx1"/>
                 </a:solidFill>
@@ -1666,7 +1679,7 @@
               <a:t>genbank</a:t>
             </a:r>
             <a:r>
-              <a:rPr lang="en-US" sz="1200" kern="1200" dirty="0" smtClean="0">
+              <a:rPr lang="en-US" sz="1200" kern="1200" dirty="0">
                 <a:solidFill>
                   <a:schemeClr val="tx1"/>
                 </a:solidFill>
@@ -1680,7 +1693,7 @@
           </a:p>
           <a:p>
             <a:r>
-              <a:rPr lang="en-US" sz="1200" kern="1200" dirty="0" smtClean="0">
+              <a:rPr lang="en-US" sz="1200" kern="1200" dirty="0">
                 <a:solidFill>
                   <a:schemeClr val="tx1"/>
                 </a:solidFill>
@@ -1692,7 +1705,7 @@
               <a:t>&gt;&gt;&gt; </a:t>
             </a:r>
             <a:r>
-              <a:rPr lang="en-US" sz="1200" kern="1200" dirty="0" err="1" smtClean="0">
+              <a:rPr lang="en-US" sz="1200" kern="1200" dirty="0" err="1">
                 <a:solidFill>
                   <a:schemeClr val="tx1"/>
                 </a:solidFill>
@@ -1704,7 +1717,7 @@
               <a:t>handle.close</a:t>
             </a:r>
             <a:r>
-              <a:rPr lang="en-US" sz="1200" kern="1200" dirty="0" smtClean="0">
+              <a:rPr lang="en-US" sz="1200" kern="1200" dirty="0">
                 <a:solidFill>
                   <a:schemeClr val="tx1"/>
                 </a:solidFill>
@@ -1718,7 +1731,7 @@
           </a:p>
           <a:p>
             <a:r>
-              <a:rPr lang="en-US" sz="1200" kern="1200" dirty="0" smtClean="0">
+              <a:rPr lang="en-US" sz="1200" kern="1200" dirty="0">
                 <a:solidFill>
                   <a:schemeClr val="tx1"/>
                 </a:solidFill>
@@ -1732,7 +1745,7 @@
           </a:p>
           <a:p>
             <a:r>
-              <a:rPr lang="en-US" sz="1200" kern="1200" dirty="0" smtClean="0">
+              <a:rPr lang="en-US" sz="1200" kern="1200" dirty="0">
                 <a:solidFill>
                   <a:schemeClr val="tx1"/>
                 </a:solidFill>
@@ -1746,7 +1759,7 @@
           </a:p>
           <a:p>
             <a:r>
-              <a:rPr lang="en-US" sz="1200" kern="1200" dirty="0" smtClean="0">
+              <a:rPr lang="en-US" sz="1200" kern="1200" dirty="0">
                 <a:solidFill>
                   <a:schemeClr val="tx1"/>
                 </a:solidFill>
@@ -1760,7 +1773,7 @@
           </a:p>
           <a:p>
             <a:r>
-              <a:rPr lang="en-US" sz="1200" kern="1200" dirty="0" smtClean="0">
+              <a:rPr lang="en-US" sz="1200" kern="1200" dirty="0">
                 <a:solidFill>
                   <a:schemeClr val="tx1"/>
                 </a:solidFill>
@@ -1772,7 +1785,7 @@
               <a:t>Description: </a:t>
             </a:r>
             <a:r>
-              <a:rPr lang="en-US" sz="1200" kern="1200" dirty="0" err="1" smtClean="0">
+              <a:rPr lang="en-US" sz="1200" kern="1200" dirty="0" err="1">
                 <a:solidFill>
                   <a:schemeClr val="tx1"/>
                 </a:solidFill>
@@ -1784,7 +1797,7 @@
               <a:t>Selenipedium</a:t>
             </a:r>
             <a:r>
-              <a:rPr lang="en-US" sz="1200" kern="1200" dirty="0" smtClean="0">
+              <a:rPr lang="en-US" sz="1200" kern="1200" dirty="0">
                 <a:solidFill>
                   <a:schemeClr val="tx1"/>
                 </a:solidFill>
@@ -1796,7 +1809,7 @@
               <a:t> </a:t>
             </a:r>
             <a:r>
-              <a:rPr lang="en-US" sz="1200" kern="1200" dirty="0" err="1" smtClean="0">
+              <a:rPr lang="en-US" sz="1200" kern="1200" dirty="0" err="1">
                 <a:solidFill>
                   <a:schemeClr val="tx1"/>
                 </a:solidFill>
@@ -1808,7 +1821,7 @@
               <a:t>aequinoctiale</a:t>
             </a:r>
             <a:r>
-              <a:rPr lang="en-US" sz="1200" kern="1200" dirty="0" smtClean="0">
+              <a:rPr lang="en-US" sz="1200" kern="1200" dirty="0">
                 <a:solidFill>
                   <a:schemeClr val="tx1"/>
                 </a:solidFill>
@@ -1820,7 +1833,7 @@
               <a:t> </a:t>
             </a:r>
             <a:r>
-              <a:rPr lang="en-US" sz="1200" kern="1200" dirty="0" err="1" smtClean="0">
+              <a:rPr lang="en-US" sz="1200" kern="1200" dirty="0" err="1">
                 <a:solidFill>
                   <a:schemeClr val="tx1"/>
                 </a:solidFill>
@@ -1832,7 +1845,7 @@
               <a:t>maturase</a:t>
             </a:r>
             <a:r>
-              <a:rPr lang="en-US" sz="1200" kern="1200" dirty="0" smtClean="0">
+              <a:rPr lang="en-US" sz="1200" kern="1200" dirty="0">
                 <a:solidFill>
                   <a:schemeClr val="tx1"/>
                 </a:solidFill>
@@ -1844,7 +1857,7 @@
               <a:t> K (</a:t>
             </a:r>
             <a:r>
-              <a:rPr lang="en-US" sz="1200" kern="1200" dirty="0" err="1" smtClean="0">
+              <a:rPr lang="en-US" sz="1200" kern="1200" dirty="0" err="1">
                 <a:solidFill>
                   <a:schemeClr val="tx1"/>
                 </a:solidFill>
@@ -1856,7 +1869,7 @@
               <a:t>matK</a:t>
             </a:r>
             <a:r>
-              <a:rPr lang="en-US" sz="1200" kern="1200" dirty="0" smtClean="0">
+              <a:rPr lang="en-US" sz="1200" kern="1200" dirty="0">
                 <a:solidFill>
                   <a:schemeClr val="tx1"/>
                 </a:solidFill>
@@ -1868,7 +1881,7 @@
               <a:t>) gene, partial </a:t>
             </a:r>
             <a:r>
-              <a:rPr lang="en-US" sz="1200" kern="1200" dirty="0" err="1" smtClean="0">
+              <a:rPr lang="en-US" sz="1200" kern="1200" dirty="0" err="1">
                 <a:solidFill>
                   <a:schemeClr val="tx1"/>
                 </a:solidFill>
@@ -1880,7 +1893,7 @@
               <a:t>cds</a:t>
             </a:r>
             <a:r>
-              <a:rPr lang="en-US" sz="1200" kern="1200" dirty="0" smtClean="0">
+              <a:rPr lang="en-US" sz="1200" kern="1200" dirty="0">
                 <a:solidFill>
                   <a:schemeClr val="tx1"/>
                 </a:solidFill>
@@ -1894,7 +1907,7 @@
           </a:p>
           <a:p>
             <a:r>
-              <a:rPr lang="en-US" sz="1200" kern="1200" dirty="0" smtClean="0">
+              <a:rPr lang="en-US" sz="1200" kern="1200" dirty="0">
                 <a:solidFill>
                   <a:schemeClr val="tx1"/>
                 </a:solidFill>
@@ -1908,7 +1921,7 @@
           </a:p>
           <a:p>
             <a:r>
-              <a:rPr lang="en-US" sz="1200" kern="1200" dirty="0" smtClean="0">
+              <a:rPr lang="en-US" sz="1200" kern="1200" dirty="0">
                 <a:solidFill>
                   <a:schemeClr val="tx1"/>
                 </a:solidFill>
@@ -1922,7 +1935,7 @@
           </a:p>
           <a:p>
             <a:r>
-              <a:rPr lang="en-US" sz="1200" kern="1200" dirty="0" err="1" smtClean="0">
+              <a:rPr lang="en-US" sz="1200" kern="1200" dirty="0" err="1">
                 <a:solidFill>
                   <a:schemeClr val="tx1"/>
                 </a:solidFill>
@@ -1934,7 +1947,7 @@
               <a:t>Seq</a:t>
             </a:r>
             <a:r>
-              <a:rPr lang="en-US" sz="1200" kern="1200" dirty="0" smtClean="0">
+              <a:rPr lang="en-US" sz="1200" kern="1200" dirty="0">
                 <a:solidFill>
                   <a:schemeClr val="tx1"/>
                 </a:solidFill>
@@ -1946,7 +1959,7 @@
               <a:t>('ATTTTTTACGAACCTGTGGAAATTTTTGGTTATGACAATAAATCTAGTTTAGTA...GAA', </a:t>
             </a:r>
             <a:r>
-              <a:rPr lang="en-US" sz="1200" kern="1200" dirty="0" err="1" smtClean="0">
+              <a:rPr lang="en-US" sz="1200" kern="1200" dirty="0" err="1">
                 <a:solidFill>
                   <a:schemeClr val="tx1"/>
                 </a:solidFill>
@@ -1958,7 +1971,7 @@
               <a:t>IUPACAmbiguousDNA</a:t>
             </a:r>
             <a:r>
-              <a:rPr lang="en-US" sz="1200" kern="1200" dirty="0" smtClean="0">
+              <a:rPr lang="en-US" sz="1200" kern="1200" dirty="0">
                 <a:solidFill>
                   <a:schemeClr val="tx1"/>
                 </a:solidFill>
@@ -2140,7 +2153,7 @@
           <a:lstStyle/>
           <a:p>
             <a:r>
-              <a:rPr lang="en-US" sz="1200" kern="1200" dirty="0" smtClean="0">
+              <a:rPr lang="en-US" sz="1200" kern="1200" dirty="0">
                 <a:solidFill>
                   <a:schemeClr val="tx1"/>
                 </a:solidFill>
@@ -2152,7 +2165,7 @@
               <a:t>The actual search results are stored as under the</a:t>
             </a:r>
             <a:r>
-              <a:rPr lang="en-US" sz="1200" kern="1200" baseline="0" dirty="0" smtClean="0">
+              <a:rPr lang="en-US" sz="1200" kern="1200" baseline="0" dirty="0">
                 <a:solidFill>
                   <a:schemeClr val="tx1"/>
                 </a:solidFill>
@@ -2164,7 +2177,7 @@
               <a:t> </a:t>
             </a:r>
             <a:r>
-              <a:rPr lang="en-US" sz="1200" kern="1200" dirty="0" smtClean="0">
+              <a:rPr lang="en-US" sz="1200" kern="1200" dirty="0">
                 <a:solidFill>
                   <a:schemeClr val="tx1"/>
                 </a:solidFill>
@@ -2178,7 +2191,7 @@
           </a:p>
           <a:p>
             <a:r>
-              <a:rPr lang="en-US" sz="1200" kern="1200" dirty="0" smtClean="0">
+              <a:rPr lang="en-US" sz="1200" kern="1200" dirty="0">
                 <a:solidFill>
                   <a:schemeClr val="tx1"/>
                 </a:solidFill>
@@ -2190,7 +2203,7 @@
               <a:t>In total, 110 items were found under</a:t>
             </a:r>
             <a:r>
-              <a:rPr lang="en-US" sz="1200" kern="1200" baseline="0" dirty="0" smtClean="0">
+              <a:rPr lang="en-US" sz="1200" kern="1200" baseline="0" dirty="0">
                 <a:solidFill>
                   <a:schemeClr val="tx1"/>
                 </a:solidFill>
@@ -2202,7 +2215,7 @@
               <a:t> </a:t>
             </a:r>
             <a:r>
-              <a:rPr lang="en-US" sz="1200" kern="1200" dirty="0" smtClean="0">
+              <a:rPr lang="en-US" sz="1200" kern="1200" dirty="0">
                 <a:solidFill>
                   <a:schemeClr val="tx1"/>
                 </a:solidFill>
@@ -2216,7 +2229,7 @@
           </a:p>
           <a:p>
             <a:r>
-              <a:rPr lang="en-US" sz="1200" kern="1200" dirty="0" smtClean="0">
+              <a:rPr lang="en-US" sz="1200" kern="1200" dirty="0">
                 <a:solidFill>
                   <a:schemeClr val="tx1"/>
                 </a:solidFill>
@@ -2230,7 +2243,7 @@
           </a:p>
           <a:p>
             <a:r>
-              <a:rPr lang="en-US" sz="1200" kern="1200" dirty="0" smtClean="0">
+              <a:rPr lang="en-US" sz="1200" kern="1200" dirty="0">
                 <a:solidFill>
                   <a:schemeClr val="tx1"/>
                 </a:solidFill>
@@ -2242,7 +2255,7 @@
               <a:t>&gt;&gt;&gt; record[0]["</a:t>
             </a:r>
             <a:r>
-              <a:rPr lang="en-US" sz="1200" kern="1200" dirty="0" err="1" smtClean="0">
+              <a:rPr lang="en-US" sz="1200" kern="1200" dirty="0" err="1">
                 <a:solidFill>
                   <a:schemeClr val="tx1"/>
                 </a:solidFill>
@@ -2254,7 +2267,7 @@
               <a:t>LinkSetDb</a:t>
             </a:r>
             <a:r>
-              <a:rPr lang="en-US" sz="1200" kern="1200" dirty="0" smtClean="0">
+              <a:rPr lang="en-US" sz="1200" kern="1200" dirty="0">
                 <a:solidFill>
                   <a:schemeClr val="tx1"/>
                 </a:solidFill>
@@ -2268,7 +2281,7 @@
           </a:p>
           <a:p>
             <a:r>
-              <a:rPr lang="en-US" sz="1200" kern="1200" dirty="0" smtClean="0">
+              <a:rPr lang="en-US" sz="1200" kern="1200" dirty="0">
                 <a:solidFill>
                   <a:schemeClr val="tx1"/>
                 </a:solidFill>
@@ -2280,7 +2293,7 @@
               <a:t>{</a:t>
             </a:r>
             <a:r>
-              <a:rPr lang="en-US" sz="1200" kern="1200" dirty="0" err="1" smtClean="0">
+              <a:rPr lang="en-US" sz="1200" kern="1200" dirty="0" err="1">
                 <a:solidFill>
                   <a:schemeClr val="tx1"/>
                 </a:solidFill>
@@ -2292,7 +2305,7 @@
               <a:t>u'Id</a:t>
             </a:r>
             <a:r>
-              <a:rPr lang="en-US" sz="1200" kern="1200" dirty="0" smtClean="0">
+              <a:rPr lang="en-US" sz="1200" kern="1200" dirty="0">
                 <a:solidFill>
                   <a:schemeClr val="tx1"/>
                 </a:solidFill>
@@ -2306,7 +2319,7 @@
           </a:p>
           <a:p>
             <a:r>
-              <a:rPr lang="en-US" sz="1200" kern="1200" dirty="0" smtClean="0">
+              <a:rPr lang="en-US" sz="1200" kern="1200" dirty="0">
                 <a:solidFill>
                   <a:schemeClr val="tx1"/>
                 </a:solidFill>
@@ -2320,7 +2333,7 @@
           </a:p>
           <a:p>
             <a:r>
-              <a:rPr lang="en-US" sz="1200" kern="1200" dirty="0" smtClean="0">
+              <a:rPr lang="en-US" sz="1200" kern="1200" dirty="0">
                 <a:solidFill>
                   <a:schemeClr val="tx1"/>
                 </a:solidFill>
@@ -2332,7 +2345,7 @@
               <a:t>&gt;&gt;&gt; record[0]["</a:t>
             </a:r>
             <a:r>
-              <a:rPr lang="en-US" sz="1200" kern="1200" dirty="0" err="1" smtClean="0">
+              <a:rPr lang="en-US" sz="1200" kern="1200" dirty="0" err="1">
                 <a:solidFill>
                   <a:schemeClr val="tx1"/>
                 </a:solidFill>
@@ -2344,7 +2357,7 @@
               <a:t>LinkSetDb</a:t>
             </a:r>
             <a:r>
-              <a:rPr lang="en-US" sz="1200" kern="1200" dirty="0" smtClean="0">
+              <a:rPr lang="en-US" sz="1200" kern="1200" dirty="0">
                 <a:solidFill>
                   <a:schemeClr val="tx1"/>
                 </a:solidFill>
@@ -2358,7 +2371,7 @@
           </a:p>
           <a:p>
             <a:r>
-              <a:rPr lang="en-US" sz="1200" kern="1200" dirty="0" smtClean="0">
+              <a:rPr lang="en-US" sz="1200" kern="1200" dirty="0">
                 <a:solidFill>
                   <a:schemeClr val="tx1"/>
                 </a:solidFill>
@@ -2370,7 +2383,7 @@
               <a:t>{</a:t>
             </a:r>
             <a:r>
-              <a:rPr lang="en-US" sz="1200" kern="1200" dirty="0" err="1" smtClean="0">
+              <a:rPr lang="en-US" sz="1200" kern="1200" dirty="0" err="1">
                 <a:solidFill>
                   <a:schemeClr val="tx1"/>
                 </a:solidFill>
@@ -2382,7 +2395,7 @@
               <a:t>u'Id</a:t>
             </a:r>
             <a:r>
-              <a:rPr lang="en-US" sz="1200" kern="1200" dirty="0" smtClean="0">
+              <a:rPr lang="en-US" sz="1200" kern="1200" dirty="0">
                 <a:solidFill>
                   <a:schemeClr val="tx1"/>
                 </a:solidFill>
@@ -2396,7 +2409,7 @@
           </a:p>
           <a:p>
             <a:r>
-              <a:rPr lang="en-US" sz="1200" kern="1200" dirty="0" smtClean="0">
+              <a:rPr lang="en-US" sz="1200" kern="1200" dirty="0">
                 <a:solidFill>
                   <a:schemeClr val="tx1"/>
                 </a:solidFill>
@@ -2410,7 +2423,7 @@
           </a:p>
           <a:p>
             <a:r>
-              <a:rPr lang="en-US" sz="1200" kern="1200" dirty="0" smtClean="0">
+              <a:rPr lang="en-US" sz="1200" kern="1200" dirty="0">
                 <a:solidFill>
                   <a:schemeClr val="tx1"/>
                 </a:solidFill>
@@ -2424,7 +2437,7 @@
           </a:p>
           <a:p>
             <a:r>
-              <a:rPr lang="en-US" sz="1200" kern="1200" dirty="0" smtClean="0">
+              <a:rPr lang="en-US" sz="1200" kern="1200" dirty="0">
                 <a:solidFill>
                   <a:schemeClr val="tx1"/>
                 </a:solidFill>
@@ -2436,7 +2449,7 @@
               <a:t>&gt;&gt;&gt; for link in record[0]["</a:t>
             </a:r>
             <a:r>
-              <a:rPr lang="en-US" sz="1200" kern="1200" dirty="0" err="1" smtClean="0">
+              <a:rPr lang="en-US" sz="1200" kern="1200" dirty="0" err="1">
                 <a:solidFill>
                   <a:schemeClr val="tx1"/>
                 </a:solidFill>
@@ -2448,7 +2461,7 @@
               <a:t>LinkSetDb</a:t>
             </a:r>
             <a:r>
-              <a:rPr lang="en-US" sz="1200" kern="1200" dirty="0" smtClean="0">
+              <a:rPr lang="en-US" sz="1200" kern="1200" dirty="0">
                 <a:solidFill>
                   <a:schemeClr val="tx1"/>
                 </a:solidFill>
@@ -2462,7 +2475,7 @@
           </a:p>
           <a:p>
             <a:r>
-              <a:rPr lang="en-US" sz="1200" kern="1200" dirty="0" smtClean="0">
+              <a:rPr lang="en-US" sz="1200" kern="1200" dirty="0">
                 <a:solidFill>
                   <a:schemeClr val="tx1"/>
                 </a:solidFill>
@@ -2476,7 +2489,7 @@
           </a:p>
           <a:p>
             <a:r>
-              <a:rPr lang="en-US" sz="1200" kern="1200" dirty="0" smtClean="0">
+              <a:rPr lang="en-US" sz="1200" kern="1200" dirty="0">
                 <a:solidFill>
                   <a:schemeClr val="tx1"/>
                 </a:solidFill>
@@ -2490,7 +2503,7 @@
           </a:p>
           <a:p>
             <a:r>
-              <a:rPr lang="en-US" sz="1200" kern="1200" dirty="0" smtClean="0">
+              <a:rPr lang="en-US" sz="1200" kern="1200" dirty="0">
                 <a:solidFill>
                   <a:schemeClr val="tx1"/>
                 </a:solidFill>
@@ -2504,7 +2517,7 @@
           </a:p>
           <a:p>
             <a:r>
-              <a:rPr lang="en-US" sz="1200" kern="1200" dirty="0" smtClean="0">
+              <a:rPr lang="en-US" sz="1200" kern="1200" dirty="0">
                 <a:solidFill>
                   <a:schemeClr val="tx1"/>
                 </a:solidFill>
@@ -2518,7 +2531,7 @@
           </a:p>
           <a:p>
             <a:r>
-              <a:rPr lang="en-US" sz="1200" kern="1200" dirty="0" smtClean="0">
+              <a:rPr lang="en-US" sz="1200" kern="1200" dirty="0">
                 <a:solidFill>
                   <a:schemeClr val="tx1"/>
                 </a:solidFill>
@@ -2532,7 +2545,7 @@
           </a:p>
           <a:p>
             <a:r>
-              <a:rPr lang="en-US" sz="1200" kern="1200" dirty="0" smtClean="0">
+              <a:rPr lang="en-US" sz="1200" kern="1200" dirty="0">
                 <a:solidFill>
                   <a:schemeClr val="tx1"/>
                 </a:solidFill>
@@ -2546,7 +2559,7 @@
           </a:p>
           <a:p>
             <a:r>
-              <a:rPr lang="en-US" sz="1200" kern="1200" dirty="0" smtClean="0">
+              <a:rPr lang="en-US" sz="1200" kern="1200" dirty="0">
                 <a:solidFill>
                   <a:schemeClr val="tx1"/>
                 </a:solidFill>
@@ -2745,7 +2758,7 @@
               <a:defRPr/>
             </a:pPr>
             <a:r>
-              <a:rPr kumimoji="0" lang="fr-FR" sz="1800" b="0" i="0" u="none" strike="noStrike" kern="0" cap="none" spc="0" normalizeH="0" baseline="0" noProof="0" dirty="0" smtClean="0">
+              <a:rPr kumimoji="0" lang="fr-FR" sz="1800" b="0" i="0" u="none" strike="noStrike" kern="0" cap="none" spc="0" normalizeH="0" baseline="0" noProof="0" dirty="0">
                 <a:ln>
                   <a:noFill/>
                 </a:ln>
@@ -2761,20 +2774,6 @@
               </a:rPr>
               <a:t> </a:t>
             </a:r>
-            <a:endParaRPr kumimoji="0" lang="fr-FR" sz="1800" b="0" i="0" u="none" strike="noStrike" kern="0" cap="none" spc="0" normalizeH="0" baseline="0" noProof="0" dirty="0">
-              <a:ln>
-                <a:noFill/>
-              </a:ln>
-              <a:solidFill>
-                <a:srgbClr val="000000"/>
-              </a:solidFill>
-              <a:effectLst/>
-              <a:uLnTx/>
-              <a:uFillTx/>
-              <a:latin typeface="Arial"/>
-              <a:ea typeface="+mn-ea"/>
-              <a:cs typeface="+mn-cs"/>
-            </a:endParaRPr>
           </a:p>
         </p:txBody>
       </p:sp>
@@ -2911,7 +2910,7 @@
               <a:defRPr/>
             </a:pPr>
             <a:r>
-              <a:rPr kumimoji="0" lang="fr-FR" sz="1800" b="0" i="0" u="none" strike="noStrike" kern="0" cap="none" spc="0" normalizeH="0" baseline="0" noProof="0" dirty="0" smtClean="0">
+              <a:rPr kumimoji="0" lang="fr-FR" sz="1800" b="0" i="0" u="none" strike="noStrike" kern="0" cap="none" spc="0" normalizeH="0" baseline="0" noProof="0" dirty="0">
                 <a:ln>
                   <a:noFill/>
                 </a:ln>
@@ -2924,17 +2923,6 @@
               </a:rPr>
               <a:t>Cliquez pour modifier le style des sous-titres du masque</a:t>
             </a:r>
-            <a:endParaRPr kumimoji="0" lang="fr-FR" sz="1800" b="0" i="0" u="none" strike="noStrike" kern="0" cap="none" spc="0" normalizeH="0" baseline="0" noProof="0" dirty="0">
-              <a:ln>
-                <a:noFill/>
-              </a:ln>
-              <a:solidFill>
-                <a:srgbClr val="FFFFFF"/>
-              </a:solidFill>
-              <a:effectLst/>
-              <a:uLnTx/>
-              <a:uFillTx/>
-            </a:endParaRPr>
           </a:p>
         </p:txBody>
       </p:sp>
@@ -2997,10 +2985,9 @@
           </a:lstStyle>
           <a:p>
             <a:r>
-              <a:rPr lang="fr-FR" dirty="0" smtClean="0"/>
+              <a:rPr lang="fr-FR" dirty="0"/>
               <a:t>Cliquez et modifiez le titre</a:t>
             </a:r>
-            <a:endParaRPr lang="fr-FR" dirty="0"/>
           </a:p>
         </p:txBody>
       </p:sp>
@@ -3014,13 +3001,6 @@
   <p:clrMapOvr>
     <a:masterClrMapping/>
   </p:clrMapOvr>
-  <p:timing>
-    <p:tnLst>
-      <p:par>
-        <p:cTn xmlns:p14="http://schemas.microsoft.com/office/powerpoint/2010/main" id="1" dur="indefinite" restart="never" nodeType="tmRoot"/>
-      </p:par>
-    </p:tnLst>
-  </p:timing>
 </p:sldLayout>
 </file>
 
@@ -3164,18 +3144,13 @@
           <a:p>
             <a:pPr algn="ctr"/>
             <a:r>
-              <a:rPr lang="fr-FR" dirty="0" smtClean="0">
+              <a:rPr lang="fr-FR" dirty="0">
                 <a:solidFill>
                   <a:schemeClr val="bg1"/>
                 </a:solidFill>
               </a:rPr>
               <a:t> </a:t>
             </a:r>
-            <a:endParaRPr lang="fr-FR" dirty="0">
-              <a:solidFill>
-                <a:schemeClr val="bg1"/>
-              </a:solidFill>
-            </a:endParaRPr>
           </a:p>
         </p:txBody>
       </p:sp>
@@ -3223,18 +3198,13 @@
           <a:p>
             <a:pPr algn="ctr"/>
             <a:r>
-              <a:rPr lang="fr-FR" dirty="0" smtClean="0">
+              <a:rPr lang="fr-FR" dirty="0">
                 <a:solidFill>
                   <a:schemeClr val="bg1"/>
                 </a:solidFill>
               </a:rPr>
               <a:t> </a:t>
             </a:r>
-            <a:endParaRPr lang="fr-FR" dirty="0">
-              <a:solidFill>
-                <a:schemeClr val="bg1"/>
-              </a:solidFill>
-            </a:endParaRPr>
           </a:p>
         </p:txBody>
       </p:sp>
@@ -3248,13 +3218,6 @@
   <p:clrMapOvr>
     <a:masterClrMapping/>
   </p:clrMapOvr>
-  <p:timing>
-    <p:tnLst>
-      <p:par>
-        <p:cTn xmlns:p14="http://schemas.microsoft.com/office/powerpoint/2010/main" id="1" dur="indefinite" restart="never" nodeType="tmRoot"/>
-      </p:par>
-    </p:tnLst>
-  </p:timing>
 </p:sldLayout>
 </file>
 
@@ -3354,10 +3317,9 @@
           </a:lstStyle>
           <a:p>
             <a:r>
-              <a:rPr lang="fr-FR" dirty="0" smtClean="0"/>
+              <a:rPr lang="fr-FR" dirty="0"/>
               <a:t>Cliquez et modifiez le titre</a:t>
             </a:r>
-            <a:endParaRPr lang="fr-FR" dirty="0"/>
           </a:p>
         </p:txBody>
       </p:sp>
@@ -3489,7 +3451,7 @@
               <a:defRPr/>
             </a:pPr>
             <a:r>
-              <a:rPr kumimoji="0" lang="fr-FR" sz="2000" b="0" i="0" u="none" strike="noStrike" kern="1200" cap="none" spc="0" normalizeH="0" baseline="0" noProof="0" dirty="0" smtClean="0">
+              <a:rPr kumimoji="0" lang="fr-FR" sz="2000" b="0" i="0" u="none" strike="noStrike" kern="1200" cap="none" spc="0" normalizeH="0" baseline="0" noProof="0" dirty="0">
                 <a:ln>
                   <a:noFill/>
                 </a:ln>
@@ -3527,7 +3489,7 @@
               <a:defRPr/>
             </a:pPr>
             <a:r>
-              <a:rPr kumimoji="0" lang="fr-FR" sz="1600" b="0" i="0" u="none" strike="noStrike" kern="1200" cap="none" spc="0" normalizeH="0" baseline="0" noProof="0" dirty="0" smtClean="0">
+              <a:rPr kumimoji="0" lang="fr-FR" sz="1600" b="0" i="0" u="none" strike="noStrike" kern="1200" cap="none" spc="0" normalizeH="0" baseline="0" noProof="0" dirty="0">
                 <a:ln>
                   <a:noFill/>
                 </a:ln>
@@ -3563,7 +3525,7 @@
               <a:defRPr/>
             </a:pPr>
             <a:r>
-              <a:rPr kumimoji="0" lang="fr-FR" sz="1600" b="0" i="0" u="none" strike="noStrike" kern="1200" cap="none" spc="0" normalizeH="0" baseline="0" noProof="0" dirty="0" smtClean="0">
+              <a:rPr kumimoji="0" lang="fr-FR" sz="1600" b="0" i="0" u="none" strike="noStrike" kern="1200" cap="none" spc="0" normalizeH="0" baseline="0" noProof="0" dirty="0">
                 <a:ln>
                   <a:noFill/>
                 </a:ln>
@@ -3599,7 +3561,7 @@
               <a:defRPr/>
             </a:pPr>
             <a:r>
-              <a:rPr kumimoji="0" lang="fr-FR" sz="1600" b="0" i="0" u="none" strike="noStrike" kern="1200" cap="none" spc="0" normalizeH="0" baseline="0" noProof="0" dirty="0" smtClean="0">
+              <a:rPr kumimoji="0" lang="fr-FR" sz="1600" b="0" i="0" u="none" strike="noStrike" kern="1200" cap="none" spc="0" normalizeH="0" baseline="0" noProof="0" dirty="0">
                 <a:ln>
                   <a:noFill/>
                 </a:ln>
@@ -3635,7 +3597,7 @@
               <a:defRPr/>
             </a:pPr>
             <a:r>
-              <a:rPr kumimoji="0" lang="fr-FR" sz="1600" b="0" i="0" u="none" strike="noStrike" kern="1200" cap="none" spc="0" normalizeH="0" baseline="0" noProof="0" dirty="0" smtClean="0">
+              <a:rPr kumimoji="0" lang="fr-FR" sz="1600" b="0" i="0" u="none" strike="noStrike" kern="1200" cap="none" spc="0" normalizeH="0" baseline="0" noProof="0" dirty="0">
                 <a:ln>
                   <a:noFill/>
                 </a:ln>
@@ -3651,20 +3613,6 @@
               </a:rPr>
               <a:t>Cinquième niveau</a:t>
             </a:r>
-            <a:endParaRPr kumimoji="0" lang="fr-FR" sz="1600" b="0" i="0" u="none" strike="noStrike" kern="1200" cap="none" spc="0" normalizeH="0" baseline="0" noProof="0" dirty="0">
-              <a:ln>
-                <a:noFill/>
-              </a:ln>
-              <a:solidFill>
-                <a:srgbClr val="000000"/>
-              </a:solidFill>
-              <a:effectLst/>
-              <a:uLnTx/>
-              <a:uFillTx/>
-              <a:latin typeface="+mn-lt"/>
-              <a:ea typeface="+mn-ea"/>
-              <a:cs typeface="+mn-cs"/>
-            </a:endParaRPr>
           </a:p>
         </p:txBody>
       </p:sp>
@@ -3701,7 +3649,7 @@
           <a:p>
             <a:fld id="{751463B9-2A29-154C-A5AC-383AEA094CA9}" type="datetime1">
               <a:rPr lang="fr-FR" smtClean="0"/>
-              <a:t>13/11/16</a:t>
+              <a:t>08/11/2018</a:t>
             </a:fld>
             <a:endParaRPr lang="fr-FR" dirty="0"/>
           </a:p>
@@ -3739,7 +3687,7 @@
           </a:lstStyle>
           <a:p>
             <a:r>
-              <a:rPr lang="fr-FR" smtClean="0"/>
+              <a:rPr lang="fr-FR"/>
               <a:t>Python pour la biologie</a:t>
             </a:r>
             <a:endParaRPr lang="fr-FR" dirty="0"/>
@@ -3780,7 +3728,7 @@
             <a:fld id="{DCE37727-CC04-7A46-938D-2CCFF056F773}" type="slidenum">
               <a:rPr lang="fr-FR" smtClean="0"/>
               <a:pPr/>
-              <a:t>‹#›</a:t>
+              <a:t>‹N°›</a:t>
             </a:fld>
             <a:endParaRPr lang="fr-FR" dirty="0"/>
           </a:p>
@@ -3852,13 +3800,6 @@
   <p:clrMapOvr>
     <a:masterClrMapping/>
   </p:clrMapOvr>
-  <p:timing>
-    <p:tnLst>
-      <p:par>
-        <p:cTn xmlns:p14="http://schemas.microsoft.com/office/powerpoint/2010/main" id="1" dur="indefinite" restart="never" nodeType="tmRoot"/>
-      </p:par>
-    </p:tnLst>
-  </p:timing>
 </p:sldLayout>
 </file>
 
@@ -3934,38 +3875,37 @@
           <a:p>
             <a:pPr lvl="0"/>
             <a:r>
-              <a:rPr lang="fr-FR" dirty="0" smtClean="0"/>
+              <a:rPr lang="fr-FR" dirty="0"/>
               <a:t>Cliquez pour modifier les styles du texte du masque</a:t>
             </a:r>
           </a:p>
           <a:p>
             <a:pPr lvl="1"/>
             <a:r>
-              <a:rPr lang="fr-FR" dirty="0" smtClean="0"/>
+              <a:rPr lang="fr-FR" dirty="0"/>
               <a:t>Deuxième niveau</a:t>
             </a:r>
           </a:p>
           <a:p>
             <a:pPr lvl="2"/>
             <a:r>
-              <a:rPr lang="fr-FR" dirty="0" smtClean="0"/>
+              <a:rPr lang="fr-FR" dirty="0"/>
               <a:t>Troisième niveau</a:t>
             </a:r>
           </a:p>
           <a:p>
             <a:pPr lvl="3"/>
             <a:r>
-              <a:rPr lang="fr-FR" dirty="0" smtClean="0"/>
+              <a:rPr lang="fr-FR" dirty="0"/>
               <a:t>Quatrième niveau</a:t>
             </a:r>
           </a:p>
           <a:p>
             <a:pPr lvl="4"/>
             <a:r>
-              <a:rPr lang="fr-FR" dirty="0" smtClean="0"/>
+              <a:rPr lang="fr-FR" dirty="0"/>
               <a:t>Cinquième niveau</a:t>
             </a:r>
-            <a:endParaRPr lang="fr-FR" dirty="0"/>
           </a:p>
         </p:txBody>
       </p:sp>
@@ -4024,38 +3964,37 @@
           <a:p>
             <a:pPr lvl="0"/>
             <a:r>
-              <a:rPr lang="fr-FR" dirty="0" smtClean="0"/>
+              <a:rPr lang="fr-FR" dirty="0"/>
               <a:t>Cliquez pour modifier les styles du texte du masque</a:t>
             </a:r>
           </a:p>
           <a:p>
             <a:pPr lvl="1"/>
             <a:r>
-              <a:rPr lang="fr-FR" dirty="0" smtClean="0"/>
+              <a:rPr lang="fr-FR" dirty="0"/>
               <a:t>Deuxième niveau</a:t>
             </a:r>
           </a:p>
           <a:p>
             <a:pPr lvl="2"/>
             <a:r>
-              <a:rPr lang="fr-FR" dirty="0" smtClean="0"/>
+              <a:rPr lang="fr-FR" dirty="0"/>
               <a:t>Troisième niveau</a:t>
             </a:r>
           </a:p>
           <a:p>
             <a:pPr lvl="3"/>
             <a:r>
-              <a:rPr lang="fr-FR" dirty="0" smtClean="0"/>
+              <a:rPr lang="fr-FR" dirty="0"/>
               <a:t>Quatrième niveau</a:t>
             </a:r>
           </a:p>
           <a:p>
             <a:pPr lvl="4"/>
             <a:r>
-              <a:rPr lang="fr-FR" dirty="0" smtClean="0"/>
+              <a:rPr lang="fr-FR" dirty="0"/>
               <a:t>Cinquième niveau</a:t>
             </a:r>
-            <a:endParaRPr lang="fr-FR" dirty="0"/>
           </a:p>
         </p:txBody>
       </p:sp>
@@ -4138,10 +4077,9 @@
           </a:lstStyle>
           <a:p>
             <a:r>
-              <a:rPr lang="fr-FR" dirty="0" smtClean="0"/>
+              <a:rPr lang="fr-FR" dirty="0"/>
               <a:t>Cliquez et modifiez le titre</a:t>
             </a:r>
-            <a:endParaRPr lang="fr-FR" dirty="0"/>
           </a:p>
         </p:txBody>
       </p:sp>
@@ -4202,7 +4140,7 @@
           <a:p>
             <a:fld id="{093F68C3-195D-9E4F-A0F2-F73993E4FFAC}" type="datetime1">
               <a:rPr lang="fr-FR" smtClean="0"/>
-              <a:t>13/11/16</a:t>
+              <a:t>08/11/2018</a:t>
             </a:fld>
             <a:endParaRPr lang="fr-FR" dirty="0"/>
           </a:p>
@@ -4240,7 +4178,7 @@
           </a:lstStyle>
           <a:p>
             <a:r>
-              <a:rPr lang="fr-FR" smtClean="0"/>
+              <a:rPr lang="fr-FR"/>
               <a:t>Python pour la biologie</a:t>
             </a:r>
             <a:endParaRPr lang="fr-FR" dirty="0"/>
@@ -4281,7 +4219,7 @@
             <a:fld id="{DCE37727-CC04-7A46-938D-2CCFF056F773}" type="slidenum">
               <a:rPr lang="fr-FR" smtClean="0"/>
               <a:pPr/>
-              <a:t>‹#›</a:t>
+              <a:t>‹N°›</a:t>
             </a:fld>
             <a:endParaRPr lang="fr-FR" dirty="0"/>
           </a:p>
@@ -4329,13 +4267,6 @@
   <p:clrMapOvr>
     <a:masterClrMapping/>
   </p:clrMapOvr>
-  <p:timing>
-    <p:tnLst>
-      <p:par>
-        <p:cTn xmlns:p14="http://schemas.microsoft.com/office/powerpoint/2010/main" id="1" dur="indefinite" restart="never" nodeType="tmRoot"/>
-      </p:par>
-    </p:tnLst>
-  </p:timing>
 </p:sldLayout>
 </file>
 
@@ -4423,18 +4354,13 @@
           <a:lstStyle/>
           <a:p>
             <a:r>
-              <a:rPr lang="fr-FR" sz="3200" dirty="0" smtClean="0">
+              <a:rPr lang="fr-FR" sz="3200" dirty="0">
                 <a:solidFill>
                   <a:srgbClr val="009DE0"/>
                 </a:solidFill>
               </a:rPr>
               <a:t>Chapitre 2</a:t>
             </a:r>
-            <a:endParaRPr lang="fr-FR" sz="3200" dirty="0">
-              <a:solidFill>
-                <a:srgbClr val="009DE0"/>
-              </a:solidFill>
-            </a:endParaRPr>
           </a:p>
         </p:txBody>
       </p:sp>
@@ -4530,13 +4456,6 @@
   <p:clrMapOvr>
     <a:masterClrMapping/>
   </p:clrMapOvr>
-  <p:timing>
-    <p:tnLst>
-      <p:par>
-        <p:cTn xmlns:p14="http://schemas.microsoft.com/office/powerpoint/2010/main" id="1" dur="indefinite" restart="never" nodeType="tmRoot"/>
-      </p:par>
-    </p:tnLst>
-  </p:timing>
 </p:sldLayout>
 </file>
 
@@ -4725,21 +4644,8 @@
                   <a:srgbClr val="FFFFFF"/>
                 </a:solidFill>
               </a:rPr>
-              <a:t>ditione dic tem hiciliciist, con rem aut volest, sedi doles erro te sa sam volum dolumqui aceprae eicipsa </a:t>
-            </a:r>
-            <a:r>
-              <a:rPr lang="fr-FR" baseline="30000" dirty="0" smtClean="0">
-                <a:solidFill>
-                  <a:srgbClr val="FFFFFF"/>
-                </a:solidFill>
-              </a:rPr>
-              <a:t>pelesequod</a:t>
-            </a:r>
-            <a:endParaRPr lang="fr-FR" baseline="30000" dirty="0">
-              <a:solidFill>
-                <a:srgbClr val="FFFFFF"/>
-              </a:solidFill>
-            </a:endParaRPr>
+              <a:t>ditione dic tem hiciliciist, con rem aut volest, sedi doles erro te sa sam volum dolumqui aceprae eicipsa pelesequod</a:t>
+            </a:r>
           </a:p>
         </p:txBody>
       </p:sp>
@@ -4940,18 +4846,13 @@
               <a:buNone/>
             </a:pPr>
             <a:r>
-              <a:rPr lang="fr-FR" sz="1200" b="1" dirty="0" smtClean="0">
+              <a:rPr lang="fr-FR" sz="1200" b="1" dirty="0">
                 <a:solidFill>
                   <a:schemeClr val="accent1"/>
                 </a:solidFill>
               </a:rPr>
               <a:t>titre</a:t>
             </a:r>
-            <a:endParaRPr lang="fr-FR" sz="1200" b="1" dirty="0">
-              <a:solidFill>
-                <a:schemeClr val="accent1"/>
-              </a:solidFill>
-            </a:endParaRPr>
           </a:p>
         </p:txBody>
       </p:sp>
@@ -5150,18 +5051,13 @@
               <a:buNone/>
             </a:pPr>
             <a:r>
-              <a:rPr lang="fr-FR" sz="1200" b="1" dirty="0" smtClean="0">
+              <a:rPr lang="fr-FR" sz="1200" b="1" dirty="0">
                 <a:solidFill>
                   <a:srgbClr val="FFFFFF"/>
                 </a:solidFill>
               </a:rPr>
               <a:t>titre</a:t>
             </a:r>
-            <a:endParaRPr lang="fr-FR" sz="1200" b="1" dirty="0">
-              <a:solidFill>
-                <a:srgbClr val="FFFFFF"/>
-              </a:solidFill>
-            </a:endParaRPr>
           </a:p>
         </p:txBody>
       </p:sp>
@@ -5199,19 +5095,14 @@
               <a:rPr lang="fr-FR" sz="3200" b="1" baseline="30000" dirty="0"/>
               <a:t>Itas eaquis et </a:t>
             </a:r>
-            <a:endParaRPr lang="fr-FR" sz="3200" b="1" baseline="30000" dirty="0" smtClean="0"/>
           </a:p>
           <a:p>
             <a:pPr>
               <a:buSzPct val="90000"/>
             </a:pPr>
             <a:r>
-              <a:rPr lang="fr-FR" sz="2400" b="1" baseline="30000" dirty="0" smtClean="0"/>
-              <a:t>excerferum </a:t>
-            </a:r>
-            <a:r>
               <a:rPr lang="fr-FR" sz="2400" b="1" baseline="30000" dirty="0"/>
-              <a:t>nuscien </a:t>
+              <a:t>excerferum nuscien </a:t>
             </a:r>
             <a:r>
               <a:rPr lang="fr-FR" sz="2400" baseline="30000" dirty="0"/>
@@ -5308,7 +5199,7 @@
               <a:t>, </a:t>
             </a:r>
             <a:r>
-              <a:rPr lang="fr-FR" sz="2400" baseline="30000" dirty="0" err="1" smtClean="0"/>
+              <a:rPr lang="fr-FR" sz="2400" baseline="30000" dirty="0" err="1"/>
               <a:t>iliquo</a:t>
             </a:r>
             <a:endParaRPr lang="fr-FR" sz="2400" baseline="30000" dirty="0"/>
@@ -5323,11 +5214,11 @@
               <a:buChar char="›"/>
             </a:pPr>
             <a:r>
-              <a:rPr lang="fr-FR" sz="2400" baseline="30000" dirty="0" err="1" smtClean="0"/>
+              <a:rPr lang="fr-FR" sz="2400" baseline="30000" dirty="0" err="1"/>
               <a:t>omnis</a:t>
             </a:r>
             <a:r>
-              <a:rPr lang="fr-FR" sz="2400" baseline="30000" dirty="0" smtClean="0"/>
+              <a:rPr lang="fr-FR" sz="2400" baseline="30000" dirty="0"/>
               <a:t> </a:t>
             </a:r>
             <a:r>
@@ -5411,71 +5302,71 @@
               <a:t> </a:t>
             </a:r>
             <a:r>
-              <a:rPr lang="fr-FR" sz="2400" baseline="30000" dirty="0" err="1" smtClean="0"/>
+              <a:rPr lang="fr-FR" sz="2400" baseline="30000" dirty="0" err="1"/>
               <a:t>iliciae</a:t>
             </a:r>
             <a:r>
-              <a:rPr lang="fr-FR" sz="2400" baseline="30000" dirty="0" smtClean="0"/>
+              <a:rPr lang="fr-FR" sz="2400" baseline="30000" dirty="0"/>
               <a:t> </a:t>
             </a:r>
             <a:r>
-              <a:rPr lang="fr-FR" sz="2400" baseline="30000" dirty="0" err="1" smtClean="0"/>
+              <a:rPr lang="fr-FR" sz="2400" baseline="30000" dirty="0" err="1"/>
               <a:t>cepernat</a:t>
             </a:r>
             <a:r>
-              <a:rPr lang="fr-FR" sz="2400" baseline="30000" dirty="0" smtClean="0"/>
+              <a:rPr lang="fr-FR" sz="2400" baseline="30000" dirty="0"/>
               <a:t> </a:t>
             </a:r>
             <a:r>
-              <a:rPr lang="fr-FR" sz="2400" baseline="30000" dirty="0" err="1" smtClean="0"/>
+              <a:rPr lang="fr-FR" sz="2400" baseline="30000" dirty="0" err="1"/>
               <a:t>fugitas</a:t>
             </a:r>
             <a:r>
-              <a:rPr lang="fr-FR" sz="2400" baseline="30000" dirty="0" smtClean="0"/>
+              <a:rPr lang="fr-FR" sz="2400" baseline="30000" dirty="0"/>
               <a:t> sa </a:t>
             </a:r>
             <a:r>
-              <a:rPr lang="fr-FR" sz="2400" baseline="30000" dirty="0" err="1" smtClean="0"/>
+              <a:rPr lang="fr-FR" sz="2400" baseline="30000" dirty="0" err="1"/>
               <a:t>conse</a:t>
             </a:r>
             <a:r>
-              <a:rPr lang="fr-FR" sz="2400" baseline="30000" dirty="0" smtClean="0"/>
+              <a:rPr lang="fr-FR" sz="2400" baseline="30000" dirty="0"/>
               <a:t> </a:t>
             </a:r>
             <a:r>
-              <a:rPr lang="fr-FR" sz="2400" baseline="30000" dirty="0" err="1" smtClean="0"/>
+              <a:rPr lang="fr-FR" sz="2400" baseline="30000" dirty="0" err="1"/>
               <a:t>molo</a:t>
             </a:r>
             <a:r>
-              <a:rPr lang="fr-FR" sz="2400" baseline="30000" dirty="0" smtClean="0"/>
+              <a:rPr lang="fr-FR" sz="2400" baseline="30000" dirty="0"/>
               <a:t> </a:t>
             </a:r>
             <a:r>
-              <a:rPr lang="fr-FR" sz="2400" baseline="30000" dirty="0" err="1" smtClean="0"/>
+              <a:rPr lang="fr-FR" sz="2400" baseline="30000" dirty="0" err="1"/>
               <a:t>modi</a:t>
             </a:r>
             <a:r>
-              <a:rPr lang="fr-FR" sz="2400" baseline="30000" dirty="0" smtClean="0"/>
+              <a:rPr lang="fr-FR" sz="2400" baseline="30000" dirty="0"/>
               <a:t> </a:t>
             </a:r>
             <a:r>
-              <a:rPr lang="fr-FR" sz="2400" baseline="30000" dirty="0" err="1" smtClean="0"/>
+              <a:rPr lang="fr-FR" sz="2400" baseline="30000" dirty="0" err="1"/>
               <a:t>berecti</a:t>
             </a:r>
             <a:r>
-              <a:rPr lang="fr-FR" sz="2400" baseline="30000" dirty="0" smtClean="0"/>
+              <a:rPr lang="fr-FR" sz="2400" baseline="30000" dirty="0"/>
               <a:t> tem </a:t>
             </a:r>
             <a:r>
-              <a:rPr lang="fr-FR" sz="2400" baseline="30000" dirty="0" err="1" smtClean="0"/>
+              <a:rPr lang="fr-FR" sz="2400" baseline="30000" dirty="0" err="1"/>
               <a:t>ius</a:t>
             </a:r>
             <a:r>
-              <a:rPr lang="fr-FR" sz="2400" baseline="30000" dirty="0" smtClean="0"/>
+              <a:rPr lang="fr-FR" sz="2400" baseline="30000" dirty="0"/>
               <a:t>, officie </a:t>
             </a:r>
             <a:r>
-              <a:rPr lang="fr-FR" sz="2400" baseline="30000" dirty="0" err="1" smtClean="0"/>
+              <a:rPr lang="fr-FR" sz="2400" baseline="30000" dirty="0" err="1"/>
               <a:t>ndiscipsam</a:t>
             </a:r>
             <a:endParaRPr lang="fr-FR" sz="2400" i="1" dirty="0"/>
@@ -5561,10 +5452,9 @@
           </a:lstStyle>
           <a:p>
             <a:r>
-              <a:rPr lang="fr-FR" dirty="0" smtClean="0"/>
+              <a:rPr lang="fr-FR" dirty="0"/>
               <a:t>Cliquez et modifiez le titre</a:t>
             </a:r>
-            <a:endParaRPr lang="fr-FR" dirty="0"/>
           </a:p>
         </p:txBody>
       </p:sp>
@@ -5625,7 +5515,7 @@
           <a:p>
             <a:fld id="{797E56E4-32A0-A24B-AE7B-5E5E4DFEC148}" type="datetime1">
               <a:rPr lang="fr-FR" smtClean="0"/>
-              <a:t>13/11/16</a:t>
+              <a:t>08/11/2018</a:t>
             </a:fld>
             <a:endParaRPr lang="fr-FR" dirty="0"/>
           </a:p>
@@ -5663,10 +5553,9 @@
           </a:lstStyle>
           <a:p>
             <a:r>
-              <a:rPr lang="fr-FR" smtClean="0"/>
+              <a:rPr lang="fr-FR"/>
               <a:t>Python pour la biologie</a:t>
             </a:r>
-            <a:endParaRPr lang="fr-FR"/>
           </a:p>
         </p:txBody>
       </p:sp>
@@ -5704,7 +5593,7 @@
             <a:fld id="{DCE37727-CC04-7A46-938D-2CCFF056F773}" type="slidenum">
               <a:rPr lang="fr-FR" smtClean="0"/>
               <a:pPr/>
-              <a:t>‹#›</a:t>
+              <a:t>‹N°›</a:t>
             </a:fld>
             <a:endParaRPr lang="fr-FR"/>
           </a:p>
@@ -5937,18 +5826,13 @@
               <a:buNone/>
             </a:pPr>
             <a:r>
-              <a:rPr lang="fr-FR" sz="1200" b="1" dirty="0" smtClean="0">
+              <a:rPr lang="fr-FR" sz="1200" b="1" dirty="0">
                 <a:solidFill>
                   <a:srgbClr val="FFFFFF"/>
                 </a:solidFill>
               </a:rPr>
               <a:t>titre</a:t>
             </a:r>
-            <a:endParaRPr lang="fr-FR" sz="1200" b="1" dirty="0">
-              <a:solidFill>
-                <a:srgbClr val="FFFFFF"/>
-              </a:solidFill>
-            </a:endParaRPr>
           </a:p>
         </p:txBody>
       </p:sp>
@@ -5962,13 +5846,6 @@
   <p:clrMapOvr>
     <a:masterClrMapping/>
   </p:clrMapOvr>
-  <p:timing>
-    <p:tnLst>
-      <p:par>
-        <p:cTn xmlns:p14="http://schemas.microsoft.com/office/powerpoint/2010/main" id="1" dur="indefinite" restart="never" nodeType="tmRoot"/>
-      </p:par>
-    </p:tnLst>
-  </p:timing>
 </p:sldLayout>
 </file>
 
@@ -6059,10 +5936,9 @@
               <a:tabLst/>
             </a:pPr>
             <a:r>
-              <a:rPr lang="fr-FR" sz="2800" b="1" i="0" baseline="30000" dirty="0" smtClean="0"/>
+              <a:rPr lang="fr-FR" sz="2800" b="1" i="0" baseline="30000" dirty="0"/>
               <a:t>excerferum nuscien</a:t>
             </a:r>
-            <a:endParaRPr lang="fr-FR" sz="2800" b="1" i="0" baseline="30000" dirty="0"/>
           </a:p>
           <a:p>
             <a:pPr marL="355600" indent="-355600" defTabSz="541338">
@@ -6078,14 +5954,9 @@
               <a:tabLst/>
             </a:pPr>
             <a:r>
-              <a:rPr lang="fr-FR" sz="2800" b="1" i="0" baseline="30000" dirty="0" smtClean="0"/>
-              <a:t>ditione </a:t>
-            </a:r>
-            <a:r>
               <a:rPr lang="fr-FR" sz="2800" b="1" i="0" baseline="30000" dirty="0"/>
-              <a:t>dic tem hiciliciist, con rem aut volest, sedi doles </a:t>
-            </a:r>
-            <a:endParaRPr lang="fr-FR" sz="2800" b="1" i="0" baseline="30000" dirty="0" smtClean="0"/>
+              <a:t>ditione dic tem hiciliciist, con rem aut volest, sedi doles </a:t>
+            </a:r>
           </a:p>
           <a:p>
             <a:pPr marL="355600" indent="-355600" defTabSz="541338">
@@ -6101,16 +5972,12 @@
               <a:tabLst/>
             </a:pPr>
             <a:r>
-              <a:rPr lang="fr-FR" sz="2800" b="1" i="0" baseline="30000" dirty="0" err="1" smtClean="0"/>
+              <a:rPr lang="fr-FR" sz="2800" b="1" i="0" baseline="30000" dirty="0" err="1"/>
               <a:t>erro</a:t>
             </a:r>
             <a:r>
-              <a:rPr lang="fr-FR" sz="2800" b="1" i="0" baseline="30000" dirty="0" smtClean="0"/>
-              <a:t> </a:t>
-            </a:r>
-            <a:r>
               <a:rPr lang="fr-FR" sz="2800" b="1" i="0" baseline="30000" dirty="0"/>
-              <a:t>te sa </a:t>
+              <a:t> te sa </a:t>
             </a:r>
             <a:r>
               <a:rPr lang="fr-FR" sz="2800" b="1" i="0" baseline="30000" dirty="0" err="1"/>
@@ -6145,10 +6012,10 @@
               <a:t> </a:t>
             </a:r>
             <a:r>
-              <a:rPr lang="fr-FR" sz="2800" b="1" i="0" baseline="30000" dirty="0" err="1" smtClean="0"/>
+              <a:rPr lang="fr-FR" sz="2800" b="1" i="0" baseline="30000" dirty="0" err="1"/>
               <a:t>eicipsa</a:t>
             </a:r>
-            <a:endParaRPr lang="fr-FR" sz="2800" b="1" i="0" baseline="30000" dirty="0" smtClean="0"/>
+            <a:endParaRPr lang="fr-FR" sz="2800" b="1" i="0" baseline="30000" dirty="0"/>
           </a:p>
           <a:p>
             <a:pPr marL="355600" indent="-355600" defTabSz="541338">
@@ -6164,19 +6031,15 @@
               <a:tabLst/>
             </a:pPr>
             <a:r>
-              <a:rPr lang="fr-FR" sz="2800" b="1" i="0" baseline="30000" dirty="0" err="1" smtClean="0"/>
+              <a:rPr lang="fr-FR" sz="2800" b="1" i="0" baseline="30000" dirty="0" err="1"/>
               <a:t>pelesequod</a:t>
             </a:r>
             <a:r>
-              <a:rPr lang="fr-FR" sz="2800" b="1" i="0" baseline="30000" dirty="0" smtClean="0"/>
-              <a:t> </a:t>
-            </a:r>
-            <a:r>
               <a:rPr lang="fr-FR" sz="2800" b="1" i="0" baseline="30000" dirty="0"/>
-              <a:t>que cum </a:t>
-            </a:r>
-            <a:r>
-              <a:rPr lang="fr-FR" sz="2800" b="1" i="0" baseline="30000" dirty="0" err="1" smtClean="0"/>
+              <a:t> que cum </a:t>
+            </a:r>
+            <a:r>
+              <a:rPr lang="fr-FR" sz="2800" b="1" i="0" baseline="30000" dirty="0" err="1"/>
               <a:t>hicieni</a:t>
             </a:r>
             <a:endParaRPr lang="fr-FR" sz="2800" b="1" i="0" dirty="0"/>
@@ -6378,7 +6241,7 @@
               <a:buNone/>
             </a:pPr>
             <a:r>
-              <a:rPr lang="fr-FR" sz="1800" b="1" smtClean="0">
+              <a:rPr lang="fr-FR" sz="1800" b="1">
                 <a:solidFill>
                   <a:srgbClr val="FFFFFF"/>
                 </a:solidFill>
@@ -6496,10 +6359,9 @@
           </a:lstStyle>
           <a:p>
             <a:r>
-              <a:rPr lang="fr-FR" dirty="0" smtClean="0"/>
+              <a:rPr lang="fr-FR" dirty="0"/>
               <a:t>Cliquez et modifiez le titre</a:t>
             </a:r>
-            <a:endParaRPr lang="fr-FR" dirty="0"/>
           </a:p>
         </p:txBody>
       </p:sp>
@@ -6536,7 +6398,7 @@
           <a:p>
             <a:fld id="{DE9A3856-CABC-754C-812C-14B8D30E1B18}" type="datetime1">
               <a:rPr lang="fr-FR" smtClean="0"/>
-              <a:t>13/11/16</a:t>
+              <a:t>08/11/2018</a:t>
             </a:fld>
             <a:endParaRPr lang="fr-FR" dirty="0"/>
           </a:p>
@@ -6574,10 +6436,9 @@
           </a:lstStyle>
           <a:p>
             <a:r>
-              <a:rPr lang="fr-FR" smtClean="0"/>
+              <a:rPr lang="fr-FR"/>
               <a:t>Python pour la biologie</a:t>
             </a:r>
-            <a:endParaRPr lang="fr-FR"/>
           </a:p>
         </p:txBody>
       </p:sp>
@@ -6615,7 +6476,7 @@
             <a:fld id="{DCE37727-CC04-7A46-938D-2CCFF056F773}" type="slidenum">
               <a:rPr lang="fr-FR" smtClean="0"/>
               <a:pPr/>
-              <a:t>‹#›</a:t>
+              <a:t>‹N°›</a:t>
             </a:fld>
             <a:endParaRPr lang="fr-FR"/>
           </a:p>
@@ -6663,13 +6524,6 @@
   <p:clrMapOvr>
     <a:masterClrMapping/>
   </p:clrMapOvr>
-  <p:timing>
-    <p:tnLst>
-      <p:par>
-        <p:cTn xmlns:p14="http://schemas.microsoft.com/office/powerpoint/2010/main" id="1" dur="indefinite" restart="never" nodeType="tmRoot"/>
-      </p:par>
-    </p:tnLst>
-  </p:timing>
 </p:sldLayout>
 </file>
 
@@ -6721,10 +6575,9 @@
           <a:lstStyle/>
           <a:p>
             <a:r>
-              <a:rPr lang="fr-FR" smtClean="0"/>
+              <a:rPr lang="fr-FR"/>
               <a:t>Cliquez et modifiez le titre</a:t>
             </a:r>
-            <a:endParaRPr lang="fr-FR"/>
           </a:p>
         </p:txBody>
       </p:sp>
@@ -6775,13 +6628,6 @@
     <p:sldLayoutId id="2147483655" r:id="rId6"/>
     <p:sldLayoutId id="2147483656" r:id="rId7"/>
   </p:sldLayoutIdLst>
-  <p:timing>
-    <p:tnLst>
-      <p:par>
-        <p:cTn xmlns:p14="http://schemas.microsoft.com/office/powerpoint/2010/main" id="1" dur="indefinite" restart="never" nodeType="tmRoot"/>
-      </p:par>
-    </p:tnLst>
-  </p:timing>
   <p:hf hdr="0"/>
   <p:txStyles>
     <p:titleStyle>
@@ -7078,16 +6924,9 @@
   <p:clrMapOvr>
     <a:masterClrMapping/>
   </p:clrMapOvr>
-  <p:transition xmlns:p14="http://schemas.microsoft.com/office/powerpoint/2010/main" spd="slow">
+  <p:transition spd="slow">
     <p:wipe/>
   </p:transition>
-  <p:timing>
-    <p:tnLst>
-      <p:par>
-        <p:cTn xmlns:p14="http://schemas.microsoft.com/office/powerpoint/2010/main" id="1" dur="indefinite" restart="never" nodeType="tmRoot"/>
-      </p:par>
-    </p:tnLst>
-  </p:timing>
 </p:sld>
 </file>
 
@@ -7161,21 +7000,13 @@
             </a:r>
             <a:r>
               <a:rPr lang="en-US" dirty="0"/>
-              <a:t> retrieves document summaries from a list of primary </a:t>
-            </a:r>
-            <a:r>
-              <a:rPr lang="en-US" dirty="0" smtClean="0"/>
-              <a:t>IDs</a:t>
-            </a:r>
-          </a:p>
-          <a:p>
-            <a:r>
-              <a:rPr lang="en-US" dirty="0" smtClean="0"/>
-              <a:t>In </a:t>
-            </a:r>
+              <a:t> retrieves document summaries from a list of primary IDs</a:t>
+            </a:r>
+          </a:p>
+          <a:p>
             <a:r>
               <a:rPr lang="en-US" dirty="0"/>
-              <a:t>Biopython, </a:t>
+              <a:t>In Biopython, </a:t>
             </a:r>
             <a:r>
               <a:rPr lang="en-US" dirty="0" err="1"/>
@@ -7183,14 +7014,10 @@
             </a:r>
             <a:r>
               <a:rPr lang="en-US" dirty="0"/>
-              <a:t> is available </a:t>
-            </a:r>
-            <a:r>
-              <a:rPr lang="en-US" dirty="0" smtClean="0"/>
-              <a:t>as </a:t>
-            </a:r>
-            <a:r>
-              <a:rPr lang="en-US" dirty="0" err="1" smtClean="0"/>
+              <a:t> is available as </a:t>
+            </a:r>
+            <a:r>
+              <a:rPr lang="en-US" dirty="0" err="1"/>
               <a:t>Bio.Entrez.esummary</a:t>
             </a:r>
             <a:r>
@@ -7223,7 +7050,7 @@
           <a:p>
             <a:fld id="{751463B9-2A29-154C-A5AC-383AEA094CA9}" type="datetime1">
               <a:rPr lang="fr-FR" smtClean="0"/>
-              <a:t>13/11/16</a:t>
+              <a:t>08/11/2018</a:t>
             </a:fld>
             <a:endParaRPr lang="fr-FR" dirty="0"/>
           </a:p>
@@ -7245,7 +7072,7 @@
           <a:lstStyle/>
           <a:p>
             <a:r>
-              <a:rPr lang="fr-FR" smtClean="0"/>
+              <a:rPr lang="fr-FR"/>
               <a:t>Python pour la biologie</a:t>
             </a:r>
             <a:endParaRPr lang="fr-FR" dirty="0"/>
@@ -7539,91 +7366,45 @@
           <a:lstStyle/>
           <a:p>
             <a:r>
-              <a:rPr lang="en-US" dirty="0" smtClean="0"/>
-              <a:t>Use </a:t>
-            </a:r>
-            <a:r>
               <a:rPr lang="en-US" dirty="0"/>
-              <a:t>when you want to retrieve a full record from </a:t>
+              <a:t>Use when you want to retrieve a full record from </a:t>
             </a:r>
             <a:r>
               <a:rPr lang="en-US" dirty="0" err="1"/>
               <a:t>Entrez</a:t>
             </a:r>
             <a:r>
-              <a:rPr lang="en-US" dirty="0" smtClean="0"/>
+              <a:rPr lang="en-US" dirty="0"/>
               <a:t>.</a:t>
             </a:r>
           </a:p>
           <a:p>
             <a:r>
               <a:rPr lang="en-US" dirty="0"/>
-              <a:t>For most of their databases, the NCBI support several </a:t>
-            </a:r>
-            <a:r>
-              <a:rPr lang="en-US" dirty="0" smtClean="0"/>
-              <a:t>different </a:t>
-            </a:r>
+              <a:t>For most of their databases, the NCBI support several different formats </a:t>
+            </a:r>
+          </a:p>
+          <a:p>
             <a:r>
               <a:rPr lang="en-US" dirty="0"/>
-              <a:t>formats </a:t>
-            </a:r>
-            <a:endParaRPr lang="en-US" dirty="0" smtClean="0"/>
-          </a:p>
-          <a:p>
-            <a:r>
-              <a:rPr lang="en-US" dirty="0" smtClean="0"/>
-              <a:t>Requires </a:t>
+              <a:t>Requires specifying the </a:t>
+            </a:r>
+            <a:r>
+              <a:rPr lang="en-US" dirty="0" err="1"/>
+              <a:t>rettype</a:t>
             </a:r>
             <a:r>
               <a:rPr lang="en-US" dirty="0"/>
-              <a:t>specifying </a:t>
-            </a:r>
-            <a:r>
-              <a:rPr lang="en-US" dirty="0" smtClean="0"/>
-              <a:t>the </a:t>
-            </a:r>
-            <a:r>
-              <a:rPr lang="en-US" dirty="0" err="1" smtClean="0"/>
-              <a:t>rettype</a:t>
+              <a:t> and/or </a:t>
+            </a:r>
+            <a:r>
+              <a:rPr lang="en-US" dirty="0" err="1"/>
+              <a:t>retmode</a:t>
             </a:r>
             <a:r>
               <a:rPr lang="en-US" dirty="0"/>
-              <a:t> </a:t>
-            </a:r>
-            <a:r>
-              <a:rPr lang="en-US" dirty="0" smtClean="0"/>
-              <a:t>and</a:t>
-            </a:r>
-            <a:r>
-              <a:rPr lang="en-US" dirty="0"/>
-              <a:t>/</a:t>
-            </a:r>
-            <a:r>
-              <a:rPr lang="en-US" dirty="0" smtClean="0"/>
-              <a:t>or </a:t>
-            </a:r>
-            <a:r>
-              <a:rPr lang="en-US" dirty="0" err="1" smtClean="0"/>
-              <a:t>retmode</a:t>
-            </a:r>
-            <a:r>
-              <a:rPr lang="en-US" dirty="0"/>
-              <a:t> </a:t>
-            </a:r>
-            <a:r>
-              <a:rPr lang="en-US" dirty="0" smtClean="0"/>
-              <a:t>optional</a:t>
-            </a:r>
-            <a:r>
-              <a:rPr lang="en-US" dirty="0"/>
-              <a:t> </a:t>
-            </a:r>
-            <a:r>
-              <a:rPr lang="en-US" dirty="0" smtClean="0"/>
-              <a:t>arguments</a:t>
-            </a:r>
-            <a:endParaRPr lang="en-US" dirty="0"/>
+              <a:t> optional arguments</a:t>
+            </a:r>
           </a:p>
           <a:p>
             <a:endParaRPr lang="fr-FR" dirty="0"/>
@@ -7647,7 +7428,7 @@
           <a:p>
             <a:fld id="{751463B9-2A29-154C-A5AC-383AEA094CA9}" type="datetime1">
               <a:rPr lang="fr-FR" smtClean="0"/>
-              <a:t>13/11/16</a:t>
+              <a:t>08/11/2018</a:t>
             </a:fld>
             <a:endParaRPr lang="fr-FR" dirty="0"/>
           </a:p>
@@ -7669,7 +7450,7 @@
           <a:lstStyle/>
           <a:p>
             <a:r>
-              <a:rPr lang="fr-FR" smtClean="0"/>
+              <a:rPr lang="fr-FR"/>
               <a:t>Python pour la biologie</a:t>
             </a:r>
             <a:endParaRPr lang="fr-FR" dirty="0"/>
@@ -8262,13 +8043,8 @@
             </a:r>
             <a:r>
               <a:rPr lang="pt-BR" sz="1200" dirty="0"/>
-              <a:t>.</a:t>
-            </a:r>
-            <a:r>
-              <a:rPr lang="pt-BR" sz="1200" dirty="0" smtClean="0"/>
-              <a:t>,</a:t>
-            </a:r>
-            <a:endParaRPr lang="pt-BR" sz="1200" dirty="0"/>
+              <a:t>.,</a:t>
+            </a:r>
           </a:p>
         </p:txBody>
       </p:sp>
@@ -8325,11 +8101,7 @@
             </a:r>
             <a:r>
               <a:rPr lang="en-US" dirty="0"/>
-              <a:t> </a:t>
-            </a:r>
-            <a:r>
-              <a:rPr lang="en-US" dirty="0" smtClean="0"/>
-              <a:t>record 186972394</a:t>
+              <a:t> record 186972394</a:t>
             </a:r>
             <a:endParaRPr lang="fr-FR" dirty="0"/>
           </a:p>
@@ -8352,7 +8124,7 @@
           <a:p>
             <a:fld id="{751463B9-2A29-154C-A5AC-383AEA094CA9}" type="datetime1">
               <a:rPr lang="fr-FR" smtClean="0"/>
-              <a:t>13/11/16</a:t>
+              <a:t>08/11/2018</a:t>
             </a:fld>
             <a:endParaRPr lang="fr-FR" dirty="0"/>
           </a:p>
@@ -8374,7 +8146,7 @@
           <a:lstStyle/>
           <a:p>
             <a:r>
-              <a:rPr lang="fr-FR" smtClean="0"/>
+              <a:rPr lang="fr-FR"/>
               <a:t>Python pour la biologie</a:t>
             </a:r>
             <a:endParaRPr lang="fr-FR" dirty="0"/>
@@ -8687,7 +8459,7 @@
           </a:p>
           <a:p>
             <a:r>
-              <a:rPr lang="en-US" sz="1200" dirty="0" smtClean="0"/>
+              <a:rPr lang="en-US" sz="1200" dirty="0"/>
               <a:t>KFIYAFSKRKKRFLWLLYNSYVYECEYLFQFLRKQSSYLRSTSSGVFLERTHLYVKIE</a:t>
             </a:r>
           </a:p>
@@ -8746,11 +8518,7 @@
             </a:r>
             <a:r>
               <a:rPr lang="en-US" dirty="0"/>
-              <a:t> record </a:t>
-            </a:r>
-            <a:r>
-              <a:rPr lang="en-US" dirty="0" smtClean="0"/>
-              <a:t>186972394</a:t>
+              <a:t> record 186972394</a:t>
             </a:r>
             <a:endParaRPr lang="fr-FR" dirty="0"/>
           </a:p>
@@ -8797,7 +8565,7 @@
           <a:p>
             <a:fld id="{751463B9-2A29-154C-A5AC-383AEA094CA9}" type="datetime1">
               <a:rPr lang="fr-FR" smtClean="0"/>
-              <a:t>13/11/16</a:t>
+              <a:t>08/11/2018</a:t>
             </a:fld>
             <a:endParaRPr lang="fr-FR" dirty="0"/>
           </a:p>
@@ -8819,7 +8587,7 @@
           <a:lstStyle/>
           <a:p>
             <a:r>
-              <a:rPr lang="fr-FR" smtClean="0"/>
+              <a:rPr lang="fr-FR"/>
               <a:t>Python pour la biologie</a:t>
             </a:r>
             <a:endParaRPr lang="fr-FR" dirty="0"/>
@@ -10078,38 +9846,37 @@
           <a:lstStyle/>
           <a:p>
             <a:r>
-              <a:rPr lang="fr-FR" dirty="0" err="1" smtClean="0"/>
+              <a:rPr lang="fr-FR" dirty="0" err="1"/>
               <a:t>Parse</a:t>
             </a:r>
             <a:r>
-              <a:rPr lang="fr-FR" dirty="0" smtClean="0"/>
+              <a:rPr lang="fr-FR" dirty="0"/>
               <a:t> </a:t>
             </a:r>
             <a:r>
-              <a:rPr lang="fr-FR" dirty="0" err="1" smtClean="0"/>
+              <a:rPr lang="fr-FR" dirty="0" err="1"/>
               <a:t>it</a:t>
             </a:r>
             <a:r>
-              <a:rPr lang="fr-FR" dirty="0" smtClean="0"/>
+              <a:rPr lang="fr-FR" dirty="0"/>
               <a:t> </a:t>
             </a:r>
             <a:r>
-              <a:rPr lang="fr-FR" dirty="0" err="1" smtClean="0"/>
+              <a:rPr lang="fr-FR" dirty="0" err="1"/>
               <a:t>into</a:t>
             </a:r>
             <a:r>
-              <a:rPr lang="fr-FR" dirty="0" smtClean="0"/>
+              <a:rPr lang="fr-FR" dirty="0"/>
               <a:t> a </a:t>
             </a:r>
             <a:r>
-              <a:rPr lang="fr-FR" dirty="0" err="1" smtClean="0"/>
+              <a:rPr lang="fr-FR" dirty="0" err="1"/>
               <a:t>seq</a:t>
             </a:r>
             <a:r>
-              <a:rPr lang="fr-FR" dirty="0" smtClean="0"/>
+              <a:rPr lang="fr-FR" dirty="0"/>
               <a:t> record</a:t>
             </a:r>
-            <a:endParaRPr lang="fr-FR" dirty="0"/>
           </a:p>
         </p:txBody>
       </p:sp>
@@ -10129,30 +9896,21 @@
           <a:lstStyle/>
           <a:p>
             <a:r>
-              <a:rPr lang="fr-FR" dirty="0" smtClean="0"/>
+              <a:rPr lang="fr-FR" dirty="0"/>
               <a:t>If </a:t>
             </a:r>
             <a:r>
-              <a:rPr lang="en-US" dirty="0" smtClean="0"/>
-              <a:t>format </a:t>
-            </a:r>
-            <a:r>
               <a:rPr lang="en-US" dirty="0"/>
-              <a:t>accepted </a:t>
-            </a:r>
-            <a:r>
-              <a:rPr lang="en-US" dirty="0" smtClean="0"/>
-              <a:t>by </a:t>
-            </a:r>
-            <a:r>
-              <a:rPr lang="en-US" dirty="0" err="1" smtClean="0"/>
+              <a:t>format accepted by </a:t>
+            </a:r>
+            <a:r>
+              <a:rPr lang="en-US" dirty="0" err="1"/>
               <a:t>Bio.SeqIO</a:t>
             </a:r>
             <a:r>
-              <a:rPr lang="en-US" dirty="0" smtClean="0"/>
+              <a:rPr lang="en-US" dirty="0"/>
               <a:t>, </a:t>
             </a:r>
-            <a:endParaRPr lang="en-US" dirty="0"/>
           </a:p>
           <a:p>
             <a:endParaRPr lang="fr-FR" dirty="0"/>
@@ -10176,7 +9934,7 @@
           <a:p>
             <a:fld id="{751463B9-2A29-154C-A5AC-383AEA094CA9}" type="datetime1">
               <a:rPr lang="fr-FR" smtClean="0"/>
-              <a:t>13/11/16</a:t>
+              <a:t>08/11/2018</a:t>
             </a:fld>
             <a:endParaRPr lang="fr-FR" dirty="0"/>
           </a:p>
@@ -10198,7 +9956,7 @@
           <a:lstStyle/>
           <a:p>
             <a:r>
-              <a:rPr lang="fr-FR" smtClean="0"/>
+              <a:rPr lang="fr-FR"/>
               <a:t>Python pour la biologie</a:t>
             </a:r>
             <a:endParaRPr lang="fr-FR" dirty="0"/>
@@ -10533,21 +10291,8 @@
                   <a:srgbClr val="FF0000"/>
                 </a:solidFill>
               </a:rPr>
-              <a:t>()</a:t>
-            </a:r>
-            <a:r>
-              <a:rPr lang="en-US" sz="1200" dirty="0" smtClean="0">
-                <a:solidFill>
-                  <a:srgbClr val="FF0000"/>
-                </a:solidFill>
-              </a:rPr>
-              <a:t>)</a:t>
-            </a:r>
-            <a:endParaRPr lang="en-US" sz="1200" dirty="0">
-              <a:solidFill>
-                <a:srgbClr val="FF0000"/>
-              </a:solidFill>
-            </a:endParaRPr>
+              <a:t>())</a:t>
+            </a:r>
           </a:p>
         </p:txBody>
       </p:sp>
@@ -10597,16 +10342,8 @@
           <a:lstStyle/>
           <a:p>
             <a:r>
-              <a:rPr lang="en-US" dirty="0" smtClean="0"/>
-              <a:t>Save </a:t>
-            </a:r>
-            <a:r>
               <a:rPr lang="en-US" dirty="0"/>
-              <a:t>the sequence data to a local </a:t>
-            </a:r>
-            <a:r>
-              <a:rPr lang="en-US" dirty="0" smtClean="0"/>
-              <a:t>file</a:t>
+              <a:t>Save the sequence data to a local file</a:t>
             </a:r>
             <a:endParaRPr lang="fr-FR" dirty="0"/>
           </a:p>
@@ -10633,63 +10370,31 @@
           <a:lstStyle/>
           <a:p>
             <a:r>
-              <a:rPr lang="en-US" dirty="0" smtClean="0"/>
-              <a:t>Typical </a:t>
-            </a:r>
-            <a:r>
               <a:rPr lang="en-US" dirty="0"/>
-              <a:t>use would be to save the sequence data to a local </a:t>
-            </a:r>
-            <a:r>
-              <a:rPr lang="en-US" dirty="0" smtClean="0"/>
-              <a:t>file </a:t>
+              <a:t>Typical use would be to save the sequence data to a local file </a:t>
             </a:r>
             <a:r>
               <a:rPr lang="fr-FR" dirty="0"/>
               <a:t>a</a:t>
             </a:r>
             <a:r>
-              <a:rPr lang="en-US" dirty="0" err="1" smtClean="0"/>
+              <a:rPr lang="en-US" dirty="0" err="1"/>
               <a:t>nd</a:t>
             </a:r>
             <a:r>
-              <a:rPr lang="en-US" dirty="0" smtClean="0"/>
-              <a:t> then</a:t>
-            </a:r>
-            <a:r>
               <a:rPr lang="en-US" dirty="0"/>
-              <a:t> </a:t>
-            </a:r>
-            <a:r>
-              <a:rPr lang="en-US" dirty="0" smtClean="0"/>
-              <a:t>parse </a:t>
-            </a:r>
+              <a:t> then parse it with </a:t>
+            </a:r>
+            <a:r>
+              <a:rPr lang="en-US" dirty="0" err="1"/>
+              <a:t>Bio.SeqIO</a:t>
+            </a:r>
+            <a:endParaRPr lang="en-US" dirty="0"/>
+          </a:p>
+          <a:p>
             <a:r>
               <a:rPr lang="en-US" dirty="0"/>
-              <a:t>it </a:t>
-            </a:r>
-            <a:r>
-              <a:rPr lang="en-US" dirty="0" smtClean="0"/>
-              <a:t>with </a:t>
-            </a:r>
-            <a:r>
-              <a:rPr lang="en-US" dirty="0" err="1" smtClean="0"/>
-              <a:t>Bio.SeqIO</a:t>
-            </a:r>
-            <a:endParaRPr lang="en-US" dirty="0"/>
-          </a:p>
-          <a:p>
-            <a:r>
-              <a:rPr lang="en-US" dirty="0" smtClean="0"/>
-              <a:t>Save you to </a:t>
-            </a:r>
-            <a:r>
-              <a:rPr lang="en-US" dirty="0"/>
-              <a:t>re-download the same </a:t>
-            </a:r>
-            <a:r>
-              <a:rPr lang="en-US" dirty="0" smtClean="0"/>
-              <a:t>file repeatedly</a:t>
+              <a:t>Save you to re-download the same file repeatedly</a:t>
             </a:r>
             <a:endParaRPr lang="fr-FR" dirty="0"/>
           </a:p>
@@ -10712,7 +10417,7 @@
           <a:p>
             <a:fld id="{751463B9-2A29-154C-A5AC-383AEA094CA9}" type="datetime1">
               <a:rPr lang="fr-FR" smtClean="0"/>
-              <a:t>13/11/16</a:t>
+              <a:t>08/11/2018</a:t>
             </a:fld>
             <a:endParaRPr lang="fr-FR" dirty="0"/>
           </a:p>
@@ -10734,7 +10439,7 @@
           <a:lstStyle/>
           <a:p>
             <a:r>
-              <a:rPr lang="fr-FR" smtClean="0"/>
+              <a:rPr lang="fr-FR"/>
               <a:t>Python pour la biologie</a:t>
             </a:r>
             <a:endParaRPr lang="fr-FR" dirty="0"/>
@@ -10849,16 +10554,12 @@
           </a:p>
           <a:p>
             <a:r>
-              <a:rPr lang="en-US" sz="1200" dirty="0" err="1" smtClean="0"/>
+              <a:rPr lang="en-US" sz="1200" dirty="0" err="1"/>
               <a:t>Entrez.email</a:t>
             </a:r>
             <a:r>
-              <a:rPr lang="en-US" sz="1200" dirty="0" smtClean="0"/>
-              <a:t> </a:t>
-            </a:r>
-            <a:r>
-              <a:rPr lang="en-US" sz="1200" dirty="0"/>
-              <a:t>= "</a:t>
+              <a:rPr lang="en-US" sz="1200" dirty="0"/>
+              <a:t> = "</a:t>
             </a:r>
             <a:r>
               <a:rPr lang="en-US" sz="1200" dirty="0" err="1"/>
@@ -10892,21 +10593,8 @@
           <a:p>
             <a:r>
               <a:rPr lang="en-US" sz="1200" dirty="0"/>
-              <a:t>print</a:t>
-            </a:r>
-            <a:r>
-              <a:rPr lang="en-US" sz="1200" dirty="0" smtClean="0"/>
-              <a:t>(“Downloading</a:t>
-            </a:r>
-            <a:r>
-              <a:rPr lang="en-US" sz="1200" dirty="0"/>
-              <a:t>..</a:t>
-            </a:r>
-            <a:r>
-              <a:rPr lang="en-US" sz="1200" dirty="0" smtClean="0"/>
-              <a:t>.”)</a:t>
-            </a:r>
-            <a:endParaRPr lang="en-US" sz="1200" dirty="0"/>
+              <a:t>print(“Downloading...”)</a:t>
+            </a:r>
           </a:p>
           <a:p>
             <a:r>
@@ -11043,11 +10731,7 @@
           <a:p>
             <a:r>
               <a:rPr lang="en-US" sz="1200" dirty="0"/>
-              <a:t>print(record</a:t>
-            </a:r>
-            <a:r>
-              <a:rPr lang="en-US" sz="1200" dirty="0" smtClean="0"/>
-              <a:t>)</a:t>
+              <a:t>print(record)</a:t>
             </a:r>
           </a:p>
         </p:txBody>
@@ -11241,26 +10925,17 @@
           <a:lstStyle/>
           <a:p>
             <a:r>
-              <a:rPr lang="en-US" dirty="0" smtClean="0"/>
-              <a:t>Find </a:t>
-            </a:r>
-            <a:r>
               <a:rPr lang="en-US" dirty="0"/>
-              <a:t>related items in the </a:t>
-            </a:r>
-            <a:r>
-              <a:rPr lang="en-US" dirty="0" smtClean="0"/>
-              <a:t>NCBI </a:t>
-            </a:r>
-            <a:r>
-              <a:rPr lang="en-US" dirty="0" err="1" smtClean="0"/>
+              <a:t>Find related items in the NCBI </a:t>
+            </a:r>
+            <a:r>
+              <a:rPr lang="en-US" dirty="0" err="1"/>
               <a:t>Entrez</a:t>
             </a:r>
             <a:r>
-              <a:rPr lang="en-US" dirty="0" smtClean="0"/>
+              <a:rPr lang="en-US" dirty="0"/>
               <a:t> database</a:t>
             </a:r>
-            <a:endParaRPr lang="en-US" dirty="0"/>
           </a:p>
         </p:txBody>
       </p:sp>
@@ -11281,7 +10956,7 @@
           <a:p>
             <a:fld id="{751463B9-2A29-154C-A5AC-383AEA094CA9}" type="datetime1">
               <a:rPr lang="fr-FR" smtClean="0"/>
-              <a:t>13/11/16</a:t>
+              <a:t>08/11/2018</a:t>
             </a:fld>
             <a:endParaRPr lang="fr-FR" dirty="0"/>
           </a:p>
@@ -11303,7 +10978,7 @@
           <a:lstStyle/>
           <a:p>
             <a:r>
-              <a:rPr lang="fr-FR" smtClean="0"/>
+              <a:rPr lang="fr-FR"/>
               <a:t>Python pour la biologie</a:t>
             </a:r>
             <a:endParaRPr lang="fr-FR" dirty="0"/>
@@ -11540,19 +11215,9 @@
                 <a:latin typeface="Arial"/>
                 <a:cs typeface="Arial"/>
               </a:rPr>
-              <a:t>['19304878'</a:t>
-            </a:r>
-            <a:r>
-              <a:rPr lang="mr-IN" sz="1200" dirty="0" smtClean="0">
-                <a:solidFill>
-                  <a:srgbClr val="FF0000"/>
-                </a:solidFill>
-                <a:latin typeface="Arial"/>
-                <a:cs typeface="Arial"/>
-              </a:rPr>
-              <a:t>]</a:t>
-            </a:r>
-            <a:endParaRPr lang="fr-FR" sz="1200" dirty="0" smtClean="0">
+              <a:t>['19304878']</a:t>
+            </a:r>
+            <a:endParaRPr lang="fr-FR" sz="1200" dirty="0">
               <a:solidFill>
                 <a:srgbClr val="FF0000"/>
               </a:solidFill>
@@ -11736,242 +11401,218 @@
                 <a:latin typeface="Arial"/>
                 <a:cs typeface="Arial"/>
               </a:rPr>
-              <a:t>["Link"]</a:t>
-            </a:r>
-            <a:r>
-              <a:rPr lang="en-US" sz="1200" dirty="0" smtClean="0">
+              <a:t>["Link"]))</a:t>
+            </a:r>
+          </a:p>
+          <a:p>
+            <a:r>
+              <a:rPr lang="en-US" sz="1200" dirty="0" err="1">
+                <a:solidFill>
+                  <a:srgbClr val="FF0000"/>
+                </a:solidFill>
                 <a:latin typeface="Arial"/>
                 <a:cs typeface="Arial"/>
               </a:rPr>
-              <a:t>))</a:t>
-            </a:r>
-          </a:p>
-          <a:p>
-            <a:r>
-              <a:rPr lang="en-US" sz="1200" dirty="0" err="1" smtClean="0">
+              <a:t>pubmed</a:t>
+            </a:r>
+            <a:r>
+              <a:rPr lang="en-US" sz="1200" dirty="0">
                 <a:solidFill>
                   <a:srgbClr val="FF0000"/>
                 </a:solidFill>
                 <a:latin typeface="Arial"/>
                 <a:cs typeface="Arial"/>
               </a:rPr>
-              <a:t>pubmed</a:t>
-            </a:r>
-            <a:r>
-              <a:rPr lang="en-US" sz="1200" dirty="0" smtClean="0">
+              <a:t> </a:t>
+            </a:r>
+            <a:r>
+              <a:rPr lang="en-US" sz="1200" dirty="0" err="1">
                 <a:solidFill>
                   <a:srgbClr val="FF0000"/>
                 </a:solidFill>
                 <a:latin typeface="Arial"/>
                 <a:cs typeface="Arial"/>
               </a:rPr>
-              <a:t> </a:t>
-            </a:r>
-            <a:r>
-              <a:rPr lang="en-US" sz="1200" dirty="0" err="1">
+              <a:t>pubmed_pubmed</a:t>
+            </a:r>
+            <a:r>
+              <a:rPr lang="en-US" sz="1200" dirty="0">
                 <a:solidFill>
                   <a:srgbClr val="FF0000"/>
                 </a:solidFill>
                 <a:latin typeface="Arial"/>
                 <a:cs typeface="Arial"/>
               </a:rPr>
-              <a:t>pubmed_pubmed</a:t>
-            </a:r>
-            <a:r>
-              <a:rPr lang="en-US" sz="1200" dirty="0">
+              <a:t> 110</a:t>
+            </a:r>
+          </a:p>
+          <a:p>
+            <a:r>
+              <a:rPr lang="en-US" sz="1200" dirty="0" err="1">
                 <a:solidFill>
                   <a:srgbClr val="FF0000"/>
                 </a:solidFill>
                 <a:latin typeface="Arial"/>
                 <a:cs typeface="Arial"/>
               </a:rPr>
-              <a:t> 110</a:t>
-            </a:r>
-          </a:p>
-          <a:p>
-            <a:r>
-              <a:rPr lang="en-US" sz="1200" dirty="0" err="1">
+              <a:t>pubmed</a:t>
+            </a:r>
+            <a:r>
+              <a:rPr lang="en-US" sz="1200" dirty="0">
                 <a:solidFill>
                   <a:srgbClr val="FF0000"/>
                 </a:solidFill>
                 <a:latin typeface="Arial"/>
                 <a:cs typeface="Arial"/>
               </a:rPr>
-              <a:t>pubmed</a:t>
-            </a:r>
-            <a:r>
-              <a:rPr lang="en-US" sz="1200" dirty="0">
+              <a:t> </a:t>
+            </a:r>
+            <a:r>
+              <a:rPr lang="en-US" sz="1200" dirty="0" err="1">
                 <a:solidFill>
                   <a:srgbClr val="FF0000"/>
                 </a:solidFill>
                 <a:latin typeface="Arial"/>
                 <a:cs typeface="Arial"/>
               </a:rPr>
-              <a:t> </a:t>
-            </a:r>
-            <a:r>
-              <a:rPr lang="en-US" sz="1200" dirty="0" err="1">
+              <a:t>pubmed_pubmed_combined</a:t>
+            </a:r>
+            <a:r>
+              <a:rPr lang="en-US" sz="1200" dirty="0">
                 <a:solidFill>
                   <a:srgbClr val="FF0000"/>
                 </a:solidFill>
                 <a:latin typeface="Arial"/>
                 <a:cs typeface="Arial"/>
               </a:rPr>
-              <a:t>pubmed_pubmed_combined</a:t>
-            </a:r>
-            <a:r>
-              <a:rPr lang="en-US" sz="1200" dirty="0">
+              <a:t> 6</a:t>
+            </a:r>
+          </a:p>
+          <a:p>
+            <a:r>
+              <a:rPr lang="en-US" sz="1200" dirty="0" err="1">
                 <a:solidFill>
                   <a:srgbClr val="FF0000"/>
                 </a:solidFill>
                 <a:latin typeface="Arial"/>
                 <a:cs typeface="Arial"/>
               </a:rPr>
-              <a:t> 6</a:t>
-            </a:r>
-          </a:p>
-          <a:p>
-            <a:r>
-              <a:rPr lang="en-US" sz="1200" dirty="0" err="1">
+              <a:t>pubmed</a:t>
+            </a:r>
+            <a:r>
+              <a:rPr lang="en-US" sz="1200" dirty="0">
                 <a:solidFill>
                   <a:srgbClr val="FF0000"/>
                 </a:solidFill>
                 <a:latin typeface="Arial"/>
                 <a:cs typeface="Arial"/>
               </a:rPr>
-              <a:t>pubmed</a:t>
-            </a:r>
-            <a:r>
-              <a:rPr lang="en-US" sz="1200" dirty="0">
+              <a:t> </a:t>
+            </a:r>
+            <a:r>
+              <a:rPr lang="en-US" sz="1200" dirty="0" err="1">
                 <a:solidFill>
                   <a:srgbClr val="FF0000"/>
                 </a:solidFill>
                 <a:latin typeface="Arial"/>
                 <a:cs typeface="Arial"/>
               </a:rPr>
-              <a:t> </a:t>
-            </a:r>
-            <a:r>
-              <a:rPr lang="en-US" sz="1200" dirty="0" err="1">
+              <a:t>pubmed_pubmed_five</a:t>
+            </a:r>
+            <a:r>
+              <a:rPr lang="en-US" sz="1200" dirty="0">
                 <a:solidFill>
                   <a:srgbClr val="FF0000"/>
                 </a:solidFill>
                 <a:latin typeface="Arial"/>
                 <a:cs typeface="Arial"/>
               </a:rPr>
-              <a:t>pubmed_pubmed_five</a:t>
-            </a:r>
-            <a:r>
-              <a:rPr lang="en-US" sz="1200" dirty="0">
+              <a:t> 6</a:t>
+            </a:r>
+          </a:p>
+          <a:p>
+            <a:r>
+              <a:rPr lang="en-US" sz="1200" dirty="0" err="1">
                 <a:solidFill>
                   <a:srgbClr val="FF0000"/>
                 </a:solidFill>
                 <a:latin typeface="Arial"/>
                 <a:cs typeface="Arial"/>
               </a:rPr>
-              <a:t> 6</a:t>
-            </a:r>
-          </a:p>
-          <a:p>
-            <a:r>
-              <a:rPr lang="en-US" sz="1200" dirty="0" err="1">
+              <a:t>pubmed</a:t>
+            </a:r>
+            <a:r>
+              <a:rPr lang="en-US" sz="1200" dirty="0">
                 <a:solidFill>
                   <a:srgbClr val="FF0000"/>
                 </a:solidFill>
                 <a:latin typeface="Arial"/>
                 <a:cs typeface="Arial"/>
               </a:rPr>
-              <a:t>pubmed</a:t>
-            </a:r>
-            <a:r>
-              <a:rPr lang="en-US" sz="1200" dirty="0">
+              <a:t> </a:t>
+            </a:r>
+            <a:r>
+              <a:rPr lang="en-US" sz="1200" dirty="0" err="1">
                 <a:solidFill>
                   <a:srgbClr val="FF0000"/>
                 </a:solidFill>
                 <a:latin typeface="Arial"/>
                 <a:cs typeface="Arial"/>
               </a:rPr>
-              <a:t> </a:t>
-            </a:r>
-            <a:r>
-              <a:rPr lang="en-US" sz="1200" dirty="0" err="1">
+              <a:t>pubmed_pubmed_reviews</a:t>
+            </a:r>
+            <a:r>
+              <a:rPr lang="en-US" sz="1200" dirty="0">
                 <a:solidFill>
                   <a:srgbClr val="FF0000"/>
                 </a:solidFill>
                 <a:latin typeface="Arial"/>
                 <a:cs typeface="Arial"/>
               </a:rPr>
-              <a:t>pubmed_pubmed_reviews</a:t>
-            </a:r>
-            <a:r>
-              <a:rPr lang="en-US" sz="1200" dirty="0">
+              <a:t> 5</a:t>
+            </a:r>
+          </a:p>
+          <a:p>
+            <a:r>
+              <a:rPr lang="en-US" sz="1200" dirty="0" err="1">
                 <a:solidFill>
                   <a:srgbClr val="FF0000"/>
                 </a:solidFill>
                 <a:latin typeface="Arial"/>
                 <a:cs typeface="Arial"/>
               </a:rPr>
-              <a:t> 5</a:t>
-            </a:r>
-          </a:p>
-          <a:p>
-            <a:r>
-              <a:rPr lang="en-US" sz="1200" dirty="0" err="1">
+              <a:t>pubmed</a:t>
+            </a:r>
+            <a:r>
+              <a:rPr lang="en-US" sz="1200" dirty="0">
                 <a:solidFill>
                   <a:srgbClr val="FF0000"/>
                 </a:solidFill>
                 <a:latin typeface="Arial"/>
                 <a:cs typeface="Arial"/>
               </a:rPr>
-              <a:t>pubmed</a:t>
-            </a:r>
-            <a:r>
-              <a:rPr lang="en-US" sz="1200" dirty="0">
+              <a:t> </a:t>
+            </a:r>
+            <a:r>
+              <a:rPr lang="en-US" sz="1200" dirty="0" err="1">
                 <a:solidFill>
                   <a:srgbClr val="FF0000"/>
                 </a:solidFill>
                 <a:latin typeface="Arial"/>
                 <a:cs typeface="Arial"/>
               </a:rPr>
-              <a:t> </a:t>
-            </a:r>
-            <a:r>
-              <a:rPr lang="en-US" sz="1200" dirty="0" err="1">
+              <a:t>pubmed_pubmed_reviews_five</a:t>
+            </a:r>
+            <a:r>
+              <a:rPr lang="en-US" sz="1200" dirty="0">
                 <a:solidFill>
                   <a:srgbClr val="FF0000"/>
                 </a:solidFill>
                 <a:latin typeface="Arial"/>
                 <a:cs typeface="Arial"/>
               </a:rPr>
-              <a:t>pubmed_pubmed_reviews_five</a:t>
-            </a:r>
-            <a:r>
-              <a:rPr lang="en-US" sz="1200" dirty="0">
-                <a:solidFill>
-                  <a:srgbClr val="FF0000"/>
-                </a:solidFill>
-                <a:latin typeface="Arial"/>
-                <a:cs typeface="Arial"/>
-              </a:rPr>
-              <a:t> </a:t>
-            </a:r>
-            <a:r>
-              <a:rPr lang="en-US" sz="1200" dirty="0" smtClean="0">
-                <a:solidFill>
-                  <a:srgbClr val="FF0000"/>
-                </a:solidFill>
-                <a:latin typeface="Arial"/>
-                <a:cs typeface="Arial"/>
-              </a:rPr>
-              <a:t>5</a:t>
-            </a:r>
-            <a:endParaRPr lang="en-US" sz="1200" dirty="0">
-              <a:solidFill>
-                <a:srgbClr val="FF0000"/>
-              </a:solidFill>
-              <a:latin typeface="Arial"/>
-              <a:cs typeface="Arial"/>
-            </a:endParaRPr>
+              <a:t> 5</a:t>
+            </a:r>
           </a:p>
         </p:txBody>
       </p:sp>
@@ -12261,11 +11902,7 @@
           <a:p>
             <a:r>
               <a:rPr lang="en-US" dirty="0"/>
-              <a:t>The actual search results are stored as under </a:t>
-            </a:r>
-            <a:r>
-              <a:rPr lang="en-US" dirty="0" smtClean="0"/>
-              <a:t>the "Link” key</a:t>
+              <a:t>The actual search results are stored as under the "Link” key</a:t>
             </a:r>
             <a:endParaRPr lang="fr-FR" dirty="0"/>
           </a:p>
@@ -12288,7 +11925,7 @@
           <a:p>
             <a:fld id="{751463B9-2A29-154C-A5AC-383AEA094CA9}" type="datetime1">
               <a:rPr lang="fr-FR" smtClean="0"/>
-              <a:t>13/11/16</a:t>
+              <a:t>08/11/2018</a:t>
             </a:fld>
             <a:endParaRPr lang="fr-FR" dirty="0"/>
           </a:p>
@@ -12310,7 +11947,7 @@
           <a:lstStyle/>
           <a:p>
             <a:r>
-              <a:rPr lang="fr-FR" smtClean="0"/>
+              <a:rPr lang="fr-FR"/>
               <a:t>Python pour la biologie</a:t>
             </a:r>
             <a:endParaRPr lang="fr-FR" dirty="0"/>
@@ -12992,12 +12629,8 @@
           </a:lstStyle>
           <a:p>
             <a:r>
-              <a:rPr lang="en-US" dirty="0" smtClean="0"/>
-              <a:t>This </a:t>
-            </a:r>
-            <a:r>
               <a:rPr lang="en-US" dirty="0"/>
-              <a:t>paper, with PubMed ID 14630660, is about the Biopython PDB parser.</a:t>
+              <a:t>This paper, with PubMed ID 14630660, is about the Biopython PDB parser.</a:t>
             </a:r>
           </a:p>
         </p:txBody>
@@ -13100,7 +12733,7 @@
           <a:p>
             <a:fld id="{751463B9-2A29-154C-A5AC-383AEA094CA9}" type="datetime1">
               <a:rPr lang="fr-FR" smtClean="0"/>
-              <a:t>13/11/16</a:t>
+              <a:t>08/11/2018</a:t>
             </a:fld>
             <a:endParaRPr lang="fr-FR" dirty="0"/>
           </a:p>
@@ -13122,7 +12755,7 @@
           <a:lstStyle/>
           <a:p>
             <a:r>
-              <a:rPr lang="fr-FR" smtClean="0"/>
+              <a:rPr lang="fr-FR"/>
               <a:t>Python pour la biologie</a:t>
             </a:r>
             <a:endParaRPr lang="fr-FR" dirty="0"/>
@@ -13452,7 +13085,7 @@
           <a:p>
             <a:fld id="{751463B9-2A29-154C-A5AC-383AEA094CA9}" type="datetime1">
               <a:rPr lang="fr-FR" smtClean="0"/>
-              <a:t>13/11/16</a:t>
+              <a:t>08/11/2018</a:t>
             </a:fld>
             <a:endParaRPr lang="fr-FR" dirty="0"/>
           </a:p>
@@ -13474,7 +13107,7 @@
           <a:lstStyle/>
           <a:p>
             <a:r>
-              <a:rPr lang="fr-FR" smtClean="0"/>
+              <a:rPr lang="fr-FR"/>
               <a:t>Python pour la biologie</a:t>
             </a:r>
             <a:endParaRPr lang="fr-FR" dirty="0"/>
@@ -13713,7 +13346,7 @@
           <a:lstStyle/>
           <a:p>
             <a:r>
-              <a:rPr lang="fr-FR" dirty="0" smtClean="0"/>
+              <a:rPr lang="fr-FR" dirty="0"/>
               <a:t>Biopython: </a:t>
             </a:r>
             <a:r>
@@ -13754,44 +13387,32 @@
           </a:bodyPr>
           <a:lstStyle/>
           <a:p>
-            <a:r>
-              <a:rPr lang="fr-FR" dirty="0" smtClean="0"/>
-              <a:t/>
-            </a:r>
-            <a:br>
-              <a:rPr lang="fr-FR" dirty="0" smtClean="0"/>
-            </a:br>
-            <a:r>
-              <a:rPr lang="fr-FR" dirty="0"/>
-              <a:t/>
-            </a:r>
             <a:br>
               <a:rPr lang="fr-FR" dirty="0"/>
             </a:br>
-            <a:r>
-              <a:rPr lang="fr-FR" dirty="0" smtClean="0">
+            <a:br>
+              <a:rPr lang="fr-FR" dirty="0"/>
+            </a:br>
+            <a:r>
+              <a:rPr lang="fr-FR" dirty="0">
                 <a:solidFill>
                   <a:schemeClr val="tx1"/>
                 </a:solidFill>
               </a:rPr>
               <a:t>Formation CNRS</a:t>
             </a:r>
-            <a:r>
-              <a:rPr lang="fr-FR" dirty="0" smtClean="0"/>
-              <a:t/>
-            </a:r>
             <a:br>
-              <a:rPr lang="fr-FR" dirty="0" smtClean="0"/>
+              <a:rPr lang="fr-FR"/>
             </a:br>
             <a:r>
-              <a:rPr lang="fr-FR" dirty="0" smtClean="0"/>
-              <a:t>18 Novembre 2016</a:t>
+              <a:rPr lang="fr-FR"/>
+              <a:t>8 Novembre 2018</a:t>
             </a:r>
             <a:br>
-              <a:rPr lang="fr-FR" dirty="0" smtClean="0"/>
+              <a:rPr lang="fr-FR" dirty="0"/>
             </a:br>
             <a:r>
-              <a:rPr lang="en-US" b="1" dirty="0" smtClean="0">
+              <a:rPr lang="en-US" b="1" dirty="0">
                 <a:solidFill>
                   <a:schemeClr val="tx1"/>
                 </a:solidFill>
@@ -13799,24 +13420,16 @@
               <a:t>Python pour la </a:t>
             </a:r>
             <a:r>
-              <a:rPr lang="en-US" b="1" dirty="0" err="1" smtClean="0">
+              <a:rPr lang="en-US" b="1" dirty="0" err="1">
                 <a:solidFill>
                   <a:schemeClr val="tx1"/>
                 </a:solidFill>
               </a:rPr>
               <a:t>biologie</a:t>
-            </a:r>
-            <a:r>
-              <a:rPr lang="en-US" b="1" dirty="0"/>
-              <a:t/>
             </a:r>
             <a:br>
               <a:rPr lang="en-US" b="1" dirty="0"/>
             </a:br>
-            <a:r>
-              <a:rPr lang="fr-FR" dirty="0"/>
-              <a:t/>
-            </a:r>
             <a:br>
               <a:rPr lang="fr-FR" dirty="0"/>
             </a:br>
@@ -13894,16 +13507,9 @@
   <p:clrMapOvr>
     <a:masterClrMapping/>
   </p:clrMapOvr>
-  <p:transition xmlns:p14="http://schemas.microsoft.com/office/powerpoint/2010/main" spd="slow">
+  <p:transition spd="slow">
     <p:wipe/>
   </p:transition>
-  <p:timing>
-    <p:tnLst>
-      <p:par>
-        <p:cTn xmlns:p14="http://schemas.microsoft.com/office/powerpoint/2010/main" id="1" dur="indefinite" restart="never" nodeType="tmRoot"/>
-      </p:par>
-    </p:tnLst>
-  </p:timing>
 </p:sld>
 </file>
 
@@ -13979,7 +13585,7 @@
           <a:p>
             <a:fld id="{751463B9-2A29-154C-A5AC-383AEA094CA9}" type="datetime1">
               <a:rPr lang="fr-FR" smtClean="0"/>
-              <a:t>13/11/16</a:t>
+              <a:t>08/11/2018</a:t>
             </a:fld>
             <a:endParaRPr lang="fr-FR" dirty="0"/>
           </a:p>
@@ -14001,7 +13607,7 @@
           <a:lstStyle/>
           <a:p>
             <a:r>
-              <a:rPr lang="fr-FR" smtClean="0"/>
+              <a:rPr lang="fr-FR"/>
               <a:t>Python pour la biologie</a:t>
             </a:r>
             <a:endParaRPr lang="fr-FR" dirty="0"/>
@@ -14110,42 +13716,13 @@
           <a:p>
             <a:r>
               <a:rPr lang="en-US" dirty="0"/>
-              <a:t>B</a:t>
-            </a:r>
-            <a:r>
-              <a:rPr lang="en-US" dirty="0" smtClean="0"/>
-              <a:t>e </a:t>
-            </a:r>
+              <a:t>Be sensible with your usage levels. If you plan to download lots of data, consider other options. </a:t>
+            </a:r>
+          </a:p>
+          <a:p>
             <a:r>
               <a:rPr lang="en-US" dirty="0"/>
-              <a:t>sensible with your usage levels. If you plan to download lots of data, consider </a:t>
-            </a:r>
-            <a:r>
-              <a:rPr lang="en-US" dirty="0" smtClean="0"/>
-              <a:t>other options</a:t>
-            </a:r>
-            <a:r>
-              <a:rPr lang="en-US" dirty="0"/>
-              <a:t>. </a:t>
-            </a:r>
-            <a:endParaRPr lang="en-US" dirty="0" smtClean="0"/>
-          </a:p>
-          <a:p>
-            <a:r>
-              <a:rPr lang="en-US" dirty="0" smtClean="0"/>
-              <a:t>For </a:t>
-            </a:r>
-            <a:r>
-              <a:rPr lang="en-US" dirty="0"/>
-              <a:t>example, if you want easy access to all the human genes, consider fetching each </a:t>
-            </a:r>
-            <a:r>
-              <a:rPr lang="en-US" dirty="0" smtClean="0"/>
-              <a:t>chromosome by </a:t>
-            </a:r>
-            <a:r>
-              <a:rPr lang="en-US" dirty="0"/>
-              <a:t>FTP as a </a:t>
+              <a:t>For example, if you want easy access to all the human genes, consider fetching each chromosome by FTP as a </a:t>
             </a:r>
             <a:r>
               <a:rPr lang="en-US" dirty="0" err="1"/>
@@ -14153,15 +13730,7 @@
             </a:r>
             <a:r>
               <a:rPr lang="en-US" dirty="0"/>
-              <a:t> </a:t>
-            </a:r>
-            <a:r>
-              <a:rPr lang="en-US" dirty="0" smtClean="0"/>
-              <a:t>file</a:t>
-            </a:r>
-            <a:r>
-              <a:rPr lang="en-US" dirty="0"/>
-              <a:t>, and importing these into your own </a:t>
+              <a:t> file, and importing these into your own </a:t>
             </a:r>
             <a:r>
               <a:rPr lang="en-US" dirty="0" err="1"/>
@@ -14169,11 +13738,7 @@
             </a:r>
             <a:r>
               <a:rPr lang="en-US" dirty="0"/>
-              <a:t> </a:t>
-            </a:r>
-            <a:r>
-              <a:rPr lang="en-US" dirty="0" smtClean="0"/>
-              <a:t>database.</a:t>
+              <a:t> database.</a:t>
             </a:r>
           </a:p>
           <a:p>
@@ -14181,28 +13746,28 @@
           </a:p>
           <a:p>
             <a:r>
-              <a:rPr lang="en-US" dirty="0" smtClean="0"/>
+              <a:rPr lang="en-US" dirty="0"/>
               <a:t>Don</a:t>
             </a:r>
             <a:r>
-              <a:rPr lang="mr-IN" dirty="0" smtClean="0"/>
+              <a:rPr lang="mr-IN" dirty="0"/>
               <a:t>’</a:t>
             </a:r>
             <a:r>
-              <a:rPr lang="en-US" dirty="0" smtClean="0"/>
+              <a:rPr lang="en-US" dirty="0"/>
               <a:t>t forget to import the module </a:t>
             </a:r>
             <a:r>
-              <a:rPr lang="en-US" dirty="0" err="1" smtClean="0"/>
+              <a:rPr lang="en-US" dirty="0" err="1"/>
               <a:t>Entrez</a:t>
             </a:r>
-            <a:endParaRPr lang="en-US" dirty="0" smtClean="0"/>
-          </a:p>
-          <a:p>
             <a:endParaRPr lang="en-US" dirty="0"/>
           </a:p>
           <a:p>
-            <a:endParaRPr lang="en-US" dirty="0" smtClean="0"/>
+            <a:endParaRPr lang="en-US" dirty="0"/>
+          </a:p>
+          <a:p>
+            <a:endParaRPr lang="en-US" dirty="0"/>
           </a:p>
           <a:p>
             <a:endParaRPr lang="en-US" dirty="0"/>
@@ -14229,7 +13794,7 @@
           <a:p>
             <a:fld id="{B78E4C01-D620-5F47-81AE-6CCE1DF3C584}" type="datetime1">
               <a:rPr lang="fr-FR" smtClean="0"/>
-              <a:t>13/11/16</a:t>
+              <a:t>08/11/2018</a:t>
             </a:fld>
             <a:endParaRPr lang="fr-FR" dirty="0"/>
           </a:p>
@@ -14251,7 +13816,7 @@
           <a:lstStyle/>
           <a:p>
             <a:r>
-              <a:rPr lang="fr-FR" smtClean="0"/>
+              <a:rPr lang="fr-FR"/>
               <a:t>Python pour la biologie</a:t>
             </a:r>
             <a:endParaRPr lang="fr-FR" dirty="0"/>
@@ -14324,7 +13889,7 @@
               <a:t>&gt;&gt;&gt; from Bio import </a:t>
             </a:r>
             <a:r>
-              <a:rPr lang="en-US" sz="2000" dirty="0" err="1" smtClean="0"/>
+              <a:rPr lang="en-US" sz="2000" dirty="0" err="1"/>
               <a:t>Entrez</a:t>
             </a:r>
             <a:endParaRPr lang="en-US" sz="2000" dirty="0"/>
@@ -14424,15 +13989,7 @@
             </a:r>
             <a:r>
               <a:rPr lang="en-US" dirty="0"/>
-              <a:t> provides </a:t>
-            </a:r>
-            <a:r>
-              <a:rPr lang="en-US" dirty="0" smtClean="0"/>
-              <a:t>field </a:t>
-            </a:r>
-            <a:r>
-              <a:rPr lang="en-US" dirty="0"/>
-              <a:t>index term counts, last update, and available links for each of NCBI's databases</a:t>
+              <a:t> provides field index term counts, last update, and available links for each of NCBI's databases</a:t>
             </a:r>
             <a:endParaRPr lang="fr-FR" dirty="0"/>
           </a:p>
@@ -14455,7 +14012,7 @@
           <a:p>
             <a:fld id="{B78E4C01-D620-5F47-81AE-6CCE1DF3C584}" type="datetime1">
               <a:rPr lang="fr-FR" smtClean="0"/>
-              <a:t>13/11/16</a:t>
+              <a:t>08/11/2018</a:t>
             </a:fld>
             <a:endParaRPr lang="fr-FR" dirty="0"/>
           </a:p>
@@ -14477,7 +14034,7 @@
           <a:lstStyle/>
           <a:p>
             <a:r>
-              <a:rPr lang="fr-FR" smtClean="0"/>
+              <a:rPr lang="fr-FR"/>
               <a:t>Python pour la biologie</a:t>
             </a:r>
             <a:endParaRPr lang="fr-FR" dirty="0"/>
@@ -14546,18 +14103,11 @@
           </a:lstStyle>
           <a:p>
             <a:r>
-              <a:rPr lang="en-US" sz="1200" dirty="0" smtClean="0">
-                <a:latin typeface="Arial"/>
-                <a:cs typeface="Arial"/>
-              </a:rPr>
-              <a:t>&gt;</a:t>
-            </a:r>
-            <a:r>
               <a:rPr lang="en-US" sz="1200" dirty="0">
                 <a:latin typeface="Arial"/>
                 <a:cs typeface="Arial"/>
               </a:rPr>
-              <a:t>&gt;&gt; </a:t>
+              <a:t>&gt;&gt;&gt; </a:t>
             </a:r>
             <a:r>
               <a:rPr lang="en-US" sz="1200" dirty="0" err="1">
@@ -14631,14 +14181,7 @@
                 <a:latin typeface="Arial"/>
                 <a:cs typeface="Arial"/>
               </a:rPr>
-              <a:t>(</a:t>
-            </a:r>
-            <a:r>
-              <a:rPr lang="en-US" sz="1200" dirty="0" smtClean="0">
-                <a:latin typeface="Arial"/>
-                <a:cs typeface="Arial"/>
-              </a:rPr>
-              <a:t>)</a:t>
+              <a:t>()</a:t>
             </a:r>
           </a:p>
           <a:p>
@@ -14647,21 +14190,31 @@
                 <a:latin typeface="Arial"/>
                 <a:cs typeface="Arial"/>
               </a:rPr>
-              <a:t>&gt;&gt;&gt; print(result</a:t>
-            </a:r>
-            <a:r>
-              <a:rPr lang="mr-IN" sz="1200" dirty="0" smtClean="0">
+              <a:t>&gt;&gt;&gt; print(result) &lt;?xml version="1.0"?&gt;</a:t>
+            </a:r>
+          </a:p>
+          <a:p>
+            <a:r>
+              <a:rPr lang="mr-IN" sz="1200" dirty="0">
+                <a:solidFill>
+                  <a:srgbClr val="FF0000"/>
+                </a:solidFill>
                 <a:latin typeface="Arial"/>
                 <a:cs typeface="Arial"/>
               </a:rPr>
-              <a:t>)</a:t>
-            </a:r>
+              <a:t>&lt;!DOCTYPE eInfoResult PUBLIC "-//NLM//DTD eInfoResult, 11 May 2002//EN"</a:t>
+            </a:r>
+          </a:p>
+          <a:p>
             <a:r>
               <a:rPr lang="mr-IN" sz="1200" dirty="0">
+                <a:solidFill>
+                  <a:srgbClr val="FF0000"/>
+                </a:solidFill>
                 <a:latin typeface="Arial"/>
                 <a:cs typeface="Arial"/>
               </a:rPr>
-              <a:t> &lt;?xml version="1.0"?&gt;</a:t>
+              <a:t>"http://www.ncbi.nlm.nih.gov/entrez/query/DTD/eInfo_020511.dtd"&gt;</a:t>
             </a:r>
           </a:p>
           <a:p>
@@ -14673,7 +14226,7 @@
                 <a:latin typeface="Arial"/>
                 <a:cs typeface="Arial"/>
               </a:rPr>
-              <a:t>&lt;!DOCTYPE eInfoResult PUBLIC "-//NLM//DTD eInfoResult, 11 May 2002//EN"</a:t>
+              <a:t>&lt;eInfoResult&gt;</a:t>
             </a:r>
           </a:p>
           <a:p>
@@ -14685,7 +14238,7 @@
                 <a:latin typeface="Arial"/>
                 <a:cs typeface="Arial"/>
               </a:rPr>
-              <a:t>"http://www.ncbi.nlm.nih.gov/entrez/query/DTD/eInfo_020511.dtd"&gt;</a:t>
+              <a:t>&lt;DbList&gt;</a:t>
             </a:r>
           </a:p>
           <a:p>
@@ -14697,7 +14250,7 @@
                 <a:latin typeface="Arial"/>
                 <a:cs typeface="Arial"/>
               </a:rPr>
-              <a:t>&lt;eInfoResult&gt;</a:t>
+              <a:t>&lt;DbName&gt;pubmed&lt;/DbName&gt;</a:t>
             </a:r>
           </a:p>
           <a:p>
@@ -14709,7 +14262,7 @@
                 <a:latin typeface="Arial"/>
                 <a:cs typeface="Arial"/>
               </a:rPr>
-              <a:t>&lt;DbList&gt;</a:t>
+              <a:t>&lt;DbName&gt;protein&lt;/DbName&gt;</a:t>
             </a:r>
           </a:p>
           <a:p>
@@ -14721,7 +14274,7 @@
                 <a:latin typeface="Arial"/>
                 <a:cs typeface="Arial"/>
               </a:rPr>
-              <a:t>&lt;DbName&gt;pubmed&lt;/DbName&gt;</a:t>
+              <a:t>&lt;DbName&gt;nucleotide&lt;/DbName&gt;</a:t>
             </a:r>
           </a:p>
           <a:p>
@@ -14733,7 +14286,7 @@
                 <a:latin typeface="Arial"/>
                 <a:cs typeface="Arial"/>
               </a:rPr>
-              <a:t>&lt;DbName&gt;protein&lt;/DbName&gt;</a:t>
+              <a:t>&lt;DbName&gt;nuccore&lt;/DbName&gt;</a:t>
             </a:r>
           </a:p>
           <a:p>
@@ -14745,36 +14298,12 @@
                 <a:latin typeface="Arial"/>
                 <a:cs typeface="Arial"/>
               </a:rPr>
-              <a:t>&lt;DbName&gt;nucleotide&lt;/DbName&gt;</a:t>
+              <a:t>&lt;DbName&gt;nucgss&lt;/DbName&gt;</a:t>
             </a:r>
           </a:p>
           <a:p>
             <a:r>
               <a:rPr lang="mr-IN" sz="1200" dirty="0">
-                <a:solidFill>
-                  <a:srgbClr val="FF0000"/>
-                </a:solidFill>
-                <a:latin typeface="Arial"/>
-                <a:cs typeface="Arial"/>
-              </a:rPr>
-              <a:t>&lt;DbName&gt;nuccore&lt;/DbName&gt;</a:t>
-            </a:r>
-          </a:p>
-          <a:p>
-            <a:r>
-              <a:rPr lang="mr-IN" sz="1200" dirty="0">
-                <a:solidFill>
-                  <a:srgbClr val="FF0000"/>
-                </a:solidFill>
-                <a:latin typeface="Arial"/>
-                <a:cs typeface="Arial"/>
-              </a:rPr>
-              <a:t>&lt;DbName&gt;nucgss&lt;/DbName&gt;</a:t>
-            </a:r>
-          </a:p>
-          <a:p>
-            <a:r>
-              <a:rPr lang="mr-IN" sz="1200" dirty="0" smtClean="0">
                 <a:solidFill>
                   <a:srgbClr val="FF0000"/>
                 </a:solidFill>
@@ -14793,15 +14322,17 @@
           </a:p>
           <a:p>
             <a:r>
-              <a:rPr lang="mr-IN" sz="1200" dirty="0" smtClean="0">
+              <a:rPr lang="mr-IN" sz="1200" dirty="0">
                 <a:solidFill>
                   <a:srgbClr val="FF0000"/>
                 </a:solidFill>
                 <a:latin typeface="Arial"/>
                 <a:cs typeface="Arial"/>
               </a:rPr>
-              <a:t>&lt;</a:t>
-            </a:r>
+              <a:t>&lt;DbName&gt;genome&lt;/DbName&gt;</a:t>
+            </a:r>
+          </a:p>
+          <a:p>
             <a:r>
               <a:rPr lang="mr-IN" sz="1200" dirty="0">
                 <a:solidFill>
@@ -14810,7 +14341,7 @@
                 <a:latin typeface="Arial"/>
                 <a:cs typeface="Arial"/>
               </a:rPr>
-              <a:t>DbName&gt;genome&lt;/DbName&gt;</a:t>
+              <a:t>&lt;DbName&gt;books&lt;/DbName&gt;</a:t>
             </a:r>
           </a:p>
           <a:p>
@@ -14822,31 +14353,9 @@
                 <a:latin typeface="Arial"/>
                 <a:cs typeface="Arial"/>
               </a:rPr>
-              <a:t>&lt;DbName&gt;books&lt;/DbName&gt;</a:t>
-            </a:r>
-          </a:p>
-          <a:p>
-            <a:r>
-              <a:rPr lang="mr-IN" sz="1200" dirty="0">
-                <a:solidFill>
-                  <a:srgbClr val="FF0000"/>
-                </a:solidFill>
-                <a:latin typeface="Arial"/>
-                <a:cs typeface="Arial"/>
-              </a:rPr>
-              <a:t>&lt;DbName&gt;cancerchromosomes&lt;/DbName</a:t>
-            </a:r>
-            <a:r>
-              <a:rPr lang="mr-IN" sz="1200" dirty="0" smtClean="0">
-                <a:solidFill>
-                  <a:srgbClr val="FF0000"/>
-                </a:solidFill>
-                <a:latin typeface="Arial"/>
-                <a:cs typeface="Arial"/>
-              </a:rPr>
-              <a:t>&gt;</a:t>
-            </a:r>
-            <a:endParaRPr lang="fr-FR" sz="1200" dirty="0" smtClean="0">
+              <a:t>&lt;DbName&gt;cancerchromosomes&lt;/DbName&gt;</a:t>
+            </a:r>
+            <a:endParaRPr lang="fr-FR" sz="1200" dirty="0">
               <a:solidFill>
                 <a:srgbClr val="FF0000"/>
               </a:solidFill>
@@ -14899,25 +14408,8 @@
                 <a:latin typeface="Arial"/>
                 <a:cs typeface="Arial"/>
               </a:rPr>
-              <a:t>&lt;/eInfoResult</a:t>
-            </a:r>
-            <a:r>
-              <a:rPr lang="mr-IN" sz="1200" dirty="0" smtClean="0">
-                <a:solidFill>
-                  <a:srgbClr val="FF0000"/>
-                </a:solidFill>
-                <a:latin typeface="Arial"/>
-                <a:cs typeface="Arial"/>
-              </a:rPr>
-              <a:t>&gt;</a:t>
-            </a:r>
-            <a:endParaRPr lang="mr-IN" sz="1200" dirty="0">
-              <a:solidFill>
-                <a:srgbClr val="FF0000"/>
-              </a:solidFill>
-              <a:latin typeface="Arial"/>
-              <a:cs typeface="Arial"/>
-            </a:endParaRPr>
+              <a:t>&lt;/eInfoResult&gt;</a:t>
+            </a:r>
           </a:p>
         </p:txBody>
       </p:sp>
@@ -14931,13 +14423,6 @@
   <p:clrMapOvr>
     <a:masterClrMapping/>
   </p:clrMapOvr>
-  <p:timing>
-    <p:tnLst>
-      <p:par>
-        <p:cTn xmlns:p14="http://schemas.microsoft.com/office/powerpoint/2010/main" id="1" dur="indefinite" restart="never" nodeType="tmRoot"/>
-      </p:par>
-    </p:tnLst>
-  </p:timing>
 </p:sld>
 </file>
 
@@ -15016,28 +14501,16 @@
           <a:lstStyle/>
           <a:p>
             <a:r>
-              <a:rPr lang="en-US" dirty="0" smtClean="0"/>
+              <a:rPr lang="en-US" dirty="0"/>
               <a:t>Using </a:t>
             </a:r>
             <a:r>
-              <a:rPr lang="en-US" dirty="0" err="1" smtClean="0"/>
+              <a:rPr lang="en-US" dirty="0" err="1"/>
               <a:t>Bio.Entrez's</a:t>
             </a:r>
             <a:r>
-              <a:rPr lang="en-US" dirty="0" smtClean="0"/>
-              <a:t> </a:t>
-            </a:r>
-            <a:r>
               <a:rPr lang="en-US" dirty="0"/>
-              <a:t>parser instead, we can directly parse this XML </a:t>
-            </a:r>
-            <a:r>
-              <a:rPr lang="en-US" dirty="0" smtClean="0"/>
-              <a:t>file </a:t>
-            </a:r>
-            <a:r>
-              <a:rPr lang="en-US" dirty="0"/>
-              <a:t>into a Python object:</a:t>
+              <a:t> parser instead, we can directly parse this XML file into a Python object:</a:t>
             </a:r>
           </a:p>
           <a:p>
@@ -15062,7 +14535,7 @@
           <a:p>
             <a:fld id="{751463B9-2A29-154C-A5AC-383AEA094CA9}" type="datetime1">
               <a:rPr lang="fr-FR" smtClean="0"/>
-              <a:t>13/11/16</a:t>
+              <a:t>08/11/2018</a:t>
             </a:fld>
             <a:endParaRPr lang="fr-FR" dirty="0"/>
           </a:p>
@@ -15084,7 +14557,7 @@
           <a:lstStyle/>
           <a:p>
             <a:r>
-              <a:rPr lang="fr-FR" smtClean="0"/>
+              <a:rPr lang="fr-FR"/>
               <a:t>Python pour la biologie</a:t>
             </a:r>
             <a:endParaRPr lang="fr-FR" dirty="0"/>
@@ -15153,12 +14626,8 @@
           </a:lstStyle>
           <a:p>
             <a:r>
-              <a:rPr lang="en-US" sz="1200" dirty="0" smtClean="0"/>
-              <a:t>&gt;</a:t>
-            </a:r>
-            <a:r>
-              <a:rPr lang="en-US" sz="1200" dirty="0"/>
-              <a:t>&gt;&gt; handle = </a:t>
+              <a:rPr lang="en-US" sz="1200" dirty="0"/>
+              <a:t>&gt;&gt;&gt; handle = </a:t>
             </a:r>
             <a:r>
               <a:rPr lang="en-US" sz="1200" dirty="0" err="1"/>
@@ -15223,18 +14692,11 @@
           </a:lstStyle>
           <a:p>
             <a:r>
-              <a:rPr lang="nl-NL" sz="1200" dirty="0" smtClean="0">
-                <a:latin typeface="Arial"/>
-                <a:cs typeface="Arial"/>
-              </a:rPr>
-              <a:t>&gt;</a:t>
-            </a:r>
-            <a:r>
               <a:rPr lang="nl-NL" sz="1200" dirty="0">
                 <a:latin typeface="Arial"/>
                 <a:cs typeface="Arial"/>
               </a:rPr>
-              <a:t>&gt;&gt; record["</a:t>
+              <a:t>&gt;&gt;&gt; record["</a:t>
             </a:r>
             <a:r>
               <a:rPr lang="nl-NL" sz="1200" dirty="0" err="1">
@@ -15983,7 +15445,7 @@
               <a:t>', '</a:t>
             </a:r>
             <a:r>
-              <a:rPr lang="nl-NL" sz="1200" dirty="0" err="1" smtClean="0">
+              <a:rPr lang="nl-NL" sz="1200" dirty="0" err="1">
                 <a:solidFill>
                   <a:srgbClr val="FF0000"/>
                 </a:solidFill>
@@ -15993,7 +15455,7 @@
               <a:t>unists</a:t>
             </a:r>
             <a:r>
-              <a:rPr lang="nl-NL" sz="1200" dirty="0" smtClean="0">
+              <a:rPr lang="nl-NL" sz="1200" dirty="0">
                 <a:solidFill>
                   <a:srgbClr val="FF0000"/>
                 </a:solidFill>
@@ -16002,13 +15464,6 @@
               </a:rPr>
               <a:t>’]</a:t>
             </a:r>
-            <a:endParaRPr lang="nl-NL" sz="1200" dirty="0">
-              <a:solidFill>
-                <a:srgbClr val="FF0000"/>
-              </a:solidFill>
-              <a:latin typeface="Arial"/>
-              <a:cs typeface="Arial"/>
-            </a:endParaRPr>
           </a:p>
         </p:txBody>
       </p:sp>
@@ -16221,7 +15676,7 @@
           </a:lstStyle>
           <a:p>
             <a:r>
-              <a:rPr lang="en-US" dirty="0" smtClean="0"/>
+              <a:rPr lang="en-US" dirty="0"/>
               <a:t>Now record is a dictionary with exactly one key </a:t>
             </a:r>
           </a:p>
@@ -16527,7 +15982,7 @@
   <p:timing>
     <p:tnLst>
       <p:par>
-        <p:cTn xmlns:p14="http://schemas.microsoft.com/office/powerpoint/2010/main" id="1" dur="indefinite" restart="never" nodeType="tmRoot">
+        <p:cTn id="1" dur="indefinite" restart="never" nodeType="tmRoot">
           <p:childTnLst>
             <p:seq concurrent="1" nextAc="seek">
               <p:cTn id="2" dur="indefinite" nodeType="mainSeq">
@@ -16689,11 +16144,7 @@
             </a:r>
             <a:r>
               <a:rPr lang="en-US" dirty="0"/>
-              <a:t> again to obtain more </a:t>
-            </a:r>
-            <a:r>
-              <a:rPr lang="en-US" dirty="0" smtClean="0"/>
-              <a:t>information:</a:t>
+              <a:t> again to obtain more information:</a:t>
             </a:r>
             <a:endParaRPr lang="fr-FR" dirty="0"/>
           </a:p>
@@ -16716,7 +16167,7 @@
           <a:p>
             <a:fld id="{751463B9-2A29-154C-A5AC-383AEA094CA9}" type="datetime1">
               <a:rPr lang="fr-FR" smtClean="0"/>
-              <a:t>13/11/16</a:t>
+              <a:t>08/11/2018</a:t>
             </a:fld>
             <a:endParaRPr lang="fr-FR" dirty="0"/>
           </a:p>
@@ -16738,7 +16189,7 @@
           <a:lstStyle/>
           <a:p>
             <a:r>
-              <a:rPr lang="fr-FR" smtClean="0"/>
+              <a:rPr lang="fr-FR"/>
               <a:t>Python pour la biologie</a:t>
             </a:r>
             <a:endParaRPr lang="fr-FR" dirty="0"/>
@@ -17012,20 +16463,22 @@
           </a:p>
           <a:p>
             <a:r>
-              <a:rPr lang="en-US" sz="1200" dirty="0" smtClean="0">
+              <a:rPr lang="en-US" sz="1200" dirty="0">
                 <a:solidFill>
                   <a:srgbClr val="FF0000"/>
                 </a:solidFill>
               </a:rPr>
-              <a:t>AUTH</a:t>
-            </a:r>
+              <a:t>AUTH, Author, Author(s) of publication</a:t>
+            </a:r>
+          </a:p>
+          <a:p>
             <a:r>
               <a:rPr lang="en-US" sz="1200" dirty="0">
                 <a:solidFill>
                   <a:srgbClr val="FF0000"/>
                 </a:solidFill>
               </a:rPr>
-              <a:t>, Author, Author(s) of publication</a:t>
+              <a:t>JOUR, Journal, Journal abbreviation of publication</a:t>
             </a:r>
           </a:p>
           <a:p>
@@ -17035,25 +16488,7 @@
                   <a:srgbClr val="FF0000"/>
                 </a:solidFill>
               </a:rPr>
-              <a:t>JOUR, Journal, Journal abbreviation of publication</a:t>
-            </a:r>
-          </a:p>
-          <a:p>
-            <a:r>
-              <a:rPr lang="en-US" sz="1200" dirty="0" smtClean="0">
-                <a:solidFill>
-                  <a:srgbClr val="FF0000"/>
-                </a:solidFill>
-              </a:rPr>
-              <a:t>.</a:t>
-            </a:r>
-            <a:r>
-              <a:rPr lang="en-US" sz="1200" dirty="0">
-                <a:solidFill>
-                  <a:srgbClr val="FF0000"/>
-                </a:solidFill>
-              </a:rPr>
-              <a:t>..</a:t>
+              <a:t>...</a:t>
             </a:r>
           </a:p>
         </p:txBody>
@@ -17276,15 +16711,7 @@
             </a:r>
             <a:r>
               <a:rPr lang="en-US" dirty="0"/>
-              <a:t>"].keys() for other information stored in this record. One of the most useful is a list of possible search </a:t>
-            </a:r>
-            <a:r>
-              <a:rPr lang="en-US" dirty="0" smtClean="0"/>
-              <a:t>fields </a:t>
-            </a:r>
-            <a:r>
-              <a:rPr lang="en-US" dirty="0"/>
-              <a:t>for use with </a:t>
+              <a:t>"].keys() for other information stored in this record. One of the most useful is a list of possible search fields for use with </a:t>
             </a:r>
             <a:r>
               <a:rPr lang="en-US" dirty="0" err="1"/>
@@ -17307,7 +16734,7 @@
   <p:timing>
     <p:tnLst>
       <p:par>
-        <p:cTn xmlns:p14="http://schemas.microsoft.com/office/powerpoint/2010/main" id="1" dur="indefinite" restart="never" nodeType="tmRoot">
+        <p:cTn id="1" dur="indefinite" restart="never" nodeType="tmRoot">
           <p:childTnLst>
             <p:seq concurrent="1" nextAc="seek">
               <p:cTn id="2" dur="indefinite" nodeType="mainSeq">
@@ -17505,37 +16932,21 @@
           <a:p>
             <a:r>
               <a:rPr lang="en-US" dirty="0"/>
-              <a:t>To search any of these databases, we </a:t>
-            </a:r>
-            <a:r>
-              <a:rPr lang="en-US" dirty="0" smtClean="0"/>
-              <a:t>use </a:t>
-            </a:r>
-            <a:r>
-              <a:rPr lang="en-US" dirty="0" err="1" smtClean="0"/>
+              <a:t>To search any of these databases, we use </a:t>
+            </a:r>
+            <a:r>
+              <a:rPr lang="en-US" dirty="0" err="1"/>
               <a:t>Bio.Entrez.esearch</a:t>
             </a:r>
             <a:r>
               <a:rPr lang="en-US" dirty="0"/>
-              <a:t>(</a:t>
-            </a:r>
-            <a:r>
-              <a:rPr lang="en-US" dirty="0" smtClean="0"/>
-              <a:t>)</a:t>
+              <a:t>()</a:t>
             </a:r>
           </a:p>
           <a:p>
             <a:r>
               <a:rPr lang="en-US" dirty="0"/>
-              <a:t>let's search in PubMed </a:t>
-            </a:r>
-            <a:r>
-              <a:rPr lang="en-US" dirty="0" smtClean="0"/>
-              <a:t>for publications </a:t>
-            </a:r>
-            <a:r>
-              <a:rPr lang="en-US" dirty="0"/>
-              <a:t>related to Biopython</a:t>
+              <a:t>let's search in PubMed for publications related to Biopython</a:t>
             </a:r>
           </a:p>
           <a:p>
@@ -17563,7 +16974,7 @@
           <a:p>
             <a:fld id="{B78E4C01-D620-5F47-81AE-6CCE1DF3C584}" type="datetime1">
               <a:rPr lang="fr-FR" smtClean="0"/>
-              <a:t>13/11/16</a:t>
+              <a:t>08/11/2018</a:t>
             </a:fld>
             <a:endParaRPr lang="fr-FR" dirty="0"/>
           </a:p>
@@ -17585,7 +16996,7 @@
           <a:lstStyle/>
           <a:p>
             <a:r>
-              <a:rPr lang="fr-FR" smtClean="0"/>
+              <a:rPr lang="fr-FR"/>
               <a:t>Python pour la biologie</a:t>
             </a:r>
             <a:endParaRPr lang="fr-FR" dirty="0"/>
@@ -18005,20 +17416,8 @@
           </a:lstStyle>
           <a:p>
             <a:r>
-              <a:rPr lang="en-US" dirty="0" smtClean="0"/>
-              <a:t>7 PubMed  </a:t>
-            </a:r>
-            <a:r>
               <a:rPr lang="en-US" dirty="0"/>
-              <a:t>IDs  (including  19304878  which  is  the  PMID  for  </a:t>
-            </a:r>
-            <a:r>
-              <a:rPr lang="en-US" dirty="0" smtClean="0"/>
-              <a:t>the  Biopython application </a:t>
-            </a:r>
-            <a:r>
-              <a:rPr lang="en-US" dirty="0"/>
-              <a:t>note), which can be retrieved by </a:t>
+              <a:t>7 PubMed  IDs  (including  19304878  which  is  the  PMID  for  the  Biopython application note), which can be retrieved by </a:t>
             </a:r>
             <a:r>
               <a:rPr lang="en-US" dirty="0" err="1"/>
@@ -18045,7 +17444,7 @@
   <p:timing>
     <p:tnLst>
       <p:par>
-        <p:cTn xmlns:p14="http://schemas.microsoft.com/office/powerpoint/2010/main" id="1" dur="indefinite" restart="never" nodeType="tmRoot">
+        <p:cTn id="1" dur="indefinite" restart="never" nodeType="tmRoot">
           <p:childTnLst>
             <p:seq concurrent="1" nextAc="seek">
               <p:cTn id="2" dur="indefinite" nodeType="mainSeq">
@@ -18197,14 +17596,10 @@
           <a:p>
             <a:r>
               <a:rPr lang="en-US" dirty="0"/>
-              <a:t>Note that instead of a species name </a:t>
-            </a:r>
-            <a:r>
-              <a:rPr lang="en-US" dirty="0" smtClean="0"/>
-              <a:t>like </a:t>
-            </a:r>
-            <a:r>
-              <a:rPr lang="en-US" dirty="0" err="1" smtClean="0"/>
+              <a:t>Note that instead of a species name like </a:t>
+            </a:r>
+            <a:r>
+              <a:rPr lang="en-US" dirty="0" err="1"/>
               <a:t>Cypripedioideae</a:t>
             </a:r>
             <a:r>
@@ -18216,84 +17611,28 @@
               <a:t>Orgn</a:t>
             </a:r>
             <a:r>
-              <a:rPr lang="en-US" dirty="0" smtClean="0"/>
-              <a:t>], </a:t>
-            </a:r>
-            <a:r>
               <a:rPr lang="en-US" dirty="0"/>
-              <a:t>you can restrict the search </a:t>
-            </a:r>
-            <a:r>
-              <a:rPr lang="en-US" dirty="0" smtClean="0"/>
-              <a:t>using an </a:t>
-            </a:r>
-            <a:r>
-              <a:rPr lang="en-US" dirty="0"/>
-              <a:t>NCBI taxon </a:t>
-            </a:r>
-            <a:r>
-              <a:rPr lang="en-US" dirty="0" smtClean="0"/>
-              <a:t>identifier</a:t>
-            </a:r>
-            <a:r>
-              <a:rPr lang="en-US" dirty="0"/>
-              <a:t>, here this would </a:t>
-            </a:r>
-            <a:r>
-              <a:rPr lang="en-US" dirty="0" smtClean="0"/>
-              <a:t>be txid158330</a:t>
-            </a:r>
-            <a:r>
-              <a:rPr lang="en-US" dirty="0"/>
-              <a:t>[</a:t>
+              <a:t>], you can restrict the search using an NCBI taxon identifier, here this would be txid158330[</a:t>
             </a:r>
             <a:r>
               <a:rPr lang="en-US" dirty="0" err="1"/>
               <a:t>Orgn</a:t>
             </a:r>
             <a:r>
-              <a:rPr lang="en-US" dirty="0" smtClean="0"/>
+              <a:rPr lang="en-US" dirty="0"/>
               <a:t>]</a:t>
             </a:r>
           </a:p>
           <a:p>
             <a:r>
-              <a:rPr lang="en-US" dirty="0" smtClean="0"/>
-              <a:t>For </a:t>
-            </a:r>
-            <a:r>
               <a:rPr lang="en-US" dirty="0"/>
-              <a:t>example, </a:t>
-            </a:r>
-            <a:r>
-              <a:rPr lang="en-US" dirty="0" smtClean="0"/>
-              <a:t>including complete</a:t>
-            </a:r>
+              <a:t>For example, including complete[prop] in a genome search restricts to just completed genomes</a:t>
+            </a:r>
+          </a:p>
+          <a:p>
             <a:r>
               <a:rPr lang="en-US" dirty="0"/>
-              <a:t>[prop</a:t>
-            </a:r>
-            <a:r>
-              <a:rPr lang="en-US" dirty="0" smtClean="0"/>
-              <a:t>] in a genome </a:t>
-            </a:r>
-            <a:r>
-              <a:rPr lang="en-US" dirty="0"/>
-              <a:t>search restricts to just completed </a:t>
-            </a:r>
-            <a:r>
-              <a:rPr lang="en-US" dirty="0" smtClean="0"/>
-              <a:t>genomes</a:t>
-            </a:r>
-          </a:p>
-          <a:p>
-            <a:r>
-              <a:rPr lang="en-US" dirty="0" smtClean="0"/>
-              <a:t>let's </a:t>
-            </a:r>
-            <a:r>
-              <a:rPr lang="en-US" dirty="0"/>
-              <a:t>get a list of computational journal titles</a:t>
+              <a:t>let's get a list of computational journal titles</a:t>
             </a:r>
             <a:endParaRPr lang="fr-FR" dirty="0"/>
           </a:p>
@@ -18316,7 +17655,7 @@
           <a:p>
             <a:fld id="{751463B9-2A29-154C-A5AC-383AEA094CA9}" type="datetime1">
               <a:rPr lang="fr-FR" smtClean="0"/>
-              <a:t>13/11/16</a:t>
+              <a:t>08/11/2018</a:t>
             </a:fld>
             <a:endParaRPr lang="fr-FR" dirty="0"/>
           </a:p>
@@ -18338,7 +17677,7 @@
           <a:lstStyle/>
           <a:p>
             <a:r>
-              <a:rPr lang="fr-FR" smtClean="0"/>
+              <a:rPr lang="fr-FR"/>
               <a:t>Python pour la biologie</a:t>
             </a:r>
             <a:endParaRPr lang="fr-FR" dirty="0"/>
@@ -18583,31 +17922,31 @@
           <a:lstStyle/>
           <a:p>
             <a:r>
-              <a:rPr lang="fr-FR" dirty="0" err="1" smtClean="0"/>
+              <a:rPr lang="fr-FR" dirty="0" err="1"/>
               <a:t>Epost</a:t>
             </a:r>
             <a:r>
-              <a:rPr lang="fr-FR" dirty="0" smtClean="0"/>
+              <a:rPr lang="fr-FR" dirty="0"/>
               <a:t>: </a:t>
             </a:r>
             <a:r>
-              <a:rPr lang="fr-FR" dirty="0" err="1" smtClean="0"/>
+              <a:rPr lang="fr-FR" dirty="0" err="1"/>
               <a:t>Uploading</a:t>
             </a:r>
             <a:r>
-              <a:rPr lang="fr-FR" dirty="0" smtClean="0"/>
+              <a:rPr lang="fr-FR" dirty="0"/>
               <a:t> a </a:t>
             </a:r>
             <a:r>
-              <a:rPr lang="fr-FR" dirty="0" err="1" smtClean="0"/>
+              <a:rPr lang="fr-FR" dirty="0" err="1"/>
               <a:t>list</a:t>
             </a:r>
             <a:r>
-              <a:rPr lang="fr-FR" dirty="0" smtClean="0"/>
+              <a:rPr lang="fr-FR" dirty="0"/>
               <a:t> of </a:t>
             </a:r>
             <a:r>
-              <a:rPr lang="fr-FR" dirty="0" err="1" smtClean="0"/>
+              <a:rPr lang="fr-FR" dirty="0" err="1"/>
               <a:t>identifiers</a:t>
             </a:r>
             <a:endParaRPr lang="fr-FR" dirty="0"/>
@@ -18640,35 +17979,22 @@
             </a:r>
             <a:r>
               <a:rPr lang="en-US" dirty="0"/>
-              <a:t> uploads a list of UIs for use in subsequent search </a:t>
-            </a:r>
-            <a:r>
-              <a:rPr lang="en-US" dirty="0" smtClean="0"/>
-              <a:t>strategies</a:t>
+              <a:t> uploads a list of UIs for use in subsequent search strategies</a:t>
             </a:r>
           </a:p>
           <a:p>
             <a:r>
               <a:rPr lang="en-US" dirty="0"/>
-              <a:t>It is available from Biopython through </a:t>
-            </a:r>
-            <a:r>
-              <a:rPr lang="en-US" dirty="0" smtClean="0"/>
-              <a:t>the </a:t>
-            </a:r>
-            <a:r>
-              <a:rPr lang="en-US" dirty="0" err="1" smtClean="0"/>
+              <a:t>It is available from Biopython through the </a:t>
+            </a:r>
+            <a:r>
+              <a:rPr lang="en-US" dirty="0" err="1"/>
               <a:t>Bio.Entrez.epost</a:t>
             </a:r>
             <a:r>
               <a:rPr lang="en-US" dirty="0"/>
-              <a:t>(</a:t>
-            </a:r>
-            <a:r>
-              <a:rPr lang="en-US" dirty="0" smtClean="0"/>
-              <a:t>) function</a:t>
-            </a:r>
-            <a:endParaRPr lang="en-US" dirty="0"/>
+              <a:t>() function</a:t>
+            </a:r>
           </a:p>
         </p:txBody>
       </p:sp>
@@ -18689,7 +18015,7 @@
           <a:p>
             <a:fld id="{751463B9-2A29-154C-A5AC-383AEA094CA9}" type="datetime1">
               <a:rPr lang="fr-FR" smtClean="0"/>
-              <a:t>13/11/16</a:t>
+              <a:t>08/11/2018</a:t>
             </a:fld>
             <a:endParaRPr lang="fr-FR" dirty="0"/>
           </a:p>
@@ -18711,7 +18037,7 @@
           <a:lstStyle/>
           <a:p>
             <a:r>
-              <a:rPr lang="fr-FR" smtClean="0"/>
+              <a:rPr lang="fr-FR"/>
               <a:t>Python pour la biologie</a:t>
             </a:r>
             <a:endParaRPr lang="fr-FR" dirty="0"/>
@@ -19296,62 +18622,37 @@
           </a:lstStyle>
           <a:p>
             <a:r>
-              <a:rPr lang="en-US" dirty="0" smtClean="0"/>
-              <a:t>XML </a:t>
-            </a:r>
-            <a:r>
               <a:rPr lang="en-US" dirty="0"/>
-              <a:t>includes two important </a:t>
-            </a:r>
-            <a:r>
-              <a:rPr lang="en-US" dirty="0" smtClean="0"/>
-              <a:t>strings:</a:t>
+              <a:t>XML includes two important strings:</a:t>
             </a:r>
           </a:p>
           <a:p>
             <a:pPr lvl="1"/>
             <a:r>
-              <a:rPr lang="en-US" sz="1600" dirty="0" err="1" smtClean="0"/>
+              <a:rPr lang="en-US" sz="1600" dirty="0" err="1"/>
               <a:t>QueryKey</a:t>
             </a:r>
             <a:r>
-              <a:rPr lang="en-US" sz="1600" dirty="0" smtClean="0"/>
-              <a:t> and</a:t>
-            </a:r>
-            <a:r>
               <a:rPr lang="en-US" sz="1600" dirty="0"/>
-              <a:t> </a:t>
-            </a:r>
-            <a:r>
-              <a:rPr lang="en-US" sz="1600" dirty="0" err="1" smtClean="0"/>
+              <a:t> and </a:t>
+            </a:r>
+            <a:r>
+              <a:rPr lang="en-US" sz="1600" dirty="0" err="1"/>
               <a:t>WebEnv</a:t>
             </a:r>
             <a:r>
               <a:rPr lang="en-US" sz="1600" dirty="0"/>
-              <a:t> </a:t>
-            </a:r>
-            <a:r>
-              <a:rPr lang="en-US" sz="1600" dirty="0" smtClean="0"/>
-              <a:t>which </a:t>
-            </a:r>
-            <a:r>
-              <a:rPr lang="en-US" sz="1600" dirty="0"/>
-              <a:t>together de ne your </a:t>
-            </a:r>
-            <a:r>
-              <a:rPr lang="en-US" sz="1600" dirty="0" smtClean="0"/>
-              <a:t>history session</a:t>
+              <a:t> which together de ne your history session</a:t>
             </a:r>
             <a:r>
               <a:rPr lang="en-US" sz="1600"/>
               <a:t>. </a:t>
             </a:r>
-            <a:endParaRPr lang="en-US" sz="1600" smtClean="0"/>
           </a:p>
           <a:p>
             <a:pPr lvl="1"/>
             <a:r>
-              <a:rPr lang="en-US" sz="1600" smtClean="0"/>
+              <a:rPr lang="en-US" sz="1600"/>
               <a:t>You </a:t>
             </a:r>
             <a:r>
